--- a/設計用資料/Structure.pptx
+++ b/設計用資料/Structure.pptx
@@ -4010,6 +4010,38 @@
               </a:rPr>
               <a:t>CTGSupporter</a:t>
             </a:r>
+            <a:endParaRPr kumimoji="1" lang="en-US" altLang="ja-JP" dirty="0">
+              <a:solidFill>
+                <a:schemeClr val="tx1"/>
+              </a:solidFill>
+            </a:endParaRPr>
+          </a:p>
+          <a:p>
+            <a:pPr algn="ctr"/>
+            <a:r>
+              <a:rPr kumimoji="1" lang="en-US" altLang="ja-JP" dirty="0">
+                <a:solidFill>
+                  <a:schemeClr val="tx1"/>
+                </a:solidFill>
+              </a:rPr>
+              <a:t>(Tone Generator Supporter</a:t>
+            </a:r>
+            <a:r>
+              <a:rPr kumimoji="1" lang="ja-JP" altLang="en-US" dirty="0">
+                <a:solidFill>
+                  <a:schemeClr val="tx1"/>
+                </a:solidFill>
+              </a:rPr>
+              <a:t> </a:t>
+            </a:r>
+            <a:r>
+              <a:rPr kumimoji="1" lang="en-US" altLang="ja-JP" dirty="0">
+                <a:solidFill>
+                  <a:schemeClr val="tx1"/>
+                </a:solidFill>
+              </a:rPr>
+              <a:t>Thread)</a:t>
+            </a:r>
             <a:endParaRPr kumimoji="1" lang="ja-JP" altLang="en-US" dirty="0">
               <a:solidFill>
                 <a:schemeClr val="tx1"/>
@@ -4033,7 +4065,7 @@
         <p:spPr>
           <a:xfrm>
             <a:off x="8031000" y="2099546"/>
-            <a:ext cx="3105000" cy="1293436"/>
+            <a:ext cx="3105000" cy="654454"/>
           </a:xfrm>
           <a:prstGeom prst="rect">
             <a:avLst/>
@@ -4064,28 +4096,23 @@
           <a:p>
             <a:pPr algn="ctr"/>
             <a:r>
+              <a:rPr kumimoji="1" lang="en-US" altLang="ja-JP" dirty="0">
+                <a:solidFill>
+                  <a:schemeClr val="tx1"/>
+                </a:solidFill>
+              </a:rPr>
+              <a:t>Anonymous Thread</a:t>
+            </a:r>
+          </a:p>
+          <a:p>
+            <a:pPr algn="ctr"/>
+            <a:r>
               <a:rPr kumimoji="1" lang="ja-JP" altLang="en-US" dirty="0">
                 <a:solidFill>
                   <a:schemeClr val="tx1"/>
                 </a:solidFill>
               </a:rPr>
-              <a:t>無名</a:t>
-            </a:r>
-            <a:r>
-              <a:rPr kumimoji="1" lang="en-US" altLang="ja-JP" dirty="0">
-                <a:solidFill>
-                  <a:schemeClr val="tx1"/>
-                </a:solidFill>
-              </a:rPr>
-              <a:t>Thread</a:t>
-            </a:r>
-            <a:r>
-              <a:rPr kumimoji="1" lang="ja-JP" altLang="en-US" dirty="0">
-                <a:solidFill>
-                  <a:schemeClr val="tx1"/>
-                </a:solidFill>
-              </a:rPr>
-              <a:t>（発振用）</a:t>
+              <a:t>（実時間発振用スレッド）</a:t>
             </a:r>
           </a:p>
         </p:txBody>
@@ -4104,8 +4131,8 @@
         </p:nvSpPr>
         <p:spPr>
           <a:xfrm>
-            <a:off x="6068656" y="2371501"/>
-            <a:ext cx="1557344" cy="1021481"/>
+            <a:off x="8031000" y="2898241"/>
+            <a:ext cx="3105000" cy="531754"/>
           </a:xfrm>
           <a:prstGeom prst="rect">
             <a:avLst/>
@@ -4174,7 +4201,7 @@
               <a:t>（</a:t>
             </a:r>
             <a:r>
-              <a:rPr lang="en-US" altLang="ja-JP" sz="1800">
+              <a:rPr lang="en-US" altLang="ja-JP" sz="1800" dirty="0" err="1">
                 <a:solidFill>
                   <a:srgbClr val="0000C0"/>
                 </a:solidFill>
@@ -4184,18 +4211,13 @@
               <a:t>byteBufferToneOn</a:t>
             </a:r>
             <a:r>
-              <a:rPr kumimoji="1" lang="ja-JP" altLang="en-US">
+              <a:rPr kumimoji="1" lang="ja-JP" altLang="en-US" dirty="0">
                 <a:solidFill>
                   <a:schemeClr val="tx1"/>
                 </a:solidFill>
               </a:rPr>
               <a:t>）</a:t>
             </a:r>
-            <a:endParaRPr kumimoji="1" lang="ja-JP" altLang="en-US" dirty="0">
-              <a:solidFill>
-                <a:schemeClr val="tx1"/>
-              </a:solidFill>
-            </a:endParaRPr>
           </a:p>
         </p:txBody>
       </p:sp>
@@ -4253,23 +4275,7 @@
                   <a:schemeClr val="tx1"/>
                 </a:solidFill>
               </a:rPr>
-              <a:t>WAVE</a:t>
-            </a:r>
-            <a:r>
-              <a:rPr kumimoji="1" lang="ja-JP" altLang="en-US" dirty="0">
-                <a:solidFill>
-                  <a:schemeClr val="tx1"/>
-                </a:solidFill>
-              </a:rPr>
-              <a:t>　</a:t>
-            </a:r>
-            <a:r>
-              <a:rPr kumimoji="1" lang="en-US" altLang="ja-JP" dirty="0">
-                <a:solidFill>
-                  <a:schemeClr val="tx1"/>
-                </a:solidFill>
-              </a:rPr>
-              <a:t>BUFFER</a:t>
+              <a:t>Data Accessor / misc. memory</a:t>
             </a:r>
             <a:endParaRPr kumimoji="1" lang="ja-JP" altLang="en-US" dirty="0">
               <a:solidFill>

--- a/設計用資料/Structure.pptx
+++ b/設計用資料/Structure.pptx
@@ -6,6 +6,7 @@
   </p:sldMasterIdLst>
   <p:sldIdLst>
     <p:sldId id="256" r:id="rId2"/>
+    <p:sldId id="257" r:id="rId3"/>
   </p:sldIdLst>
   <p:sldSz cx="12192000" cy="6858000"/>
   <p:notesSz cx="6858000" cy="9144000"/>
@@ -254,7 +255,7 @@
           <a:p>
             <a:fld id="{4BDB6327-F9A6-4E63-B1E9-56BC76741785}" type="datetimeFigureOut">
               <a:rPr kumimoji="1" lang="ja-JP" altLang="en-US" smtClean="0"/>
-              <a:t>2024/10/7</a:t>
+              <a:t>2024/10/8</a:t>
             </a:fld>
             <a:endParaRPr kumimoji="1" lang="ja-JP" altLang="en-US"/>
           </a:p>
@@ -456,7 +457,7 @@
           <a:p>
             <a:fld id="{4BDB6327-F9A6-4E63-B1E9-56BC76741785}" type="datetimeFigureOut">
               <a:rPr kumimoji="1" lang="ja-JP" altLang="en-US" smtClean="0"/>
-              <a:t>2024/10/7</a:t>
+              <a:t>2024/10/8</a:t>
             </a:fld>
             <a:endParaRPr kumimoji="1" lang="ja-JP" altLang="en-US"/>
           </a:p>
@@ -668,7 +669,7 @@
           <a:p>
             <a:fld id="{4BDB6327-F9A6-4E63-B1E9-56BC76741785}" type="datetimeFigureOut">
               <a:rPr kumimoji="1" lang="ja-JP" altLang="en-US" smtClean="0"/>
-              <a:t>2024/10/7</a:t>
+              <a:t>2024/10/8</a:t>
             </a:fld>
             <a:endParaRPr kumimoji="1" lang="ja-JP" altLang="en-US"/>
           </a:p>
@@ -870,7 +871,7 @@
           <a:p>
             <a:fld id="{4BDB6327-F9A6-4E63-B1E9-56BC76741785}" type="datetimeFigureOut">
               <a:rPr kumimoji="1" lang="ja-JP" altLang="en-US" smtClean="0"/>
-              <a:t>2024/10/7</a:t>
+              <a:t>2024/10/8</a:t>
             </a:fld>
             <a:endParaRPr kumimoji="1" lang="ja-JP" altLang="en-US"/>
           </a:p>
@@ -1116,7 +1117,7 @@
           <a:p>
             <a:fld id="{4BDB6327-F9A6-4E63-B1E9-56BC76741785}" type="datetimeFigureOut">
               <a:rPr kumimoji="1" lang="ja-JP" altLang="en-US" smtClean="0"/>
-              <a:t>2024/10/7</a:t>
+              <a:t>2024/10/8</a:t>
             </a:fld>
             <a:endParaRPr kumimoji="1" lang="ja-JP" altLang="en-US"/>
           </a:p>
@@ -1412,7 +1413,7 @@
           <a:p>
             <a:fld id="{4BDB6327-F9A6-4E63-B1E9-56BC76741785}" type="datetimeFigureOut">
               <a:rPr kumimoji="1" lang="ja-JP" altLang="en-US" smtClean="0"/>
-              <a:t>2024/10/7</a:t>
+              <a:t>2024/10/8</a:t>
             </a:fld>
             <a:endParaRPr kumimoji="1" lang="ja-JP" altLang="en-US"/>
           </a:p>
@@ -1843,7 +1844,7 @@
           <a:p>
             <a:fld id="{4BDB6327-F9A6-4E63-B1E9-56BC76741785}" type="datetimeFigureOut">
               <a:rPr kumimoji="1" lang="ja-JP" altLang="en-US" smtClean="0"/>
-              <a:t>2024/10/7</a:t>
+              <a:t>2024/10/8</a:t>
             </a:fld>
             <a:endParaRPr kumimoji="1" lang="ja-JP" altLang="en-US"/>
           </a:p>
@@ -1961,7 +1962,7 @@
           <a:p>
             <a:fld id="{4BDB6327-F9A6-4E63-B1E9-56BC76741785}" type="datetimeFigureOut">
               <a:rPr kumimoji="1" lang="ja-JP" altLang="en-US" smtClean="0"/>
-              <a:t>2024/10/7</a:t>
+              <a:t>2024/10/8</a:t>
             </a:fld>
             <a:endParaRPr kumimoji="1" lang="ja-JP" altLang="en-US"/>
           </a:p>
@@ -2056,7 +2057,7 @@
           <a:p>
             <a:fld id="{4BDB6327-F9A6-4E63-B1E9-56BC76741785}" type="datetimeFigureOut">
               <a:rPr kumimoji="1" lang="ja-JP" altLang="en-US" smtClean="0"/>
-              <a:t>2024/10/7</a:t>
+              <a:t>2024/10/8</a:t>
             </a:fld>
             <a:endParaRPr kumimoji="1" lang="ja-JP" altLang="en-US"/>
           </a:p>
@@ -2365,7 +2366,7 @@
           <a:p>
             <a:fld id="{4BDB6327-F9A6-4E63-B1E9-56BC76741785}" type="datetimeFigureOut">
               <a:rPr kumimoji="1" lang="ja-JP" altLang="en-US" smtClean="0"/>
-              <a:t>2024/10/7</a:t>
+              <a:t>2024/10/8</a:t>
             </a:fld>
             <a:endParaRPr kumimoji="1" lang="ja-JP" altLang="en-US"/>
           </a:p>
@@ -2622,7 +2623,7 @@
           <a:p>
             <a:fld id="{4BDB6327-F9A6-4E63-B1E9-56BC76741785}" type="datetimeFigureOut">
               <a:rPr kumimoji="1" lang="ja-JP" altLang="en-US" smtClean="0"/>
-              <a:t>2024/10/7</a:t>
+              <a:t>2024/10/8</a:t>
             </a:fld>
             <a:endParaRPr kumimoji="1" lang="ja-JP" altLang="en-US"/>
           </a:p>
@@ -2867,7 +2868,7 @@
           <a:p>
             <a:fld id="{4BDB6327-F9A6-4E63-B1E9-56BC76741785}" type="datetimeFigureOut">
               <a:rPr kumimoji="1" lang="ja-JP" altLang="en-US" smtClean="0"/>
-              <a:t>2024/10/7</a:t>
+              <a:t>2024/10/8</a:t>
             </a:fld>
             <a:endParaRPr kumimoji="1" lang="ja-JP" altLang="en-US"/>
           </a:p>
@@ -3286,7 +3287,7 @@
         </p:nvSpPr>
         <p:spPr>
           <a:xfrm>
-            <a:off x="315073" y="6065364"/>
+            <a:off x="810073" y="5615364"/>
             <a:ext cx="1440000" cy="585000"/>
           </a:xfrm>
           <a:prstGeom prst="rect">
@@ -3323,14 +3324,14 @@
             <a:r>
               <a:rPr kumimoji="1" lang="en-US" altLang="ja-JP" dirty="0">
                 <a:solidFill>
-                  <a:schemeClr val="tx1"/>
+                  <a:srgbClr val="FF0000"/>
                 </a:solidFill>
               </a:rPr>
               <a:t>App</a:t>
             </a:r>
             <a:endParaRPr kumimoji="1" lang="ja-JP" altLang="en-US" dirty="0">
               <a:solidFill>
-                <a:schemeClr val="tx1"/>
+                <a:srgbClr val="FF0000"/>
               </a:solidFill>
             </a:endParaRPr>
           </a:p>
@@ -3350,7 +3351,7 @@
         </p:nvSpPr>
         <p:spPr>
           <a:xfrm>
-            <a:off x="315073" y="5201925"/>
+            <a:off x="810073" y="4751925"/>
             <a:ext cx="1440000" cy="585000"/>
           </a:xfrm>
           <a:prstGeom prst="rect">
@@ -3387,14 +3388,14 @@
             <a:r>
               <a:rPr kumimoji="1" lang="en-US" altLang="ja-JP" dirty="0">
                 <a:solidFill>
-                  <a:schemeClr val="tx1"/>
+                  <a:srgbClr val="FF0000"/>
                 </a:solidFill>
               </a:rPr>
               <a:t>Main</a:t>
             </a:r>
             <a:endParaRPr kumimoji="1" lang="ja-JP" altLang="en-US" dirty="0">
               <a:solidFill>
-                <a:schemeClr val="tx1"/>
+                <a:srgbClr val="FF0000"/>
               </a:solidFill>
             </a:endParaRPr>
           </a:p>
@@ -3414,8 +3415,8 @@
         </p:nvSpPr>
         <p:spPr>
           <a:xfrm>
-            <a:off x="2770291" y="4940364"/>
-            <a:ext cx="9106636" cy="1917636"/>
+            <a:off x="3265291" y="4490364"/>
+            <a:ext cx="7735709" cy="1784568"/>
           </a:xfrm>
           <a:prstGeom prst="rect">
             <a:avLst/>
@@ -3453,16 +3454,19 @@
             <a:r>
               <a:rPr kumimoji="1" lang="en-US" altLang="ja-JP" dirty="0" err="1">
                 <a:solidFill>
+                  <a:srgbClr val="FF0000"/>
+                </a:solidFill>
+              </a:rPr>
+              <a:t>CComCenter</a:t>
+            </a:r>
+            <a:r>
+              <a:rPr kumimoji="1" lang="ja-JP" altLang="en-US" dirty="0">
+                <a:solidFill>
                   <a:schemeClr val="tx1"/>
                 </a:solidFill>
               </a:rPr>
-              <a:t>CComCenter</a:t>
-            </a:r>
-            <a:endParaRPr kumimoji="1" lang="ja-JP" altLang="en-US" dirty="0">
-              <a:solidFill>
-                <a:schemeClr val="tx1"/>
-              </a:solidFill>
-            </a:endParaRPr>
+              <a:t>（本システムに関する情報・処理を一括管理）</a:t>
+            </a:r>
           </a:p>
         </p:txBody>
       </p:sp>
@@ -3480,8 +3484,8 @@
         </p:nvSpPr>
         <p:spPr>
           <a:xfrm>
-            <a:off x="5662218" y="5021925"/>
-            <a:ext cx="6165000" cy="765000"/>
+            <a:off x="6157218" y="4751925"/>
+            <a:ext cx="4438782" cy="585000"/>
           </a:xfrm>
           <a:prstGeom prst="rect">
             <a:avLst/>
@@ -3568,14 +3572,14 @@
         </p:nvSpPr>
         <p:spPr>
           <a:xfrm>
-            <a:off x="4926000" y="133064"/>
-            <a:ext cx="6390000" cy="3285000"/>
+            <a:off x="5413564" y="849714"/>
+            <a:ext cx="5076218" cy="2700002"/>
           </a:xfrm>
           <a:prstGeom prst="rect">
             <a:avLst/>
           </a:prstGeom>
           <a:solidFill>
-            <a:srgbClr val="FEB0E8"/>
+            <a:srgbClr val="FFD5F3"/>
           </a:solidFill>
         </p:spPr>
         <p:style>
@@ -3601,14 +3605,14 @@
             <a:r>
               <a:rPr kumimoji="1" lang="en-US" altLang="ja-JP" dirty="0" err="1">
                 <a:solidFill>
-                  <a:schemeClr val="tx1"/>
+                  <a:srgbClr val="FF0000"/>
                 </a:solidFill>
               </a:rPr>
               <a:t>CToneGenerator</a:t>
             </a:r>
             <a:endParaRPr kumimoji="1" lang="en-US" altLang="ja-JP" dirty="0">
               <a:solidFill>
-                <a:schemeClr val="tx1"/>
+                <a:srgbClr val="FF0000"/>
               </a:solidFill>
             </a:endParaRPr>
           </a:p>
@@ -3662,8 +3666,8 @@
         </p:nvSpPr>
         <p:spPr>
           <a:xfrm>
-            <a:off x="315073" y="1775963"/>
-            <a:ext cx="3440927" cy="1135936"/>
+            <a:off x="1530509" y="2131882"/>
+            <a:ext cx="2720491" cy="527941"/>
           </a:xfrm>
           <a:prstGeom prst="rect">
             <a:avLst/>
@@ -3696,16 +3700,43 @@
             <a:r>
               <a:rPr kumimoji="1" lang="en-US" altLang="ja-JP" dirty="0" err="1">
                 <a:solidFill>
+                  <a:srgbClr val="FF0000"/>
+                </a:solidFill>
+              </a:rPr>
+              <a:t>CKeyHandler</a:t>
+            </a:r>
+            <a:endParaRPr kumimoji="1" lang="en-US" altLang="ja-JP" dirty="0">
+              <a:solidFill>
+                <a:srgbClr val="FF0000"/>
+              </a:solidFill>
+            </a:endParaRPr>
+          </a:p>
+          <a:p>
+            <a:pPr algn="ctr"/>
+            <a:r>
+              <a:rPr kumimoji="1" lang="ja-JP" altLang="en-US" dirty="0">
+                <a:solidFill>
                   <a:schemeClr val="tx1"/>
                 </a:solidFill>
               </a:rPr>
-              <a:t>CKeyHandler</a:t>
-            </a:r>
-            <a:endParaRPr kumimoji="1" lang="ja-JP" altLang="en-US" dirty="0">
-              <a:solidFill>
-                <a:schemeClr val="tx1"/>
-              </a:solidFill>
-            </a:endParaRPr>
+              <a:t>（</a:t>
+            </a:r>
+            <a:r>
+              <a:rPr kumimoji="1" lang="en-US" altLang="ja-JP" dirty="0">
+                <a:solidFill>
+                  <a:schemeClr val="tx1"/>
+                </a:solidFill>
+              </a:rPr>
+              <a:t>USB</a:t>
+            </a:r>
+            <a:r>
+              <a:rPr kumimoji="1" lang="ja-JP" altLang="en-US" dirty="0">
+                <a:solidFill>
+                  <a:schemeClr val="tx1"/>
+                </a:solidFill>
+              </a:rPr>
+              <a:t>絡みのキー処理）</a:t>
+            </a:r>
           </a:p>
         </p:txBody>
       </p:sp>
@@ -3723,8 +3754,8 @@
         </p:nvSpPr>
         <p:spPr>
           <a:xfrm>
-            <a:off x="335564" y="463081"/>
-            <a:ext cx="3440927" cy="1135936"/>
+            <a:off x="1551000" y="819000"/>
+            <a:ext cx="2720491" cy="527941"/>
           </a:xfrm>
           <a:prstGeom prst="rect">
             <a:avLst/>
@@ -3757,16 +3788,27 @@
             <a:r>
               <a:rPr kumimoji="1" lang="en-US" altLang="ja-JP" dirty="0" err="1">
                 <a:solidFill>
+                  <a:srgbClr val="FF0000"/>
+                </a:solidFill>
+              </a:rPr>
+              <a:t>CSendReveiveController</a:t>
+            </a:r>
+            <a:endParaRPr kumimoji="1" lang="en-US" altLang="ja-JP" dirty="0">
+              <a:solidFill>
+                <a:srgbClr val="FF0000"/>
+              </a:solidFill>
+            </a:endParaRPr>
+          </a:p>
+          <a:p>
+            <a:pPr algn="ctr"/>
+            <a:r>
+              <a:rPr kumimoji="1" lang="ja-JP" altLang="en-US" dirty="0">
+                <a:solidFill>
                   <a:schemeClr val="tx1"/>
                 </a:solidFill>
               </a:rPr>
-              <a:t>CSendReveiveController</a:t>
-            </a:r>
-            <a:endParaRPr kumimoji="1" lang="ja-JP" altLang="en-US" dirty="0">
-              <a:solidFill>
-                <a:schemeClr val="tx1"/>
-              </a:solidFill>
-            </a:endParaRPr>
+              <a:t>（送受信切替を処理）</a:t>
+            </a:r>
           </a:p>
         </p:txBody>
       </p:sp>
@@ -3784,8 +3826,8 @@
         </p:nvSpPr>
         <p:spPr>
           <a:xfrm>
-            <a:off x="335565" y="3161190"/>
-            <a:ext cx="3440927" cy="1135936"/>
+            <a:off x="1551001" y="3517109"/>
+            <a:ext cx="2720491" cy="527941"/>
           </a:xfrm>
           <a:prstGeom prst="rect">
             <a:avLst/>
@@ -3818,27 +3860,27 @@
             <a:r>
               <a:rPr kumimoji="1" lang="en-US" altLang="ja-JP" dirty="0" err="1">
                 <a:solidFill>
+                  <a:srgbClr val="FF0000"/>
+                </a:solidFill>
+              </a:rPr>
+              <a:t>CUIController</a:t>
+            </a:r>
+            <a:endParaRPr kumimoji="1" lang="en-US" altLang="ja-JP" dirty="0">
+              <a:solidFill>
+                <a:srgbClr val="FF0000"/>
+              </a:solidFill>
+            </a:endParaRPr>
+          </a:p>
+          <a:p>
+            <a:pPr algn="ctr"/>
+            <a:r>
+              <a:rPr kumimoji="1" lang="ja-JP" altLang="en-US" dirty="0">
+                <a:solidFill>
                   <a:schemeClr val="tx1"/>
                 </a:solidFill>
               </a:rPr>
-              <a:t>CUIController</a:t>
-            </a:r>
-            <a:endParaRPr kumimoji="1" lang="en-US" altLang="ja-JP" dirty="0">
-              <a:solidFill>
-                <a:schemeClr val="tx1"/>
-              </a:solidFill>
-            </a:endParaRPr>
-          </a:p>
-          <a:p>
-            <a:pPr algn="ctr"/>
-            <a:endParaRPr kumimoji="1" lang="en-US" altLang="ja-JP" dirty="0">
-              <a:solidFill>
-                <a:schemeClr val="tx1"/>
-              </a:solidFill>
-            </a:endParaRPr>
-          </a:p>
-          <a:p>
-            <a:pPr algn="ctr"/>
+              <a:t>（</a:t>
+            </a:r>
             <a:r>
               <a:rPr kumimoji="1" lang="en-US" altLang="ja-JP" dirty="0">
                 <a:solidFill>
@@ -3853,7 +3895,7 @@
                   <a:schemeClr val="tx1"/>
                 </a:solidFill>
               </a:rPr>
-              <a:t>を処理</a:t>
+              <a:t>を処理）</a:t>
             </a:r>
             <a:endParaRPr kumimoji="1" lang="en-US" altLang="ja-JP" dirty="0">
               <a:solidFill>
@@ -3877,14 +3919,14 @@
         </p:nvSpPr>
         <p:spPr>
           <a:xfrm>
-            <a:off x="5437218" y="729001"/>
-            <a:ext cx="6390000" cy="3285000"/>
+            <a:off x="5924782" y="1445651"/>
+            <a:ext cx="5076218" cy="2700002"/>
           </a:xfrm>
           <a:prstGeom prst="rect">
             <a:avLst/>
           </a:prstGeom>
           <a:solidFill>
-            <a:srgbClr val="FEB0E8"/>
+            <a:srgbClr val="FFD5F3"/>
           </a:solidFill>
         </p:spPr>
         <p:style>
@@ -3910,46 +3952,38 @@
             <a:r>
               <a:rPr kumimoji="1" lang="en-US" altLang="ja-JP" dirty="0" err="1">
                 <a:solidFill>
-                  <a:schemeClr val="tx1"/>
+                  <a:srgbClr val="FF0000"/>
                 </a:solidFill>
               </a:rPr>
               <a:t>CToneGenerator</a:t>
             </a:r>
             <a:endParaRPr kumimoji="1" lang="en-US" altLang="ja-JP" dirty="0">
               <a:solidFill>
-                <a:schemeClr val="tx1"/>
+                <a:srgbClr val="FF0000"/>
               </a:solidFill>
             </a:endParaRPr>
           </a:p>
           <a:p>
             <a:r>
               <a:rPr kumimoji="1" lang="ja-JP" altLang="en-US" dirty="0">
-                <a:solidFill>
-                  <a:schemeClr val="tx1"/>
-                </a:solidFill>
-              </a:rPr>
-              <a:t>　</a:t>
-            </a:r>
-            <a:r>
-              <a:rPr kumimoji="1" lang="en-US" altLang="ja-JP" dirty="0">
-                <a:solidFill>
-                  <a:schemeClr val="tx1"/>
-                </a:solidFill>
-              </a:rPr>
-              <a:t> (</a:t>
-            </a:r>
-            <a:r>
-              <a:rPr kumimoji="1" lang="en-US" altLang="ja-JP" b="1" dirty="0">
                 <a:solidFill>
                   <a:srgbClr val="FF0000"/>
                 </a:solidFill>
               </a:rPr>
-              <a:t>PC</a:t>
+              <a:t>　</a:t>
+            </a:r>
+            <a:r>
+              <a:rPr kumimoji="1" lang="en-US" altLang="ja-JP" dirty="0">
+                <a:solidFill>
+                  <a:srgbClr val="FF0000"/>
+                </a:solidFill>
+              </a:rPr>
+              <a:t> (PC</a:t>
             </a:r>
             <a:r>
               <a:rPr kumimoji="1" lang="ja-JP" altLang="en-US" dirty="0">
                 <a:solidFill>
-                  <a:schemeClr val="tx1"/>
+                  <a:srgbClr val="FF0000"/>
                 </a:solidFill>
               </a:rPr>
               <a:t>に供給するための発振オブジェクト）</a:t>
@@ -3971,8 +4005,8 @@
         </p:nvSpPr>
         <p:spPr>
           <a:xfrm>
-            <a:off x="5691000" y="1453575"/>
-            <a:ext cx="5760000" cy="2245425"/>
+            <a:off x="6299173" y="2043932"/>
+            <a:ext cx="4575746" cy="1964487"/>
           </a:xfrm>
           <a:prstGeom prst="rect">
             <a:avLst/>
@@ -4005,14 +4039,14 @@
             <a:r>
               <a:rPr kumimoji="1" lang="en-US" altLang="ja-JP" dirty="0" err="1">
                 <a:solidFill>
-                  <a:schemeClr val="tx1"/>
+                  <a:srgbClr val="FF0000"/>
                 </a:solidFill>
               </a:rPr>
               <a:t>CTGSupporter</a:t>
             </a:r>
             <a:endParaRPr kumimoji="1" lang="en-US" altLang="ja-JP" dirty="0">
               <a:solidFill>
-                <a:schemeClr val="tx1"/>
+                <a:srgbClr val="FF0000"/>
               </a:solidFill>
             </a:endParaRPr>
           </a:p>
@@ -4064,7 +4098,7 @@
         </p:nvSpPr>
         <p:spPr>
           <a:xfrm>
-            <a:off x="8031000" y="2099546"/>
+            <a:off x="6824109" y="2675013"/>
             <a:ext cx="3105000" cy="654454"/>
           </a:xfrm>
           <a:prstGeom prst="rect">
@@ -4131,7 +4165,7 @@
         </p:nvSpPr>
         <p:spPr>
           <a:xfrm>
-            <a:off x="8031000" y="2898241"/>
+            <a:off x="6824109" y="3361558"/>
             <a:ext cx="3105000" cy="531754"/>
           </a:xfrm>
           <a:prstGeom prst="rect">
@@ -4235,8 +4269,8 @@
         </p:nvSpPr>
         <p:spPr>
           <a:xfrm>
-            <a:off x="5675754" y="5894153"/>
-            <a:ext cx="6151463" cy="572962"/>
+            <a:off x="6170754" y="5444153"/>
+            <a:ext cx="4429035" cy="434293"/>
           </a:xfrm>
           <a:prstGeom prst="rect">
             <a:avLst/>
@@ -4295,6 +4329,7 @@
             </a:extLst>
           </p:cNvPr>
           <p:cNvCxnSpPr>
+            <a:cxnSpLocks/>
             <a:stCxn id="12" idx="3"/>
             <a:endCxn id="8" idx="1"/>
           </p:cNvCxnSpPr>
@@ -4302,17 +4337,17 @@
         </p:nvCxnSpPr>
         <p:spPr>
           <a:xfrm flipH="1">
-            <a:off x="2770291" y="3729158"/>
-            <a:ext cx="1006201" cy="2170024"/>
+            <a:off x="3265291" y="3781080"/>
+            <a:ext cx="1006201" cy="1601568"/>
           </a:xfrm>
           <a:prstGeom prst="bentConnector5">
             <a:avLst>
               <a:gd name="adj1" fmla="val -22719"/>
-              <a:gd name="adj2" fmla="val 40994"/>
-              <a:gd name="adj3" fmla="val 122719"/>
+              <a:gd name="adj2" fmla="val 30384"/>
+              <a:gd name="adj3" fmla="val 144750"/>
             </a:avLst>
           </a:prstGeom>
-          <a:ln w="38100">
+          <a:ln w="76200">
             <a:solidFill>
               <a:srgbClr val="00B050"/>
             </a:solidFill>
@@ -4344,6 +4379,7 @@
             </a:extLst>
           </p:cNvPr>
           <p:cNvCxnSpPr>
+            <a:cxnSpLocks/>
             <a:stCxn id="10" idx="3"/>
             <a:endCxn id="2" idx="1"/>
           </p:cNvCxnSpPr>
@@ -4351,15 +4387,15 @@
         </p:nvCxnSpPr>
         <p:spPr>
           <a:xfrm>
-            <a:off x="3756000" y="2343931"/>
-            <a:ext cx="1906218" cy="3060494"/>
+            <a:off x="4251000" y="2395853"/>
+            <a:ext cx="1906218" cy="2648572"/>
           </a:xfrm>
           <a:prstGeom prst="bentConnector3">
             <a:avLst>
-              <a:gd name="adj1" fmla="val 21412"/>
+              <a:gd name="adj1" fmla="val 23350"/>
             </a:avLst>
           </a:prstGeom>
-          <a:ln w="38100">
+          <a:ln w="76200">
             <a:solidFill>
               <a:srgbClr val="00B050"/>
             </a:solidFill>
@@ -4398,17 +4434,17 @@
         </p:nvCxnSpPr>
         <p:spPr>
           <a:xfrm rot="16200000" flipV="1">
-            <a:off x="6250677" y="2527884"/>
-            <a:ext cx="623082" cy="4365000"/>
+            <a:off x="6416167" y="2791483"/>
+            <a:ext cx="419004" cy="3501880"/>
           </a:xfrm>
           <a:prstGeom prst="bentConnector2">
             <a:avLst/>
           </a:prstGeom>
-          <a:ln w="38100">
+          <a:ln w="76200">
             <a:solidFill>
               <a:srgbClr val="00B050"/>
             </a:solidFill>
-            <a:headEnd type="none" w="med" len="med"/>
+            <a:headEnd type="triangle" w="med" len="med"/>
             <a:tailEnd type="none" w="med" len="med"/>
           </a:ln>
         </p:spPr>
@@ -4444,13 +4480,13 @@
         </p:nvCxnSpPr>
         <p:spPr>
           <a:xfrm rot="16200000" flipV="1">
-            <a:off x="2394208" y="2413333"/>
-            <a:ext cx="3367793" cy="603226"/>
+            <a:off x="2948136" y="2406327"/>
+            <a:ext cx="3249949" cy="603238"/>
           </a:xfrm>
           <a:prstGeom prst="bentConnector2">
             <a:avLst/>
           </a:prstGeom>
-          <a:ln w="38100">
+          <a:ln w="76200">
             <a:solidFill>
               <a:srgbClr val="00B050"/>
             </a:solidFill>
@@ -4488,14 +4524,14 @@
           <p:nvPr/>
         </p:nvCxnSpPr>
         <p:spPr>
-          <a:xfrm>
-            <a:off x="4379718" y="1775564"/>
-            <a:ext cx="546282" cy="0"/>
+          <a:xfrm flipV="1">
+            <a:off x="4867282" y="2199715"/>
+            <a:ext cx="546282" cy="10938"/>
           </a:xfrm>
           <a:prstGeom prst="straightConnector1">
             <a:avLst/>
           </a:prstGeom>
-          <a:ln w="38100">
+          <a:ln w="76200">
             <a:solidFill>
               <a:srgbClr val="00B050"/>
             </a:solidFill>
@@ -4534,16 +4570,3806 @@
         </p:nvCxnSpPr>
         <p:spPr>
           <a:xfrm>
-            <a:off x="4379718" y="2371501"/>
+            <a:off x="4867282" y="2795652"/>
             <a:ext cx="1057500" cy="0"/>
           </a:xfrm>
           <a:prstGeom prst="straightConnector1">
             <a:avLst/>
           </a:prstGeom>
-          <a:ln w="38100">
+          <a:ln w="76200">
             <a:solidFill>
               <a:srgbClr val="00B050"/>
             </a:solidFill>
+            <a:tailEnd type="triangle"/>
+          </a:ln>
+        </p:spPr>
+        <p:style>
+          <a:lnRef idx="1">
+            <a:schemeClr val="accent1"/>
+          </a:lnRef>
+          <a:fillRef idx="0">
+            <a:schemeClr val="accent1"/>
+          </a:fillRef>
+          <a:effectRef idx="0">
+            <a:schemeClr val="accent1"/>
+          </a:effectRef>
+          <a:fontRef idx="minor">
+            <a:schemeClr val="tx1"/>
+          </a:fontRef>
+        </p:style>
+      </p:cxnSp>
+      <p:cxnSp>
+        <p:nvCxnSpPr>
+          <p:cNvPr id="7" name="直線コネクタ 6">
+            <a:extLst>
+              <a:ext uri="{FF2B5EF4-FFF2-40B4-BE49-F238E27FC236}">
+                <a16:creationId xmlns:a16="http://schemas.microsoft.com/office/drawing/2014/main" id="{C2A93044-1058-B12F-04EB-5592CC5AA4D0}"/>
+              </a:ext>
+            </a:extLst>
+          </p:cNvPr>
+          <p:cNvCxnSpPr>
+            <a:cxnSpLocks/>
+          </p:cNvCxnSpPr>
+          <p:nvPr/>
+        </p:nvCxnSpPr>
+        <p:spPr>
+          <a:xfrm>
+            <a:off x="2824536" y="5184000"/>
+            <a:ext cx="3346218" cy="0"/>
+          </a:xfrm>
+          <a:prstGeom prst="line">
+            <a:avLst/>
+          </a:prstGeom>
+          <a:ln w="76200">
+            <a:solidFill>
+              <a:srgbClr val="00B050"/>
+            </a:solidFill>
+            <a:tailEnd type="triangle"/>
+          </a:ln>
+        </p:spPr>
+        <p:style>
+          <a:lnRef idx="1">
+            <a:schemeClr val="accent1"/>
+          </a:lnRef>
+          <a:fillRef idx="0">
+            <a:schemeClr val="accent1"/>
+          </a:fillRef>
+          <a:effectRef idx="0">
+            <a:schemeClr val="accent1"/>
+          </a:effectRef>
+          <a:fontRef idx="minor">
+            <a:schemeClr val="tx1"/>
+          </a:fontRef>
+        </p:style>
+      </p:cxnSp>
+      <p:sp>
+        <p:nvSpPr>
+          <p:cNvPr id="62" name="テキスト ボックス 61">
+            <a:extLst>
+              <a:ext uri="{FF2B5EF4-FFF2-40B4-BE49-F238E27FC236}">
+                <a16:creationId xmlns:a16="http://schemas.microsoft.com/office/drawing/2014/main" id="{1D3B0416-AE88-3B57-3965-836A930C1A0A}"/>
+              </a:ext>
+            </a:extLst>
+          </p:cNvPr>
+          <p:cNvSpPr txBox="1"/>
+          <p:nvPr/>
+        </p:nvSpPr>
+        <p:spPr>
+          <a:xfrm>
+            <a:off x="72842" y="5184000"/>
+            <a:ext cx="900000" cy="523220"/>
+          </a:xfrm>
+          <a:prstGeom prst="rect">
+            <a:avLst/>
+          </a:prstGeom>
+          <a:noFill/>
+        </p:spPr>
+        <p:txBody>
+          <a:bodyPr wrap="square" rtlCol="0">
+            <a:spAutoFit/>
+          </a:bodyPr>
+          <a:lstStyle/>
+          <a:p>
+            <a:r>
+              <a:rPr kumimoji="1" lang="en-US" altLang="ja-JP" sz="2800" dirty="0">
+                <a:latin typeface="ＭＳ ゴシック" panose="020B0609070205080204" pitchFamily="49" charset="-128"/>
+                <a:ea typeface="ＭＳ ゴシック" panose="020B0609070205080204" pitchFamily="49" charset="-128"/>
+              </a:rPr>
+              <a:t>1</a:t>
+            </a:r>
+            <a:endParaRPr kumimoji="1" lang="ja-JP" altLang="en-US" sz="2800" dirty="0">
+              <a:latin typeface="ＭＳ ゴシック" panose="020B0609070205080204" pitchFamily="49" charset="-128"/>
+              <a:ea typeface="ＭＳ ゴシック" panose="020B0609070205080204" pitchFamily="49" charset="-128"/>
+            </a:endParaRPr>
+          </a:p>
+        </p:txBody>
+      </p:sp>
+      <p:sp>
+        <p:nvSpPr>
+          <p:cNvPr id="63" name="テキスト ボックス 62">
+            <a:extLst>
+              <a:ext uri="{FF2B5EF4-FFF2-40B4-BE49-F238E27FC236}">
+                <a16:creationId xmlns:a16="http://schemas.microsoft.com/office/drawing/2014/main" id="{57C96FFA-F77A-2A07-DD93-933491482CF9}"/>
+              </a:ext>
+            </a:extLst>
+          </p:cNvPr>
+          <p:cNvSpPr txBox="1"/>
+          <p:nvPr/>
+        </p:nvSpPr>
+        <p:spPr>
+          <a:xfrm>
+            <a:off x="72842" y="6168712"/>
+            <a:ext cx="900000" cy="523220"/>
+          </a:xfrm>
+          <a:prstGeom prst="rect">
+            <a:avLst/>
+          </a:prstGeom>
+          <a:noFill/>
+        </p:spPr>
+        <p:txBody>
+          <a:bodyPr wrap="square" rtlCol="0">
+            <a:spAutoFit/>
+          </a:bodyPr>
+          <a:lstStyle/>
+          <a:p>
+            <a:r>
+              <a:rPr kumimoji="1" lang="en-US" altLang="ja-JP" sz="2800" dirty="0">
+                <a:latin typeface="ＭＳ ゴシック" panose="020B0609070205080204" pitchFamily="49" charset="-128"/>
+                <a:ea typeface="ＭＳ ゴシック" panose="020B0609070205080204" pitchFamily="49" charset="-128"/>
+              </a:rPr>
+              <a:t>2</a:t>
+            </a:r>
+            <a:endParaRPr kumimoji="1" lang="ja-JP" altLang="en-US" sz="2800" dirty="0">
+              <a:latin typeface="ＭＳ ゴシック" panose="020B0609070205080204" pitchFamily="49" charset="-128"/>
+              <a:ea typeface="ＭＳ ゴシック" panose="020B0609070205080204" pitchFamily="49" charset="-128"/>
+            </a:endParaRPr>
+          </a:p>
+        </p:txBody>
+      </p:sp>
+      <p:sp>
+        <p:nvSpPr>
+          <p:cNvPr id="64" name="テキスト ボックス 63">
+            <a:extLst>
+              <a:ext uri="{FF2B5EF4-FFF2-40B4-BE49-F238E27FC236}">
+                <a16:creationId xmlns:a16="http://schemas.microsoft.com/office/drawing/2014/main" id="{E5A7CD97-F309-FCC3-E94E-611565D6EE1A}"/>
+              </a:ext>
+            </a:extLst>
+          </p:cNvPr>
+          <p:cNvSpPr txBox="1"/>
+          <p:nvPr/>
+        </p:nvSpPr>
+        <p:spPr>
+          <a:xfrm>
+            <a:off x="190755" y="818382"/>
+            <a:ext cx="900000" cy="523220"/>
+          </a:xfrm>
+          <a:prstGeom prst="rect">
+            <a:avLst/>
+          </a:prstGeom>
+          <a:noFill/>
+        </p:spPr>
+        <p:txBody>
+          <a:bodyPr wrap="square" rtlCol="0">
+            <a:spAutoFit/>
+          </a:bodyPr>
+          <a:lstStyle/>
+          <a:p>
+            <a:r>
+              <a:rPr kumimoji="1" lang="en-US" altLang="ja-JP" sz="2800" dirty="0">
+                <a:latin typeface="ＭＳ ゴシック" panose="020B0609070205080204" pitchFamily="49" charset="-128"/>
+                <a:ea typeface="ＭＳ ゴシック" panose="020B0609070205080204" pitchFamily="49" charset="-128"/>
+              </a:rPr>
+              <a:t>3</a:t>
+            </a:r>
+            <a:endParaRPr kumimoji="1" lang="ja-JP" altLang="en-US" sz="2800" dirty="0">
+              <a:latin typeface="ＭＳ ゴシック" panose="020B0609070205080204" pitchFamily="49" charset="-128"/>
+              <a:ea typeface="ＭＳ ゴシック" panose="020B0609070205080204" pitchFamily="49" charset="-128"/>
+            </a:endParaRPr>
+          </a:p>
+        </p:txBody>
+      </p:sp>
+      <p:sp>
+        <p:nvSpPr>
+          <p:cNvPr id="65" name="テキスト ボックス 64">
+            <a:extLst>
+              <a:ext uri="{FF2B5EF4-FFF2-40B4-BE49-F238E27FC236}">
+                <a16:creationId xmlns:a16="http://schemas.microsoft.com/office/drawing/2014/main" id="{CFECB252-8093-05AA-46F8-B60C5C3DA749}"/>
+              </a:ext>
+            </a:extLst>
+          </p:cNvPr>
+          <p:cNvSpPr txBox="1"/>
+          <p:nvPr/>
+        </p:nvSpPr>
+        <p:spPr>
+          <a:xfrm>
+            <a:off x="190755" y="2043932"/>
+            <a:ext cx="900000" cy="523220"/>
+          </a:xfrm>
+          <a:prstGeom prst="rect">
+            <a:avLst/>
+          </a:prstGeom>
+          <a:noFill/>
+        </p:spPr>
+        <p:txBody>
+          <a:bodyPr wrap="square" rtlCol="0">
+            <a:spAutoFit/>
+          </a:bodyPr>
+          <a:lstStyle/>
+          <a:p>
+            <a:r>
+              <a:rPr kumimoji="1" lang="en-US" altLang="ja-JP" sz="2800" dirty="0">
+                <a:latin typeface="ＭＳ ゴシック" panose="020B0609070205080204" pitchFamily="49" charset="-128"/>
+                <a:ea typeface="ＭＳ ゴシック" panose="020B0609070205080204" pitchFamily="49" charset="-128"/>
+              </a:rPr>
+              <a:t>4</a:t>
+            </a:r>
+            <a:endParaRPr kumimoji="1" lang="ja-JP" altLang="en-US" sz="2800" dirty="0">
+              <a:latin typeface="ＭＳ ゴシック" panose="020B0609070205080204" pitchFamily="49" charset="-128"/>
+              <a:ea typeface="ＭＳ ゴシック" panose="020B0609070205080204" pitchFamily="49" charset="-128"/>
+            </a:endParaRPr>
+          </a:p>
+        </p:txBody>
+      </p:sp>
+      <p:sp>
+        <p:nvSpPr>
+          <p:cNvPr id="66" name="テキスト ボックス 65">
+            <a:extLst>
+              <a:ext uri="{FF2B5EF4-FFF2-40B4-BE49-F238E27FC236}">
+                <a16:creationId xmlns:a16="http://schemas.microsoft.com/office/drawing/2014/main" id="{453F0FC0-D489-FCF5-8D8B-1ADE281AE12B}"/>
+              </a:ext>
+            </a:extLst>
+          </p:cNvPr>
+          <p:cNvSpPr txBox="1"/>
+          <p:nvPr/>
+        </p:nvSpPr>
+        <p:spPr>
+          <a:xfrm>
+            <a:off x="11226000" y="144000"/>
+            <a:ext cx="900000" cy="523220"/>
+          </a:xfrm>
+          <a:prstGeom prst="rect">
+            <a:avLst/>
+          </a:prstGeom>
+          <a:noFill/>
+        </p:spPr>
+        <p:txBody>
+          <a:bodyPr wrap="square" rtlCol="0">
+            <a:spAutoFit/>
+          </a:bodyPr>
+          <a:lstStyle/>
+          <a:p>
+            <a:pPr algn="r"/>
+            <a:r>
+              <a:rPr kumimoji="1" lang="en-US" altLang="ja-JP" sz="2800" dirty="0">
+                <a:latin typeface="ＭＳ ゴシック" panose="020B0609070205080204" pitchFamily="49" charset="-128"/>
+                <a:ea typeface="ＭＳ ゴシック" panose="020B0609070205080204" pitchFamily="49" charset="-128"/>
+              </a:rPr>
+              <a:t>6</a:t>
+            </a:r>
+            <a:endParaRPr kumimoji="1" lang="ja-JP" altLang="en-US" sz="2800" dirty="0">
+              <a:latin typeface="ＭＳ ゴシック" panose="020B0609070205080204" pitchFamily="49" charset="-128"/>
+              <a:ea typeface="ＭＳ ゴシック" panose="020B0609070205080204" pitchFamily="49" charset="-128"/>
+            </a:endParaRPr>
+          </a:p>
+        </p:txBody>
+      </p:sp>
+      <p:sp>
+        <p:nvSpPr>
+          <p:cNvPr id="67" name="テキスト ボックス 66">
+            <a:extLst>
+              <a:ext uri="{FF2B5EF4-FFF2-40B4-BE49-F238E27FC236}">
+                <a16:creationId xmlns:a16="http://schemas.microsoft.com/office/drawing/2014/main" id="{1ABB9424-1CAA-301E-A7A0-977D6048D050}"/>
+              </a:ext>
+            </a:extLst>
+          </p:cNvPr>
+          <p:cNvSpPr txBox="1"/>
+          <p:nvPr/>
+        </p:nvSpPr>
+        <p:spPr>
+          <a:xfrm>
+            <a:off x="155191" y="3586705"/>
+            <a:ext cx="900000" cy="523220"/>
+          </a:xfrm>
+          <a:prstGeom prst="rect">
+            <a:avLst/>
+          </a:prstGeom>
+          <a:noFill/>
+        </p:spPr>
+        <p:txBody>
+          <a:bodyPr wrap="square" rtlCol="0">
+            <a:spAutoFit/>
+          </a:bodyPr>
+          <a:lstStyle/>
+          <a:p>
+            <a:r>
+              <a:rPr kumimoji="1" lang="en-US" altLang="ja-JP" sz="2800" dirty="0">
+                <a:latin typeface="ＭＳ ゴシック" panose="020B0609070205080204" pitchFamily="49" charset="-128"/>
+                <a:ea typeface="ＭＳ ゴシック" panose="020B0609070205080204" pitchFamily="49" charset="-128"/>
+              </a:rPr>
+              <a:t>5</a:t>
+            </a:r>
+            <a:endParaRPr kumimoji="1" lang="ja-JP" altLang="en-US" sz="2800" dirty="0">
+              <a:latin typeface="ＭＳ ゴシック" panose="020B0609070205080204" pitchFamily="49" charset="-128"/>
+              <a:ea typeface="ＭＳ ゴシック" panose="020B0609070205080204" pitchFamily="49" charset="-128"/>
+            </a:endParaRPr>
+          </a:p>
+        </p:txBody>
+      </p:sp>
+      <p:sp>
+        <p:nvSpPr>
+          <p:cNvPr id="68" name="テキスト ボックス 67">
+            <a:extLst>
+              <a:ext uri="{FF2B5EF4-FFF2-40B4-BE49-F238E27FC236}">
+                <a16:creationId xmlns:a16="http://schemas.microsoft.com/office/drawing/2014/main" id="{E98649F5-9126-0D15-FF73-513894380959}"/>
+              </a:ext>
+            </a:extLst>
+          </p:cNvPr>
+          <p:cNvSpPr txBox="1"/>
+          <p:nvPr/>
+        </p:nvSpPr>
+        <p:spPr>
+          <a:xfrm>
+            <a:off x="11226000" y="1202006"/>
+            <a:ext cx="900000" cy="523220"/>
+          </a:xfrm>
+          <a:prstGeom prst="rect">
+            <a:avLst/>
+          </a:prstGeom>
+          <a:noFill/>
+        </p:spPr>
+        <p:txBody>
+          <a:bodyPr wrap="square" rtlCol="0">
+            <a:spAutoFit/>
+          </a:bodyPr>
+          <a:lstStyle/>
+          <a:p>
+            <a:pPr algn="r"/>
+            <a:r>
+              <a:rPr kumimoji="1" lang="en-US" altLang="ja-JP" sz="2800" dirty="0">
+                <a:latin typeface="ＭＳ ゴシック" panose="020B0609070205080204" pitchFamily="49" charset="-128"/>
+                <a:ea typeface="ＭＳ ゴシック" panose="020B0609070205080204" pitchFamily="49" charset="-128"/>
+              </a:rPr>
+              <a:t>7</a:t>
+            </a:r>
+            <a:endParaRPr kumimoji="1" lang="ja-JP" altLang="en-US" sz="2800" dirty="0">
+              <a:latin typeface="ＭＳ ゴシック" panose="020B0609070205080204" pitchFamily="49" charset="-128"/>
+              <a:ea typeface="ＭＳ ゴシック" panose="020B0609070205080204" pitchFamily="49" charset="-128"/>
+            </a:endParaRPr>
+          </a:p>
+        </p:txBody>
+      </p:sp>
+      <p:sp>
+        <p:nvSpPr>
+          <p:cNvPr id="69" name="テキスト ボックス 68">
+            <a:extLst>
+              <a:ext uri="{FF2B5EF4-FFF2-40B4-BE49-F238E27FC236}">
+                <a16:creationId xmlns:a16="http://schemas.microsoft.com/office/drawing/2014/main" id="{BC20FDDA-2C82-4A66-9908-6C6F19587DC1}"/>
+              </a:ext>
+            </a:extLst>
+          </p:cNvPr>
+          <p:cNvSpPr txBox="1"/>
+          <p:nvPr/>
+        </p:nvSpPr>
+        <p:spPr>
+          <a:xfrm>
+            <a:off x="11249310" y="4077991"/>
+            <a:ext cx="900000" cy="523220"/>
+          </a:xfrm>
+          <a:prstGeom prst="rect">
+            <a:avLst/>
+          </a:prstGeom>
+          <a:noFill/>
+        </p:spPr>
+        <p:txBody>
+          <a:bodyPr wrap="square" rtlCol="0">
+            <a:spAutoFit/>
+          </a:bodyPr>
+          <a:lstStyle/>
+          <a:p>
+            <a:pPr algn="r"/>
+            <a:r>
+              <a:rPr kumimoji="1" lang="en-US" altLang="ja-JP" sz="2800" dirty="0">
+                <a:latin typeface="ＭＳ ゴシック" panose="020B0609070205080204" pitchFamily="49" charset="-128"/>
+                <a:ea typeface="ＭＳ ゴシック" panose="020B0609070205080204" pitchFamily="49" charset="-128"/>
+              </a:rPr>
+              <a:t>8</a:t>
+            </a:r>
+            <a:endParaRPr kumimoji="1" lang="ja-JP" altLang="en-US" sz="2800" dirty="0">
+              <a:latin typeface="ＭＳ ゴシック" panose="020B0609070205080204" pitchFamily="49" charset="-128"/>
+              <a:ea typeface="ＭＳ ゴシック" panose="020B0609070205080204" pitchFamily="49" charset="-128"/>
+            </a:endParaRPr>
+          </a:p>
+        </p:txBody>
+      </p:sp>
+      <p:sp>
+        <p:nvSpPr>
+          <p:cNvPr id="70" name="テキスト ボックス 69">
+            <a:extLst>
+              <a:ext uri="{FF2B5EF4-FFF2-40B4-BE49-F238E27FC236}">
+                <a16:creationId xmlns:a16="http://schemas.microsoft.com/office/drawing/2014/main" id="{975BA879-A13F-F01F-11C5-A7B54FC02853}"/>
+              </a:ext>
+            </a:extLst>
+          </p:cNvPr>
+          <p:cNvSpPr txBox="1"/>
+          <p:nvPr/>
+        </p:nvSpPr>
+        <p:spPr>
+          <a:xfrm>
+            <a:off x="11226000" y="5110780"/>
+            <a:ext cx="900000" cy="523220"/>
+          </a:xfrm>
+          <a:prstGeom prst="rect">
+            <a:avLst/>
+          </a:prstGeom>
+          <a:noFill/>
+        </p:spPr>
+        <p:txBody>
+          <a:bodyPr wrap="square" rtlCol="0">
+            <a:spAutoFit/>
+          </a:bodyPr>
+          <a:lstStyle/>
+          <a:p>
+            <a:pPr algn="r"/>
+            <a:r>
+              <a:rPr kumimoji="1" lang="en-US" altLang="ja-JP" sz="2800" dirty="0">
+                <a:latin typeface="ＭＳ ゴシック" panose="020B0609070205080204" pitchFamily="49" charset="-128"/>
+                <a:ea typeface="ＭＳ ゴシック" panose="020B0609070205080204" pitchFamily="49" charset="-128"/>
+              </a:rPr>
+              <a:t>11</a:t>
+            </a:r>
+            <a:endParaRPr kumimoji="1" lang="ja-JP" altLang="en-US" sz="2800" dirty="0">
+              <a:latin typeface="ＭＳ ゴシック" panose="020B0609070205080204" pitchFamily="49" charset="-128"/>
+              <a:ea typeface="ＭＳ ゴシック" panose="020B0609070205080204" pitchFamily="49" charset="-128"/>
+            </a:endParaRPr>
+          </a:p>
+        </p:txBody>
+      </p:sp>
+      <p:sp>
+        <p:nvSpPr>
+          <p:cNvPr id="71" name="テキスト ボックス 70">
+            <a:extLst>
+              <a:ext uri="{FF2B5EF4-FFF2-40B4-BE49-F238E27FC236}">
+                <a16:creationId xmlns:a16="http://schemas.microsoft.com/office/drawing/2014/main" id="{A7867604-C7DC-47A2-17F2-F29E3C227FB5}"/>
+              </a:ext>
+            </a:extLst>
+          </p:cNvPr>
+          <p:cNvSpPr txBox="1"/>
+          <p:nvPr/>
+        </p:nvSpPr>
+        <p:spPr>
+          <a:xfrm>
+            <a:off x="11249310" y="2746570"/>
+            <a:ext cx="900000" cy="523220"/>
+          </a:xfrm>
+          <a:prstGeom prst="rect">
+            <a:avLst/>
+          </a:prstGeom>
+          <a:noFill/>
+        </p:spPr>
+        <p:txBody>
+          <a:bodyPr wrap="square" rtlCol="0">
+            <a:spAutoFit/>
+          </a:bodyPr>
+          <a:lstStyle/>
+          <a:p>
+            <a:pPr algn="r"/>
+            <a:r>
+              <a:rPr kumimoji="1" lang="en-US" altLang="ja-JP" sz="2800" dirty="0">
+                <a:latin typeface="ＭＳ ゴシック" panose="020B0609070205080204" pitchFamily="49" charset="-128"/>
+                <a:ea typeface="ＭＳ ゴシック" panose="020B0609070205080204" pitchFamily="49" charset="-128"/>
+              </a:rPr>
+              <a:t>14</a:t>
+            </a:r>
+            <a:endParaRPr kumimoji="1" lang="ja-JP" altLang="en-US" sz="2800" dirty="0">
+              <a:latin typeface="ＭＳ ゴシック" panose="020B0609070205080204" pitchFamily="49" charset="-128"/>
+              <a:ea typeface="ＭＳ ゴシック" panose="020B0609070205080204" pitchFamily="49" charset="-128"/>
+            </a:endParaRPr>
+          </a:p>
+        </p:txBody>
+      </p:sp>
+      <p:sp>
+        <p:nvSpPr>
+          <p:cNvPr id="72" name="テキスト ボックス 71">
+            <a:extLst>
+              <a:ext uri="{FF2B5EF4-FFF2-40B4-BE49-F238E27FC236}">
+                <a16:creationId xmlns:a16="http://schemas.microsoft.com/office/drawing/2014/main" id="{FF7E6E4B-F706-0BCE-781A-17CEE3AF8840}"/>
+              </a:ext>
+            </a:extLst>
+          </p:cNvPr>
+          <p:cNvSpPr txBox="1"/>
+          <p:nvPr/>
+        </p:nvSpPr>
+        <p:spPr>
+          <a:xfrm>
+            <a:off x="11226000" y="1904089"/>
+            <a:ext cx="900000" cy="523220"/>
+          </a:xfrm>
+          <a:prstGeom prst="rect">
+            <a:avLst/>
+          </a:prstGeom>
+          <a:noFill/>
+        </p:spPr>
+        <p:txBody>
+          <a:bodyPr wrap="square" rtlCol="0">
+            <a:spAutoFit/>
+          </a:bodyPr>
+          <a:lstStyle/>
+          <a:p>
+            <a:pPr algn="r"/>
+            <a:r>
+              <a:rPr kumimoji="1" lang="en-US" altLang="ja-JP" sz="2800" dirty="0">
+                <a:latin typeface="ＭＳ ゴシック" panose="020B0609070205080204" pitchFamily="49" charset="-128"/>
+                <a:ea typeface="ＭＳ ゴシック" panose="020B0609070205080204" pitchFamily="49" charset="-128"/>
+              </a:rPr>
+              <a:t>13</a:t>
+            </a:r>
+            <a:endParaRPr kumimoji="1" lang="ja-JP" altLang="en-US" sz="2800" dirty="0">
+              <a:latin typeface="ＭＳ ゴシック" panose="020B0609070205080204" pitchFamily="49" charset="-128"/>
+              <a:ea typeface="ＭＳ ゴシック" panose="020B0609070205080204" pitchFamily="49" charset="-128"/>
+            </a:endParaRPr>
+          </a:p>
+        </p:txBody>
+      </p:sp>
+      <p:sp>
+        <p:nvSpPr>
+          <p:cNvPr id="73" name="テキスト ボックス 72">
+            <a:extLst>
+              <a:ext uri="{FF2B5EF4-FFF2-40B4-BE49-F238E27FC236}">
+                <a16:creationId xmlns:a16="http://schemas.microsoft.com/office/drawing/2014/main" id="{AF7AB9EA-17E8-DCE3-3D6E-3476CAB29BE5}"/>
+              </a:ext>
+            </a:extLst>
+          </p:cNvPr>
+          <p:cNvSpPr txBox="1"/>
+          <p:nvPr/>
+        </p:nvSpPr>
+        <p:spPr>
+          <a:xfrm>
+            <a:off x="11226000" y="5814000"/>
+            <a:ext cx="900000" cy="523220"/>
+          </a:xfrm>
+          <a:prstGeom prst="rect">
+            <a:avLst/>
+          </a:prstGeom>
+          <a:noFill/>
+        </p:spPr>
+        <p:txBody>
+          <a:bodyPr wrap="square" rtlCol="0">
+            <a:spAutoFit/>
+          </a:bodyPr>
+          <a:lstStyle/>
+          <a:p>
+            <a:pPr algn="r"/>
+            <a:r>
+              <a:rPr kumimoji="1" lang="en-US" altLang="ja-JP" sz="2800" dirty="0">
+                <a:latin typeface="ＭＳ ゴシック" panose="020B0609070205080204" pitchFamily="49" charset="-128"/>
+                <a:ea typeface="ＭＳ ゴシック" panose="020B0609070205080204" pitchFamily="49" charset="-128"/>
+              </a:rPr>
+              <a:t>12</a:t>
+            </a:r>
+            <a:endParaRPr kumimoji="1" lang="ja-JP" altLang="en-US" sz="2800" dirty="0">
+              <a:latin typeface="ＭＳ ゴシック" panose="020B0609070205080204" pitchFamily="49" charset="-128"/>
+              <a:ea typeface="ＭＳ ゴシック" panose="020B0609070205080204" pitchFamily="49" charset="-128"/>
+            </a:endParaRPr>
+          </a:p>
+        </p:txBody>
+      </p:sp>
+      <p:sp>
+        <p:nvSpPr>
+          <p:cNvPr id="74" name="フリーフォーム: 図形 73">
+            <a:extLst>
+              <a:ext uri="{FF2B5EF4-FFF2-40B4-BE49-F238E27FC236}">
+                <a16:creationId xmlns:a16="http://schemas.microsoft.com/office/drawing/2014/main" id="{72C49C85-1B31-C77C-C3C6-E204FE5CFF36}"/>
+              </a:ext>
+            </a:extLst>
+          </p:cNvPr>
+          <p:cNvSpPr/>
+          <p:nvPr/>
+        </p:nvSpPr>
+        <p:spPr>
+          <a:xfrm>
+            <a:off x="637309" y="870480"/>
+            <a:ext cx="914400" cy="375861"/>
+          </a:xfrm>
+          <a:custGeom>
+            <a:avLst/>
+            <a:gdLst>
+              <a:gd name="connsiteX0" fmla="*/ 0 w 914400"/>
+              <a:gd name="connsiteY0" fmla="*/ 163993 h 375861"/>
+              <a:gd name="connsiteX1" fmla="*/ 267855 w 914400"/>
+              <a:gd name="connsiteY1" fmla="*/ 6975 h 375861"/>
+              <a:gd name="connsiteX2" fmla="*/ 572655 w 914400"/>
+              <a:gd name="connsiteY2" fmla="*/ 367193 h 375861"/>
+              <a:gd name="connsiteX3" fmla="*/ 914400 w 914400"/>
+              <a:gd name="connsiteY3" fmla="*/ 228647 h 375861"/>
+            </a:gdLst>
+            <a:ahLst/>
+            <a:cxnLst>
+              <a:cxn ang="0">
+                <a:pos x="connsiteX0" y="connsiteY0"/>
+              </a:cxn>
+              <a:cxn ang="0">
+                <a:pos x="connsiteX1" y="connsiteY1"/>
+              </a:cxn>
+              <a:cxn ang="0">
+                <a:pos x="connsiteX2" y="connsiteY2"/>
+              </a:cxn>
+              <a:cxn ang="0">
+                <a:pos x="connsiteX3" y="connsiteY3"/>
+              </a:cxn>
+            </a:cxnLst>
+            <a:rect l="l" t="t" r="r" b="b"/>
+            <a:pathLst>
+              <a:path w="914400" h="375861">
+                <a:moveTo>
+                  <a:pt x="0" y="163993"/>
+                </a:moveTo>
+                <a:cubicBezTo>
+                  <a:pt x="86206" y="68550"/>
+                  <a:pt x="172413" y="-26892"/>
+                  <a:pt x="267855" y="6975"/>
+                </a:cubicBezTo>
+                <a:cubicBezTo>
+                  <a:pt x="363297" y="40842"/>
+                  <a:pt x="464898" y="330248"/>
+                  <a:pt x="572655" y="367193"/>
+                </a:cubicBezTo>
+                <a:cubicBezTo>
+                  <a:pt x="680412" y="404138"/>
+                  <a:pt x="797406" y="316392"/>
+                  <a:pt x="914400" y="228647"/>
+                </a:cubicBezTo>
+              </a:path>
+            </a:pathLst>
+          </a:custGeom>
+          <a:noFill/>
+          <a:ln w="38100"/>
+        </p:spPr>
+        <p:style>
+          <a:lnRef idx="2">
+            <a:schemeClr val="accent1">
+              <a:shade val="15000"/>
+            </a:schemeClr>
+          </a:lnRef>
+          <a:fillRef idx="1">
+            <a:schemeClr val="accent1"/>
+          </a:fillRef>
+          <a:effectRef idx="0">
+            <a:schemeClr val="accent1"/>
+          </a:effectRef>
+          <a:fontRef idx="minor">
+            <a:schemeClr val="lt1"/>
+          </a:fontRef>
+        </p:style>
+        <p:txBody>
+          <a:bodyPr rtlCol="0" anchor="ctr"/>
+          <a:lstStyle/>
+          <a:p>
+            <a:pPr algn="ctr"/>
+            <a:endParaRPr kumimoji="1" lang="ja-JP" altLang="en-US"/>
+          </a:p>
+        </p:txBody>
+      </p:sp>
+      <p:sp>
+        <p:nvSpPr>
+          <p:cNvPr id="75" name="フリーフォーム: 図形 74">
+            <a:extLst>
+              <a:ext uri="{FF2B5EF4-FFF2-40B4-BE49-F238E27FC236}">
+                <a16:creationId xmlns:a16="http://schemas.microsoft.com/office/drawing/2014/main" id="{82E9A548-F8AA-B21A-01DE-772F690B2181}"/>
+              </a:ext>
+            </a:extLst>
+          </p:cNvPr>
+          <p:cNvSpPr/>
+          <p:nvPr/>
+        </p:nvSpPr>
+        <p:spPr>
+          <a:xfrm>
+            <a:off x="640755" y="2206165"/>
+            <a:ext cx="914400" cy="375861"/>
+          </a:xfrm>
+          <a:custGeom>
+            <a:avLst/>
+            <a:gdLst>
+              <a:gd name="connsiteX0" fmla="*/ 0 w 914400"/>
+              <a:gd name="connsiteY0" fmla="*/ 163993 h 375861"/>
+              <a:gd name="connsiteX1" fmla="*/ 267855 w 914400"/>
+              <a:gd name="connsiteY1" fmla="*/ 6975 h 375861"/>
+              <a:gd name="connsiteX2" fmla="*/ 572655 w 914400"/>
+              <a:gd name="connsiteY2" fmla="*/ 367193 h 375861"/>
+              <a:gd name="connsiteX3" fmla="*/ 914400 w 914400"/>
+              <a:gd name="connsiteY3" fmla="*/ 228647 h 375861"/>
+            </a:gdLst>
+            <a:ahLst/>
+            <a:cxnLst>
+              <a:cxn ang="0">
+                <a:pos x="connsiteX0" y="connsiteY0"/>
+              </a:cxn>
+              <a:cxn ang="0">
+                <a:pos x="connsiteX1" y="connsiteY1"/>
+              </a:cxn>
+              <a:cxn ang="0">
+                <a:pos x="connsiteX2" y="connsiteY2"/>
+              </a:cxn>
+              <a:cxn ang="0">
+                <a:pos x="connsiteX3" y="connsiteY3"/>
+              </a:cxn>
+            </a:cxnLst>
+            <a:rect l="l" t="t" r="r" b="b"/>
+            <a:pathLst>
+              <a:path w="914400" h="375861">
+                <a:moveTo>
+                  <a:pt x="0" y="163993"/>
+                </a:moveTo>
+                <a:cubicBezTo>
+                  <a:pt x="86206" y="68550"/>
+                  <a:pt x="172413" y="-26892"/>
+                  <a:pt x="267855" y="6975"/>
+                </a:cubicBezTo>
+                <a:cubicBezTo>
+                  <a:pt x="363297" y="40842"/>
+                  <a:pt x="464898" y="330248"/>
+                  <a:pt x="572655" y="367193"/>
+                </a:cubicBezTo>
+                <a:cubicBezTo>
+                  <a:pt x="680412" y="404138"/>
+                  <a:pt x="797406" y="316392"/>
+                  <a:pt x="914400" y="228647"/>
+                </a:cubicBezTo>
+              </a:path>
+            </a:pathLst>
+          </a:custGeom>
+          <a:noFill/>
+          <a:ln w="38100"/>
+        </p:spPr>
+        <p:style>
+          <a:lnRef idx="2">
+            <a:schemeClr val="accent1">
+              <a:shade val="15000"/>
+            </a:schemeClr>
+          </a:lnRef>
+          <a:fillRef idx="1">
+            <a:schemeClr val="accent1"/>
+          </a:fillRef>
+          <a:effectRef idx="0">
+            <a:schemeClr val="accent1"/>
+          </a:effectRef>
+          <a:fontRef idx="minor">
+            <a:schemeClr val="lt1"/>
+          </a:fontRef>
+        </p:style>
+        <p:txBody>
+          <a:bodyPr rtlCol="0" anchor="ctr"/>
+          <a:lstStyle/>
+          <a:p>
+            <a:pPr algn="ctr"/>
+            <a:endParaRPr kumimoji="1" lang="ja-JP" altLang="en-US"/>
+          </a:p>
+        </p:txBody>
+      </p:sp>
+      <p:sp>
+        <p:nvSpPr>
+          <p:cNvPr id="76" name="フリーフォーム: 図形 75">
+            <a:extLst>
+              <a:ext uri="{FF2B5EF4-FFF2-40B4-BE49-F238E27FC236}">
+                <a16:creationId xmlns:a16="http://schemas.microsoft.com/office/drawing/2014/main" id="{0922606E-8917-78C3-19BE-1D1484910322}"/>
+              </a:ext>
+            </a:extLst>
+          </p:cNvPr>
+          <p:cNvSpPr/>
+          <p:nvPr/>
+        </p:nvSpPr>
+        <p:spPr>
+          <a:xfrm>
+            <a:off x="652009" y="3649487"/>
+            <a:ext cx="914400" cy="375861"/>
+          </a:xfrm>
+          <a:custGeom>
+            <a:avLst/>
+            <a:gdLst>
+              <a:gd name="connsiteX0" fmla="*/ 0 w 914400"/>
+              <a:gd name="connsiteY0" fmla="*/ 163993 h 375861"/>
+              <a:gd name="connsiteX1" fmla="*/ 267855 w 914400"/>
+              <a:gd name="connsiteY1" fmla="*/ 6975 h 375861"/>
+              <a:gd name="connsiteX2" fmla="*/ 572655 w 914400"/>
+              <a:gd name="connsiteY2" fmla="*/ 367193 h 375861"/>
+              <a:gd name="connsiteX3" fmla="*/ 914400 w 914400"/>
+              <a:gd name="connsiteY3" fmla="*/ 228647 h 375861"/>
+            </a:gdLst>
+            <a:ahLst/>
+            <a:cxnLst>
+              <a:cxn ang="0">
+                <a:pos x="connsiteX0" y="connsiteY0"/>
+              </a:cxn>
+              <a:cxn ang="0">
+                <a:pos x="connsiteX1" y="connsiteY1"/>
+              </a:cxn>
+              <a:cxn ang="0">
+                <a:pos x="connsiteX2" y="connsiteY2"/>
+              </a:cxn>
+              <a:cxn ang="0">
+                <a:pos x="connsiteX3" y="connsiteY3"/>
+              </a:cxn>
+            </a:cxnLst>
+            <a:rect l="l" t="t" r="r" b="b"/>
+            <a:pathLst>
+              <a:path w="914400" h="375861">
+                <a:moveTo>
+                  <a:pt x="0" y="163993"/>
+                </a:moveTo>
+                <a:cubicBezTo>
+                  <a:pt x="86206" y="68550"/>
+                  <a:pt x="172413" y="-26892"/>
+                  <a:pt x="267855" y="6975"/>
+                </a:cubicBezTo>
+                <a:cubicBezTo>
+                  <a:pt x="363297" y="40842"/>
+                  <a:pt x="464898" y="330248"/>
+                  <a:pt x="572655" y="367193"/>
+                </a:cubicBezTo>
+                <a:cubicBezTo>
+                  <a:pt x="680412" y="404138"/>
+                  <a:pt x="797406" y="316392"/>
+                  <a:pt x="914400" y="228647"/>
+                </a:cubicBezTo>
+              </a:path>
+            </a:pathLst>
+          </a:custGeom>
+          <a:noFill/>
+          <a:ln w="38100"/>
+        </p:spPr>
+        <p:style>
+          <a:lnRef idx="2">
+            <a:schemeClr val="accent1">
+              <a:shade val="15000"/>
+            </a:schemeClr>
+          </a:lnRef>
+          <a:fillRef idx="1">
+            <a:schemeClr val="accent1"/>
+          </a:fillRef>
+          <a:effectRef idx="0">
+            <a:schemeClr val="accent1"/>
+          </a:effectRef>
+          <a:fontRef idx="minor">
+            <a:schemeClr val="lt1"/>
+          </a:fontRef>
+        </p:style>
+        <p:txBody>
+          <a:bodyPr rtlCol="0" anchor="ctr"/>
+          <a:lstStyle/>
+          <a:p>
+            <a:pPr algn="ctr"/>
+            <a:endParaRPr kumimoji="1" lang="ja-JP" altLang="en-US"/>
+          </a:p>
+        </p:txBody>
+      </p:sp>
+      <p:sp>
+        <p:nvSpPr>
+          <p:cNvPr id="77" name="フリーフォーム: 図形 76">
+            <a:extLst>
+              <a:ext uri="{FF2B5EF4-FFF2-40B4-BE49-F238E27FC236}">
+                <a16:creationId xmlns:a16="http://schemas.microsoft.com/office/drawing/2014/main" id="{0FE37E3F-6CE5-E093-981F-B83B347623C1}"/>
+              </a:ext>
+            </a:extLst>
+          </p:cNvPr>
+          <p:cNvSpPr/>
+          <p:nvPr/>
+        </p:nvSpPr>
+        <p:spPr>
+          <a:xfrm>
+            <a:off x="424873" y="4941455"/>
+            <a:ext cx="378691" cy="471054"/>
+          </a:xfrm>
+          <a:custGeom>
+            <a:avLst/>
+            <a:gdLst>
+              <a:gd name="connsiteX0" fmla="*/ 0 w 378691"/>
+              <a:gd name="connsiteY0" fmla="*/ 471054 h 471054"/>
+              <a:gd name="connsiteX1" fmla="*/ 193963 w 378691"/>
+              <a:gd name="connsiteY1" fmla="*/ 286327 h 471054"/>
+              <a:gd name="connsiteX2" fmla="*/ 55418 w 378691"/>
+              <a:gd name="connsiteY2" fmla="*/ 110836 h 471054"/>
+              <a:gd name="connsiteX3" fmla="*/ 378691 w 378691"/>
+              <a:gd name="connsiteY3" fmla="*/ 0 h 471054"/>
+            </a:gdLst>
+            <a:ahLst/>
+            <a:cxnLst>
+              <a:cxn ang="0">
+                <a:pos x="connsiteX0" y="connsiteY0"/>
+              </a:cxn>
+              <a:cxn ang="0">
+                <a:pos x="connsiteX1" y="connsiteY1"/>
+              </a:cxn>
+              <a:cxn ang="0">
+                <a:pos x="connsiteX2" y="connsiteY2"/>
+              </a:cxn>
+              <a:cxn ang="0">
+                <a:pos x="connsiteX3" y="connsiteY3"/>
+              </a:cxn>
+            </a:cxnLst>
+            <a:rect l="l" t="t" r="r" b="b"/>
+            <a:pathLst>
+              <a:path w="378691" h="471054">
+                <a:moveTo>
+                  <a:pt x="0" y="471054"/>
+                </a:moveTo>
+                <a:cubicBezTo>
+                  <a:pt x="92363" y="408708"/>
+                  <a:pt x="184727" y="346363"/>
+                  <a:pt x="193963" y="286327"/>
+                </a:cubicBezTo>
+                <a:cubicBezTo>
+                  <a:pt x="203199" y="226291"/>
+                  <a:pt x="24630" y="158557"/>
+                  <a:pt x="55418" y="110836"/>
+                </a:cubicBezTo>
+                <a:cubicBezTo>
+                  <a:pt x="86206" y="63115"/>
+                  <a:pt x="232448" y="31557"/>
+                  <a:pt x="378691" y="0"/>
+                </a:cubicBezTo>
+              </a:path>
+            </a:pathLst>
+          </a:custGeom>
+          <a:noFill/>
+          <a:ln w="38100"/>
+        </p:spPr>
+        <p:style>
+          <a:lnRef idx="2">
+            <a:schemeClr val="accent1">
+              <a:shade val="15000"/>
+            </a:schemeClr>
+          </a:lnRef>
+          <a:fillRef idx="1">
+            <a:schemeClr val="accent1"/>
+          </a:fillRef>
+          <a:effectRef idx="0">
+            <a:schemeClr val="accent1"/>
+          </a:effectRef>
+          <a:fontRef idx="minor">
+            <a:schemeClr val="lt1"/>
+          </a:fontRef>
+        </p:style>
+        <p:txBody>
+          <a:bodyPr rtlCol="0" anchor="ctr"/>
+          <a:lstStyle/>
+          <a:p>
+            <a:pPr algn="ctr"/>
+            <a:endParaRPr kumimoji="1" lang="ja-JP" altLang="en-US"/>
+          </a:p>
+        </p:txBody>
+      </p:sp>
+      <p:sp>
+        <p:nvSpPr>
+          <p:cNvPr id="78" name="フリーフォーム: 図形 77">
+            <a:extLst>
+              <a:ext uri="{FF2B5EF4-FFF2-40B4-BE49-F238E27FC236}">
+                <a16:creationId xmlns:a16="http://schemas.microsoft.com/office/drawing/2014/main" id="{3D9465C4-90CE-6C4F-CFD4-12D877D12212}"/>
+              </a:ext>
+            </a:extLst>
+          </p:cNvPr>
+          <p:cNvSpPr/>
+          <p:nvPr/>
+        </p:nvSpPr>
+        <p:spPr>
+          <a:xfrm>
+            <a:off x="424873" y="5949765"/>
+            <a:ext cx="378691" cy="471054"/>
+          </a:xfrm>
+          <a:custGeom>
+            <a:avLst/>
+            <a:gdLst>
+              <a:gd name="connsiteX0" fmla="*/ 0 w 378691"/>
+              <a:gd name="connsiteY0" fmla="*/ 471054 h 471054"/>
+              <a:gd name="connsiteX1" fmla="*/ 193963 w 378691"/>
+              <a:gd name="connsiteY1" fmla="*/ 286327 h 471054"/>
+              <a:gd name="connsiteX2" fmla="*/ 55418 w 378691"/>
+              <a:gd name="connsiteY2" fmla="*/ 110836 h 471054"/>
+              <a:gd name="connsiteX3" fmla="*/ 378691 w 378691"/>
+              <a:gd name="connsiteY3" fmla="*/ 0 h 471054"/>
+            </a:gdLst>
+            <a:ahLst/>
+            <a:cxnLst>
+              <a:cxn ang="0">
+                <a:pos x="connsiteX0" y="connsiteY0"/>
+              </a:cxn>
+              <a:cxn ang="0">
+                <a:pos x="connsiteX1" y="connsiteY1"/>
+              </a:cxn>
+              <a:cxn ang="0">
+                <a:pos x="connsiteX2" y="connsiteY2"/>
+              </a:cxn>
+              <a:cxn ang="0">
+                <a:pos x="connsiteX3" y="connsiteY3"/>
+              </a:cxn>
+            </a:cxnLst>
+            <a:rect l="l" t="t" r="r" b="b"/>
+            <a:pathLst>
+              <a:path w="378691" h="471054">
+                <a:moveTo>
+                  <a:pt x="0" y="471054"/>
+                </a:moveTo>
+                <a:cubicBezTo>
+                  <a:pt x="92363" y="408708"/>
+                  <a:pt x="184727" y="346363"/>
+                  <a:pt x="193963" y="286327"/>
+                </a:cubicBezTo>
+                <a:cubicBezTo>
+                  <a:pt x="203199" y="226291"/>
+                  <a:pt x="24630" y="158557"/>
+                  <a:pt x="55418" y="110836"/>
+                </a:cubicBezTo>
+                <a:cubicBezTo>
+                  <a:pt x="86206" y="63115"/>
+                  <a:pt x="232448" y="31557"/>
+                  <a:pt x="378691" y="0"/>
+                </a:cubicBezTo>
+              </a:path>
+            </a:pathLst>
+          </a:custGeom>
+          <a:noFill/>
+          <a:ln w="38100"/>
+        </p:spPr>
+        <p:style>
+          <a:lnRef idx="2">
+            <a:schemeClr val="accent1">
+              <a:shade val="15000"/>
+            </a:schemeClr>
+          </a:lnRef>
+          <a:fillRef idx="1">
+            <a:schemeClr val="accent1"/>
+          </a:fillRef>
+          <a:effectRef idx="0">
+            <a:schemeClr val="accent1"/>
+          </a:effectRef>
+          <a:fontRef idx="minor">
+            <a:schemeClr val="lt1"/>
+          </a:fontRef>
+        </p:style>
+        <p:txBody>
+          <a:bodyPr rtlCol="0" anchor="ctr"/>
+          <a:lstStyle/>
+          <a:p>
+            <a:pPr algn="ctr"/>
+            <a:endParaRPr kumimoji="1" lang="ja-JP" altLang="en-US"/>
+          </a:p>
+        </p:txBody>
+      </p:sp>
+      <p:sp>
+        <p:nvSpPr>
+          <p:cNvPr id="79" name="フリーフォーム: 図形 78">
+            <a:extLst>
+              <a:ext uri="{FF2B5EF4-FFF2-40B4-BE49-F238E27FC236}">
+                <a16:creationId xmlns:a16="http://schemas.microsoft.com/office/drawing/2014/main" id="{5EAC1323-0587-BE77-2CB8-C6B9C4C26F14}"/>
+              </a:ext>
+            </a:extLst>
+          </p:cNvPr>
+          <p:cNvSpPr/>
+          <p:nvPr/>
+        </p:nvSpPr>
+        <p:spPr>
+          <a:xfrm>
+            <a:off x="10492509" y="397164"/>
+            <a:ext cx="1209964" cy="646545"/>
+          </a:xfrm>
+          <a:custGeom>
+            <a:avLst/>
+            <a:gdLst>
+              <a:gd name="connsiteX0" fmla="*/ 0 w 1209964"/>
+              <a:gd name="connsiteY0" fmla="*/ 646545 h 646545"/>
+              <a:gd name="connsiteX1" fmla="*/ 738909 w 1209964"/>
+              <a:gd name="connsiteY1" fmla="*/ 489527 h 646545"/>
+              <a:gd name="connsiteX2" fmla="*/ 517236 w 1209964"/>
+              <a:gd name="connsiteY2" fmla="*/ 193963 h 646545"/>
+              <a:gd name="connsiteX3" fmla="*/ 1209964 w 1209964"/>
+              <a:gd name="connsiteY3" fmla="*/ 0 h 646545"/>
+            </a:gdLst>
+            <a:ahLst/>
+            <a:cxnLst>
+              <a:cxn ang="0">
+                <a:pos x="connsiteX0" y="connsiteY0"/>
+              </a:cxn>
+              <a:cxn ang="0">
+                <a:pos x="connsiteX1" y="connsiteY1"/>
+              </a:cxn>
+              <a:cxn ang="0">
+                <a:pos x="connsiteX2" y="connsiteY2"/>
+              </a:cxn>
+              <a:cxn ang="0">
+                <a:pos x="connsiteX3" y="connsiteY3"/>
+              </a:cxn>
+            </a:cxnLst>
+            <a:rect l="l" t="t" r="r" b="b"/>
+            <a:pathLst>
+              <a:path w="1209964" h="646545">
+                <a:moveTo>
+                  <a:pt x="0" y="646545"/>
+                </a:moveTo>
+                <a:cubicBezTo>
+                  <a:pt x="326351" y="605751"/>
+                  <a:pt x="652703" y="564957"/>
+                  <a:pt x="738909" y="489527"/>
+                </a:cubicBezTo>
+                <a:cubicBezTo>
+                  <a:pt x="825115" y="414097"/>
+                  <a:pt x="438727" y="275551"/>
+                  <a:pt x="517236" y="193963"/>
+                </a:cubicBezTo>
+                <a:cubicBezTo>
+                  <a:pt x="595745" y="112375"/>
+                  <a:pt x="902854" y="56187"/>
+                  <a:pt x="1209964" y="0"/>
+                </a:cubicBezTo>
+              </a:path>
+            </a:pathLst>
+          </a:custGeom>
+          <a:noFill/>
+          <a:ln w="38100"/>
+        </p:spPr>
+        <p:style>
+          <a:lnRef idx="2">
+            <a:schemeClr val="accent1">
+              <a:shade val="15000"/>
+            </a:schemeClr>
+          </a:lnRef>
+          <a:fillRef idx="1">
+            <a:schemeClr val="accent1"/>
+          </a:fillRef>
+          <a:effectRef idx="0">
+            <a:schemeClr val="accent1"/>
+          </a:effectRef>
+          <a:fontRef idx="minor">
+            <a:schemeClr val="lt1"/>
+          </a:fontRef>
+        </p:style>
+        <p:txBody>
+          <a:bodyPr rtlCol="0" anchor="ctr"/>
+          <a:lstStyle/>
+          <a:p>
+            <a:pPr algn="ctr"/>
+            <a:endParaRPr kumimoji="1" lang="ja-JP" altLang="en-US"/>
+          </a:p>
+        </p:txBody>
+      </p:sp>
+      <p:sp>
+        <p:nvSpPr>
+          <p:cNvPr id="80" name="フリーフォーム: 図形 79">
+            <a:extLst>
+              <a:ext uri="{FF2B5EF4-FFF2-40B4-BE49-F238E27FC236}">
+                <a16:creationId xmlns:a16="http://schemas.microsoft.com/office/drawing/2014/main" id="{A77F2DDC-99DC-8186-96DE-402B8F652336}"/>
+              </a:ext>
+            </a:extLst>
+          </p:cNvPr>
+          <p:cNvSpPr/>
+          <p:nvPr/>
+        </p:nvSpPr>
+        <p:spPr>
+          <a:xfrm>
+            <a:off x="11009745" y="1477818"/>
+            <a:ext cx="729673" cy="323273"/>
+          </a:xfrm>
+          <a:custGeom>
+            <a:avLst/>
+            <a:gdLst>
+              <a:gd name="connsiteX0" fmla="*/ 0 w 729673"/>
+              <a:gd name="connsiteY0" fmla="*/ 323273 h 323273"/>
+              <a:gd name="connsiteX1" fmla="*/ 489528 w 729673"/>
+              <a:gd name="connsiteY1" fmla="*/ 203200 h 323273"/>
+              <a:gd name="connsiteX2" fmla="*/ 415637 w 729673"/>
+              <a:gd name="connsiteY2" fmla="*/ 36946 h 323273"/>
+              <a:gd name="connsiteX3" fmla="*/ 729673 w 729673"/>
+              <a:gd name="connsiteY3" fmla="*/ 0 h 323273"/>
+            </a:gdLst>
+            <a:ahLst/>
+            <a:cxnLst>
+              <a:cxn ang="0">
+                <a:pos x="connsiteX0" y="connsiteY0"/>
+              </a:cxn>
+              <a:cxn ang="0">
+                <a:pos x="connsiteX1" y="connsiteY1"/>
+              </a:cxn>
+              <a:cxn ang="0">
+                <a:pos x="connsiteX2" y="connsiteY2"/>
+              </a:cxn>
+              <a:cxn ang="0">
+                <a:pos x="connsiteX3" y="connsiteY3"/>
+              </a:cxn>
+            </a:cxnLst>
+            <a:rect l="l" t="t" r="r" b="b"/>
+            <a:pathLst>
+              <a:path w="729673" h="323273">
+                <a:moveTo>
+                  <a:pt x="0" y="323273"/>
+                </a:moveTo>
+                <a:cubicBezTo>
+                  <a:pt x="210127" y="287097"/>
+                  <a:pt x="420255" y="250921"/>
+                  <a:pt x="489528" y="203200"/>
+                </a:cubicBezTo>
+                <a:cubicBezTo>
+                  <a:pt x="558801" y="155479"/>
+                  <a:pt x="375613" y="70813"/>
+                  <a:pt x="415637" y="36946"/>
+                </a:cubicBezTo>
+                <a:cubicBezTo>
+                  <a:pt x="455661" y="3079"/>
+                  <a:pt x="592667" y="1539"/>
+                  <a:pt x="729673" y="0"/>
+                </a:cubicBezTo>
+              </a:path>
+            </a:pathLst>
+          </a:custGeom>
+          <a:noFill/>
+          <a:ln w="38100"/>
+        </p:spPr>
+        <p:style>
+          <a:lnRef idx="2">
+            <a:schemeClr val="accent1">
+              <a:shade val="15000"/>
+            </a:schemeClr>
+          </a:lnRef>
+          <a:fillRef idx="1">
+            <a:schemeClr val="accent1"/>
+          </a:fillRef>
+          <a:effectRef idx="0">
+            <a:schemeClr val="accent1"/>
+          </a:effectRef>
+          <a:fontRef idx="minor">
+            <a:schemeClr val="lt1"/>
+          </a:fontRef>
+        </p:style>
+        <p:txBody>
+          <a:bodyPr rtlCol="0" anchor="ctr"/>
+          <a:lstStyle/>
+          <a:p>
+            <a:pPr algn="ctr"/>
+            <a:endParaRPr kumimoji="1" lang="ja-JP" altLang="en-US"/>
+          </a:p>
+        </p:txBody>
+      </p:sp>
+      <p:sp>
+        <p:nvSpPr>
+          <p:cNvPr id="81" name="テキスト ボックス 80">
+            <a:extLst>
+              <a:ext uri="{FF2B5EF4-FFF2-40B4-BE49-F238E27FC236}">
+                <a16:creationId xmlns:a16="http://schemas.microsoft.com/office/drawing/2014/main" id="{1D424A1D-4B17-45E5-8F6B-A0648461C529}"/>
+              </a:ext>
+            </a:extLst>
+          </p:cNvPr>
+          <p:cNvSpPr txBox="1"/>
+          <p:nvPr/>
+        </p:nvSpPr>
+        <p:spPr>
+          <a:xfrm>
+            <a:off x="11246907" y="3370092"/>
+            <a:ext cx="900000" cy="523220"/>
+          </a:xfrm>
+          <a:prstGeom prst="rect">
+            <a:avLst/>
+          </a:prstGeom>
+          <a:noFill/>
+        </p:spPr>
+        <p:txBody>
+          <a:bodyPr wrap="square" rtlCol="0">
+            <a:spAutoFit/>
+          </a:bodyPr>
+          <a:lstStyle/>
+          <a:p>
+            <a:pPr algn="r"/>
+            <a:r>
+              <a:rPr kumimoji="1" lang="en-US" altLang="ja-JP" sz="2800" dirty="0">
+                <a:latin typeface="ＭＳ ゴシック" panose="020B0609070205080204" pitchFamily="49" charset="-128"/>
+                <a:ea typeface="ＭＳ ゴシック" panose="020B0609070205080204" pitchFamily="49" charset="-128"/>
+              </a:rPr>
+              <a:t>15</a:t>
+            </a:r>
+            <a:endParaRPr kumimoji="1" lang="ja-JP" altLang="en-US" sz="2800" dirty="0">
+              <a:latin typeface="ＭＳ ゴシック" panose="020B0609070205080204" pitchFamily="49" charset="-128"/>
+              <a:ea typeface="ＭＳ ゴシック" panose="020B0609070205080204" pitchFamily="49" charset="-128"/>
+            </a:endParaRPr>
+          </a:p>
+        </p:txBody>
+      </p:sp>
+      <p:sp>
+        <p:nvSpPr>
+          <p:cNvPr id="82" name="フリーフォーム: 図形 81">
+            <a:extLst>
+              <a:ext uri="{FF2B5EF4-FFF2-40B4-BE49-F238E27FC236}">
+                <a16:creationId xmlns:a16="http://schemas.microsoft.com/office/drawing/2014/main" id="{0D7397EF-499F-C05F-98D2-4F2BFE042EB2}"/>
+              </a:ext>
+            </a:extLst>
+          </p:cNvPr>
+          <p:cNvSpPr/>
+          <p:nvPr/>
+        </p:nvSpPr>
+        <p:spPr>
+          <a:xfrm>
+            <a:off x="11000509" y="4313382"/>
+            <a:ext cx="757382" cy="461818"/>
+          </a:xfrm>
+          <a:custGeom>
+            <a:avLst/>
+            <a:gdLst>
+              <a:gd name="connsiteX0" fmla="*/ 0 w 757382"/>
+              <a:gd name="connsiteY0" fmla="*/ 461818 h 461818"/>
+              <a:gd name="connsiteX1" fmla="*/ 332509 w 757382"/>
+              <a:gd name="connsiteY1" fmla="*/ 212436 h 461818"/>
+              <a:gd name="connsiteX2" fmla="*/ 314036 w 757382"/>
+              <a:gd name="connsiteY2" fmla="*/ 55418 h 461818"/>
+              <a:gd name="connsiteX3" fmla="*/ 757382 w 757382"/>
+              <a:gd name="connsiteY3" fmla="*/ 0 h 461818"/>
+            </a:gdLst>
+            <a:ahLst/>
+            <a:cxnLst>
+              <a:cxn ang="0">
+                <a:pos x="connsiteX0" y="connsiteY0"/>
+              </a:cxn>
+              <a:cxn ang="0">
+                <a:pos x="connsiteX1" y="connsiteY1"/>
+              </a:cxn>
+              <a:cxn ang="0">
+                <a:pos x="connsiteX2" y="connsiteY2"/>
+              </a:cxn>
+              <a:cxn ang="0">
+                <a:pos x="connsiteX3" y="connsiteY3"/>
+              </a:cxn>
+            </a:cxnLst>
+            <a:rect l="l" t="t" r="r" b="b"/>
+            <a:pathLst>
+              <a:path w="757382" h="461818">
+                <a:moveTo>
+                  <a:pt x="0" y="461818"/>
+                </a:moveTo>
+                <a:cubicBezTo>
+                  <a:pt x="140085" y="370993"/>
+                  <a:pt x="280170" y="280169"/>
+                  <a:pt x="332509" y="212436"/>
+                </a:cubicBezTo>
+                <a:cubicBezTo>
+                  <a:pt x="384848" y="144703"/>
+                  <a:pt x="243224" y="90824"/>
+                  <a:pt x="314036" y="55418"/>
+                </a:cubicBezTo>
+                <a:cubicBezTo>
+                  <a:pt x="384848" y="20012"/>
+                  <a:pt x="571115" y="10006"/>
+                  <a:pt x="757382" y="0"/>
+                </a:cubicBezTo>
+              </a:path>
+            </a:pathLst>
+          </a:custGeom>
+          <a:noFill/>
+          <a:ln w="38100"/>
+        </p:spPr>
+        <p:style>
+          <a:lnRef idx="2">
+            <a:schemeClr val="accent1">
+              <a:shade val="15000"/>
+            </a:schemeClr>
+          </a:lnRef>
+          <a:fillRef idx="1">
+            <a:schemeClr val="accent1"/>
+          </a:fillRef>
+          <a:effectRef idx="0">
+            <a:schemeClr val="accent1"/>
+          </a:effectRef>
+          <a:fontRef idx="minor">
+            <a:schemeClr val="lt1"/>
+          </a:fontRef>
+        </p:style>
+        <p:txBody>
+          <a:bodyPr rtlCol="0" anchor="ctr"/>
+          <a:lstStyle/>
+          <a:p>
+            <a:pPr algn="ctr"/>
+            <a:endParaRPr kumimoji="1" lang="ja-JP" altLang="en-US"/>
+          </a:p>
+        </p:txBody>
+      </p:sp>
+      <p:sp>
+        <p:nvSpPr>
+          <p:cNvPr id="83" name="フリーフォーム: 図形 82">
+            <a:extLst>
+              <a:ext uri="{FF2B5EF4-FFF2-40B4-BE49-F238E27FC236}">
+                <a16:creationId xmlns:a16="http://schemas.microsoft.com/office/drawing/2014/main" id="{2470CE37-5837-56BC-7C23-827621130712}"/>
+              </a:ext>
+            </a:extLst>
+          </p:cNvPr>
+          <p:cNvSpPr/>
+          <p:nvPr/>
+        </p:nvSpPr>
+        <p:spPr>
+          <a:xfrm>
+            <a:off x="10584873" y="4955430"/>
+            <a:ext cx="1034472" cy="337006"/>
+          </a:xfrm>
+          <a:custGeom>
+            <a:avLst/>
+            <a:gdLst>
+              <a:gd name="connsiteX0" fmla="*/ 0 w 1034472"/>
+              <a:gd name="connsiteY0" fmla="*/ 4497 h 337006"/>
+              <a:gd name="connsiteX1" fmla="*/ 591127 w 1034472"/>
+              <a:gd name="connsiteY1" fmla="*/ 32206 h 337006"/>
+              <a:gd name="connsiteX2" fmla="*/ 544945 w 1034472"/>
+              <a:gd name="connsiteY2" fmla="*/ 244643 h 337006"/>
+              <a:gd name="connsiteX3" fmla="*/ 1034472 w 1034472"/>
+              <a:gd name="connsiteY3" fmla="*/ 337006 h 337006"/>
+            </a:gdLst>
+            <a:ahLst/>
+            <a:cxnLst>
+              <a:cxn ang="0">
+                <a:pos x="connsiteX0" y="connsiteY0"/>
+              </a:cxn>
+              <a:cxn ang="0">
+                <a:pos x="connsiteX1" y="connsiteY1"/>
+              </a:cxn>
+              <a:cxn ang="0">
+                <a:pos x="connsiteX2" y="connsiteY2"/>
+              </a:cxn>
+              <a:cxn ang="0">
+                <a:pos x="connsiteX3" y="connsiteY3"/>
+              </a:cxn>
+            </a:cxnLst>
+            <a:rect l="l" t="t" r="r" b="b"/>
+            <a:pathLst>
+              <a:path w="1034472" h="337006">
+                <a:moveTo>
+                  <a:pt x="0" y="4497"/>
+                </a:moveTo>
+                <a:cubicBezTo>
+                  <a:pt x="250151" y="-1661"/>
+                  <a:pt x="500303" y="-7818"/>
+                  <a:pt x="591127" y="32206"/>
+                </a:cubicBezTo>
+                <a:cubicBezTo>
+                  <a:pt x="681951" y="72230"/>
+                  <a:pt x="471054" y="193843"/>
+                  <a:pt x="544945" y="244643"/>
+                </a:cubicBezTo>
+                <a:cubicBezTo>
+                  <a:pt x="618836" y="295443"/>
+                  <a:pt x="826654" y="316224"/>
+                  <a:pt x="1034472" y="337006"/>
+                </a:cubicBezTo>
+              </a:path>
+            </a:pathLst>
+          </a:custGeom>
+          <a:noFill/>
+          <a:ln w="38100"/>
+        </p:spPr>
+        <p:style>
+          <a:lnRef idx="2">
+            <a:schemeClr val="accent1">
+              <a:shade val="15000"/>
+            </a:schemeClr>
+          </a:lnRef>
+          <a:fillRef idx="1">
+            <a:schemeClr val="accent1"/>
+          </a:fillRef>
+          <a:effectRef idx="0">
+            <a:schemeClr val="accent1"/>
+          </a:effectRef>
+          <a:fontRef idx="minor">
+            <a:schemeClr val="lt1"/>
+          </a:fontRef>
+        </p:style>
+        <p:txBody>
+          <a:bodyPr rtlCol="0" anchor="ctr"/>
+          <a:lstStyle/>
+          <a:p>
+            <a:pPr algn="ctr"/>
+            <a:endParaRPr kumimoji="1" lang="ja-JP" altLang="en-US"/>
+          </a:p>
+        </p:txBody>
+      </p:sp>
+      <p:sp>
+        <p:nvSpPr>
+          <p:cNvPr id="84" name="フリーフォーム: 図形 83">
+            <a:extLst>
+              <a:ext uri="{FF2B5EF4-FFF2-40B4-BE49-F238E27FC236}">
+                <a16:creationId xmlns:a16="http://schemas.microsoft.com/office/drawing/2014/main" id="{B0E30DC2-FEF0-A843-D070-9D20903F4E53}"/>
+              </a:ext>
+            </a:extLst>
+          </p:cNvPr>
+          <p:cNvSpPr/>
+          <p:nvPr/>
+        </p:nvSpPr>
+        <p:spPr>
+          <a:xfrm>
+            <a:off x="10612582" y="5628219"/>
+            <a:ext cx="1034472" cy="337006"/>
+          </a:xfrm>
+          <a:custGeom>
+            <a:avLst/>
+            <a:gdLst>
+              <a:gd name="connsiteX0" fmla="*/ 0 w 1034472"/>
+              <a:gd name="connsiteY0" fmla="*/ 4497 h 337006"/>
+              <a:gd name="connsiteX1" fmla="*/ 591127 w 1034472"/>
+              <a:gd name="connsiteY1" fmla="*/ 32206 h 337006"/>
+              <a:gd name="connsiteX2" fmla="*/ 544945 w 1034472"/>
+              <a:gd name="connsiteY2" fmla="*/ 244643 h 337006"/>
+              <a:gd name="connsiteX3" fmla="*/ 1034472 w 1034472"/>
+              <a:gd name="connsiteY3" fmla="*/ 337006 h 337006"/>
+            </a:gdLst>
+            <a:ahLst/>
+            <a:cxnLst>
+              <a:cxn ang="0">
+                <a:pos x="connsiteX0" y="connsiteY0"/>
+              </a:cxn>
+              <a:cxn ang="0">
+                <a:pos x="connsiteX1" y="connsiteY1"/>
+              </a:cxn>
+              <a:cxn ang="0">
+                <a:pos x="connsiteX2" y="connsiteY2"/>
+              </a:cxn>
+              <a:cxn ang="0">
+                <a:pos x="connsiteX3" y="connsiteY3"/>
+              </a:cxn>
+            </a:cxnLst>
+            <a:rect l="l" t="t" r="r" b="b"/>
+            <a:pathLst>
+              <a:path w="1034472" h="337006">
+                <a:moveTo>
+                  <a:pt x="0" y="4497"/>
+                </a:moveTo>
+                <a:cubicBezTo>
+                  <a:pt x="250151" y="-1661"/>
+                  <a:pt x="500303" y="-7818"/>
+                  <a:pt x="591127" y="32206"/>
+                </a:cubicBezTo>
+                <a:cubicBezTo>
+                  <a:pt x="681951" y="72230"/>
+                  <a:pt x="471054" y="193843"/>
+                  <a:pt x="544945" y="244643"/>
+                </a:cubicBezTo>
+                <a:cubicBezTo>
+                  <a:pt x="618836" y="295443"/>
+                  <a:pt x="826654" y="316224"/>
+                  <a:pt x="1034472" y="337006"/>
+                </a:cubicBezTo>
+              </a:path>
+            </a:pathLst>
+          </a:custGeom>
+          <a:noFill/>
+          <a:ln w="38100"/>
+        </p:spPr>
+        <p:style>
+          <a:lnRef idx="2">
+            <a:schemeClr val="accent1">
+              <a:shade val="15000"/>
+            </a:schemeClr>
+          </a:lnRef>
+          <a:fillRef idx="1">
+            <a:schemeClr val="accent1"/>
+          </a:fillRef>
+          <a:effectRef idx="0">
+            <a:schemeClr val="accent1"/>
+          </a:effectRef>
+          <a:fontRef idx="minor">
+            <a:schemeClr val="lt1"/>
+          </a:fontRef>
+        </p:style>
+        <p:txBody>
+          <a:bodyPr rtlCol="0" anchor="ctr"/>
+          <a:lstStyle/>
+          <a:p>
+            <a:pPr algn="ctr"/>
+            <a:endParaRPr kumimoji="1" lang="ja-JP" altLang="en-US"/>
+          </a:p>
+        </p:txBody>
+      </p:sp>
+      <p:sp>
+        <p:nvSpPr>
+          <p:cNvPr id="85" name="フリーフォーム: 図形 84">
+            <a:extLst>
+              <a:ext uri="{FF2B5EF4-FFF2-40B4-BE49-F238E27FC236}">
+                <a16:creationId xmlns:a16="http://schemas.microsoft.com/office/drawing/2014/main" id="{69BC6377-8298-45E8-632F-9581E1624A7B}"/>
+              </a:ext>
+            </a:extLst>
+          </p:cNvPr>
+          <p:cNvSpPr/>
+          <p:nvPr/>
+        </p:nvSpPr>
+        <p:spPr>
+          <a:xfrm>
+            <a:off x="10871200" y="2179782"/>
+            <a:ext cx="766618" cy="378691"/>
+          </a:xfrm>
+          <a:custGeom>
+            <a:avLst/>
+            <a:gdLst>
+              <a:gd name="connsiteX0" fmla="*/ 0 w 766618"/>
+              <a:gd name="connsiteY0" fmla="*/ 378691 h 378691"/>
+              <a:gd name="connsiteX1" fmla="*/ 600364 w 766618"/>
+              <a:gd name="connsiteY1" fmla="*/ 249382 h 378691"/>
+              <a:gd name="connsiteX2" fmla="*/ 452582 w 766618"/>
+              <a:gd name="connsiteY2" fmla="*/ 83127 h 378691"/>
+              <a:gd name="connsiteX3" fmla="*/ 766618 w 766618"/>
+              <a:gd name="connsiteY3" fmla="*/ 0 h 378691"/>
+            </a:gdLst>
+            <a:ahLst/>
+            <a:cxnLst>
+              <a:cxn ang="0">
+                <a:pos x="connsiteX0" y="connsiteY0"/>
+              </a:cxn>
+              <a:cxn ang="0">
+                <a:pos x="connsiteX1" y="connsiteY1"/>
+              </a:cxn>
+              <a:cxn ang="0">
+                <a:pos x="connsiteX2" y="connsiteY2"/>
+              </a:cxn>
+              <a:cxn ang="0">
+                <a:pos x="connsiteX3" y="connsiteY3"/>
+              </a:cxn>
+            </a:cxnLst>
+            <a:rect l="l" t="t" r="r" b="b"/>
+            <a:pathLst>
+              <a:path w="766618" h="378691">
+                <a:moveTo>
+                  <a:pt x="0" y="378691"/>
+                </a:moveTo>
+                <a:cubicBezTo>
+                  <a:pt x="262467" y="338667"/>
+                  <a:pt x="524934" y="298643"/>
+                  <a:pt x="600364" y="249382"/>
+                </a:cubicBezTo>
+                <a:cubicBezTo>
+                  <a:pt x="675794" y="200121"/>
+                  <a:pt x="424873" y="124691"/>
+                  <a:pt x="452582" y="83127"/>
+                </a:cubicBezTo>
+                <a:cubicBezTo>
+                  <a:pt x="480291" y="41563"/>
+                  <a:pt x="623454" y="20781"/>
+                  <a:pt x="766618" y="0"/>
+                </a:cubicBezTo>
+              </a:path>
+            </a:pathLst>
+          </a:custGeom>
+          <a:noFill/>
+          <a:ln w="38100"/>
+        </p:spPr>
+        <p:style>
+          <a:lnRef idx="2">
+            <a:schemeClr val="accent1">
+              <a:shade val="15000"/>
+            </a:schemeClr>
+          </a:lnRef>
+          <a:fillRef idx="1">
+            <a:schemeClr val="accent1"/>
+          </a:fillRef>
+          <a:effectRef idx="0">
+            <a:schemeClr val="accent1"/>
+          </a:effectRef>
+          <a:fontRef idx="minor">
+            <a:schemeClr val="lt1"/>
+          </a:fontRef>
+        </p:style>
+        <p:txBody>
+          <a:bodyPr rtlCol="0" anchor="ctr"/>
+          <a:lstStyle/>
+          <a:p>
+            <a:pPr algn="ctr"/>
+            <a:endParaRPr kumimoji="1" lang="ja-JP" altLang="en-US"/>
+          </a:p>
+        </p:txBody>
+      </p:sp>
+      <p:sp>
+        <p:nvSpPr>
+          <p:cNvPr id="87" name="フリーフォーム: 図形 86">
+            <a:extLst>
+              <a:ext uri="{FF2B5EF4-FFF2-40B4-BE49-F238E27FC236}">
+                <a16:creationId xmlns:a16="http://schemas.microsoft.com/office/drawing/2014/main" id="{FFDB2D73-E1D0-BAA4-B8B8-5B3D549FA6F0}"/>
+              </a:ext>
+            </a:extLst>
+          </p:cNvPr>
+          <p:cNvSpPr/>
+          <p:nvPr/>
+        </p:nvSpPr>
+        <p:spPr>
+          <a:xfrm>
+            <a:off x="9929091" y="2899657"/>
+            <a:ext cx="1690254" cy="266135"/>
+          </a:xfrm>
+          <a:custGeom>
+            <a:avLst/>
+            <a:gdLst>
+              <a:gd name="connsiteX0" fmla="*/ 0 w 1690254"/>
+              <a:gd name="connsiteY0" fmla="*/ 203761 h 266135"/>
+              <a:gd name="connsiteX1" fmla="*/ 581891 w 1690254"/>
+              <a:gd name="connsiteY1" fmla="*/ 561 h 266135"/>
+              <a:gd name="connsiteX2" fmla="*/ 1348509 w 1690254"/>
+              <a:gd name="connsiteY2" fmla="*/ 259179 h 266135"/>
+              <a:gd name="connsiteX3" fmla="*/ 1690254 w 1690254"/>
+              <a:gd name="connsiteY3" fmla="*/ 166816 h 266135"/>
+            </a:gdLst>
+            <a:ahLst/>
+            <a:cxnLst>
+              <a:cxn ang="0">
+                <a:pos x="connsiteX0" y="connsiteY0"/>
+              </a:cxn>
+              <a:cxn ang="0">
+                <a:pos x="connsiteX1" y="connsiteY1"/>
+              </a:cxn>
+              <a:cxn ang="0">
+                <a:pos x="connsiteX2" y="connsiteY2"/>
+              </a:cxn>
+              <a:cxn ang="0">
+                <a:pos x="connsiteX3" y="connsiteY3"/>
+              </a:cxn>
+            </a:cxnLst>
+            <a:rect l="l" t="t" r="r" b="b"/>
+            <a:pathLst>
+              <a:path w="1690254" h="266135">
+                <a:moveTo>
+                  <a:pt x="0" y="203761"/>
+                </a:moveTo>
+                <a:cubicBezTo>
+                  <a:pt x="178569" y="97543"/>
+                  <a:pt x="357139" y="-8675"/>
+                  <a:pt x="581891" y="561"/>
+                </a:cubicBezTo>
+                <a:cubicBezTo>
+                  <a:pt x="806643" y="9797"/>
+                  <a:pt x="1163782" y="231470"/>
+                  <a:pt x="1348509" y="259179"/>
+                </a:cubicBezTo>
+                <a:cubicBezTo>
+                  <a:pt x="1533236" y="286888"/>
+                  <a:pt x="1611745" y="226852"/>
+                  <a:pt x="1690254" y="166816"/>
+                </a:cubicBezTo>
+              </a:path>
+            </a:pathLst>
+          </a:custGeom>
+          <a:noFill/>
+          <a:ln w="38100"/>
+        </p:spPr>
+        <p:style>
+          <a:lnRef idx="2">
+            <a:schemeClr val="accent1">
+              <a:shade val="15000"/>
+            </a:schemeClr>
+          </a:lnRef>
+          <a:fillRef idx="1">
+            <a:schemeClr val="accent1"/>
+          </a:fillRef>
+          <a:effectRef idx="0">
+            <a:schemeClr val="accent1"/>
+          </a:effectRef>
+          <a:fontRef idx="minor">
+            <a:schemeClr val="lt1"/>
+          </a:fontRef>
+        </p:style>
+        <p:txBody>
+          <a:bodyPr rtlCol="0" anchor="ctr"/>
+          <a:lstStyle/>
+          <a:p>
+            <a:pPr algn="ctr"/>
+            <a:endParaRPr kumimoji="1" lang="ja-JP" altLang="en-US"/>
+          </a:p>
+        </p:txBody>
+      </p:sp>
+      <p:sp>
+        <p:nvSpPr>
+          <p:cNvPr id="88" name="フリーフォーム: 図形 87">
+            <a:extLst>
+              <a:ext uri="{FF2B5EF4-FFF2-40B4-BE49-F238E27FC236}">
+                <a16:creationId xmlns:a16="http://schemas.microsoft.com/office/drawing/2014/main" id="{4EEE18A7-5169-253E-A50B-6C70D3D779A3}"/>
+              </a:ext>
+            </a:extLst>
+          </p:cNvPr>
+          <p:cNvSpPr/>
+          <p:nvPr/>
+        </p:nvSpPr>
+        <p:spPr>
+          <a:xfrm>
+            <a:off x="9924992" y="3475542"/>
+            <a:ext cx="1690254" cy="266135"/>
+          </a:xfrm>
+          <a:custGeom>
+            <a:avLst/>
+            <a:gdLst>
+              <a:gd name="connsiteX0" fmla="*/ 0 w 1690254"/>
+              <a:gd name="connsiteY0" fmla="*/ 203761 h 266135"/>
+              <a:gd name="connsiteX1" fmla="*/ 581891 w 1690254"/>
+              <a:gd name="connsiteY1" fmla="*/ 561 h 266135"/>
+              <a:gd name="connsiteX2" fmla="*/ 1348509 w 1690254"/>
+              <a:gd name="connsiteY2" fmla="*/ 259179 h 266135"/>
+              <a:gd name="connsiteX3" fmla="*/ 1690254 w 1690254"/>
+              <a:gd name="connsiteY3" fmla="*/ 166816 h 266135"/>
+            </a:gdLst>
+            <a:ahLst/>
+            <a:cxnLst>
+              <a:cxn ang="0">
+                <a:pos x="connsiteX0" y="connsiteY0"/>
+              </a:cxn>
+              <a:cxn ang="0">
+                <a:pos x="connsiteX1" y="connsiteY1"/>
+              </a:cxn>
+              <a:cxn ang="0">
+                <a:pos x="connsiteX2" y="connsiteY2"/>
+              </a:cxn>
+              <a:cxn ang="0">
+                <a:pos x="connsiteX3" y="connsiteY3"/>
+              </a:cxn>
+            </a:cxnLst>
+            <a:rect l="l" t="t" r="r" b="b"/>
+            <a:pathLst>
+              <a:path w="1690254" h="266135">
+                <a:moveTo>
+                  <a:pt x="0" y="203761"/>
+                </a:moveTo>
+                <a:cubicBezTo>
+                  <a:pt x="178569" y="97543"/>
+                  <a:pt x="357139" y="-8675"/>
+                  <a:pt x="581891" y="561"/>
+                </a:cubicBezTo>
+                <a:cubicBezTo>
+                  <a:pt x="806643" y="9797"/>
+                  <a:pt x="1163782" y="231470"/>
+                  <a:pt x="1348509" y="259179"/>
+                </a:cubicBezTo>
+                <a:cubicBezTo>
+                  <a:pt x="1533236" y="286888"/>
+                  <a:pt x="1611745" y="226852"/>
+                  <a:pt x="1690254" y="166816"/>
+                </a:cubicBezTo>
+              </a:path>
+            </a:pathLst>
+          </a:custGeom>
+          <a:noFill/>
+          <a:ln w="38100"/>
+        </p:spPr>
+        <p:style>
+          <a:lnRef idx="2">
+            <a:schemeClr val="accent1">
+              <a:shade val="15000"/>
+            </a:schemeClr>
+          </a:lnRef>
+          <a:fillRef idx="1">
+            <a:schemeClr val="accent1"/>
+          </a:fillRef>
+          <a:effectRef idx="0">
+            <a:schemeClr val="accent1"/>
+          </a:effectRef>
+          <a:fontRef idx="minor">
+            <a:schemeClr val="lt1"/>
+          </a:fontRef>
+        </p:style>
+        <p:txBody>
+          <a:bodyPr rtlCol="0" anchor="ctr"/>
+          <a:lstStyle/>
+          <a:p>
+            <a:pPr algn="ctr"/>
+            <a:endParaRPr kumimoji="1" lang="ja-JP" altLang="en-US"/>
+          </a:p>
+        </p:txBody>
+      </p:sp>
+      <p:sp>
+        <p:nvSpPr>
+          <p:cNvPr id="6" name="テキスト ボックス 5">
+            <a:extLst>
+              <a:ext uri="{FF2B5EF4-FFF2-40B4-BE49-F238E27FC236}">
+                <a16:creationId xmlns:a16="http://schemas.microsoft.com/office/drawing/2014/main" id="{5C919B81-01A2-BD8C-3AFF-7EB5844505A4}"/>
+              </a:ext>
+            </a:extLst>
+          </p:cNvPr>
+          <p:cNvSpPr txBox="1"/>
+          <p:nvPr/>
+        </p:nvSpPr>
+        <p:spPr>
+          <a:xfrm>
+            <a:off x="803564" y="144000"/>
+            <a:ext cx="4392436" cy="369332"/>
+          </a:xfrm>
+          <a:prstGeom prst="rect">
+            <a:avLst/>
+          </a:prstGeom>
+          <a:noFill/>
+        </p:spPr>
+        <p:txBody>
+          <a:bodyPr wrap="square" rtlCol="0">
+            <a:spAutoFit/>
+          </a:bodyPr>
+          <a:lstStyle/>
+          <a:p>
+            <a:r>
+              <a:rPr kumimoji="1" lang="en-US" altLang="ja-JP" dirty="0"/>
+              <a:t>F2A</a:t>
+            </a:r>
+            <a:r>
+              <a:rPr kumimoji="1" lang="ja-JP" altLang="en-US" dirty="0"/>
+              <a:t>のオブジェクト構成</a:t>
+            </a:r>
+          </a:p>
+        </p:txBody>
+      </p:sp>
+    </p:spTree>
+    <p:extLst>
+      <p:ext uri="{BB962C8B-B14F-4D97-AF65-F5344CB8AC3E}">
+        <p14:creationId xmlns:p14="http://schemas.microsoft.com/office/powerpoint/2010/main" val="559535459"/>
+      </p:ext>
+    </p:extLst>
+  </p:cSld>
+  <p:clrMapOvr>
+    <a:masterClrMapping/>
+  </p:clrMapOvr>
+</p:sld>
+</file>
+
+<file path=ppt/slides/slide2.xml><?xml version="1.0" encoding="utf-8"?>
+<p:sld xmlns:a="http://schemas.openxmlformats.org/drawingml/2006/main" xmlns:r="http://schemas.openxmlformats.org/officeDocument/2006/relationships" xmlns:p="http://schemas.openxmlformats.org/presentationml/2006/main">
+  <p:cSld>
+    <p:spTree>
+      <p:nvGrpSpPr>
+        <p:cNvPr id="1" name=""/>
+        <p:cNvGrpSpPr/>
+        <p:nvPr/>
+      </p:nvGrpSpPr>
+      <p:grpSpPr>
+        <a:xfrm>
+          <a:off x="0" y="0"/>
+          <a:ext cx="0" cy="0"/>
+          <a:chOff x="0" y="0"/>
+          <a:chExt cx="0" cy="0"/>
+        </a:xfrm>
+      </p:grpSpPr>
+      <p:sp>
+        <p:nvSpPr>
+          <p:cNvPr id="4" name="正方形/長方形 3">
+            <a:extLst>
+              <a:ext uri="{FF2B5EF4-FFF2-40B4-BE49-F238E27FC236}">
+                <a16:creationId xmlns:a16="http://schemas.microsoft.com/office/drawing/2014/main" id="{122E13BE-C8F9-6489-3B37-D2DD37D712EF}"/>
+              </a:ext>
+            </a:extLst>
+          </p:cNvPr>
+          <p:cNvSpPr/>
+          <p:nvPr/>
+        </p:nvSpPr>
+        <p:spPr>
+          <a:xfrm>
+            <a:off x="336000" y="376069"/>
+            <a:ext cx="6615000" cy="531754"/>
+          </a:xfrm>
+          <a:prstGeom prst="rect">
+            <a:avLst/>
+          </a:prstGeom>
+          <a:noFill/>
+        </p:spPr>
+        <p:style>
+          <a:lnRef idx="2">
+            <a:schemeClr val="accent1">
+              <a:shade val="15000"/>
+            </a:schemeClr>
+          </a:lnRef>
+          <a:fillRef idx="1">
+            <a:schemeClr val="accent1"/>
+          </a:fillRef>
+          <a:effectRef idx="0">
+            <a:schemeClr val="accent1"/>
+          </a:effectRef>
+          <a:fontRef idx="minor">
+            <a:schemeClr val="lt1"/>
+          </a:fontRef>
+        </p:style>
+        <p:txBody>
+          <a:bodyPr rtlCol="0" anchor="ctr"/>
+          <a:lstStyle/>
+          <a:p>
+            <a:pPr algn="ctr"/>
+            <a:r>
+              <a:rPr kumimoji="1" lang="en-US" altLang="ja-JP" dirty="0">
+                <a:solidFill>
+                  <a:schemeClr val="tx1"/>
+                </a:solidFill>
+              </a:rPr>
+              <a:t>WAVE</a:t>
+            </a:r>
+            <a:r>
+              <a:rPr kumimoji="1" lang="ja-JP" altLang="en-US" dirty="0">
+                <a:solidFill>
+                  <a:schemeClr val="tx1"/>
+                </a:solidFill>
+              </a:rPr>
+              <a:t>　</a:t>
+            </a:r>
+            <a:r>
+              <a:rPr kumimoji="1" lang="en-US" altLang="ja-JP" dirty="0">
+                <a:solidFill>
+                  <a:schemeClr val="tx1"/>
+                </a:solidFill>
+              </a:rPr>
+              <a:t>BUFFER</a:t>
+            </a:r>
+            <a:r>
+              <a:rPr kumimoji="1" lang="ja-JP" altLang="en-US" dirty="0">
+                <a:solidFill>
+                  <a:schemeClr val="tx1"/>
+                </a:solidFill>
+              </a:rPr>
+              <a:t>となる、</a:t>
+            </a:r>
+            <a:r>
+              <a:rPr lang="en-US" altLang="ja-JP" sz="1800" dirty="0" err="1">
+                <a:solidFill>
+                  <a:srgbClr val="0000C0"/>
+                </a:solidFill>
+                <a:effectLst/>
+                <a:latin typeface="Consolas" panose="020B0609020204030204" pitchFamily="49" charset="0"/>
+              </a:rPr>
+              <a:t>byteBufferToneOn</a:t>
+            </a:r>
+            <a:r>
+              <a:rPr lang="ja-JP" altLang="en-US" sz="1800" dirty="0">
+                <a:solidFill>
+                  <a:srgbClr val="0000C0"/>
+                </a:solidFill>
+                <a:effectLst/>
+                <a:latin typeface="Consolas" panose="020B0609020204030204" pitchFamily="49" charset="0"/>
+              </a:rPr>
+              <a:t>の構成・動作</a:t>
+            </a:r>
+            <a:endParaRPr kumimoji="1" lang="ja-JP" altLang="en-US" dirty="0">
+              <a:solidFill>
+                <a:schemeClr val="tx1"/>
+              </a:solidFill>
+            </a:endParaRPr>
+          </a:p>
+        </p:txBody>
+      </p:sp>
+      <p:graphicFrame>
+        <p:nvGraphicFramePr>
+          <p:cNvPr id="6" name="表 5">
+            <a:extLst>
+              <a:ext uri="{FF2B5EF4-FFF2-40B4-BE49-F238E27FC236}">
+                <a16:creationId xmlns:a16="http://schemas.microsoft.com/office/drawing/2014/main" id="{09A06AD8-2E46-CB0E-0D9C-32B98E3404B4}"/>
+              </a:ext>
+            </a:extLst>
+          </p:cNvPr>
+          <p:cNvGraphicFramePr>
+            <a:graphicFrameLocks noGrp="1"/>
+          </p:cNvGraphicFramePr>
+          <p:nvPr>
+            <p:extLst>
+              <p:ext uri="{D42A27DB-BD31-4B8C-83A1-F6EECF244321}">
+                <p14:modId xmlns:p14="http://schemas.microsoft.com/office/powerpoint/2010/main" val="3051888827"/>
+              </p:ext>
+            </p:extLst>
+          </p:nvPr>
+        </p:nvGraphicFramePr>
+        <p:xfrm>
+          <a:off x="1101000" y="1539000"/>
+          <a:ext cx="10395000" cy="4275000"/>
+        </p:xfrm>
+        <a:graphic>
+          <a:graphicData uri="http://schemas.openxmlformats.org/drawingml/2006/table">
+            <a:tbl>
+              <a:tblPr firstRow="1" firstCol="1" bandRow="1">
+                <a:tableStyleId>{5C22544A-7EE6-4342-B048-85BDC9FD1C3A}</a:tableStyleId>
+              </a:tblPr>
+              <a:tblGrid>
+                <a:gridCol w="1039500">
+                  <a:extLst>
+                    <a:ext uri="{9D8B030D-6E8A-4147-A177-3AD203B41FA5}">
+                      <a16:colId xmlns:a16="http://schemas.microsoft.com/office/drawing/2014/main" val="3726335712"/>
+                    </a:ext>
+                  </a:extLst>
+                </a:gridCol>
+                <a:gridCol w="1039500">
+                  <a:extLst>
+                    <a:ext uri="{9D8B030D-6E8A-4147-A177-3AD203B41FA5}">
+                      <a16:colId xmlns:a16="http://schemas.microsoft.com/office/drawing/2014/main" val="3404715808"/>
+                    </a:ext>
+                  </a:extLst>
+                </a:gridCol>
+                <a:gridCol w="1039500">
+                  <a:extLst>
+                    <a:ext uri="{9D8B030D-6E8A-4147-A177-3AD203B41FA5}">
+                      <a16:colId xmlns:a16="http://schemas.microsoft.com/office/drawing/2014/main" val="1386236171"/>
+                    </a:ext>
+                  </a:extLst>
+                </a:gridCol>
+                <a:gridCol w="1039500">
+                  <a:extLst>
+                    <a:ext uri="{9D8B030D-6E8A-4147-A177-3AD203B41FA5}">
+                      <a16:colId xmlns:a16="http://schemas.microsoft.com/office/drawing/2014/main" val="1860384356"/>
+                    </a:ext>
+                  </a:extLst>
+                </a:gridCol>
+                <a:gridCol w="1039500">
+                  <a:extLst>
+                    <a:ext uri="{9D8B030D-6E8A-4147-A177-3AD203B41FA5}">
+                      <a16:colId xmlns:a16="http://schemas.microsoft.com/office/drawing/2014/main" val="3734779952"/>
+                    </a:ext>
+                  </a:extLst>
+                </a:gridCol>
+                <a:gridCol w="1039500">
+                  <a:extLst>
+                    <a:ext uri="{9D8B030D-6E8A-4147-A177-3AD203B41FA5}">
+                      <a16:colId xmlns:a16="http://schemas.microsoft.com/office/drawing/2014/main" val="396812615"/>
+                    </a:ext>
+                  </a:extLst>
+                </a:gridCol>
+                <a:gridCol w="1039500">
+                  <a:extLst>
+                    <a:ext uri="{9D8B030D-6E8A-4147-A177-3AD203B41FA5}">
+                      <a16:colId xmlns:a16="http://schemas.microsoft.com/office/drawing/2014/main" val="575828728"/>
+                    </a:ext>
+                  </a:extLst>
+                </a:gridCol>
+                <a:gridCol w="1039500">
+                  <a:extLst>
+                    <a:ext uri="{9D8B030D-6E8A-4147-A177-3AD203B41FA5}">
+                      <a16:colId xmlns:a16="http://schemas.microsoft.com/office/drawing/2014/main" val="4109951683"/>
+                    </a:ext>
+                  </a:extLst>
+                </a:gridCol>
+                <a:gridCol w="1039500">
+                  <a:extLst>
+                    <a:ext uri="{9D8B030D-6E8A-4147-A177-3AD203B41FA5}">
+                      <a16:colId xmlns:a16="http://schemas.microsoft.com/office/drawing/2014/main" val="1544694530"/>
+                    </a:ext>
+                  </a:extLst>
+                </a:gridCol>
+                <a:gridCol w="1039500">
+                  <a:extLst>
+                    <a:ext uri="{9D8B030D-6E8A-4147-A177-3AD203B41FA5}">
+                      <a16:colId xmlns:a16="http://schemas.microsoft.com/office/drawing/2014/main" val="700075240"/>
+                    </a:ext>
+                  </a:extLst>
+                </a:gridCol>
+              </a:tblGrid>
+              <a:tr h="534375">
+                <a:tc>
+                  <a:txBody>
+                    <a:bodyPr/>
+                    <a:lstStyle/>
+                    <a:p>
+                      <a:pPr algn="ctr"/>
+                      <a:endParaRPr kumimoji="1" lang="ja-JP" altLang="en-US" dirty="0"/>
+                    </a:p>
+                  </a:txBody>
+                  <a:tcPr anchor="ctr"/>
+                </a:tc>
+                <a:tc>
+                  <a:txBody>
+                    <a:bodyPr/>
+                    <a:lstStyle/>
+                    <a:p>
+                      <a:pPr algn="ctr"/>
+                      <a:r>
+                        <a:rPr kumimoji="1" lang="en-US" altLang="ja-JP" dirty="0"/>
+                        <a:t>0</a:t>
+                      </a:r>
+                      <a:endParaRPr kumimoji="1" lang="ja-JP" altLang="en-US" dirty="0"/>
+                    </a:p>
+                  </a:txBody>
+                  <a:tcPr anchor="ctr"/>
+                </a:tc>
+                <a:tc>
+                  <a:txBody>
+                    <a:bodyPr/>
+                    <a:lstStyle/>
+                    <a:p>
+                      <a:pPr algn="ctr"/>
+                      <a:r>
+                        <a:rPr kumimoji="1" lang="en-US" altLang="ja-JP" dirty="0"/>
+                        <a:t>1</a:t>
+                      </a:r>
+                      <a:endParaRPr kumimoji="1" lang="ja-JP" altLang="en-US" dirty="0"/>
+                    </a:p>
+                  </a:txBody>
+                  <a:tcPr anchor="ctr"/>
+                </a:tc>
+                <a:tc>
+                  <a:txBody>
+                    <a:bodyPr/>
+                    <a:lstStyle/>
+                    <a:p>
+                      <a:pPr algn="ctr"/>
+                      <a:r>
+                        <a:rPr kumimoji="1" lang="en-US" altLang="ja-JP" dirty="0"/>
+                        <a:t>2</a:t>
+                      </a:r>
+                      <a:endParaRPr kumimoji="1" lang="ja-JP" altLang="en-US" dirty="0"/>
+                    </a:p>
+                  </a:txBody>
+                  <a:tcPr anchor="ctr"/>
+                </a:tc>
+                <a:tc>
+                  <a:txBody>
+                    <a:bodyPr/>
+                    <a:lstStyle/>
+                    <a:p>
+                      <a:pPr algn="ctr"/>
+                      <a:r>
+                        <a:rPr kumimoji="1" lang="en-US" altLang="ja-JP" dirty="0"/>
+                        <a:t>3</a:t>
+                      </a:r>
+                      <a:endParaRPr kumimoji="1" lang="ja-JP" altLang="en-US" dirty="0"/>
+                    </a:p>
+                  </a:txBody>
+                  <a:tcPr anchor="ctr"/>
+                </a:tc>
+                <a:tc>
+                  <a:txBody>
+                    <a:bodyPr/>
+                    <a:lstStyle/>
+                    <a:p>
+                      <a:pPr algn="ctr"/>
+                      <a:r>
+                        <a:rPr kumimoji="1" lang="en-US" altLang="ja-JP" dirty="0">
+                          <a:solidFill>
+                            <a:srgbClr val="FF0000"/>
+                          </a:solidFill>
+                        </a:rPr>
+                        <a:t>…</a:t>
+                      </a:r>
+                      <a:endParaRPr kumimoji="1" lang="ja-JP" altLang="en-US" dirty="0">
+                        <a:solidFill>
+                          <a:srgbClr val="FF0000"/>
+                        </a:solidFill>
+                      </a:endParaRPr>
+                    </a:p>
+                  </a:txBody>
+                  <a:tcPr anchor="ctr">
+                    <a:solidFill>
+                      <a:schemeClr val="bg1">
+                        <a:lumMod val="85000"/>
+                      </a:schemeClr>
+                    </a:solidFill>
+                  </a:tcPr>
+                </a:tc>
+                <a:tc>
+                  <a:txBody>
+                    <a:bodyPr/>
+                    <a:lstStyle/>
+                    <a:p>
+                      <a:pPr algn="ctr"/>
+                      <a:r>
+                        <a:rPr kumimoji="1" lang="en-US" altLang="ja-JP" dirty="0"/>
+                        <a:t>N-4</a:t>
+                      </a:r>
+                      <a:endParaRPr kumimoji="1" lang="ja-JP" altLang="en-US" dirty="0"/>
+                    </a:p>
+                  </a:txBody>
+                  <a:tcPr anchor="ctr"/>
+                </a:tc>
+                <a:tc>
+                  <a:txBody>
+                    <a:bodyPr/>
+                    <a:lstStyle/>
+                    <a:p>
+                      <a:pPr algn="ctr"/>
+                      <a:r>
+                        <a:rPr kumimoji="1" lang="en-US" altLang="ja-JP" dirty="0"/>
+                        <a:t>N-3</a:t>
+                      </a:r>
+                      <a:endParaRPr kumimoji="1" lang="ja-JP" altLang="en-US" dirty="0"/>
+                    </a:p>
+                  </a:txBody>
+                  <a:tcPr anchor="ctr"/>
+                </a:tc>
+                <a:tc>
+                  <a:txBody>
+                    <a:bodyPr/>
+                    <a:lstStyle/>
+                    <a:p>
+                      <a:pPr algn="ctr"/>
+                      <a:r>
+                        <a:rPr kumimoji="1" lang="en-US" altLang="ja-JP" dirty="0"/>
+                        <a:t>N-2</a:t>
+                      </a:r>
+                      <a:endParaRPr kumimoji="1" lang="ja-JP" altLang="en-US" dirty="0"/>
+                    </a:p>
+                  </a:txBody>
+                  <a:tcPr anchor="ctr"/>
+                </a:tc>
+                <a:tc>
+                  <a:txBody>
+                    <a:bodyPr/>
+                    <a:lstStyle/>
+                    <a:p>
+                      <a:pPr algn="ctr"/>
+                      <a:r>
+                        <a:rPr kumimoji="1" lang="en-US" altLang="ja-JP" dirty="0"/>
+                        <a:t>N-1</a:t>
+                      </a:r>
+                      <a:endParaRPr kumimoji="1" lang="ja-JP" altLang="en-US" dirty="0"/>
+                    </a:p>
+                  </a:txBody>
+                  <a:tcPr anchor="ctr"/>
+                </a:tc>
+                <a:extLst>
+                  <a:ext uri="{0D108BD9-81ED-4DB2-BD59-A6C34878D82A}">
+                    <a16:rowId xmlns:a16="http://schemas.microsoft.com/office/drawing/2014/main" val="1467265835"/>
+                  </a:ext>
+                </a:extLst>
+              </a:tr>
+              <a:tr h="534375">
+                <a:tc>
+                  <a:txBody>
+                    <a:bodyPr/>
+                    <a:lstStyle/>
+                    <a:p>
+                      <a:pPr algn="ctr"/>
+                      <a:r>
+                        <a:rPr kumimoji="1" lang="en-US" altLang="ja-JP" dirty="0"/>
+                        <a:t>0</a:t>
+                      </a:r>
+                      <a:endParaRPr kumimoji="1" lang="ja-JP" altLang="en-US" dirty="0"/>
+                    </a:p>
+                  </a:txBody>
+                  <a:tcPr anchor="ctr"/>
+                </a:tc>
+                <a:tc>
+                  <a:txBody>
+                    <a:bodyPr/>
+                    <a:lstStyle/>
+                    <a:p>
+                      <a:endParaRPr kumimoji="1" lang="ja-JP" altLang="en-US"/>
+                    </a:p>
+                  </a:txBody>
+                  <a:tcPr anchor="ctr"/>
+                </a:tc>
+                <a:tc>
+                  <a:txBody>
+                    <a:bodyPr/>
+                    <a:lstStyle/>
+                    <a:p>
+                      <a:endParaRPr kumimoji="1" lang="ja-JP" altLang="en-US" dirty="0"/>
+                    </a:p>
+                  </a:txBody>
+                  <a:tcPr anchor="ctr"/>
+                </a:tc>
+                <a:tc>
+                  <a:txBody>
+                    <a:bodyPr/>
+                    <a:lstStyle/>
+                    <a:p>
+                      <a:endParaRPr kumimoji="1" lang="ja-JP" altLang="en-US"/>
+                    </a:p>
+                  </a:txBody>
+                  <a:tcPr anchor="ctr"/>
+                </a:tc>
+                <a:tc>
+                  <a:txBody>
+                    <a:bodyPr/>
+                    <a:lstStyle/>
+                    <a:p>
+                      <a:endParaRPr kumimoji="1" lang="ja-JP" altLang="en-US"/>
+                    </a:p>
+                  </a:txBody>
+                  <a:tcPr anchor="ctr"/>
+                </a:tc>
+                <a:tc>
+                  <a:txBody>
+                    <a:bodyPr/>
+                    <a:lstStyle/>
+                    <a:p>
+                      <a:pPr marL="0" marR="0" lvl="0" indent="0" algn="ctr" defTabSz="914400" rtl="0" eaLnBrk="1" fontAlgn="auto" latinLnBrk="0" hangingPunct="1">
+                        <a:lnSpc>
+                          <a:spcPct val="100000"/>
+                        </a:lnSpc>
+                        <a:spcBef>
+                          <a:spcPts val="0"/>
+                        </a:spcBef>
+                        <a:spcAft>
+                          <a:spcPts val="0"/>
+                        </a:spcAft>
+                        <a:buClrTx/>
+                        <a:buSzTx/>
+                        <a:buFontTx/>
+                        <a:buNone/>
+                        <a:tabLst/>
+                        <a:defRPr/>
+                      </a:pPr>
+                      <a:r>
+                        <a:rPr kumimoji="1" lang="en-US" altLang="ja-JP" dirty="0">
+                          <a:solidFill>
+                            <a:srgbClr val="FF0000"/>
+                          </a:solidFill>
+                        </a:rPr>
+                        <a:t>…</a:t>
+                      </a:r>
+                      <a:endParaRPr kumimoji="1" lang="ja-JP" altLang="en-US" dirty="0"/>
+                    </a:p>
+                  </a:txBody>
+                  <a:tcPr anchor="ctr">
+                    <a:solidFill>
+                      <a:schemeClr val="bg1">
+                        <a:lumMod val="85000"/>
+                      </a:schemeClr>
+                    </a:solidFill>
+                  </a:tcPr>
+                </a:tc>
+                <a:tc>
+                  <a:txBody>
+                    <a:bodyPr/>
+                    <a:lstStyle/>
+                    <a:p>
+                      <a:endParaRPr kumimoji="1" lang="ja-JP" altLang="en-US"/>
+                    </a:p>
+                  </a:txBody>
+                  <a:tcPr anchor="ctr"/>
+                </a:tc>
+                <a:tc>
+                  <a:txBody>
+                    <a:bodyPr/>
+                    <a:lstStyle/>
+                    <a:p>
+                      <a:endParaRPr kumimoji="1" lang="ja-JP" altLang="en-US"/>
+                    </a:p>
+                  </a:txBody>
+                  <a:tcPr anchor="ctr"/>
+                </a:tc>
+                <a:tc>
+                  <a:txBody>
+                    <a:bodyPr/>
+                    <a:lstStyle/>
+                    <a:p>
+                      <a:endParaRPr kumimoji="1" lang="ja-JP" altLang="en-US"/>
+                    </a:p>
+                  </a:txBody>
+                  <a:tcPr anchor="ctr"/>
+                </a:tc>
+                <a:tc>
+                  <a:txBody>
+                    <a:bodyPr/>
+                    <a:lstStyle/>
+                    <a:p>
+                      <a:endParaRPr kumimoji="1" lang="ja-JP" altLang="en-US"/>
+                    </a:p>
+                  </a:txBody>
+                  <a:tcPr anchor="ctr"/>
+                </a:tc>
+                <a:extLst>
+                  <a:ext uri="{0D108BD9-81ED-4DB2-BD59-A6C34878D82A}">
+                    <a16:rowId xmlns:a16="http://schemas.microsoft.com/office/drawing/2014/main" val="4130387985"/>
+                  </a:ext>
+                </a:extLst>
+              </a:tr>
+              <a:tr h="534375">
+                <a:tc>
+                  <a:txBody>
+                    <a:bodyPr/>
+                    <a:lstStyle/>
+                    <a:p>
+                      <a:pPr algn="ctr"/>
+                      <a:r>
+                        <a:rPr kumimoji="1" lang="en-US" altLang="ja-JP" dirty="0"/>
+                        <a:t>2</a:t>
+                      </a:r>
+                      <a:endParaRPr kumimoji="1" lang="ja-JP" altLang="en-US" dirty="0"/>
+                    </a:p>
+                  </a:txBody>
+                  <a:tcPr anchor="ctr"/>
+                </a:tc>
+                <a:tc>
+                  <a:txBody>
+                    <a:bodyPr/>
+                    <a:lstStyle/>
+                    <a:p>
+                      <a:endParaRPr kumimoji="1" lang="ja-JP" altLang="en-US"/>
+                    </a:p>
+                  </a:txBody>
+                  <a:tcPr anchor="ctr"/>
+                </a:tc>
+                <a:tc>
+                  <a:txBody>
+                    <a:bodyPr/>
+                    <a:lstStyle/>
+                    <a:p>
+                      <a:endParaRPr kumimoji="1" lang="ja-JP" altLang="en-US"/>
+                    </a:p>
+                  </a:txBody>
+                  <a:tcPr anchor="ctr"/>
+                </a:tc>
+                <a:tc>
+                  <a:txBody>
+                    <a:bodyPr/>
+                    <a:lstStyle/>
+                    <a:p>
+                      <a:endParaRPr kumimoji="1" lang="ja-JP" altLang="en-US"/>
+                    </a:p>
+                  </a:txBody>
+                  <a:tcPr anchor="ctr"/>
+                </a:tc>
+                <a:tc>
+                  <a:txBody>
+                    <a:bodyPr/>
+                    <a:lstStyle/>
+                    <a:p>
+                      <a:endParaRPr kumimoji="1" lang="ja-JP" altLang="en-US"/>
+                    </a:p>
+                  </a:txBody>
+                  <a:tcPr anchor="ctr"/>
+                </a:tc>
+                <a:tc>
+                  <a:txBody>
+                    <a:bodyPr/>
+                    <a:lstStyle/>
+                    <a:p>
+                      <a:pPr marL="0" marR="0" lvl="0" indent="0" algn="ctr" defTabSz="914400" rtl="0" eaLnBrk="1" fontAlgn="auto" latinLnBrk="0" hangingPunct="1">
+                        <a:lnSpc>
+                          <a:spcPct val="100000"/>
+                        </a:lnSpc>
+                        <a:spcBef>
+                          <a:spcPts val="0"/>
+                        </a:spcBef>
+                        <a:spcAft>
+                          <a:spcPts val="0"/>
+                        </a:spcAft>
+                        <a:buClrTx/>
+                        <a:buSzTx/>
+                        <a:buFontTx/>
+                        <a:buNone/>
+                        <a:tabLst/>
+                        <a:defRPr/>
+                      </a:pPr>
+                      <a:r>
+                        <a:rPr kumimoji="1" lang="en-US" altLang="ja-JP" dirty="0">
+                          <a:solidFill>
+                            <a:srgbClr val="FF0000"/>
+                          </a:solidFill>
+                        </a:rPr>
+                        <a:t>…</a:t>
+                      </a:r>
+                      <a:endParaRPr kumimoji="1" lang="ja-JP" altLang="en-US" dirty="0"/>
+                    </a:p>
+                  </a:txBody>
+                  <a:tcPr anchor="ctr">
+                    <a:solidFill>
+                      <a:schemeClr val="bg1">
+                        <a:lumMod val="85000"/>
+                      </a:schemeClr>
+                    </a:solidFill>
+                  </a:tcPr>
+                </a:tc>
+                <a:tc>
+                  <a:txBody>
+                    <a:bodyPr/>
+                    <a:lstStyle/>
+                    <a:p>
+                      <a:endParaRPr kumimoji="1" lang="ja-JP" altLang="en-US" dirty="0"/>
+                    </a:p>
+                  </a:txBody>
+                  <a:tcPr anchor="ctr"/>
+                </a:tc>
+                <a:tc>
+                  <a:txBody>
+                    <a:bodyPr/>
+                    <a:lstStyle/>
+                    <a:p>
+                      <a:endParaRPr kumimoji="1" lang="ja-JP" altLang="en-US"/>
+                    </a:p>
+                  </a:txBody>
+                  <a:tcPr anchor="ctr"/>
+                </a:tc>
+                <a:tc>
+                  <a:txBody>
+                    <a:bodyPr/>
+                    <a:lstStyle/>
+                    <a:p>
+                      <a:endParaRPr kumimoji="1" lang="ja-JP" altLang="en-US"/>
+                    </a:p>
+                  </a:txBody>
+                  <a:tcPr anchor="ctr"/>
+                </a:tc>
+                <a:tc>
+                  <a:txBody>
+                    <a:bodyPr/>
+                    <a:lstStyle/>
+                    <a:p>
+                      <a:endParaRPr kumimoji="1" lang="ja-JP" altLang="en-US"/>
+                    </a:p>
+                  </a:txBody>
+                  <a:tcPr anchor="ctr"/>
+                </a:tc>
+                <a:extLst>
+                  <a:ext uri="{0D108BD9-81ED-4DB2-BD59-A6C34878D82A}">
+                    <a16:rowId xmlns:a16="http://schemas.microsoft.com/office/drawing/2014/main" val="365716030"/>
+                  </a:ext>
+                </a:extLst>
+              </a:tr>
+              <a:tr h="534375">
+                <a:tc>
+                  <a:txBody>
+                    <a:bodyPr/>
+                    <a:lstStyle/>
+                    <a:p>
+                      <a:pPr algn="ctr"/>
+                      <a:r>
+                        <a:rPr kumimoji="1" lang="en-US" altLang="ja-JP" dirty="0"/>
+                        <a:t>3</a:t>
+                      </a:r>
+                      <a:endParaRPr kumimoji="1" lang="ja-JP" altLang="en-US" dirty="0"/>
+                    </a:p>
+                  </a:txBody>
+                  <a:tcPr anchor="ctr"/>
+                </a:tc>
+                <a:tc>
+                  <a:txBody>
+                    <a:bodyPr/>
+                    <a:lstStyle/>
+                    <a:p>
+                      <a:endParaRPr kumimoji="1" lang="ja-JP" altLang="en-US"/>
+                    </a:p>
+                  </a:txBody>
+                  <a:tcPr anchor="ctr"/>
+                </a:tc>
+                <a:tc>
+                  <a:txBody>
+                    <a:bodyPr/>
+                    <a:lstStyle/>
+                    <a:p>
+                      <a:endParaRPr kumimoji="1" lang="ja-JP" altLang="en-US"/>
+                    </a:p>
+                  </a:txBody>
+                  <a:tcPr anchor="ctr"/>
+                </a:tc>
+                <a:tc>
+                  <a:txBody>
+                    <a:bodyPr/>
+                    <a:lstStyle/>
+                    <a:p>
+                      <a:endParaRPr kumimoji="1" lang="ja-JP" altLang="en-US"/>
+                    </a:p>
+                  </a:txBody>
+                  <a:tcPr anchor="ctr"/>
+                </a:tc>
+                <a:tc>
+                  <a:txBody>
+                    <a:bodyPr/>
+                    <a:lstStyle/>
+                    <a:p>
+                      <a:endParaRPr kumimoji="1" lang="ja-JP" altLang="en-US"/>
+                    </a:p>
+                  </a:txBody>
+                  <a:tcPr anchor="ctr"/>
+                </a:tc>
+                <a:tc>
+                  <a:txBody>
+                    <a:bodyPr/>
+                    <a:lstStyle/>
+                    <a:p>
+                      <a:pPr marL="0" marR="0" lvl="0" indent="0" algn="ctr" defTabSz="914400" rtl="0" eaLnBrk="1" fontAlgn="auto" latinLnBrk="0" hangingPunct="1">
+                        <a:lnSpc>
+                          <a:spcPct val="100000"/>
+                        </a:lnSpc>
+                        <a:spcBef>
+                          <a:spcPts val="0"/>
+                        </a:spcBef>
+                        <a:spcAft>
+                          <a:spcPts val="0"/>
+                        </a:spcAft>
+                        <a:buClrTx/>
+                        <a:buSzTx/>
+                        <a:buFontTx/>
+                        <a:buNone/>
+                        <a:tabLst/>
+                        <a:defRPr/>
+                      </a:pPr>
+                      <a:r>
+                        <a:rPr kumimoji="1" lang="en-US" altLang="ja-JP" dirty="0">
+                          <a:solidFill>
+                            <a:srgbClr val="FF0000"/>
+                          </a:solidFill>
+                        </a:rPr>
+                        <a:t>…</a:t>
+                      </a:r>
+                      <a:endParaRPr kumimoji="1" lang="ja-JP" altLang="en-US" dirty="0"/>
+                    </a:p>
+                  </a:txBody>
+                  <a:tcPr anchor="ctr">
+                    <a:solidFill>
+                      <a:schemeClr val="bg1">
+                        <a:lumMod val="85000"/>
+                      </a:schemeClr>
+                    </a:solidFill>
+                  </a:tcPr>
+                </a:tc>
+                <a:tc>
+                  <a:txBody>
+                    <a:bodyPr/>
+                    <a:lstStyle/>
+                    <a:p>
+                      <a:endParaRPr kumimoji="1" lang="ja-JP" altLang="en-US" dirty="0"/>
+                    </a:p>
+                  </a:txBody>
+                  <a:tcPr anchor="ctr"/>
+                </a:tc>
+                <a:tc>
+                  <a:txBody>
+                    <a:bodyPr/>
+                    <a:lstStyle/>
+                    <a:p>
+                      <a:endParaRPr kumimoji="1" lang="ja-JP" altLang="en-US"/>
+                    </a:p>
+                  </a:txBody>
+                  <a:tcPr anchor="ctr"/>
+                </a:tc>
+                <a:tc>
+                  <a:txBody>
+                    <a:bodyPr/>
+                    <a:lstStyle/>
+                    <a:p>
+                      <a:endParaRPr kumimoji="1" lang="ja-JP" altLang="en-US"/>
+                    </a:p>
+                  </a:txBody>
+                  <a:tcPr anchor="ctr"/>
+                </a:tc>
+                <a:tc>
+                  <a:txBody>
+                    <a:bodyPr/>
+                    <a:lstStyle/>
+                    <a:p>
+                      <a:endParaRPr kumimoji="1" lang="ja-JP" altLang="en-US"/>
+                    </a:p>
+                  </a:txBody>
+                  <a:tcPr anchor="ctr"/>
+                </a:tc>
+                <a:extLst>
+                  <a:ext uri="{0D108BD9-81ED-4DB2-BD59-A6C34878D82A}">
+                    <a16:rowId xmlns:a16="http://schemas.microsoft.com/office/drawing/2014/main" val="1101773091"/>
+                  </a:ext>
+                </a:extLst>
+              </a:tr>
+              <a:tr h="534375">
+                <a:tc>
+                  <a:txBody>
+                    <a:bodyPr/>
+                    <a:lstStyle/>
+                    <a:p>
+                      <a:pPr algn="ctr"/>
+                      <a:r>
+                        <a:rPr kumimoji="1" lang="en-US" altLang="ja-JP" dirty="0">
+                          <a:solidFill>
+                            <a:srgbClr val="FF0000"/>
+                          </a:solidFill>
+                        </a:rPr>
+                        <a:t>…</a:t>
+                      </a:r>
+                      <a:endParaRPr kumimoji="1" lang="ja-JP" altLang="en-US" dirty="0"/>
+                    </a:p>
+                  </a:txBody>
+                  <a:tcPr anchor="ctr">
+                    <a:solidFill>
+                      <a:schemeClr val="bg1">
+                        <a:lumMod val="85000"/>
+                      </a:schemeClr>
+                    </a:solidFill>
+                  </a:tcPr>
+                </a:tc>
+                <a:tc>
+                  <a:txBody>
+                    <a:bodyPr/>
+                    <a:lstStyle/>
+                    <a:p>
+                      <a:pPr algn="ctr"/>
+                      <a:r>
+                        <a:rPr kumimoji="1" lang="en-US" altLang="ja-JP" dirty="0">
+                          <a:solidFill>
+                            <a:srgbClr val="FF0000"/>
+                          </a:solidFill>
+                        </a:rPr>
+                        <a:t>…</a:t>
+                      </a:r>
+                      <a:endParaRPr kumimoji="1" lang="ja-JP" altLang="en-US" dirty="0"/>
+                    </a:p>
+                  </a:txBody>
+                  <a:tcPr anchor="ctr">
+                    <a:solidFill>
+                      <a:schemeClr val="bg1">
+                        <a:lumMod val="85000"/>
+                      </a:schemeClr>
+                    </a:solidFill>
+                  </a:tcPr>
+                </a:tc>
+                <a:tc>
+                  <a:txBody>
+                    <a:bodyPr/>
+                    <a:lstStyle/>
+                    <a:p>
+                      <a:pPr algn="ctr"/>
+                      <a:r>
+                        <a:rPr kumimoji="1" lang="en-US" altLang="ja-JP" dirty="0">
+                          <a:solidFill>
+                            <a:srgbClr val="FF0000"/>
+                          </a:solidFill>
+                        </a:rPr>
+                        <a:t>…</a:t>
+                      </a:r>
+                      <a:endParaRPr kumimoji="1" lang="ja-JP" altLang="en-US" dirty="0"/>
+                    </a:p>
+                  </a:txBody>
+                  <a:tcPr anchor="ctr">
+                    <a:solidFill>
+                      <a:schemeClr val="bg1">
+                        <a:lumMod val="85000"/>
+                      </a:schemeClr>
+                    </a:solidFill>
+                  </a:tcPr>
+                </a:tc>
+                <a:tc>
+                  <a:txBody>
+                    <a:bodyPr/>
+                    <a:lstStyle/>
+                    <a:p>
+                      <a:pPr algn="ctr"/>
+                      <a:r>
+                        <a:rPr kumimoji="1" lang="en-US" altLang="ja-JP" dirty="0">
+                          <a:solidFill>
+                            <a:srgbClr val="FF0000"/>
+                          </a:solidFill>
+                        </a:rPr>
+                        <a:t>…</a:t>
+                      </a:r>
+                      <a:endParaRPr kumimoji="1" lang="ja-JP" altLang="en-US" dirty="0"/>
+                    </a:p>
+                  </a:txBody>
+                  <a:tcPr anchor="ctr">
+                    <a:solidFill>
+                      <a:schemeClr val="bg1">
+                        <a:lumMod val="85000"/>
+                      </a:schemeClr>
+                    </a:solidFill>
+                  </a:tcPr>
+                </a:tc>
+                <a:tc>
+                  <a:txBody>
+                    <a:bodyPr/>
+                    <a:lstStyle/>
+                    <a:p>
+                      <a:pPr algn="ctr"/>
+                      <a:r>
+                        <a:rPr kumimoji="1" lang="en-US" altLang="ja-JP" dirty="0">
+                          <a:solidFill>
+                            <a:srgbClr val="FF0000"/>
+                          </a:solidFill>
+                        </a:rPr>
+                        <a:t>…</a:t>
+                      </a:r>
+                      <a:endParaRPr kumimoji="1" lang="ja-JP" altLang="en-US" dirty="0"/>
+                    </a:p>
+                  </a:txBody>
+                  <a:tcPr anchor="ctr">
+                    <a:solidFill>
+                      <a:schemeClr val="bg1">
+                        <a:lumMod val="85000"/>
+                      </a:schemeClr>
+                    </a:solidFill>
+                  </a:tcPr>
+                </a:tc>
+                <a:tc>
+                  <a:txBody>
+                    <a:bodyPr/>
+                    <a:lstStyle/>
+                    <a:p>
+                      <a:pPr marL="0" marR="0" lvl="0" indent="0" algn="ctr" defTabSz="914400" rtl="0" eaLnBrk="1" fontAlgn="auto" latinLnBrk="0" hangingPunct="1">
+                        <a:lnSpc>
+                          <a:spcPct val="100000"/>
+                        </a:lnSpc>
+                        <a:spcBef>
+                          <a:spcPts val="0"/>
+                        </a:spcBef>
+                        <a:spcAft>
+                          <a:spcPts val="0"/>
+                        </a:spcAft>
+                        <a:buClrTx/>
+                        <a:buSzTx/>
+                        <a:buFontTx/>
+                        <a:buNone/>
+                        <a:tabLst/>
+                        <a:defRPr/>
+                      </a:pPr>
+                      <a:r>
+                        <a:rPr kumimoji="1" lang="en-US" altLang="ja-JP" dirty="0">
+                          <a:solidFill>
+                            <a:srgbClr val="FF0000"/>
+                          </a:solidFill>
+                        </a:rPr>
+                        <a:t>…</a:t>
+                      </a:r>
+                      <a:endParaRPr kumimoji="1" lang="ja-JP" altLang="en-US" dirty="0"/>
+                    </a:p>
+                  </a:txBody>
+                  <a:tcPr anchor="ctr">
+                    <a:solidFill>
+                      <a:schemeClr val="bg1">
+                        <a:lumMod val="85000"/>
+                      </a:schemeClr>
+                    </a:solidFill>
+                  </a:tcPr>
+                </a:tc>
+                <a:tc>
+                  <a:txBody>
+                    <a:bodyPr/>
+                    <a:lstStyle/>
+                    <a:p>
+                      <a:pPr algn="ctr"/>
+                      <a:r>
+                        <a:rPr kumimoji="1" lang="en-US" altLang="ja-JP" dirty="0">
+                          <a:solidFill>
+                            <a:srgbClr val="FF0000"/>
+                          </a:solidFill>
+                        </a:rPr>
+                        <a:t>…</a:t>
+                      </a:r>
+                      <a:endParaRPr kumimoji="1" lang="ja-JP" altLang="en-US" dirty="0"/>
+                    </a:p>
+                  </a:txBody>
+                  <a:tcPr anchor="ctr">
+                    <a:solidFill>
+                      <a:schemeClr val="bg1">
+                        <a:lumMod val="85000"/>
+                      </a:schemeClr>
+                    </a:solidFill>
+                  </a:tcPr>
+                </a:tc>
+                <a:tc>
+                  <a:txBody>
+                    <a:bodyPr/>
+                    <a:lstStyle/>
+                    <a:p>
+                      <a:pPr algn="ctr"/>
+                      <a:r>
+                        <a:rPr kumimoji="1" lang="en-US" altLang="ja-JP" dirty="0">
+                          <a:solidFill>
+                            <a:srgbClr val="FF0000"/>
+                          </a:solidFill>
+                        </a:rPr>
+                        <a:t>…</a:t>
+                      </a:r>
+                      <a:endParaRPr kumimoji="1" lang="ja-JP" altLang="en-US" dirty="0"/>
+                    </a:p>
+                  </a:txBody>
+                  <a:tcPr anchor="ctr">
+                    <a:solidFill>
+                      <a:schemeClr val="bg1">
+                        <a:lumMod val="85000"/>
+                      </a:schemeClr>
+                    </a:solidFill>
+                  </a:tcPr>
+                </a:tc>
+                <a:tc>
+                  <a:txBody>
+                    <a:bodyPr/>
+                    <a:lstStyle/>
+                    <a:p>
+                      <a:pPr algn="ctr"/>
+                      <a:r>
+                        <a:rPr kumimoji="1" lang="en-US" altLang="ja-JP" dirty="0">
+                          <a:solidFill>
+                            <a:srgbClr val="FF0000"/>
+                          </a:solidFill>
+                        </a:rPr>
+                        <a:t>…</a:t>
+                      </a:r>
+                      <a:endParaRPr kumimoji="1" lang="ja-JP" altLang="en-US" dirty="0"/>
+                    </a:p>
+                  </a:txBody>
+                  <a:tcPr anchor="ctr">
+                    <a:solidFill>
+                      <a:schemeClr val="bg1">
+                        <a:lumMod val="85000"/>
+                      </a:schemeClr>
+                    </a:solidFill>
+                  </a:tcPr>
+                </a:tc>
+                <a:tc>
+                  <a:txBody>
+                    <a:bodyPr/>
+                    <a:lstStyle/>
+                    <a:p>
+                      <a:pPr algn="ctr"/>
+                      <a:r>
+                        <a:rPr kumimoji="1" lang="en-US" altLang="ja-JP" dirty="0">
+                          <a:solidFill>
+                            <a:srgbClr val="FF0000"/>
+                          </a:solidFill>
+                        </a:rPr>
+                        <a:t>…</a:t>
+                      </a:r>
+                      <a:endParaRPr kumimoji="1" lang="ja-JP" altLang="en-US" dirty="0"/>
+                    </a:p>
+                  </a:txBody>
+                  <a:tcPr anchor="ctr">
+                    <a:solidFill>
+                      <a:schemeClr val="bg1">
+                        <a:lumMod val="85000"/>
+                      </a:schemeClr>
+                    </a:solidFill>
+                  </a:tcPr>
+                </a:tc>
+                <a:extLst>
+                  <a:ext uri="{0D108BD9-81ED-4DB2-BD59-A6C34878D82A}">
+                    <a16:rowId xmlns:a16="http://schemas.microsoft.com/office/drawing/2014/main" val="3650070112"/>
+                  </a:ext>
+                </a:extLst>
+              </a:tr>
+              <a:tr h="534375">
+                <a:tc>
+                  <a:txBody>
+                    <a:bodyPr/>
+                    <a:lstStyle/>
+                    <a:p>
+                      <a:pPr algn="ctr"/>
+                      <a:r>
+                        <a:rPr kumimoji="1" lang="en-US" altLang="ja-JP" dirty="0"/>
+                        <a:t>M-3</a:t>
+                      </a:r>
+                      <a:endParaRPr kumimoji="1" lang="ja-JP" altLang="en-US" dirty="0"/>
+                    </a:p>
+                  </a:txBody>
+                  <a:tcPr anchor="ctr"/>
+                </a:tc>
+                <a:tc>
+                  <a:txBody>
+                    <a:bodyPr/>
+                    <a:lstStyle/>
+                    <a:p>
+                      <a:endParaRPr kumimoji="1" lang="ja-JP" altLang="en-US"/>
+                    </a:p>
+                  </a:txBody>
+                  <a:tcPr anchor="ctr"/>
+                </a:tc>
+                <a:tc>
+                  <a:txBody>
+                    <a:bodyPr/>
+                    <a:lstStyle/>
+                    <a:p>
+                      <a:endParaRPr kumimoji="1" lang="ja-JP" altLang="en-US"/>
+                    </a:p>
+                  </a:txBody>
+                  <a:tcPr anchor="ctr"/>
+                </a:tc>
+                <a:tc>
+                  <a:txBody>
+                    <a:bodyPr/>
+                    <a:lstStyle/>
+                    <a:p>
+                      <a:endParaRPr kumimoji="1" lang="ja-JP" altLang="en-US"/>
+                    </a:p>
+                  </a:txBody>
+                  <a:tcPr anchor="ctr"/>
+                </a:tc>
+                <a:tc>
+                  <a:txBody>
+                    <a:bodyPr/>
+                    <a:lstStyle/>
+                    <a:p>
+                      <a:endParaRPr kumimoji="1" lang="ja-JP" altLang="en-US"/>
+                    </a:p>
+                  </a:txBody>
+                  <a:tcPr anchor="ctr"/>
+                </a:tc>
+                <a:tc>
+                  <a:txBody>
+                    <a:bodyPr/>
+                    <a:lstStyle/>
+                    <a:p>
+                      <a:pPr marL="0" marR="0" lvl="0" indent="0" algn="ctr" defTabSz="914400" rtl="0" eaLnBrk="1" fontAlgn="auto" latinLnBrk="0" hangingPunct="1">
+                        <a:lnSpc>
+                          <a:spcPct val="100000"/>
+                        </a:lnSpc>
+                        <a:spcBef>
+                          <a:spcPts val="0"/>
+                        </a:spcBef>
+                        <a:spcAft>
+                          <a:spcPts val="0"/>
+                        </a:spcAft>
+                        <a:buClrTx/>
+                        <a:buSzTx/>
+                        <a:buFontTx/>
+                        <a:buNone/>
+                        <a:tabLst/>
+                        <a:defRPr/>
+                      </a:pPr>
+                      <a:r>
+                        <a:rPr kumimoji="1" lang="en-US" altLang="ja-JP" dirty="0">
+                          <a:solidFill>
+                            <a:srgbClr val="FF0000"/>
+                          </a:solidFill>
+                        </a:rPr>
+                        <a:t>…</a:t>
+                      </a:r>
+                      <a:endParaRPr kumimoji="1" lang="ja-JP" altLang="en-US" dirty="0"/>
+                    </a:p>
+                  </a:txBody>
+                  <a:tcPr anchor="ctr">
+                    <a:solidFill>
+                      <a:schemeClr val="bg1">
+                        <a:lumMod val="85000"/>
+                      </a:schemeClr>
+                    </a:solidFill>
+                  </a:tcPr>
+                </a:tc>
+                <a:tc>
+                  <a:txBody>
+                    <a:bodyPr/>
+                    <a:lstStyle/>
+                    <a:p>
+                      <a:endParaRPr kumimoji="1" lang="ja-JP" altLang="en-US" dirty="0"/>
+                    </a:p>
+                  </a:txBody>
+                  <a:tcPr anchor="ctr"/>
+                </a:tc>
+                <a:tc>
+                  <a:txBody>
+                    <a:bodyPr/>
+                    <a:lstStyle/>
+                    <a:p>
+                      <a:endParaRPr kumimoji="1" lang="ja-JP" altLang="en-US"/>
+                    </a:p>
+                  </a:txBody>
+                  <a:tcPr anchor="ctr"/>
+                </a:tc>
+                <a:tc>
+                  <a:txBody>
+                    <a:bodyPr/>
+                    <a:lstStyle/>
+                    <a:p>
+                      <a:endParaRPr kumimoji="1" lang="ja-JP" altLang="en-US"/>
+                    </a:p>
+                  </a:txBody>
+                  <a:tcPr anchor="ctr"/>
+                </a:tc>
+                <a:tc>
+                  <a:txBody>
+                    <a:bodyPr/>
+                    <a:lstStyle/>
+                    <a:p>
+                      <a:endParaRPr kumimoji="1" lang="ja-JP" altLang="en-US"/>
+                    </a:p>
+                  </a:txBody>
+                  <a:tcPr anchor="ctr"/>
+                </a:tc>
+                <a:extLst>
+                  <a:ext uri="{0D108BD9-81ED-4DB2-BD59-A6C34878D82A}">
+                    <a16:rowId xmlns:a16="http://schemas.microsoft.com/office/drawing/2014/main" val="1711285350"/>
+                  </a:ext>
+                </a:extLst>
+              </a:tr>
+              <a:tr h="534375">
+                <a:tc>
+                  <a:txBody>
+                    <a:bodyPr/>
+                    <a:lstStyle/>
+                    <a:p>
+                      <a:pPr algn="ctr"/>
+                      <a:r>
+                        <a:rPr kumimoji="1" lang="en-US" altLang="ja-JP" dirty="0"/>
+                        <a:t>M-2</a:t>
+                      </a:r>
+                      <a:endParaRPr kumimoji="1" lang="ja-JP" altLang="en-US" dirty="0"/>
+                    </a:p>
+                  </a:txBody>
+                  <a:tcPr anchor="ctr"/>
+                </a:tc>
+                <a:tc>
+                  <a:txBody>
+                    <a:bodyPr/>
+                    <a:lstStyle/>
+                    <a:p>
+                      <a:endParaRPr kumimoji="1" lang="ja-JP" altLang="en-US"/>
+                    </a:p>
+                  </a:txBody>
+                  <a:tcPr anchor="ctr"/>
+                </a:tc>
+                <a:tc>
+                  <a:txBody>
+                    <a:bodyPr/>
+                    <a:lstStyle/>
+                    <a:p>
+                      <a:endParaRPr kumimoji="1" lang="ja-JP" altLang="en-US"/>
+                    </a:p>
+                  </a:txBody>
+                  <a:tcPr anchor="ctr"/>
+                </a:tc>
+                <a:tc>
+                  <a:txBody>
+                    <a:bodyPr/>
+                    <a:lstStyle/>
+                    <a:p>
+                      <a:endParaRPr kumimoji="1" lang="ja-JP" altLang="en-US"/>
+                    </a:p>
+                  </a:txBody>
+                  <a:tcPr anchor="ctr"/>
+                </a:tc>
+                <a:tc>
+                  <a:txBody>
+                    <a:bodyPr/>
+                    <a:lstStyle/>
+                    <a:p>
+                      <a:endParaRPr kumimoji="1" lang="ja-JP" altLang="en-US"/>
+                    </a:p>
+                  </a:txBody>
+                  <a:tcPr anchor="ctr"/>
+                </a:tc>
+                <a:tc>
+                  <a:txBody>
+                    <a:bodyPr/>
+                    <a:lstStyle/>
+                    <a:p>
+                      <a:pPr marL="0" marR="0" lvl="0" indent="0" algn="ctr" defTabSz="914400" rtl="0" eaLnBrk="1" fontAlgn="auto" latinLnBrk="0" hangingPunct="1">
+                        <a:lnSpc>
+                          <a:spcPct val="100000"/>
+                        </a:lnSpc>
+                        <a:spcBef>
+                          <a:spcPts val="0"/>
+                        </a:spcBef>
+                        <a:spcAft>
+                          <a:spcPts val="0"/>
+                        </a:spcAft>
+                        <a:buClrTx/>
+                        <a:buSzTx/>
+                        <a:buFontTx/>
+                        <a:buNone/>
+                        <a:tabLst/>
+                        <a:defRPr/>
+                      </a:pPr>
+                      <a:r>
+                        <a:rPr kumimoji="1" lang="en-US" altLang="ja-JP" dirty="0">
+                          <a:solidFill>
+                            <a:srgbClr val="FF0000"/>
+                          </a:solidFill>
+                        </a:rPr>
+                        <a:t>…</a:t>
+                      </a:r>
+                      <a:endParaRPr kumimoji="1" lang="ja-JP" altLang="en-US" dirty="0"/>
+                    </a:p>
+                  </a:txBody>
+                  <a:tcPr anchor="ctr">
+                    <a:solidFill>
+                      <a:schemeClr val="bg1">
+                        <a:lumMod val="85000"/>
+                      </a:schemeClr>
+                    </a:solidFill>
+                  </a:tcPr>
+                </a:tc>
+                <a:tc>
+                  <a:txBody>
+                    <a:bodyPr/>
+                    <a:lstStyle/>
+                    <a:p>
+                      <a:endParaRPr kumimoji="1" lang="ja-JP" altLang="en-US"/>
+                    </a:p>
+                  </a:txBody>
+                  <a:tcPr anchor="ctr"/>
+                </a:tc>
+                <a:tc>
+                  <a:txBody>
+                    <a:bodyPr/>
+                    <a:lstStyle/>
+                    <a:p>
+                      <a:endParaRPr kumimoji="1" lang="ja-JP" altLang="en-US" dirty="0"/>
+                    </a:p>
+                  </a:txBody>
+                  <a:tcPr anchor="ctr"/>
+                </a:tc>
+                <a:tc>
+                  <a:txBody>
+                    <a:bodyPr/>
+                    <a:lstStyle/>
+                    <a:p>
+                      <a:endParaRPr kumimoji="1" lang="ja-JP" altLang="en-US"/>
+                    </a:p>
+                  </a:txBody>
+                  <a:tcPr anchor="ctr"/>
+                </a:tc>
+                <a:tc>
+                  <a:txBody>
+                    <a:bodyPr/>
+                    <a:lstStyle/>
+                    <a:p>
+                      <a:endParaRPr kumimoji="1" lang="ja-JP" altLang="en-US"/>
+                    </a:p>
+                  </a:txBody>
+                  <a:tcPr anchor="ctr"/>
+                </a:tc>
+                <a:extLst>
+                  <a:ext uri="{0D108BD9-81ED-4DB2-BD59-A6C34878D82A}">
+                    <a16:rowId xmlns:a16="http://schemas.microsoft.com/office/drawing/2014/main" val="626059941"/>
+                  </a:ext>
+                </a:extLst>
+              </a:tr>
+              <a:tr h="534375">
+                <a:tc>
+                  <a:txBody>
+                    <a:bodyPr/>
+                    <a:lstStyle/>
+                    <a:p>
+                      <a:pPr algn="ctr"/>
+                      <a:r>
+                        <a:rPr kumimoji="1" lang="en-US" altLang="ja-JP" dirty="0"/>
+                        <a:t>M-1</a:t>
+                      </a:r>
+                      <a:endParaRPr kumimoji="1" lang="ja-JP" altLang="en-US" dirty="0"/>
+                    </a:p>
+                  </a:txBody>
+                  <a:tcPr anchor="ctr"/>
+                </a:tc>
+                <a:tc>
+                  <a:txBody>
+                    <a:bodyPr/>
+                    <a:lstStyle/>
+                    <a:p>
+                      <a:endParaRPr kumimoji="1" lang="ja-JP" altLang="en-US"/>
+                    </a:p>
+                  </a:txBody>
+                  <a:tcPr anchor="ctr"/>
+                </a:tc>
+                <a:tc>
+                  <a:txBody>
+                    <a:bodyPr/>
+                    <a:lstStyle/>
+                    <a:p>
+                      <a:endParaRPr kumimoji="1" lang="ja-JP" altLang="en-US"/>
+                    </a:p>
+                  </a:txBody>
+                  <a:tcPr anchor="ctr"/>
+                </a:tc>
+                <a:tc>
+                  <a:txBody>
+                    <a:bodyPr/>
+                    <a:lstStyle/>
+                    <a:p>
+                      <a:endParaRPr kumimoji="1" lang="ja-JP" altLang="en-US"/>
+                    </a:p>
+                  </a:txBody>
+                  <a:tcPr anchor="ctr"/>
+                </a:tc>
+                <a:tc>
+                  <a:txBody>
+                    <a:bodyPr/>
+                    <a:lstStyle/>
+                    <a:p>
+                      <a:endParaRPr kumimoji="1" lang="ja-JP" altLang="en-US"/>
+                    </a:p>
+                  </a:txBody>
+                  <a:tcPr anchor="ctr"/>
+                </a:tc>
+                <a:tc>
+                  <a:txBody>
+                    <a:bodyPr/>
+                    <a:lstStyle/>
+                    <a:p>
+                      <a:pPr marL="0" marR="0" lvl="0" indent="0" algn="ctr" defTabSz="914400" rtl="0" eaLnBrk="1" fontAlgn="auto" latinLnBrk="0" hangingPunct="1">
+                        <a:lnSpc>
+                          <a:spcPct val="100000"/>
+                        </a:lnSpc>
+                        <a:spcBef>
+                          <a:spcPts val="0"/>
+                        </a:spcBef>
+                        <a:spcAft>
+                          <a:spcPts val="0"/>
+                        </a:spcAft>
+                        <a:buClrTx/>
+                        <a:buSzTx/>
+                        <a:buFontTx/>
+                        <a:buNone/>
+                        <a:tabLst/>
+                        <a:defRPr/>
+                      </a:pPr>
+                      <a:r>
+                        <a:rPr kumimoji="1" lang="en-US" altLang="ja-JP" dirty="0">
+                          <a:solidFill>
+                            <a:srgbClr val="FF0000"/>
+                          </a:solidFill>
+                        </a:rPr>
+                        <a:t>…</a:t>
+                      </a:r>
+                      <a:endParaRPr kumimoji="1" lang="ja-JP" altLang="en-US" dirty="0"/>
+                    </a:p>
+                  </a:txBody>
+                  <a:tcPr anchor="ctr">
+                    <a:solidFill>
+                      <a:schemeClr val="bg1">
+                        <a:lumMod val="85000"/>
+                      </a:schemeClr>
+                    </a:solidFill>
+                  </a:tcPr>
+                </a:tc>
+                <a:tc>
+                  <a:txBody>
+                    <a:bodyPr/>
+                    <a:lstStyle/>
+                    <a:p>
+                      <a:endParaRPr kumimoji="1" lang="ja-JP" altLang="en-US"/>
+                    </a:p>
+                  </a:txBody>
+                  <a:tcPr anchor="ctr"/>
+                </a:tc>
+                <a:tc>
+                  <a:txBody>
+                    <a:bodyPr/>
+                    <a:lstStyle/>
+                    <a:p>
+                      <a:endParaRPr kumimoji="1" lang="ja-JP" altLang="en-US"/>
+                    </a:p>
+                  </a:txBody>
+                  <a:tcPr anchor="ctr"/>
+                </a:tc>
+                <a:tc>
+                  <a:txBody>
+                    <a:bodyPr/>
+                    <a:lstStyle/>
+                    <a:p>
+                      <a:endParaRPr kumimoji="1" lang="ja-JP" altLang="en-US" dirty="0"/>
+                    </a:p>
+                  </a:txBody>
+                  <a:tcPr anchor="ctr"/>
+                </a:tc>
+                <a:tc>
+                  <a:txBody>
+                    <a:bodyPr/>
+                    <a:lstStyle/>
+                    <a:p>
+                      <a:endParaRPr kumimoji="1" lang="ja-JP" altLang="en-US" dirty="0"/>
+                    </a:p>
+                  </a:txBody>
+                  <a:tcPr anchor="ctr"/>
+                </a:tc>
+                <a:extLst>
+                  <a:ext uri="{0D108BD9-81ED-4DB2-BD59-A6C34878D82A}">
+                    <a16:rowId xmlns:a16="http://schemas.microsoft.com/office/drawing/2014/main" val="3078162933"/>
+                  </a:ext>
+                </a:extLst>
+              </a:tr>
+            </a:tbl>
+          </a:graphicData>
+        </a:graphic>
+      </p:graphicFrame>
+      <p:cxnSp>
+        <p:nvCxnSpPr>
+          <p:cNvPr id="8" name="直線矢印コネクタ 7">
+            <a:extLst>
+              <a:ext uri="{FF2B5EF4-FFF2-40B4-BE49-F238E27FC236}">
+                <a16:creationId xmlns:a16="http://schemas.microsoft.com/office/drawing/2014/main" id="{72ECB2F3-6135-055A-76C9-334E6EFEDE4C}"/>
+              </a:ext>
+            </a:extLst>
+          </p:cNvPr>
+          <p:cNvCxnSpPr/>
+          <p:nvPr/>
+        </p:nvCxnSpPr>
+        <p:spPr>
+          <a:xfrm>
+            <a:off x="2811000" y="2259000"/>
+            <a:ext cx="7920000" cy="0"/>
+          </a:xfrm>
+          <a:prstGeom prst="straightConnector1">
+            <a:avLst/>
+          </a:prstGeom>
+          <a:ln w="57150">
+            <a:tailEnd type="triangle"/>
+          </a:ln>
+        </p:spPr>
+        <p:style>
+          <a:lnRef idx="1">
+            <a:schemeClr val="accent1"/>
+          </a:lnRef>
+          <a:fillRef idx="0">
+            <a:schemeClr val="accent1"/>
+          </a:fillRef>
+          <a:effectRef idx="0">
+            <a:schemeClr val="accent1"/>
+          </a:effectRef>
+          <a:fontRef idx="minor">
+            <a:schemeClr val="tx1"/>
+          </a:fontRef>
+        </p:style>
+      </p:cxnSp>
+      <p:cxnSp>
+        <p:nvCxnSpPr>
+          <p:cNvPr id="10" name="直線矢印コネクタ 9">
+            <a:extLst>
+              <a:ext uri="{FF2B5EF4-FFF2-40B4-BE49-F238E27FC236}">
+                <a16:creationId xmlns:a16="http://schemas.microsoft.com/office/drawing/2014/main" id="{EA06E5B5-838F-44E1-BF7B-ABFE1B716F8A}"/>
+              </a:ext>
+            </a:extLst>
+          </p:cNvPr>
+          <p:cNvCxnSpPr>
+            <a:cxnSpLocks/>
+          </p:cNvCxnSpPr>
+          <p:nvPr/>
+        </p:nvCxnSpPr>
+        <p:spPr>
+          <a:xfrm flipH="1">
+            <a:off x="2811000" y="2349000"/>
+            <a:ext cx="8010000" cy="449999"/>
+          </a:xfrm>
+          <a:prstGeom prst="straightConnector1">
+            <a:avLst/>
+          </a:prstGeom>
+          <a:ln w="57150">
+            <a:tailEnd type="triangle"/>
+          </a:ln>
+        </p:spPr>
+        <p:style>
+          <a:lnRef idx="1">
+            <a:schemeClr val="accent1"/>
+          </a:lnRef>
+          <a:fillRef idx="0">
+            <a:schemeClr val="accent1"/>
+          </a:fillRef>
+          <a:effectRef idx="0">
+            <a:schemeClr val="accent1"/>
+          </a:effectRef>
+          <a:fontRef idx="minor">
+            <a:schemeClr val="tx1"/>
+          </a:fontRef>
+        </p:style>
+      </p:cxnSp>
+      <p:cxnSp>
+        <p:nvCxnSpPr>
+          <p:cNvPr id="13" name="直線矢印コネクタ 12">
+            <a:extLst>
+              <a:ext uri="{FF2B5EF4-FFF2-40B4-BE49-F238E27FC236}">
+                <a16:creationId xmlns:a16="http://schemas.microsoft.com/office/drawing/2014/main" id="{13308F6B-B8DC-0AEA-4CF5-3FA3B725DC73}"/>
+              </a:ext>
+            </a:extLst>
+          </p:cNvPr>
+          <p:cNvCxnSpPr/>
+          <p:nvPr/>
+        </p:nvCxnSpPr>
+        <p:spPr>
+          <a:xfrm flipV="1">
+            <a:off x="2811000" y="2843997"/>
+            <a:ext cx="8010000" cy="45001"/>
+          </a:xfrm>
+          <a:prstGeom prst="straightConnector1">
+            <a:avLst/>
+          </a:prstGeom>
+          <a:ln w="57150">
+            <a:tailEnd type="triangle"/>
+          </a:ln>
+        </p:spPr>
+        <p:style>
+          <a:lnRef idx="1">
+            <a:schemeClr val="accent1"/>
+          </a:lnRef>
+          <a:fillRef idx="0">
+            <a:schemeClr val="accent1"/>
+          </a:fillRef>
+          <a:effectRef idx="0">
+            <a:schemeClr val="accent1"/>
+          </a:effectRef>
+          <a:fontRef idx="minor">
+            <a:schemeClr val="tx1"/>
+          </a:fontRef>
+        </p:style>
+      </p:cxnSp>
+      <p:cxnSp>
+        <p:nvCxnSpPr>
+          <p:cNvPr id="15" name="直線矢印コネクタ 14">
+            <a:extLst>
+              <a:ext uri="{FF2B5EF4-FFF2-40B4-BE49-F238E27FC236}">
+                <a16:creationId xmlns:a16="http://schemas.microsoft.com/office/drawing/2014/main" id="{FF38CE72-26CA-21A2-535B-1D453985BC7A}"/>
+              </a:ext>
+            </a:extLst>
+          </p:cNvPr>
+          <p:cNvCxnSpPr>
+            <a:cxnSpLocks/>
+          </p:cNvCxnSpPr>
+          <p:nvPr/>
+        </p:nvCxnSpPr>
+        <p:spPr>
+          <a:xfrm flipH="1">
+            <a:off x="2811000" y="2979001"/>
+            <a:ext cx="8010000" cy="404999"/>
+          </a:xfrm>
+          <a:prstGeom prst="straightConnector1">
+            <a:avLst/>
+          </a:prstGeom>
+          <a:ln w="57150">
+            <a:tailEnd type="triangle"/>
+          </a:ln>
+        </p:spPr>
+        <p:style>
+          <a:lnRef idx="1">
+            <a:schemeClr val="accent1"/>
+          </a:lnRef>
+          <a:fillRef idx="0">
+            <a:schemeClr val="accent1"/>
+          </a:fillRef>
+          <a:effectRef idx="0">
+            <a:schemeClr val="accent1"/>
+          </a:effectRef>
+          <a:fontRef idx="minor">
+            <a:schemeClr val="tx1"/>
+          </a:fontRef>
+        </p:style>
+      </p:cxnSp>
+      <p:cxnSp>
+        <p:nvCxnSpPr>
+          <p:cNvPr id="19" name="直線矢印コネクタ 18">
+            <a:extLst>
+              <a:ext uri="{FF2B5EF4-FFF2-40B4-BE49-F238E27FC236}">
+                <a16:creationId xmlns:a16="http://schemas.microsoft.com/office/drawing/2014/main" id="{67D84F91-58E3-EB15-F51E-93EF3CF4AF7D}"/>
+              </a:ext>
+            </a:extLst>
+          </p:cNvPr>
+          <p:cNvCxnSpPr/>
+          <p:nvPr/>
+        </p:nvCxnSpPr>
+        <p:spPr>
+          <a:xfrm>
+            <a:off x="2721000" y="5454000"/>
+            <a:ext cx="8010000" cy="0"/>
+          </a:xfrm>
+          <a:prstGeom prst="straightConnector1">
+            <a:avLst/>
+          </a:prstGeom>
+          <a:ln w="57150">
+            <a:tailEnd type="triangle"/>
+          </a:ln>
+        </p:spPr>
+        <p:style>
+          <a:lnRef idx="1">
+            <a:schemeClr val="accent1"/>
+          </a:lnRef>
+          <a:fillRef idx="0">
+            <a:schemeClr val="accent1"/>
+          </a:fillRef>
+          <a:effectRef idx="0">
+            <a:schemeClr val="accent1"/>
+          </a:effectRef>
+          <a:fontRef idx="minor">
+            <a:schemeClr val="tx1"/>
+          </a:fontRef>
+        </p:style>
+      </p:cxnSp>
+      <p:sp>
+        <p:nvSpPr>
+          <p:cNvPr id="20" name="フリーフォーム: 図形 19">
+            <a:extLst>
+              <a:ext uri="{FF2B5EF4-FFF2-40B4-BE49-F238E27FC236}">
+                <a16:creationId xmlns:a16="http://schemas.microsoft.com/office/drawing/2014/main" id="{223C9912-A781-7BCE-233E-1A857F153910}"/>
+              </a:ext>
+            </a:extLst>
+          </p:cNvPr>
+          <p:cNvSpPr/>
+          <p:nvPr/>
+        </p:nvSpPr>
+        <p:spPr>
+          <a:xfrm>
+            <a:off x="2718938" y="5509600"/>
+            <a:ext cx="8155807" cy="703903"/>
+          </a:xfrm>
+          <a:custGeom>
+            <a:avLst/>
+            <a:gdLst>
+              <a:gd name="connsiteX0" fmla="*/ 8155807 w 8155807"/>
+              <a:gd name="connsiteY0" fmla="*/ 0 h 703903"/>
+              <a:gd name="connsiteX1" fmla="*/ 7721698 w 8155807"/>
+              <a:gd name="connsiteY1" fmla="*/ 526473 h 703903"/>
+              <a:gd name="connsiteX2" fmla="*/ 7019735 w 8155807"/>
+              <a:gd name="connsiteY2" fmla="*/ 683491 h 703903"/>
+              <a:gd name="connsiteX3" fmla="*/ 6428607 w 8155807"/>
+              <a:gd name="connsiteY3" fmla="*/ 701964 h 703903"/>
+              <a:gd name="connsiteX4" fmla="*/ 1117698 w 8155807"/>
+              <a:gd name="connsiteY4" fmla="*/ 701964 h 703903"/>
+              <a:gd name="connsiteX5" fmla="*/ 184826 w 8155807"/>
+              <a:gd name="connsiteY5" fmla="*/ 628073 h 703903"/>
+              <a:gd name="connsiteX6" fmla="*/ 98 w 8155807"/>
+              <a:gd name="connsiteY6" fmla="*/ 147782 h 703903"/>
+            </a:gdLst>
+            <a:ahLst/>
+            <a:cxnLst>
+              <a:cxn ang="0">
+                <a:pos x="connsiteX0" y="connsiteY0"/>
+              </a:cxn>
+              <a:cxn ang="0">
+                <a:pos x="connsiteX1" y="connsiteY1"/>
+              </a:cxn>
+              <a:cxn ang="0">
+                <a:pos x="connsiteX2" y="connsiteY2"/>
+              </a:cxn>
+              <a:cxn ang="0">
+                <a:pos x="connsiteX3" y="connsiteY3"/>
+              </a:cxn>
+              <a:cxn ang="0">
+                <a:pos x="connsiteX4" y="connsiteY4"/>
+              </a:cxn>
+              <a:cxn ang="0">
+                <a:pos x="connsiteX5" y="connsiteY5"/>
+              </a:cxn>
+              <a:cxn ang="0">
+                <a:pos x="connsiteX6" y="connsiteY6"/>
+              </a:cxn>
+            </a:cxnLst>
+            <a:rect l="l" t="t" r="r" b="b"/>
+            <a:pathLst>
+              <a:path w="8155807" h="703903">
+                <a:moveTo>
+                  <a:pt x="8155807" y="0"/>
+                </a:moveTo>
+                <a:cubicBezTo>
+                  <a:pt x="8033425" y="206279"/>
+                  <a:pt x="7911043" y="412558"/>
+                  <a:pt x="7721698" y="526473"/>
+                </a:cubicBezTo>
+                <a:cubicBezTo>
+                  <a:pt x="7532353" y="640388"/>
+                  <a:pt x="7235250" y="654243"/>
+                  <a:pt x="7019735" y="683491"/>
+                </a:cubicBezTo>
+                <a:cubicBezTo>
+                  <a:pt x="6804220" y="712739"/>
+                  <a:pt x="6428607" y="701964"/>
+                  <a:pt x="6428607" y="701964"/>
+                </a:cubicBezTo>
+                <a:lnTo>
+                  <a:pt x="1117698" y="701964"/>
+                </a:lnTo>
+                <a:cubicBezTo>
+                  <a:pt x="77068" y="689649"/>
+                  <a:pt x="371093" y="720437"/>
+                  <a:pt x="184826" y="628073"/>
+                </a:cubicBezTo>
+                <a:cubicBezTo>
+                  <a:pt x="-1441" y="535709"/>
+                  <a:pt x="-672" y="341745"/>
+                  <a:pt x="98" y="147782"/>
+                </a:cubicBezTo>
+              </a:path>
+            </a:pathLst>
+          </a:custGeom>
+          <a:noFill/>
+          <a:ln w="57150">
+            <a:solidFill>
+              <a:srgbClr val="FF0000"/>
+            </a:solidFill>
+            <a:headEnd type="none" w="med" len="med"/>
+            <a:tailEnd type="triangle" w="med" len="med"/>
+          </a:ln>
+        </p:spPr>
+        <p:style>
+          <a:lnRef idx="2">
+            <a:schemeClr val="accent1">
+              <a:shade val="15000"/>
+            </a:schemeClr>
+          </a:lnRef>
+          <a:fillRef idx="1">
+            <a:schemeClr val="accent1"/>
+          </a:fillRef>
+          <a:effectRef idx="0">
+            <a:schemeClr val="accent1"/>
+          </a:effectRef>
+          <a:fontRef idx="minor">
+            <a:schemeClr val="lt1"/>
+          </a:fontRef>
+        </p:style>
+        <p:txBody>
+          <a:bodyPr rtlCol="0" anchor="ctr"/>
+          <a:lstStyle/>
+          <a:p>
+            <a:pPr algn="ctr"/>
+            <a:endParaRPr kumimoji="1" lang="ja-JP" altLang="en-US"/>
+          </a:p>
+        </p:txBody>
+      </p:sp>
+      <p:cxnSp>
+        <p:nvCxnSpPr>
+          <p:cNvPr id="22" name="直線矢印コネクタ 21">
+            <a:extLst>
+              <a:ext uri="{FF2B5EF4-FFF2-40B4-BE49-F238E27FC236}">
+                <a16:creationId xmlns:a16="http://schemas.microsoft.com/office/drawing/2014/main" id="{0F00F864-8BCD-7842-0243-8E40559BCD99}"/>
+              </a:ext>
+            </a:extLst>
+          </p:cNvPr>
+          <p:cNvCxnSpPr/>
+          <p:nvPr/>
+        </p:nvCxnSpPr>
+        <p:spPr>
+          <a:xfrm flipH="1">
+            <a:off x="2718938" y="4959000"/>
+            <a:ext cx="7877062" cy="405000"/>
+          </a:xfrm>
+          <a:prstGeom prst="straightConnector1">
+            <a:avLst/>
+          </a:prstGeom>
+          <a:ln w="57150">
             <a:tailEnd type="triangle"/>
           </a:ln>
         </p:spPr>
@@ -4565,7 +8391,7 @@
     </p:spTree>
     <p:extLst>
       <p:ext uri="{BB962C8B-B14F-4D97-AF65-F5344CB8AC3E}">
-        <p14:creationId xmlns:p14="http://schemas.microsoft.com/office/powerpoint/2010/main" val="559535459"/>
+        <p14:creationId xmlns:p14="http://schemas.microsoft.com/office/powerpoint/2010/main" val="4020271639"/>
       </p:ext>
     </p:extLst>
   </p:cSld>
@@ -4826,7 +8652,31 @@
       </a:bgFillStyleLst>
     </a:fmtScheme>
   </a:themeElements>
-  <a:objectDefaults/>
+  <a:objectDefaults>
+    <a:lnDef>
+      <a:spPr>
+        <a:ln w="57150">
+          <a:tailEnd type="triangle"/>
+        </a:ln>
+      </a:spPr>
+      <a:bodyPr/>
+      <a:lstStyle/>
+      <a:style>
+        <a:lnRef idx="1">
+          <a:schemeClr val="accent1"/>
+        </a:lnRef>
+        <a:fillRef idx="0">
+          <a:schemeClr val="accent1"/>
+        </a:fillRef>
+        <a:effectRef idx="0">
+          <a:schemeClr val="accent1"/>
+        </a:effectRef>
+        <a:fontRef idx="minor">
+          <a:schemeClr val="tx1"/>
+        </a:fontRef>
+      </a:style>
+    </a:lnDef>
+  </a:objectDefaults>
   <a:extraClrSchemeLst/>
   <a:extLst>
     <a:ext uri="{05A4C25C-085E-4340-85A3-A5531E510DB2}">

--- a/設計用資料/Structure.pptx
+++ b/設計用資料/Structure.pptx
@@ -7,6 +7,11 @@
   <p:sldIdLst>
     <p:sldId id="256" r:id="rId2"/>
     <p:sldId id="257" r:id="rId3"/>
+    <p:sldId id="258" r:id="rId4"/>
+    <p:sldId id="259" r:id="rId5"/>
+    <p:sldId id="260" r:id="rId6"/>
+    <p:sldId id="261" r:id="rId7"/>
+    <p:sldId id="262" r:id="rId8"/>
   </p:sldIdLst>
   <p:sldSz cx="12192000" cy="6858000"/>
   <p:notesSz cx="6858000" cy="9144000"/>
@@ -255,7 +260,7 @@
           <a:p>
             <a:fld id="{4BDB6327-F9A6-4E63-B1E9-56BC76741785}" type="datetimeFigureOut">
               <a:rPr kumimoji="1" lang="ja-JP" altLang="en-US" smtClean="0"/>
-              <a:t>2024/10/8</a:t>
+              <a:t>2024/10/18</a:t>
             </a:fld>
             <a:endParaRPr kumimoji="1" lang="ja-JP" altLang="en-US"/>
           </a:p>
@@ -457,7 +462,7 @@
           <a:p>
             <a:fld id="{4BDB6327-F9A6-4E63-B1E9-56BC76741785}" type="datetimeFigureOut">
               <a:rPr kumimoji="1" lang="ja-JP" altLang="en-US" smtClean="0"/>
-              <a:t>2024/10/8</a:t>
+              <a:t>2024/10/18</a:t>
             </a:fld>
             <a:endParaRPr kumimoji="1" lang="ja-JP" altLang="en-US"/>
           </a:p>
@@ -669,7 +674,7 @@
           <a:p>
             <a:fld id="{4BDB6327-F9A6-4E63-B1E9-56BC76741785}" type="datetimeFigureOut">
               <a:rPr kumimoji="1" lang="ja-JP" altLang="en-US" smtClean="0"/>
-              <a:t>2024/10/8</a:t>
+              <a:t>2024/10/18</a:t>
             </a:fld>
             <a:endParaRPr kumimoji="1" lang="ja-JP" altLang="en-US"/>
           </a:p>
@@ -871,7 +876,7 @@
           <a:p>
             <a:fld id="{4BDB6327-F9A6-4E63-B1E9-56BC76741785}" type="datetimeFigureOut">
               <a:rPr kumimoji="1" lang="ja-JP" altLang="en-US" smtClean="0"/>
-              <a:t>2024/10/8</a:t>
+              <a:t>2024/10/18</a:t>
             </a:fld>
             <a:endParaRPr kumimoji="1" lang="ja-JP" altLang="en-US"/>
           </a:p>
@@ -1117,7 +1122,7 @@
           <a:p>
             <a:fld id="{4BDB6327-F9A6-4E63-B1E9-56BC76741785}" type="datetimeFigureOut">
               <a:rPr kumimoji="1" lang="ja-JP" altLang="en-US" smtClean="0"/>
-              <a:t>2024/10/8</a:t>
+              <a:t>2024/10/18</a:t>
             </a:fld>
             <a:endParaRPr kumimoji="1" lang="ja-JP" altLang="en-US"/>
           </a:p>
@@ -1413,7 +1418,7 @@
           <a:p>
             <a:fld id="{4BDB6327-F9A6-4E63-B1E9-56BC76741785}" type="datetimeFigureOut">
               <a:rPr kumimoji="1" lang="ja-JP" altLang="en-US" smtClean="0"/>
-              <a:t>2024/10/8</a:t>
+              <a:t>2024/10/18</a:t>
             </a:fld>
             <a:endParaRPr kumimoji="1" lang="ja-JP" altLang="en-US"/>
           </a:p>
@@ -1844,7 +1849,7 @@
           <a:p>
             <a:fld id="{4BDB6327-F9A6-4E63-B1E9-56BC76741785}" type="datetimeFigureOut">
               <a:rPr kumimoji="1" lang="ja-JP" altLang="en-US" smtClean="0"/>
-              <a:t>2024/10/8</a:t>
+              <a:t>2024/10/18</a:t>
             </a:fld>
             <a:endParaRPr kumimoji="1" lang="ja-JP" altLang="en-US"/>
           </a:p>
@@ -1962,7 +1967,7 @@
           <a:p>
             <a:fld id="{4BDB6327-F9A6-4E63-B1E9-56BC76741785}" type="datetimeFigureOut">
               <a:rPr kumimoji="1" lang="ja-JP" altLang="en-US" smtClean="0"/>
-              <a:t>2024/10/8</a:t>
+              <a:t>2024/10/18</a:t>
             </a:fld>
             <a:endParaRPr kumimoji="1" lang="ja-JP" altLang="en-US"/>
           </a:p>
@@ -2057,7 +2062,7 @@
           <a:p>
             <a:fld id="{4BDB6327-F9A6-4E63-B1E9-56BC76741785}" type="datetimeFigureOut">
               <a:rPr kumimoji="1" lang="ja-JP" altLang="en-US" smtClean="0"/>
-              <a:t>2024/10/8</a:t>
+              <a:t>2024/10/18</a:t>
             </a:fld>
             <a:endParaRPr kumimoji="1" lang="ja-JP" altLang="en-US"/>
           </a:p>
@@ -2366,7 +2371,7 @@
           <a:p>
             <a:fld id="{4BDB6327-F9A6-4E63-B1E9-56BC76741785}" type="datetimeFigureOut">
               <a:rPr kumimoji="1" lang="ja-JP" altLang="en-US" smtClean="0"/>
-              <a:t>2024/10/8</a:t>
+              <a:t>2024/10/18</a:t>
             </a:fld>
             <a:endParaRPr kumimoji="1" lang="ja-JP" altLang="en-US"/>
           </a:p>
@@ -2623,7 +2628,7 @@
           <a:p>
             <a:fld id="{4BDB6327-F9A6-4E63-B1E9-56BC76741785}" type="datetimeFigureOut">
               <a:rPr kumimoji="1" lang="ja-JP" altLang="en-US" smtClean="0"/>
-              <a:t>2024/10/8</a:t>
+              <a:t>2024/10/18</a:t>
             </a:fld>
             <a:endParaRPr kumimoji="1" lang="ja-JP" altLang="en-US"/>
           </a:p>
@@ -2868,7 +2873,7 @@
           <a:p>
             <a:fld id="{4BDB6327-F9A6-4E63-B1E9-56BC76741785}" type="datetimeFigureOut">
               <a:rPr kumimoji="1" lang="ja-JP" altLang="en-US" smtClean="0"/>
-              <a:t>2024/10/8</a:t>
+              <a:t>2024/10/18</a:t>
             </a:fld>
             <a:endParaRPr kumimoji="1" lang="ja-JP" altLang="en-US"/>
           </a:p>
@@ -8401,6 +8406,6578 @@
 </p:sld>
 </file>
 
+<file path=ppt/slides/slide3.xml><?xml version="1.0" encoding="utf-8"?>
+<p:sld xmlns:a="http://schemas.openxmlformats.org/drawingml/2006/main" xmlns:r="http://schemas.openxmlformats.org/officeDocument/2006/relationships" xmlns:p="http://schemas.openxmlformats.org/presentationml/2006/main">
+  <p:cSld>
+    <p:spTree>
+      <p:nvGrpSpPr>
+        <p:cNvPr id="1" name=""/>
+        <p:cNvGrpSpPr/>
+        <p:nvPr/>
+      </p:nvGrpSpPr>
+      <p:grpSpPr>
+        <a:xfrm>
+          <a:off x="0" y="0"/>
+          <a:ext cx="0" cy="0"/>
+          <a:chOff x="0" y="0"/>
+          <a:chExt cx="0" cy="0"/>
+        </a:xfrm>
+      </p:grpSpPr>
+      <p:sp>
+        <p:nvSpPr>
+          <p:cNvPr id="4" name="正方形/長方形 3">
+            <a:extLst>
+              <a:ext uri="{FF2B5EF4-FFF2-40B4-BE49-F238E27FC236}">
+                <a16:creationId xmlns:a16="http://schemas.microsoft.com/office/drawing/2014/main" id="{122E13BE-C8F9-6489-3B37-D2DD37D712EF}"/>
+              </a:ext>
+            </a:extLst>
+          </p:cNvPr>
+          <p:cNvSpPr/>
+          <p:nvPr/>
+        </p:nvSpPr>
+        <p:spPr>
+          <a:xfrm>
+            <a:off x="336000" y="376069"/>
+            <a:ext cx="9090000" cy="531754"/>
+          </a:xfrm>
+          <a:prstGeom prst="rect">
+            <a:avLst/>
+          </a:prstGeom>
+          <a:noFill/>
+        </p:spPr>
+        <p:style>
+          <a:lnRef idx="2">
+            <a:schemeClr val="accent1">
+              <a:shade val="15000"/>
+            </a:schemeClr>
+          </a:lnRef>
+          <a:fillRef idx="1">
+            <a:schemeClr val="accent1"/>
+          </a:fillRef>
+          <a:effectRef idx="0">
+            <a:schemeClr val="accent1"/>
+          </a:effectRef>
+          <a:fontRef idx="minor">
+            <a:schemeClr val="lt1"/>
+          </a:fontRef>
+        </p:style>
+        <p:txBody>
+          <a:bodyPr rtlCol="0" anchor="ctr"/>
+          <a:lstStyle/>
+          <a:p>
+            <a:pPr algn="ctr"/>
+            <a:r>
+              <a:rPr kumimoji="1" lang="ja-JP" altLang="en-US">
+                <a:solidFill>
+                  <a:schemeClr val="tx1"/>
+                </a:solidFill>
+              </a:rPr>
+              <a:t>キーイベント</a:t>
+            </a:r>
+            <a:r>
+              <a:rPr kumimoji="1" lang="ja-JP" altLang="en-US" dirty="0">
+                <a:solidFill>
+                  <a:schemeClr val="tx1"/>
+                </a:solidFill>
+              </a:rPr>
+              <a:t>記録となる、</a:t>
+            </a:r>
+            <a:r>
+              <a:rPr kumimoji="1" lang="en-US" altLang="ja-JP" sz="1800" b="1" kern="1200" dirty="0" err="1">
+                <a:solidFill>
+                  <a:schemeClr val="tx1"/>
+                </a:solidFill>
+                <a:effectLst/>
+                <a:latin typeface="+mn-lt"/>
+                <a:ea typeface="+mn-ea"/>
+                <a:cs typeface="+mn-cs"/>
+              </a:rPr>
+              <a:t>timeStamp</a:t>
+            </a:r>
+            <a:r>
+              <a:rPr kumimoji="1" lang="ja-JP" altLang="en-US" sz="1800" b="1" kern="1200" dirty="0">
+                <a:solidFill>
+                  <a:schemeClr val="tx1"/>
+                </a:solidFill>
+                <a:effectLst/>
+                <a:latin typeface="+mn-lt"/>
+                <a:ea typeface="+mn-ea"/>
+                <a:cs typeface="+mn-cs"/>
+              </a:rPr>
+              <a:t>・</a:t>
+            </a:r>
+            <a:r>
+              <a:rPr kumimoji="1" lang="en-US" altLang="ja-JP" sz="1800" kern="1200" dirty="0" err="1">
+                <a:solidFill>
+                  <a:schemeClr val="tx1"/>
+                </a:solidFill>
+                <a:effectLst/>
+                <a:latin typeface="+mn-lt"/>
+                <a:ea typeface="+mn-ea"/>
+                <a:cs typeface="+mn-cs"/>
+              </a:rPr>
+              <a:t>keyStat</a:t>
+            </a:r>
+            <a:r>
+              <a:rPr kumimoji="1" lang="ja-JP" altLang="en-US" sz="1800" kern="1200" dirty="0">
+                <a:solidFill>
+                  <a:schemeClr val="tx1"/>
+                </a:solidFill>
+                <a:effectLst/>
+                <a:latin typeface="+mn-lt"/>
+                <a:ea typeface="+mn-ea"/>
+                <a:cs typeface="+mn-cs"/>
+              </a:rPr>
+              <a:t>リングバッファ</a:t>
+            </a:r>
+            <a:r>
+              <a:rPr lang="ja-JP" altLang="en-US" sz="1800" dirty="0">
+                <a:solidFill>
+                  <a:srgbClr val="0000C0"/>
+                </a:solidFill>
+                <a:effectLst/>
+                <a:latin typeface="Consolas" panose="020B0609020204030204" pitchFamily="49" charset="0"/>
+              </a:rPr>
+              <a:t>の構成・動作</a:t>
+            </a:r>
+            <a:endParaRPr kumimoji="1" lang="ja-JP" altLang="en-US" dirty="0">
+              <a:solidFill>
+                <a:schemeClr val="tx1"/>
+              </a:solidFill>
+            </a:endParaRPr>
+          </a:p>
+        </p:txBody>
+      </p:sp>
+      <p:graphicFrame>
+        <p:nvGraphicFramePr>
+          <p:cNvPr id="2" name="表 1">
+            <a:extLst>
+              <a:ext uri="{FF2B5EF4-FFF2-40B4-BE49-F238E27FC236}">
+                <a16:creationId xmlns:a16="http://schemas.microsoft.com/office/drawing/2014/main" id="{AA2B3663-4419-C84B-605D-EB55164DCEE7}"/>
+              </a:ext>
+            </a:extLst>
+          </p:cNvPr>
+          <p:cNvGraphicFramePr>
+            <a:graphicFrameLocks noGrp="1"/>
+          </p:cNvGraphicFramePr>
+          <p:nvPr>
+            <p:extLst>
+              <p:ext uri="{D42A27DB-BD31-4B8C-83A1-F6EECF244321}">
+                <p14:modId xmlns:p14="http://schemas.microsoft.com/office/powerpoint/2010/main" val="1493546118"/>
+              </p:ext>
+            </p:extLst>
+          </p:nvPr>
+        </p:nvGraphicFramePr>
+        <p:xfrm>
+          <a:off x="233109" y="3676500"/>
+          <a:ext cx="11532892" cy="741680"/>
+        </p:xfrm>
+        <a:graphic>
+          <a:graphicData uri="http://schemas.openxmlformats.org/drawingml/2006/table">
+            <a:tbl>
+              <a:tblPr firstRow="1" bandRow="1">
+                <a:tableStyleId>{5DA37D80-6434-44D0-A028-1B22A696006F}</a:tableStyleId>
+              </a:tblPr>
+              <a:tblGrid>
+                <a:gridCol w="1374842">
+                  <a:extLst>
+                    <a:ext uri="{9D8B030D-6E8A-4147-A177-3AD203B41FA5}">
+                      <a16:colId xmlns:a16="http://schemas.microsoft.com/office/drawing/2014/main" val="3117771168"/>
+                    </a:ext>
+                  </a:extLst>
+                </a:gridCol>
+                <a:gridCol w="1374842">
+                  <a:extLst>
+                    <a:ext uri="{9D8B030D-6E8A-4147-A177-3AD203B41FA5}">
+                      <a16:colId xmlns:a16="http://schemas.microsoft.com/office/drawing/2014/main" val="2579897323"/>
+                    </a:ext>
+                  </a:extLst>
+                </a:gridCol>
+                <a:gridCol w="1374842">
+                  <a:extLst>
+                    <a:ext uri="{9D8B030D-6E8A-4147-A177-3AD203B41FA5}">
+                      <a16:colId xmlns:a16="http://schemas.microsoft.com/office/drawing/2014/main" val="3225129252"/>
+                    </a:ext>
+                  </a:extLst>
+                </a:gridCol>
+                <a:gridCol w="1374842">
+                  <a:extLst>
+                    <a:ext uri="{9D8B030D-6E8A-4147-A177-3AD203B41FA5}">
+                      <a16:colId xmlns:a16="http://schemas.microsoft.com/office/drawing/2014/main" val="3712612659"/>
+                    </a:ext>
+                  </a:extLst>
+                </a:gridCol>
+                <a:gridCol w="1623523">
+                  <a:extLst>
+                    <a:ext uri="{9D8B030D-6E8A-4147-A177-3AD203B41FA5}">
+                      <a16:colId xmlns:a16="http://schemas.microsoft.com/office/drawing/2014/main" val="1062122816"/>
+                    </a:ext>
+                  </a:extLst>
+                </a:gridCol>
+                <a:gridCol w="1845000">
+                  <a:extLst>
+                    <a:ext uri="{9D8B030D-6E8A-4147-A177-3AD203B41FA5}">
+                      <a16:colId xmlns:a16="http://schemas.microsoft.com/office/drawing/2014/main" val="693183329"/>
+                    </a:ext>
+                  </a:extLst>
+                </a:gridCol>
+                <a:gridCol w="1190159">
+                  <a:extLst>
+                    <a:ext uri="{9D8B030D-6E8A-4147-A177-3AD203B41FA5}">
+                      <a16:colId xmlns:a16="http://schemas.microsoft.com/office/drawing/2014/main" val="2108889407"/>
+                    </a:ext>
+                  </a:extLst>
+                </a:gridCol>
+                <a:gridCol w="1374842">
+                  <a:extLst>
+                    <a:ext uri="{9D8B030D-6E8A-4147-A177-3AD203B41FA5}">
+                      <a16:colId xmlns:a16="http://schemas.microsoft.com/office/drawing/2014/main" val="1470599504"/>
+                    </a:ext>
+                  </a:extLst>
+                </a:gridCol>
+              </a:tblGrid>
+              <a:tr h="370840">
+                <a:tc>
+                  <a:txBody>
+                    <a:bodyPr/>
+                    <a:lstStyle/>
+                    <a:p>
+                      <a:r>
+                        <a:rPr kumimoji="1" lang="en-US" altLang="ja-JP" sz="1800" b="1" kern="1200" dirty="0" err="1">
+                          <a:solidFill>
+                            <a:schemeClr val="tx1"/>
+                          </a:solidFill>
+                          <a:effectLst/>
+                          <a:latin typeface="+mn-lt"/>
+                          <a:ea typeface="+mn-ea"/>
+                          <a:cs typeface="+mn-cs"/>
+                        </a:rPr>
+                        <a:t>timeStamp</a:t>
+                      </a:r>
+                      <a:endParaRPr kumimoji="1" lang="ja-JP" altLang="en-US" dirty="0"/>
+                    </a:p>
+                  </a:txBody>
+                  <a:tcPr/>
+                </a:tc>
+                <a:tc>
+                  <a:txBody>
+                    <a:bodyPr/>
+                    <a:lstStyle/>
+                    <a:p>
+                      <a:r>
+                        <a:rPr kumimoji="1" lang="en-US" altLang="ja-JP" dirty="0"/>
+                        <a:t>A-on</a:t>
+                      </a:r>
+                      <a:r>
+                        <a:rPr kumimoji="1" lang="ja-JP" altLang="en-US" dirty="0"/>
+                        <a:t>時刻</a:t>
+                      </a:r>
+                    </a:p>
+                  </a:txBody>
+                  <a:tcPr/>
+                </a:tc>
+                <a:tc>
+                  <a:txBody>
+                    <a:bodyPr/>
+                    <a:lstStyle/>
+                    <a:p>
+                      <a:r>
+                        <a:rPr kumimoji="1" lang="en-US" altLang="ja-JP" dirty="0"/>
+                        <a:t>A-off</a:t>
+                      </a:r>
+                      <a:r>
+                        <a:rPr kumimoji="1" lang="ja-JP" altLang="en-US" dirty="0"/>
+                        <a:t>時刻</a:t>
+                      </a:r>
+                    </a:p>
+                  </a:txBody>
+                  <a:tcPr/>
+                </a:tc>
+                <a:tc>
+                  <a:txBody>
+                    <a:bodyPr/>
+                    <a:lstStyle/>
+                    <a:p>
+                      <a:r>
+                        <a:rPr kumimoji="1" lang="en-US" altLang="ja-JP" dirty="0"/>
+                        <a:t>B-on</a:t>
+                      </a:r>
+                      <a:r>
+                        <a:rPr kumimoji="1" lang="ja-JP" altLang="en-US" dirty="0"/>
+                        <a:t>時刻</a:t>
+                      </a:r>
+                    </a:p>
+                  </a:txBody>
+                  <a:tcPr/>
+                </a:tc>
+                <a:tc>
+                  <a:txBody>
+                    <a:bodyPr/>
+                    <a:lstStyle/>
+                    <a:p>
+                      <a:r>
+                        <a:rPr kumimoji="1" lang="en-US" altLang="ja-JP" dirty="0"/>
+                        <a:t>Null</a:t>
+                      </a:r>
+                      <a:endParaRPr kumimoji="1" lang="ja-JP" altLang="en-US" dirty="0"/>
+                    </a:p>
+                  </a:txBody>
+                  <a:tcPr/>
+                </a:tc>
+                <a:tc>
+                  <a:txBody>
+                    <a:bodyPr/>
+                    <a:lstStyle/>
+                    <a:p>
+                      <a:r>
+                        <a:rPr kumimoji="1" lang="en-US" altLang="ja-JP" dirty="0"/>
+                        <a:t>Null</a:t>
+                      </a:r>
+                      <a:endParaRPr kumimoji="1" lang="ja-JP" altLang="en-US" dirty="0"/>
+                    </a:p>
+                  </a:txBody>
+                  <a:tcPr/>
+                </a:tc>
+                <a:tc>
+                  <a:txBody>
+                    <a:bodyPr/>
+                    <a:lstStyle/>
+                    <a:p>
+                      <a:r>
+                        <a:rPr kumimoji="1" lang="ja-JP" altLang="en-US" dirty="0"/>
+                        <a:t>・・・</a:t>
+                      </a:r>
+                    </a:p>
+                  </a:txBody>
+                  <a:tcPr/>
+                </a:tc>
+                <a:tc>
+                  <a:txBody>
+                    <a:bodyPr/>
+                    <a:lstStyle/>
+                    <a:p>
+                      <a:r>
+                        <a:rPr kumimoji="1" lang="en-US" altLang="ja-JP" dirty="0"/>
+                        <a:t>Null</a:t>
+                      </a:r>
+                      <a:endParaRPr kumimoji="1" lang="ja-JP" altLang="en-US" dirty="0"/>
+                    </a:p>
+                  </a:txBody>
+                  <a:tcPr/>
+                </a:tc>
+                <a:extLst>
+                  <a:ext uri="{0D108BD9-81ED-4DB2-BD59-A6C34878D82A}">
+                    <a16:rowId xmlns:a16="http://schemas.microsoft.com/office/drawing/2014/main" val="271687156"/>
+                  </a:ext>
+                </a:extLst>
+              </a:tr>
+              <a:tr h="370840">
+                <a:tc>
+                  <a:txBody>
+                    <a:bodyPr/>
+                    <a:lstStyle/>
+                    <a:p>
+                      <a:r>
+                        <a:rPr kumimoji="1" lang="en-US" altLang="ja-JP" sz="1800" kern="1200" dirty="0" err="1">
+                          <a:solidFill>
+                            <a:schemeClr val="tx1"/>
+                          </a:solidFill>
+                          <a:effectLst/>
+                          <a:latin typeface="+mn-lt"/>
+                          <a:ea typeface="+mn-ea"/>
+                          <a:cs typeface="+mn-cs"/>
+                        </a:rPr>
+                        <a:t>keyStat</a:t>
+                      </a:r>
+                      <a:endParaRPr kumimoji="1" lang="ja-JP" altLang="en-US" dirty="0"/>
+                    </a:p>
+                  </a:txBody>
+                  <a:tcPr/>
+                </a:tc>
+                <a:tc>
+                  <a:txBody>
+                    <a:bodyPr/>
+                    <a:lstStyle/>
+                    <a:p>
+                      <a:r>
+                        <a:rPr kumimoji="1" lang="en-US" altLang="ja-JP" dirty="0"/>
+                        <a:t>A-on</a:t>
+                      </a:r>
+                      <a:endParaRPr kumimoji="1" lang="ja-JP" altLang="en-US" dirty="0"/>
+                    </a:p>
+                  </a:txBody>
+                  <a:tcPr/>
+                </a:tc>
+                <a:tc>
+                  <a:txBody>
+                    <a:bodyPr/>
+                    <a:lstStyle/>
+                    <a:p>
+                      <a:r>
+                        <a:rPr kumimoji="1" lang="en-US" altLang="ja-JP" dirty="0"/>
+                        <a:t>A-off</a:t>
+                      </a:r>
+                      <a:endParaRPr kumimoji="1" lang="ja-JP" altLang="en-US" dirty="0"/>
+                    </a:p>
+                  </a:txBody>
+                  <a:tcPr/>
+                </a:tc>
+                <a:tc>
+                  <a:txBody>
+                    <a:bodyPr/>
+                    <a:lstStyle/>
+                    <a:p>
+                      <a:r>
+                        <a:rPr kumimoji="1" lang="en-US" altLang="ja-JP" dirty="0"/>
+                        <a:t>B-on</a:t>
+                      </a:r>
+                      <a:endParaRPr kumimoji="1" lang="ja-JP" altLang="en-US" dirty="0"/>
+                    </a:p>
+                  </a:txBody>
+                  <a:tcPr/>
+                </a:tc>
+                <a:tc>
+                  <a:txBody>
+                    <a:bodyPr/>
+                    <a:lstStyle/>
+                    <a:p>
+                      <a:r>
+                        <a:rPr kumimoji="1" lang="en-US" altLang="ja-JP" sz="1800" b="1" i="1" kern="1200" dirty="0" err="1">
+                          <a:solidFill>
+                            <a:schemeClr val="tx1"/>
+                          </a:solidFill>
+                          <a:effectLst/>
+                          <a:latin typeface="+mn-lt"/>
+                          <a:ea typeface="+mn-ea"/>
+                          <a:cs typeface="+mn-cs"/>
+                        </a:rPr>
+                        <a:t>KeyNull</a:t>
+                      </a:r>
+                      <a:endParaRPr kumimoji="1" lang="ja-JP" altLang="en-US" dirty="0"/>
+                    </a:p>
+                  </a:txBody>
+                  <a:tcPr/>
+                </a:tc>
+                <a:tc>
+                  <a:txBody>
+                    <a:bodyPr/>
+                    <a:lstStyle/>
+                    <a:p>
+                      <a:r>
+                        <a:rPr kumimoji="1" lang="en-US" altLang="ja-JP" sz="1800" b="1" i="1" kern="1200" dirty="0" err="1">
+                          <a:solidFill>
+                            <a:schemeClr val="tx1"/>
+                          </a:solidFill>
+                          <a:effectLst/>
+                          <a:latin typeface="+mn-lt"/>
+                          <a:ea typeface="+mn-ea"/>
+                          <a:cs typeface="+mn-cs"/>
+                        </a:rPr>
+                        <a:t>KeyNull</a:t>
+                      </a:r>
+                      <a:endParaRPr kumimoji="1" lang="ja-JP" altLang="en-US" dirty="0"/>
+                    </a:p>
+                  </a:txBody>
+                  <a:tcPr/>
+                </a:tc>
+                <a:tc>
+                  <a:txBody>
+                    <a:bodyPr/>
+                    <a:lstStyle/>
+                    <a:p>
+                      <a:r>
+                        <a:rPr kumimoji="1" lang="ja-JP" altLang="en-US" dirty="0"/>
+                        <a:t>・・・</a:t>
+                      </a:r>
+                    </a:p>
+                  </a:txBody>
+                  <a:tcPr/>
+                </a:tc>
+                <a:tc>
+                  <a:txBody>
+                    <a:bodyPr/>
+                    <a:lstStyle/>
+                    <a:p>
+                      <a:r>
+                        <a:rPr kumimoji="1" lang="en-US" altLang="ja-JP" sz="1800" b="1" i="1" kern="1200" dirty="0" err="1">
+                          <a:solidFill>
+                            <a:schemeClr val="tx1"/>
+                          </a:solidFill>
+                          <a:effectLst/>
+                          <a:latin typeface="+mn-lt"/>
+                          <a:ea typeface="+mn-ea"/>
+                          <a:cs typeface="+mn-cs"/>
+                        </a:rPr>
+                        <a:t>KeyNull</a:t>
+                      </a:r>
+                      <a:endParaRPr kumimoji="1" lang="ja-JP" altLang="en-US" dirty="0"/>
+                    </a:p>
+                  </a:txBody>
+                  <a:tcPr/>
+                </a:tc>
+                <a:extLst>
+                  <a:ext uri="{0D108BD9-81ED-4DB2-BD59-A6C34878D82A}">
+                    <a16:rowId xmlns:a16="http://schemas.microsoft.com/office/drawing/2014/main" val="1445643311"/>
+                  </a:ext>
+                </a:extLst>
+              </a:tr>
+            </a:tbl>
+          </a:graphicData>
+        </a:graphic>
+      </p:graphicFrame>
+      <p:sp>
+        <p:nvSpPr>
+          <p:cNvPr id="3" name="テキスト ボックス 2">
+            <a:extLst>
+              <a:ext uri="{FF2B5EF4-FFF2-40B4-BE49-F238E27FC236}">
+                <a16:creationId xmlns:a16="http://schemas.microsoft.com/office/drawing/2014/main" id="{569D70FD-A6CF-06AE-535F-9CA3437C1ACA}"/>
+              </a:ext>
+            </a:extLst>
+          </p:cNvPr>
+          <p:cNvSpPr txBox="1"/>
+          <p:nvPr/>
+        </p:nvSpPr>
+        <p:spPr>
+          <a:xfrm>
+            <a:off x="5376000" y="4702168"/>
+            <a:ext cx="2835000" cy="369332"/>
+          </a:xfrm>
+          <a:prstGeom prst="rect">
+            <a:avLst/>
+          </a:prstGeom>
+          <a:noFill/>
+        </p:spPr>
+        <p:txBody>
+          <a:bodyPr wrap="square" rtlCol="0">
+            <a:spAutoFit/>
+          </a:bodyPr>
+          <a:lstStyle/>
+          <a:p>
+            <a:r>
+              <a:rPr lang="en-US" altLang="ja-JP" sz="1800" dirty="0" err="1">
+                <a:solidFill>
+                  <a:srgbClr val="0000C0"/>
+                </a:solidFill>
+                <a:effectLst/>
+                <a:latin typeface="Consolas" panose="020B0609020204030204" pitchFamily="49" charset="0"/>
+              </a:rPr>
+              <a:t>PointerOfTimeStamp</a:t>
+            </a:r>
+            <a:endParaRPr kumimoji="1" lang="ja-JP" altLang="en-US" dirty="0"/>
+          </a:p>
+        </p:txBody>
+      </p:sp>
+      <p:cxnSp>
+        <p:nvCxnSpPr>
+          <p:cNvPr id="7" name="直線矢印コネクタ 6">
+            <a:extLst>
+              <a:ext uri="{FF2B5EF4-FFF2-40B4-BE49-F238E27FC236}">
+                <a16:creationId xmlns:a16="http://schemas.microsoft.com/office/drawing/2014/main" id="{D4AAE523-6780-0CA4-E06F-4037CC2EC31C}"/>
+              </a:ext>
+            </a:extLst>
+          </p:cNvPr>
+          <p:cNvCxnSpPr>
+            <a:cxnSpLocks/>
+            <a:stCxn id="3" idx="0"/>
+          </p:cNvCxnSpPr>
+          <p:nvPr/>
+        </p:nvCxnSpPr>
+        <p:spPr>
+          <a:xfrm flipH="1" flipV="1">
+            <a:off x="6096000" y="4306500"/>
+            <a:ext cx="697500" cy="395668"/>
+          </a:xfrm>
+          <a:prstGeom prst="straightConnector1">
+            <a:avLst/>
+          </a:prstGeom>
+          <a:ln w="57150">
+            <a:tailEnd type="triangle"/>
+          </a:ln>
+        </p:spPr>
+        <p:style>
+          <a:lnRef idx="1">
+            <a:schemeClr val="accent1"/>
+          </a:lnRef>
+          <a:fillRef idx="0">
+            <a:schemeClr val="accent1"/>
+          </a:fillRef>
+          <a:effectRef idx="0">
+            <a:schemeClr val="accent1"/>
+          </a:effectRef>
+          <a:fontRef idx="minor">
+            <a:schemeClr val="tx1"/>
+          </a:fontRef>
+        </p:style>
+      </p:cxnSp>
+      <p:sp>
+        <p:nvSpPr>
+          <p:cNvPr id="11" name="フリーフォーム: 図形 10">
+            <a:extLst>
+              <a:ext uri="{FF2B5EF4-FFF2-40B4-BE49-F238E27FC236}">
+                <a16:creationId xmlns:a16="http://schemas.microsoft.com/office/drawing/2014/main" id="{7AFC7A85-AD17-E871-F587-13BA80B241A0}"/>
+              </a:ext>
+            </a:extLst>
+          </p:cNvPr>
+          <p:cNvSpPr/>
+          <p:nvPr/>
+        </p:nvSpPr>
+        <p:spPr>
+          <a:xfrm>
+            <a:off x="2226000" y="4149000"/>
+            <a:ext cx="9000000" cy="1012500"/>
+          </a:xfrm>
+          <a:custGeom>
+            <a:avLst/>
+            <a:gdLst>
+              <a:gd name="connsiteX0" fmla="*/ 8155807 w 8155807"/>
+              <a:gd name="connsiteY0" fmla="*/ 0 h 703903"/>
+              <a:gd name="connsiteX1" fmla="*/ 7721698 w 8155807"/>
+              <a:gd name="connsiteY1" fmla="*/ 526473 h 703903"/>
+              <a:gd name="connsiteX2" fmla="*/ 7019735 w 8155807"/>
+              <a:gd name="connsiteY2" fmla="*/ 683491 h 703903"/>
+              <a:gd name="connsiteX3" fmla="*/ 6428607 w 8155807"/>
+              <a:gd name="connsiteY3" fmla="*/ 701964 h 703903"/>
+              <a:gd name="connsiteX4" fmla="*/ 1117698 w 8155807"/>
+              <a:gd name="connsiteY4" fmla="*/ 701964 h 703903"/>
+              <a:gd name="connsiteX5" fmla="*/ 184826 w 8155807"/>
+              <a:gd name="connsiteY5" fmla="*/ 628073 h 703903"/>
+              <a:gd name="connsiteX6" fmla="*/ 98 w 8155807"/>
+              <a:gd name="connsiteY6" fmla="*/ 147782 h 703903"/>
+            </a:gdLst>
+            <a:ahLst/>
+            <a:cxnLst>
+              <a:cxn ang="0">
+                <a:pos x="connsiteX0" y="connsiteY0"/>
+              </a:cxn>
+              <a:cxn ang="0">
+                <a:pos x="connsiteX1" y="connsiteY1"/>
+              </a:cxn>
+              <a:cxn ang="0">
+                <a:pos x="connsiteX2" y="connsiteY2"/>
+              </a:cxn>
+              <a:cxn ang="0">
+                <a:pos x="connsiteX3" y="connsiteY3"/>
+              </a:cxn>
+              <a:cxn ang="0">
+                <a:pos x="connsiteX4" y="connsiteY4"/>
+              </a:cxn>
+              <a:cxn ang="0">
+                <a:pos x="connsiteX5" y="connsiteY5"/>
+              </a:cxn>
+              <a:cxn ang="0">
+                <a:pos x="connsiteX6" y="connsiteY6"/>
+              </a:cxn>
+            </a:cxnLst>
+            <a:rect l="l" t="t" r="r" b="b"/>
+            <a:pathLst>
+              <a:path w="8155807" h="703903">
+                <a:moveTo>
+                  <a:pt x="8155807" y="0"/>
+                </a:moveTo>
+                <a:cubicBezTo>
+                  <a:pt x="8033425" y="206279"/>
+                  <a:pt x="7911043" y="412558"/>
+                  <a:pt x="7721698" y="526473"/>
+                </a:cubicBezTo>
+                <a:cubicBezTo>
+                  <a:pt x="7532353" y="640388"/>
+                  <a:pt x="7235250" y="654243"/>
+                  <a:pt x="7019735" y="683491"/>
+                </a:cubicBezTo>
+                <a:cubicBezTo>
+                  <a:pt x="6804220" y="712739"/>
+                  <a:pt x="6428607" y="701964"/>
+                  <a:pt x="6428607" y="701964"/>
+                </a:cubicBezTo>
+                <a:lnTo>
+                  <a:pt x="1117698" y="701964"/>
+                </a:lnTo>
+                <a:cubicBezTo>
+                  <a:pt x="77068" y="689649"/>
+                  <a:pt x="371093" y="720437"/>
+                  <a:pt x="184826" y="628073"/>
+                </a:cubicBezTo>
+                <a:cubicBezTo>
+                  <a:pt x="-1441" y="535709"/>
+                  <a:pt x="-672" y="341745"/>
+                  <a:pt x="98" y="147782"/>
+                </a:cubicBezTo>
+              </a:path>
+            </a:pathLst>
+          </a:custGeom>
+          <a:noFill/>
+          <a:ln w="57150">
+            <a:solidFill>
+              <a:srgbClr val="FF0000"/>
+            </a:solidFill>
+            <a:headEnd type="none" w="med" len="med"/>
+            <a:tailEnd type="triangle" w="med" len="med"/>
+          </a:ln>
+        </p:spPr>
+        <p:style>
+          <a:lnRef idx="2">
+            <a:schemeClr val="accent1">
+              <a:shade val="15000"/>
+            </a:schemeClr>
+          </a:lnRef>
+          <a:fillRef idx="1">
+            <a:schemeClr val="accent1"/>
+          </a:fillRef>
+          <a:effectRef idx="0">
+            <a:schemeClr val="accent1"/>
+          </a:effectRef>
+          <a:fontRef idx="minor">
+            <a:schemeClr val="lt1"/>
+          </a:fontRef>
+        </p:style>
+        <p:txBody>
+          <a:bodyPr rtlCol="0" anchor="ctr"/>
+          <a:lstStyle/>
+          <a:p>
+            <a:pPr algn="ctr"/>
+            <a:endParaRPr kumimoji="1" lang="ja-JP" altLang="en-US"/>
+          </a:p>
+        </p:txBody>
+      </p:sp>
+      <p:cxnSp>
+        <p:nvCxnSpPr>
+          <p:cNvPr id="16" name="直線コネクタ 15">
+            <a:extLst>
+              <a:ext uri="{FF2B5EF4-FFF2-40B4-BE49-F238E27FC236}">
+                <a16:creationId xmlns:a16="http://schemas.microsoft.com/office/drawing/2014/main" id="{470C828B-A2E4-6C91-F7F6-850D2CF3AAAA}"/>
+              </a:ext>
+            </a:extLst>
+          </p:cNvPr>
+          <p:cNvCxnSpPr/>
+          <p:nvPr/>
+        </p:nvCxnSpPr>
+        <p:spPr>
+          <a:xfrm>
+            <a:off x="786000" y="2664000"/>
+            <a:ext cx="585000" cy="0"/>
+          </a:xfrm>
+          <a:prstGeom prst="line">
+            <a:avLst/>
+          </a:prstGeom>
+          <a:ln w="57150">
+            <a:solidFill>
+              <a:schemeClr val="tx1"/>
+            </a:solidFill>
+            <a:tailEnd type="none"/>
+          </a:ln>
+        </p:spPr>
+        <p:style>
+          <a:lnRef idx="1">
+            <a:schemeClr val="accent1"/>
+          </a:lnRef>
+          <a:fillRef idx="0">
+            <a:schemeClr val="accent1"/>
+          </a:fillRef>
+          <a:effectRef idx="0">
+            <a:schemeClr val="accent1"/>
+          </a:effectRef>
+          <a:fontRef idx="minor">
+            <a:schemeClr val="tx1"/>
+          </a:fontRef>
+        </p:style>
+      </p:cxnSp>
+      <p:cxnSp>
+        <p:nvCxnSpPr>
+          <p:cNvPr id="18" name="直線コネクタ 17">
+            <a:extLst>
+              <a:ext uri="{FF2B5EF4-FFF2-40B4-BE49-F238E27FC236}">
+                <a16:creationId xmlns:a16="http://schemas.microsoft.com/office/drawing/2014/main" id="{73EA2C31-BCC0-14FB-CF35-396EAA8570B4}"/>
+              </a:ext>
+            </a:extLst>
+          </p:cNvPr>
+          <p:cNvCxnSpPr/>
+          <p:nvPr/>
+        </p:nvCxnSpPr>
+        <p:spPr>
+          <a:xfrm flipV="1">
+            <a:off x="1416000" y="2169000"/>
+            <a:ext cx="0" cy="495000"/>
+          </a:xfrm>
+          <a:prstGeom prst="line">
+            <a:avLst/>
+          </a:prstGeom>
+          <a:ln w="57150">
+            <a:solidFill>
+              <a:srgbClr val="FF0000"/>
+            </a:solidFill>
+            <a:tailEnd type="triangle"/>
+          </a:ln>
+        </p:spPr>
+        <p:style>
+          <a:lnRef idx="1">
+            <a:schemeClr val="accent1"/>
+          </a:lnRef>
+          <a:fillRef idx="0">
+            <a:schemeClr val="accent1"/>
+          </a:fillRef>
+          <a:effectRef idx="0">
+            <a:schemeClr val="accent1"/>
+          </a:effectRef>
+          <a:fontRef idx="minor">
+            <a:schemeClr val="tx1"/>
+          </a:fontRef>
+        </p:style>
+      </p:cxnSp>
+      <p:cxnSp>
+        <p:nvCxnSpPr>
+          <p:cNvPr id="21" name="直線コネクタ 20">
+            <a:extLst>
+              <a:ext uri="{FF2B5EF4-FFF2-40B4-BE49-F238E27FC236}">
+                <a16:creationId xmlns:a16="http://schemas.microsoft.com/office/drawing/2014/main" id="{0DBD72FA-3542-43C8-1B24-2CFA1D62F705}"/>
+              </a:ext>
+            </a:extLst>
+          </p:cNvPr>
+          <p:cNvCxnSpPr>
+            <a:cxnSpLocks/>
+          </p:cNvCxnSpPr>
+          <p:nvPr/>
+        </p:nvCxnSpPr>
+        <p:spPr>
+          <a:xfrm>
+            <a:off x="1461000" y="2169000"/>
+            <a:ext cx="585000" cy="0"/>
+          </a:xfrm>
+          <a:prstGeom prst="line">
+            <a:avLst/>
+          </a:prstGeom>
+          <a:ln w="57150">
+            <a:solidFill>
+              <a:schemeClr val="tx1"/>
+            </a:solidFill>
+            <a:tailEnd type="none"/>
+          </a:ln>
+        </p:spPr>
+        <p:style>
+          <a:lnRef idx="1">
+            <a:schemeClr val="accent1"/>
+          </a:lnRef>
+          <a:fillRef idx="0">
+            <a:schemeClr val="accent1"/>
+          </a:fillRef>
+          <a:effectRef idx="0">
+            <a:schemeClr val="accent1"/>
+          </a:effectRef>
+          <a:fontRef idx="minor">
+            <a:schemeClr val="tx1"/>
+          </a:fontRef>
+        </p:style>
+      </p:cxnSp>
+      <p:cxnSp>
+        <p:nvCxnSpPr>
+          <p:cNvPr id="23" name="直線コネクタ 22">
+            <a:extLst>
+              <a:ext uri="{FF2B5EF4-FFF2-40B4-BE49-F238E27FC236}">
+                <a16:creationId xmlns:a16="http://schemas.microsoft.com/office/drawing/2014/main" id="{EE438B00-E4DD-9C1E-CC3C-ADB507BCE63A}"/>
+              </a:ext>
+            </a:extLst>
+          </p:cNvPr>
+          <p:cNvCxnSpPr>
+            <a:cxnSpLocks/>
+          </p:cNvCxnSpPr>
+          <p:nvPr/>
+        </p:nvCxnSpPr>
+        <p:spPr>
+          <a:xfrm>
+            <a:off x="2091000" y="2169000"/>
+            <a:ext cx="0" cy="495000"/>
+          </a:xfrm>
+          <a:prstGeom prst="line">
+            <a:avLst/>
+          </a:prstGeom>
+          <a:ln w="57150">
+            <a:solidFill>
+              <a:srgbClr val="00B050"/>
+            </a:solidFill>
+            <a:tailEnd type="triangle"/>
+          </a:ln>
+        </p:spPr>
+        <p:style>
+          <a:lnRef idx="1">
+            <a:schemeClr val="accent1"/>
+          </a:lnRef>
+          <a:fillRef idx="0">
+            <a:schemeClr val="accent1"/>
+          </a:fillRef>
+          <a:effectRef idx="0">
+            <a:schemeClr val="accent1"/>
+          </a:effectRef>
+          <a:fontRef idx="minor">
+            <a:schemeClr val="tx1"/>
+          </a:fontRef>
+        </p:style>
+      </p:cxnSp>
+      <p:cxnSp>
+        <p:nvCxnSpPr>
+          <p:cNvPr id="26" name="直線コネクタ 25">
+            <a:extLst>
+              <a:ext uri="{FF2B5EF4-FFF2-40B4-BE49-F238E27FC236}">
+                <a16:creationId xmlns:a16="http://schemas.microsoft.com/office/drawing/2014/main" id="{F19999B0-2C37-2C6B-448A-F7E79B6A59AD}"/>
+              </a:ext>
+            </a:extLst>
+          </p:cNvPr>
+          <p:cNvCxnSpPr>
+            <a:cxnSpLocks/>
+          </p:cNvCxnSpPr>
+          <p:nvPr/>
+        </p:nvCxnSpPr>
+        <p:spPr>
+          <a:xfrm>
+            <a:off x="2091000" y="2664000"/>
+            <a:ext cx="585000" cy="0"/>
+          </a:xfrm>
+          <a:prstGeom prst="line">
+            <a:avLst/>
+          </a:prstGeom>
+          <a:ln w="57150">
+            <a:solidFill>
+              <a:schemeClr val="tx1"/>
+            </a:solidFill>
+            <a:tailEnd type="none"/>
+          </a:ln>
+        </p:spPr>
+        <p:style>
+          <a:lnRef idx="1">
+            <a:schemeClr val="accent1"/>
+          </a:lnRef>
+          <a:fillRef idx="0">
+            <a:schemeClr val="accent1"/>
+          </a:fillRef>
+          <a:effectRef idx="0">
+            <a:schemeClr val="accent1"/>
+          </a:effectRef>
+          <a:fontRef idx="minor">
+            <a:schemeClr val="tx1"/>
+          </a:fontRef>
+        </p:style>
+      </p:cxnSp>
+      <p:cxnSp>
+        <p:nvCxnSpPr>
+          <p:cNvPr id="27" name="直線コネクタ 26">
+            <a:extLst>
+              <a:ext uri="{FF2B5EF4-FFF2-40B4-BE49-F238E27FC236}">
+                <a16:creationId xmlns:a16="http://schemas.microsoft.com/office/drawing/2014/main" id="{A7B2F1A2-2D3D-E7FF-F82A-749DB4FB64B1}"/>
+              </a:ext>
+            </a:extLst>
+          </p:cNvPr>
+          <p:cNvCxnSpPr>
+            <a:cxnSpLocks/>
+          </p:cNvCxnSpPr>
+          <p:nvPr/>
+        </p:nvCxnSpPr>
+        <p:spPr>
+          <a:xfrm flipV="1">
+            <a:off x="2721000" y="2169000"/>
+            <a:ext cx="0" cy="495000"/>
+          </a:xfrm>
+          <a:prstGeom prst="line">
+            <a:avLst/>
+          </a:prstGeom>
+          <a:ln w="57150">
+            <a:solidFill>
+              <a:srgbClr val="FF0000"/>
+            </a:solidFill>
+            <a:tailEnd type="triangle"/>
+          </a:ln>
+        </p:spPr>
+        <p:style>
+          <a:lnRef idx="1">
+            <a:schemeClr val="accent1"/>
+          </a:lnRef>
+          <a:fillRef idx="0">
+            <a:schemeClr val="accent1"/>
+          </a:fillRef>
+          <a:effectRef idx="0">
+            <a:schemeClr val="accent1"/>
+          </a:effectRef>
+          <a:fontRef idx="minor">
+            <a:schemeClr val="tx1"/>
+          </a:fontRef>
+        </p:style>
+      </p:cxnSp>
+      <p:cxnSp>
+        <p:nvCxnSpPr>
+          <p:cNvPr id="29" name="直線コネクタ 28">
+            <a:extLst>
+              <a:ext uri="{FF2B5EF4-FFF2-40B4-BE49-F238E27FC236}">
+                <a16:creationId xmlns:a16="http://schemas.microsoft.com/office/drawing/2014/main" id="{1866CC59-0959-F0FB-F904-EB593E6FA2AF}"/>
+              </a:ext>
+            </a:extLst>
+          </p:cNvPr>
+          <p:cNvCxnSpPr>
+            <a:cxnSpLocks/>
+          </p:cNvCxnSpPr>
+          <p:nvPr/>
+        </p:nvCxnSpPr>
+        <p:spPr>
+          <a:xfrm>
+            <a:off x="2721000" y="2181309"/>
+            <a:ext cx="2115000" cy="0"/>
+          </a:xfrm>
+          <a:prstGeom prst="line">
+            <a:avLst/>
+          </a:prstGeom>
+          <a:ln w="57150">
+            <a:solidFill>
+              <a:schemeClr val="tx1"/>
+            </a:solidFill>
+            <a:tailEnd type="none"/>
+          </a:ln>
+        </p:spPr>
+        <p:style>
+          <a:lnRef idx="1">
+            <a:schemeClr val="accent1"/>
+          </a:lnRef>
+          <a:fillRef idx="0">
+            <a:schemeClr val="accent1"/>
+          </a:fillRef>
+          <a:effectRef idx="0">
+            <a:schemeClr val="accent1"/>
+          </a:effectRef>
+          <a:fontRef idx="minor">
+            <a:schemeClr val="tx1"/>
+          </a:fontRef>
+        </p:style>
+      </p:cxnSp>
+      <p:cxnSp>
+        <p:nvCxnSpPr>
+          <p:cNvPr id="32" name="直線コネクタ 31">
+            <a:extLst>
+              <a:ext uri="{FF2B5EF4-FFF2-40B4-BE49-F238E27FC236}">
+                <a16:creationId xmlns:a16="http://schemas.microsoft.com/office/drawing/2014/main" id="{F8524EA9-C389-6781-6C9B-2DDE2CF0D74E}"/>
+              </a:ext>
+            </a:extLst>
+          </p:cNvPr>
+          <p:cNvCxnSpPr>
+            <a:cxnSpLocks/>
+          </p:cNvCxnSpPr>
+          <p:nvPr/>
+        </p:nvCxnSpPr>
+        <p:spPr>
+          <a:xfrm>
+            <a:off x="4836000" y="2664000"/>
+            <a:ext cx="2655000" cy="0"/>
+          </a:xfrm>
+          <a:prstGeom prst="line">
+            <a:avLst/>
+          </a:prstGeom>
+          <a:ln w="57150">
+            <a:solidFill>
+              <a:schemeClr val="tx1"/>
+            </a:solidFill>
+            <a:prstDash val="sysDash"/>
+            <a:tailEnd type="none"/>
+          </a:ln>
+        </p:spPr>
+        <p:style>
+          <a:lnRef idx="1">
+            <a:schemeClr val="accent1"/>
+          </a:lnRef>
+          <a:fillRef idx="0">
+            <a:schemeClr val="accent1"/>
+          </a:fillRef>
+          <a:effectRef idx="0">
+            <a:schemeClr val="accent1"/>
+          </a:effectRef>
+          <a:fontRef idx="minor">
+            <a:schemeClr val="tx1"/>
+          </a:fontRef>
+        </p:style>
+      </p:cxnSp>
+      <p:cxnSp>
+        <p:nvCxnSpPr>
+          <p:cNvPr id="34" name="直線コネクタ 33">
+            <a:extLst>
+              <a:ext uri="{FF2B5EF4-FFF2-40B4-BE49-F238E27FC236}">
+                <a16:creationId xmlns:a16="http://schemas.microsoft.com/office/drawing/2014/main" id="{17319EDD-3B17-43CE-40C2-C8D2FDB635C2}"/>
+              </a:ext>
+            </a:extLst>
+          </p:cNvPr>
+          <p:cNvCxnSpPr>
+            <a:cxnSpLocks/>
+          </p:cNvCxnSpPr>
+          <p:nvPr/>
+        </p:nvCxnSpPr>
+        <p:spPr>
+          <a:xfrm>
+            <a:off x="4836000" y="2187834"/>
+            <a:ext cx="2655000" cy="0"/>
+          </a:xfrm>
+          <a:prstGeom prst="line">
+            <a:avLst/>
+          </a:prstGeom>
+          <a:ln w="57150">
+            <a:solidFill>
+              <a:schemeClr val="tx1"/>
+            </a:solidFill>
+            <a:prstDash val="sysDash"/>
+            <a:tailEnd type="none"/>
+          </a:ln>
+        </p:spPr>
+        <p:style>
+          <a:lnRef idx="1">
+            <a:schemeClr val="accent1"/>
+          </a:lnRef>
+          <a:fillRef idx="0">
+            <a:schemeClr val="accent1"/>
+          </a:fillRef>
+          <a:effectRef idx="0">
+            <a:schemeClr val="accent1"/>
+          </a:effectRef>
+          <a:fontRef idx="minor">
+            <a:schemeClr val="tx1"/>
+          </a:fontRef>
+        </p:style>
+      </p:cxnSp>
+      <p:cxnSp>
+        <p:nvCxnSpPr>
+          <p:cNvPr id="35" name="直線コネクタ 34">
+            <a:extLst>
+              <a:ext uri="{FF2B5EF4-FFF2-40B4-BE49-F238E27FC236}">
+                <a16:creationId xmlns:a16="http://schemas.microsoft.com/office/drawing/2014/main" id="{D255CD6D-D438-3597-47DF-E0FA7397794A}"/>
+              </a:ext>
+            </a:extLst>
+          </p:cNvPr>
+          <p:cNvCxnSpPr>
+            <a:cxnSpLocks/>
+          </p:cNvCxnSpPr>
+          <p:nvPr/>
+        </p:nvCxnSpPr>
+        <p:spPr>
+          <a:xfrm flipV="1">
+            <a:off x="4804275" y="2187834"/>
+            <a:ext cx="0" cy="495000"/>
+          </a:xfrm>
+          <a:prstGeom prst="line">
+            <a:avLst/>
+          </a:prstGeom>
+          <a:ln w="57150">
+            <a:solidFill>
+              <a:schemeClr val="tx1"/>
+            </a:solidFill>
+            <a:prstDash val="sysDash"/>
+            <a:tailEnd type="none"/>
+          </a:ln>
+        </p:spPr>
+        <p:style>
+          <a:lnRef idx="1">
+            <a:schemeClr val="accent1"/>
+          </a:lnRef>
+          <a:fillRef idx="0">
+            <a:schemeClr val="accent1"/>
+          </a:fillRef>
+          <a:effectRef idx="0">
+            <a:schemeClr val="accent1"/>
+          </a:effectRef>
+          <a:fontRef idx="minor">
+            <a:schemeClr val="tx1"/>
+          </a:fontRef>
+        </p:style>
+      </p:cxnSp>
+      <p:sp>
+        <p:nvSpPr>
+          <p:cNvPr id="36" name="フリーフォーム: 図形 35">
+            <a:extLst>
+              <a:ext uri="{FF2B5EF4-FFF2-40B4-BE49-F238E27FC236}">
+                <a16:creationId xmlns:a16="http://schemas.microsoft.com/office/drawing/2014/main" id="{BECC2BDA-DE89-52DF-F782-DA7DDD10F14E}"/>
+              </a:ext>
+            </a:extLst>
+          </p:cNvPr>
+          <p:cNvSpPr/>
+          <p:nvPr/>
+        </p:nvSpPr>
+        <p:spPr>
+          <a:xfrm>
+            <a:off x="1428751" y="2724150"/>
+            <a:ext cx="797250" cy="933450"/>
+          </a:xfrm>
+          <a:custGeom>
+            <a:avLst/>
+            <a:gdLst>
+              <a:gd name="connsiteX0" fmla="*/ 0 w 1228725"/>
+              <a:gd name="connsiteY0" fmla="*/ 0 h 933450"/>
+              <a:gd name="connsiteX1" fmla="*/ 276225 w 1228725"/>
+              <a:gd name="connsiteY1" fmla="*/ 438150 h 933450"/>
+              <a:gd name="connsiteX2" fmla="*/ 1000125 w 1228725"/>
+              <a:gd name="connsiteY2" fmla="*/ 581025 h 933450"/>
+              <a:gd name="connsiteX3" fmla="*/ 1228725 w 1228725"/>
+              <a:gd name="connsiteY3" fmla="*/ 933450 h 933450"/>
+            </a:gdLst>
+            <a:ahLst/>
+            <a:cxnLst>
+              <a:cxn ang="0">
+                <a:pos x="connsiteX0" y="connsiteY0"/>
+              </a:cxn>
+              <a:cxn ang="0">
+                <a:pos x="connsiteX1" y="connsiteY1"/>
+              </a:cxn>
+              <a:cxn ang="0">
+                <a:pos x="connsiteX2" y="connsiteY2"/>
+              </a:cxn>
+              <a:cxn ang="0">
+                <a:pos x="connsiteX3" y="connsiteY3"/>
+              </a:cxn>
+            </a:cxnLst>
+            <a:rect l="l" t="t" r="r" b="b"/>
+            <a:pathLst>
+              <a:path w="1228725" h="933450">
+                <a:moveTo>
+                  <a:pt x="0" y="0"/>
+                </a:moveTo>
+                <a:cubicBezTo>
+                  <a:pt x="54769" y="170656"/>
+                  <a:pt x="109538" y="341313"/>
+                  <a:pt x="276225" y="438150"/>
+                </a:cubicBezTo>
+                <a:cubicBezTo>
+                  <a:pt x="442912" y="534987"/>
+                  <a:pt x="841375" y="498475"/>
+                  <a:pt x="1000125" y="581025"/>
+                </a:cubicBezTo>
+                <a:cubicBezTo>
+                  <a:pt x="1158875" y="663575"/>
+                  <a:pt x="1193800" y="798512"/>
+                  <a:pt x="1228725" y="933450"/>
+                </a:cubicBezTo>
+              </a:path>
+            </a:pathLst>
+          </a:custGeom>
+          <a:noFill/>
+          <a:ln w="38100">
+            <a:tailEnd type="arrow"/>
+          </a:ln>
+        </p:spPr>
+        <p:style>
+          <a:lnRef idx="2">
+            <a:schemeClr val="accent1">
+              <a:shade val="15000"/>
+            </a:schemeClr>
+          </a:lnRef>
+          <a:fillRef idx="1">
+            <a:schemeClr val="accent1"/>
+          </a:fillRef>
+          <a:effectRef idx="0">
+            <a:schemeClr val="accent1"/>
+          </a:effectRef>
+          <a:fontRef idx="minor">
+            <a:schemeClr val="lt1"/>
+          </a:fontRef>
+        </p:style>
+        <p:txBody>
+          <a:bodyPr rtlCol="0" anchor="ctr"/>
+          <a:lstStyle/>
+          <a:p>
+            <a:pPr algn="ctr"/>
+            <a:endParaRPr kumimoji="1" lang="ja-JP" altLang="en-US"/>
+          </a:p>
+        </p:txBody>
+      </p:sp>
+      <p:sp>
+        <p:nvSpPr>
+          <p:cNvPr id="37" name="フリーフォーム: 図形 36">
+            <a:extLst>
+              <a:ext uri="{FF2B5EF4-FFF2-40B4-BE49-F238E27FC236}">
+                <a16:creationId xmlns:a16="http://schemas.microsoft.com/office/drawing/2014/main" id="{5E0244F3-5ABC-989B-D16D-7F29A19512BE}"/>
+              </a:ext>
+            </a:extLst>
+          </p:cNvPr>
+          <p:cNvSpPr/>
+          <p:nvPr/>
+        </p:nvSpPr>
+        <p:spPr>
+          <a:xfrm>
+            <a:off x="2106637" y="2676309"/>
+            <a:ext cx="1469363" cy="933444"/>
+          </a:xfrm>
+          <a:custGeom>
+            <a:avLst/>
+            <a:gdLst>
+              <a:gd name="connsiteX0" fmla="*/ 0 w 1228725"/>
+              <a:gd name="connsiteY0" fmla="*/ 0 h 933450"/>
+              <a:gd name="connsiteX1" fmla="*/ 276225 w 1228725"/>
+              <a:gd name="connsiteY1" fmla="*/ 438150 h 933450"/>
+              <a:gd name="connsiteX2" fmla="*/ 1000125 w 1228725"/>
+              <a:gd name="connsiteY2" fmla="*/ 581025 h 933450"/>
+              <a:gd name="connsiteX3" fmla="*/ 1228725 w 1228725"/>
+              <a:gd name="connsiteY3" fmla="*/ 933450 h 933450"/>
+            </a:gdLst>
+            <a:ahLst/>
+            <a:cxnLst>
+              <a:cxn ang="0">
+                <a:pos x="connsiteX0" y="connsiteY0"/>
+              </a:cxn>
+              <a:cxn ang="0">
+                <a:pos x="connsiteX1" y="connsiteY1"/>
+              </a:cxn>
+              <a:cxn ang="0">
+                <a:pos x="connsiteX2" y="connsiteY2"/>
+              </a:cxn>
+              <a:cxn ang="0">
+                <a:pos x="connsiteX3" y="connsiteY3"/>
+              </a:cxn>
+            </a:cxnLst>
+            <a:rect l="l" t="t" r="r" b="b"/>
+            <a:pathLst>
+              <a:path w="1228725" h="933450">
+                <a:moveTo>
+                  <a:pt x="0" y="0"/>
+                </a:moveTo>
+                <a:cubicBezTo>
+                  <a:pt x="54769" y="170656"/>
+                  <a:pt x="109538" y="341313"/>
+                  <a:pt x="276225" y="438150"/>
+                </a:cubicBezTo>
+                <a:cubicBezTo>
+                  <a:pt x="442912" y="534987"/>
+                  <a:pt x="841375" y="498475"/>
+                  <a:pt x="1000125" y="581025"/>
+                </a:cubicBezTo>
+                <a:cubicBezTo>
+                  <a:pt x="1158875" y="663575"/>
+                  <a:pt x="1193800" y="798512"/>
+                  <a:pt x="1228725" y="933450"/>
+                </a:cubicBezTo>
+              </a:path>
+            </a:pathLst>
+          </a:custGeom>
+          <a:noFill/>
+          <a:ln w="38100">
+            <a:tailEnd type="arrow"/>
+          </a:ln>
+        </p:spPr>
+        <p:style>
+          <a:lnRef idx="2">
+            <a:schemeClr val="accent1">
+              <a:shade val="15000"/>
+            </a:schemeClr>
+          </a:lnRef>
+          <a:fillRef idx="1">
+            <a:schemeClr val="accent1"/>
+          </a:fillRef>
+          <a:effectRef idx="0">
+            <a:schemeClr val="accent1"/>
+          </a:effectRef>
+          <a:fontRef idx="minor">
+            <a:schemeClr val="lt1"/>
+          </a:fontRef>
+        </p:style>
+        <p:txBody>
+          <a:bodyPr rtlCol="0" anchor="ctr"/>
+          <a:lstStyle/>
+          <a:p>
+            <a:pPr algn="ctr"/>
+            <a:endParaRPr kumimoji="1" lang="ja-JP" altLang="en-US"/>
+          </a:p>
+        </p:txBody>
+      </p:sp>
+      <p:sp>
+        <p:nvSpPr>
+          <p:cNvPr id="38" name="フリーフォーム: 図形 37">
+            <a:extLst>
+              <a:ext uri="{FF2B5EF4-FFF2-40B4-BE49-F238E27FC236}">
+                <a16:creationId xmlns:a16="http://schemas.microsoft.com/office/drawing/2014/main" id="{C11F9843-D488-65C4-B2DA-7472426E75AA}"/>
+              </a:ext>
+            </a:extLst>
+          </p:cNvPr>
+          <p:cNvSpPr/>
+          <p:nvPr/>
+        </p:nvSpPr>
+        <p:spPr>
+          <a:xfrm>
+            <a:off x="2784525" y="2633716"/>
+            <a:ext cx="2115000" cy="976029"/>
+          </a:xfrm>
+          <a:custGeom>
+            <a:avLst/>
+            <a:gdLst>
+              <a:gd name="connsiteX0" fmla="*/ 0 w 1228725"/>
+              <a:gd name="connsiteY0" fmla="*/ 0 h 933450"/>
+              <a:gd name="connsiteX1" fmla="*/ 276225 w 1228725"/>
+              <a:gd name="connsiteY1" fmla="*/ 438150 h 933450"/>
+              <a:gd name="connsiteX2" fmla="*/ 1000125 w 1228725"/>
+              <a:gd name="connsiteY2" fmla="*/ 581025 h 933450"/>
+              <a:gd name="connsiteX3" fmla="*/ 1228725 w 1228725"/>
+              <a:gd name="connsiteY3" fmla="*/ 933450 h 933450"/>
+            </a:gdLst>
+            <a:ahLst/>
+            <a:cxnLst>
+              <a:cxn ang="0">
+                <a:pos x="connsiteX0" y="connsiteY0"/>
+              </a:cxn>
+              <a:cxn ang="0">
+                <a:pos x="connsiteX1" y="connsiteY1"/>
+              </a:cxn>
+              <a:cxn ang="0">
+                <a:pos x="connsiteX2" y="connsiteY2"/>
+              </a:cxn>
+              <a:cxn ang="0">
+                <a:pos x="connsiteX3" y="connsiteY3"/>
+              </a:cxn>
+            </a:cxnLst>
+            <a:rect l="l" t="t" r="r" b="b"/>
+            <a:pathLst>
+              <a:path w="1228725" h="933450">
+                <a:moveTo>
+                  <a:pt x="0" y="0"/>
+                </a:moveTo>
+                <a:cubicBezTo>
+                  <a:pt x="54769" y="170656"/>
+                  <a:pt x="109538" y="341313"/>
+                  <a:pt x="276225" y="438150"/>
+                </a:cubicBezTo>
+                <a:cubicBezTo>
+                  <a:pt x="442912" y="534987"/>
+                  <a:pt x="841375" y="498475"/>
+                  <a:pt x="1000125" y="581025"/>
+                </a:cubicBezTo>
+                <a:cubicBezTo>
+                  <a:pt x="1158875" y="663575"/>
+                  <a:pt x="1193800" y="798512"/>
+                  <a:pt x="1228725" y="933450"/>
+                </a:cubicBezTo>
+              </a:path>
+            </a:pathLst>
+          </a:custGeom>
+          <a:noFill/>
+          <a:ln w="38100">
+            <a:tailEnd type="arrow"/>
+          </a:ln>
+        </p:spPr>
+        <p:style>
+          <a:lnRef idx="2">
+            <a:schemeClr val="accent1">
+              <a:shade val="15000"/>
+            </a:schemeClr>
+          </a:lnRef>
+          <a:fillRef idx="1">
+            <a:schemeClr val="accent1"/>
+          </a:fillRef>
+          <a:effectRef idx="0">
+            <a:schemeClr val="accent1"/>
+          </a:effectRef>
+          <a:fontRef idx="minor">
+            <a:schemeClr val="lt1"/>
+          </a:fontRef>
+        </p:style>
+        <p:txBody>
+          <a:bodyPr rtlCol="0" anchor="ctr"/>
+          <a:lstStyle/>
+          <a:p>
+            <a:pPr algn="ctr"/>
+            <a:endParaRPr kumimoji="1" lang="ja-JP" altLang="en-US"/>
+          </a:p>
+        </p:txBody>
+      </p:sp>
+    </p:spTree>
+    <p:extLst>
+      <p:ext uri="{BB962C8B-B14F-4D97-AF65-F5344CB8AC3E}">
+        <p14:creationId xmlns:p14="http://schemas.microsoft.com/office/powerpoint/2010/main" val="1528259926"/>
+      </p:ext>
+    </p:extLst>
+  </p:cSld>
+  <p:clrMapOvr>
+    <a:masterClrMapping/>
+  </p:clrMapOvr>
+</p:sld>
+</file>
+
+<file path=ppt/slides/slide4.xml><?xml version="1.0" encoding="utf-8"?>
+<p:sld xmlns:a="http://schemas.openxmlformats.org/drawingml/2006/main" xmlns:r="http://schemas.openxmlformats.org/officeDocument/2006/relationships" xmlns:p="http://schemas.openxmlformats.org/presentationml/2006/main">
+  <p:cSld>
+    <p:spTree>
+      <p:nvGrpSpPr>
+        <p:cNvPr id="1" name=""/>
+        <p:cNvGrpSpPr/>
+        <p:nvPr/>
+      </p:nvGrpSpPr>
+      <p:grpSpPr>
+        <a:xfrm>
+          <a:off x="0" y="0"/>
+          <a:ext cx="0" cy="0"/>
+          <a:chOff x="0" y="0"/>
+          <a:chExt cx="0" cy="0"/>
+        </a:xfrm>
+      </p:grpSpPr>
+      <p:sp>
+        <p:nvSpPr>
+          <p:cNvPr id="22" name="正方形/長方形 21">
+            <a:extLst>
+              <a:ext uri="{FF2B5EF4-FFF2-40B4-BE49-F238E27FC236}">
+                <a16:creationId xmlns:a16="http://schemas.microsoft.com/office/drawing/2014/main" id="{1D11F067-B6B4-7160-AC56-72F0989C5A3D}"/>
+              </a:ext>
+            </a:extLst>
+          </p:cNvPr>
+          <p:cNvSpPr/>
+          <p:nvPr/>
+        </p:nvSpPr>
+        <p:spPr>
+          <a:xfrm>
+            <a:off x="3631203" y="4160764"/>
+            <a:ext cx="180000" cy="202500"/>
+          </a:xfrm>
+          <a:prstGeom prst="rect">
+            <a:avLst/>
+          </a:prstGeom>
+        </p:spPr>
+        <p:style>
+          <a:lnRef idx="2">
+            <a:schemeClr val="accent1">
+              <a:shade val="15000"/>
+            </a:schemeClr>
+          </a:lnRef>
+          <a:fillRef idx="1">
+            <a:schemeClr val="accent1"/>
+          </a:fillRef>
+          <a:effectRef idx="0">
+            <a:schemeClr val="accent1"/>
+          </a:effectRef>
+          <a:fontRef idx="minor">
+            <a:schemeClr val="lt1"/>
+          </a:fontRef>
+        </p:style>
+        <p:txBody>
+          <a:bodyPr rtlCol="0" anchor="ctr"/>
+          <a:lstStyle/>
+          <a:p>
+            <a:pPr algn="ctr"/>
+            <a:endParaRPr kumimoji="1" lang="ja-JP" altLang="en-US"/>
+          </a:p>
+        </p:txBody>
+      </p:sp>
+      <p:sp>
+        <p:nvSpPr>
+          <p:cNvPr id="4" name="正方形/長方形 3">
+            <a:extLst>
+              <a:ext uri="{FF2B5EF4-FFF2-40B4-BE49-F238E27FC236}">
+                <a16:creationId xmlns:a16="http://schemas.microsoft.com/office/drawing/2014/main" id="{4A435742-1E5F-B8BF-6385-BCE2CED85C5C}"/>
+              </a:ext>
+            </a:extLst>
+          </p:cNvPr>
+          <p:cNvSpPr/>
+          <p:nvPr/>
+        </p:nvSpPr>
+        <p:spPr>
+          <a:xfrm>
+            <a:off x="5241000" y="1674000"/>
+            <a:ext cx="2205000" cy="1260000"/>
+          </a:xfrm>
+          <a:prstGeom prst="rect">
+            <a:avLst/>
+          </a:prstGeom>
+          <a:solidFill>
+            <a:srgbClr val="85FF8B"/>
+          </a:solidFill>
+        </p:spPr>
+        <p:style>
+          <a:lnRef idx="2">
+            <a:schemeClr val="accent4">
+              <a:shade val="15000"/>
+            </a:schemeClr>
+          </a:lnRef>
+          <a:fillRef idx="1">
+            <a:schemeClr val="accent4"/>
+          </a:fillRef>
+          <a:effectRef idx="0">
+            <a:schemeClr val="accent4"/>
+          </a:effectRef>
+          <a:fontRef idx="minor">
+            <a:schemeClr val="lt1"/>
+          </a:fontRef>
+        </p:style>
+        <p:txBody>
+          <a:bodyPr rtlCol="0" anchor="ctr"/>
+          <a:lstStyle/>
+          <a:p>
+            <a:pPr algn="ctr"/>
+            <a:r>
+              <a:rPr kumimoji="1" lang="en-US" altLang="ja-JP" sz="2400" dirty="0">
+                <a:solidFill>
+                  <a:schemeClr val="tx1"/>
+                </a:solidFill>
+                <a:latin typeface="ＭＳ ゴシック" panose="020B0609070205080204" pitchFamily="49" charset="-128"/>
+                <a:ea typeface="ＭＳ ゴシック" panose="020B0609070205080204" pitchFamily="49" charset="-128"/>
+              </a:rPr>
+              <a:t>PC</a:t>
+            </a:r>
+            <a:endParaRPr kumimoji="1" lang="ja-JP" altLang="en-US" sz="2400" dirty="0">
+              <a:solidFill>
+                <a:schemeClr val="tx1"/>
+              </a:solidFill>
+              <a:latin typeface="ＭＳ ゴシック" panose="020B0609070205080204" pitchFamily="49" charset="-128"/>
+              <a:ea typeface="ＭＳ ゴシック" panose="020B0609070205080204" pitchFamily="49" charset="-128"/>
+            </a:endParaRPr>
+          </a:p>
+        </p:txBody>
+      </p:sp>
+      <p:sp>
+        <p:nvSpPr>
+          <p:cNvPr id="5" name="正方形/長方形 4">
+            <a:extLst>
+              <a:ext uri="{FF2B5EF4-FFF2-40B4-BE49-F238E27FC236}">
+                <a16:creationId xmlns:a16="http://schemas.microsoft.com/office/drawing/2014/main" id="{CA6AC394-9875-18C1-8B95-8A2CBDA17433}"/>
+              </a:ext>
+            </a:extLst>
+          </p:cNvPr>
+          <p:cNvSpPr/>
+          <p:nvPr/>
+        </p:nvSpPr>
+        <p:spPr>
+          <a:xfrm>
+            <a:off x="9111000" y="1674000"/>
+            <a:ext cx="2205000" cy="1260000"/>
+          </a:xfrm>
+          <a:prstGeom prst="rect">
+            <a:avLst/>
+          </a:prstGeom>
+          <a:solidFill>
+            <a:srgbClr val="FFCC99"/>
+          </a:solidFill>
+        </p:spPr>
+        <p:style>
+          <a:lnRef idx="2">
+            <a:schemeClr val="accent4">
+              <a:shade val="15000"/>
+            </a:schemeClr>
+          </a:lnRef>
+          <a:fillRef idx="1">
+            <a:schemeClr val="accent4"/>
+          </a:fillRef>
+          <a:effectRef idx="0">
+            <a:schemeClr val="accent4"/>
+          </a:effectRef>
+          <a:fontRef idx="minor">
+            <a:schemeClr val="lt1"/>
+          </a:fontRef>
+        </p:style>
+        <p:txBody>
+          <a:bodyPr rtlCol="0" anchor="ctr"/>
+          <a:lstStyle/>
+          <a:p>
+            <a:pPr algn="ctr"/>
+            <a:r>
+              <a:rPr kumimoji="1" lang="ja-JP" altLang="en-US" sz="2400" dirty="0">
+                <a:solidFill>
+                  <a:schemeClr val="tx1"/>
+                </a:solidFill>
+                <a:latin typeface="ＭＳ ゴシック" panose="020B0609070205080204" pitchFamily="49" charset="-128"/>
+                <a:ea typeface="ＭＳ ゴシック" panose="020B0609070205080204" pitchFamily="49" charset="-128"/>
+              </a:rPr>
+              <a:t>例えば</a:t>
+            </a:r>
+            <a:endParaRPr kumimoji="1" lang="en-US" altLang="ja-JP" sz="2400" dirty="0">
+              <a:solidFill>
+                <a:schemeClr val="tx1"/>
+              </a:solidFill>
+              <a:latin typeface="ＭＳ ゴシック" panose="020B0609070205080204" pitchFamily="49" charset="-128"/>
+              <a:ea typeface="ＭＳ ゴシック" panose="020B0609070205080204" pitchFamily="49" charset="-128"/>
+            </a:endParaRPr>
+          </a:p>
+          <a:p>
+            <a:pPr algn="ctr"/>
+            <a:r>
+              <a:rPr kumimoji="1" lang="en-US" altLang="ja-JP" sz="2400" dirty="0">
+                <a:solidFill>
+                  <a:schemeClr val="tx1"/>
+                </a:solidFill>
+                <a:latin typeface="ＭＳ ゴシック" panose="020B0609070205080204" pitchFamily="49" charset="-128"/>
+                <a:ea typeface="ＭＳ ゴシック" panose="020B0609070205080204" pitchFamily="49" charset="-128"/>
+              </a:rPr>
+              <a:t>IC-9700</a:t>
+            </a:r>
+            <a:endParaRPr kumimoji="1" lang="ja-JP" altLang="en-US" sz="2400" dirty="0">
+              <a:solidFill>
+                <a:schemeClr val="tx1"/>
+              </a:solidFill>
+              <a:latin typeface="ＭＳ ゴシック" panose="020B0609070205080204" pitchFamily="49" charset="-128"/>
+              <a:ea typeface="ＭＳ ゴシック" panose="020B0609070205080204" pitchFamily="49" charset="-128"/>
+            </a:endParaRPr>
+          </a:p>
+        </p:txBody>
+      </p:sp>
+      <p:sp>
+        <p:nvSpPr>
+          <p:cNvPr id="6" name="正方形/長方形 5">
+            <a:extLst>
+              <a:ext uri="{FF2B5EF4-FFF2-40B4-BE49-F238E27FC236}">
+                <a16:creationId xmlns:a16="http://schemas.microsoft.com/office/drawing/2014/main" id="{203FBF97-B914-47B9-319E-BBB480CBBC1B}"/>
+              </a:ext>
+            </a:extLst>
+          </p:cNvPr>
+          <p:cNvSpPr/>
+          <p:nvPr/>
+        </p:nvSpPr>
+        <p:spPr>
+          <a:xfrm>
+            <a:off x="5241000" y="3924000"/>
+            <a:ext cx="2205000" cy="1260000"/>
+          </a:xfrm>
+          <a:prstGeom prst="rect">
+            <a:avLst/>
+          </a:prstGeom>
+          <a:solidFill>
+            <a:srgbClr val="FFD5F3"/>
+          </a:solidFill>
+        </p:spPr>
+        <p:style>
+          <a:lnRef idx="2">
+            <a:schemeClr val="accent4">
+              <a:shade val="15000"/>
+            </a:schemeClr>
+          </a:lnRef>
+          <a:fillRef idx="1">
+            <a:schemeClr val="accent4"/>
+          </a:fillRef>
+          <a:effectRef idx="0">
+            <a:schemeClr val="accent4"/>
+          </a:effectRef>
+          <a:fontRef idx="minor">
+            <a:schemeClr val="lt1"/>
+          </a:fontRef>
+        </p:style>
+        <p:txBody>
+          <a:bodyPr rtlCol="0" anchor="ctr"/>
+          <a:lstStyle/>
+          <a:p>
+            <a:pPr algn="ctr"/>
+            <a:r>
+              <a:rPr kumimoji="1" lang="en-US" altLang="ja-JP" sz="2400" dirty="0">
+                <a:solidFill>
+                  <a:schemeClr val="tx1"/>
+                </a:solidFill>
+                <a:latin typeface="ＭＳ ゴシック" panose="020B0609070205080204" pitchFamily="49" charset="-128"/>
+                <a:ea typeface="ＭＳ ゴシック" panose="020B0609070205080204" pitchFamily="49" charset="-128"/>
+              </a:rPr>
+              <a:t>KBD</a:t>
+            </a:r>
+            <a:endParaRPr kumimoji="1" lang="ja-JP" altLang="en-US" sz="2400" dirty="0">
+              <a:solidFill>
+                <a:schemeClr val="tx1"/>
+              </a:solidFill>
+              <a:latin typeface="ＭＳ ゴシック" panose="020B0609070205080204" pitchFamily="49" charset="-128"/>
+              <a:ea typeface="ＭＳ ゴシック" panose="020B0609070205080204" pitchFamily="49" charset="-128"/>
+            </a:endParaRPr>
+          </a:p>
+        </p:txBody>
+      </p:sp>
+      <p:sp>
+        <p:nvSpPr>
+          <p:cNvPr id="7" name="正方形/長方形 6">
+            <a:extLst>
+              <a:ext uri="{FF2B5EF4-FFF2-40B4-BE49-F238E27FC236}">
+                <a16:creationId xmlns:a16="http://schemas.microsoft.com/office/drawing/2014/main" id="{A1EEA8E7-B63D-D039-93BD-289C392D8BA1}"/>
+              </a:ext>
+            </a:extLst>
+          </p:cNvPr>
+          <p:cNvSpPr/>
+          <p:nvPr/>
+        </p:nvSpPr>
+        <p:spPr>
+          <a:xfrm>
+            <a:off x="696000" y="1652145"/>
+            <a:ext cx="3060000" cy="1260000"/>
+          </a:xfrm>
+          <a:prstGeom prst="rect">
+            <a:avLst/>
+          </a:prstGeom>
+        </p:spPr>
+        <p:style>
+          <a:lnRef idx="2">
+            <a:schemeClr val="accent4">
+              <a:shade val="15000"/>
+            </a:schemeClr>
+          </a:lnRef>
+          <a:fillRef idx="1">
+            <a:schemeClr val="accent4"/>
+          </a:fillRef>
+          <a:effectRef idx="0">
+            <a:schemeClr val="accent4"/>
+          </a:effectRef>
+          <a:fontRef idx="minor">
+            <a:schemeClr val="lt1"/>
+          </a:fontRef>
+        </p:style>
+        <p:txBody>
+          <a:bodyPr rtlCol="0" anchor="ctr"/>
+          <a:lstStyle/>
+          <a:p>
+            <a:pPr algn="ctr"/>
+            <a:r>
+              <a:rPr kumimoji="1" lang="ja-JP" altLang="en-US" sz="2400" dirty="0">
+                <a:solidFill>
+                  <a:schemeClr val="tx1"/>
+                </a:solidFill>
+                <a:latin typeface="ＭＳ ゴシック" panose="020B0609070205080204" pitchFamily="49" charset="-128"/>
+                <a:ea typeface="ＭＳ ゴシック" panose="020B0609070205080204" pitchFamily="49" charset="-128"/>
+              </a:rPr>
+              <a:t>例えば</a:t>
+            </a:r>
+            <a:endParaRPr kumimoji="1" lang="en-US" altLang="ja-JP" sz="2400" dirty="0">
+              <a:solidFill>
+                <a:schemeClr val="tx1"/>
+              </a:solidFill>
+              <a:latin typeface="ＭＳ ゴシック" panose="020B0609070205080204" pitchFamily="49" charset="-128"/>
+              <a:ea typeface="ＭＳ ゴシック" panose="020B0609070205080204" pitchFamily="49" charset="-128"/>
+            </a:endParaRPr>
+          </a:p>
+          <a:p>
+            <a:pPr algn="ctr"/>
+            <a:r>
+              <a:rPr kumimoji="1" lang="en-US" altLang="ja-JP" sz="2400" dirty="0">
+                <a:solidFill>
+                  <a:schemeClr val="tx1"/>
+                </a:solidFill>
+                <a:latin typeface="ＭＳ ゴシック" panose="020B0609070205080204" pitchFamily="49" charset="-128"/>
+                <a:ea typeface="ＭＳ ゴシック" panose="020B0609070205080204" pitchFamily="49" charset="-128"/>
+              </a:rPr>
+              <a:t>RS-232C</a:t>
+            </a:r>
+            <a:r>
+              <a:rPr kumimoji="1" lang="ja-JP" altLang="en-US" sz="2400" dirty="0">
+                <a:solidFill>
+                  <a:schemeClr val="tx1"/>
+                </a:solidFill>
+                <a:latin typeface="ＭＳ ゴシック" panose="020B0609070205080204" pitchFamily="49" charset="-128"/>
+                <a:ea typeface="ＭＳ ゴシック" panose="020B0609070205080204" pitchFamily="49" charset="-128"/>
+              </a:rPr>
+              <a:t>～</a:t>
+            </a:r>
+            <a:r>
+              <a:rPr kumimoji="1" lang="en-US" altLang="ja-JP" sz="2400" dirty="0">
+                <a:solidFill>
+                  <a:schemeClr val="tx1"/>
+                </a:solidFill>
+                <a:latin typeface="ＭＳ ゴシック" panose="020B0609070205080204" pitchFamily="49" charset="-128"/>
+                <a:ea typeface="ＭＳ ゴシック" panose="020B0609070205080204" pitchFamily="49" charset="-128"/>
+              </a:rPr>
+              <a:t>USB</a:t>
+            </a:r>
+            <a:r>
+              <a:rPr kumimoji="1" lang="ja-JP" altLang="en-US" sz="2400" dirty="0">
+                <a:solidFill>
+                  <a:schemeClr val="tx1"/>
+                </a:solidFill>
+                <a:latin typeface="ＭＳ ゴシック" panose="020B0609070205080204" pitchFamily="49" charset="-128"/>
+                <a:ea typeface="ＭＳ ゴシック" panose="020B0609070205080204" pitchFamily="49" charset="-128"/>
+              </a:rPr>
+              <a:t>変換器</a:t>
+            </a:r>
+            <a:endParaRPr kumimoji="1" lang="en-US" altLang="ja-JP" sz="2400" dirty="0">
+              <a:solidFill>
+                <a:schemeClr val="tx1"/>
+              </a:solidFill>
+              <a:latin typeface="ＭＳ ゴシック" panose="020B0609070205080204" pitchFamily="49" charset="-128"/>
+              <a:ea typeface="ＭＳ ゴシック" panose="020B0609070205080204" pitchFamily="49" charset="-128"/>
+            </a:endParaRPr>
+          </a:p>
+        </p:txBody>
+      </p:sp>
+      <p:cxnSp>
+        <p:nvCxnSpPr>
+          <p:cNvPr id="9" name="直線コネクタ 8">
+            <a:extLst>
+              <a:ext uri="{FF2B5EF4-FFF2-40B4-BE49-F238E27FC236}">
+                <a16:creationId xmlns:a16="http://schemas.microsoft.com/office/drawing/2014/main" id="{57C18005-C167-DC9B-3FE1-891A3E6544DC}"/>
+              </a:ext>
+            </a:extLst>
+          </p:cNvPr>
+          <p:cNvCxnSpPr>
+            <a:cxnSpLocks/>
+            <a:stCxn id="7" idx="3"/>
+            <a:endCxn id="4" idx="1"/>
+          </p:cNvCxnSpPr>
+          <p:nvPr/>
+        </p:nvCxnSpPr>
+        <p:spPr>
+          <a:xfrm>
+            <a:off x="3756000" y="2282145"/>
+            <a:ext cx="1485000" cy="21855"/>
+          </a:xfrm>
+          <a:prstGeom prst="line">
+            <a:avLst/>
+          </a:prstGeom>
+          <a:ln w="57150">
+            <a:tailEnd type="triangle"/>
+          </a:ln>
+        </p:spPr>
+        <p:style>
+          <a:lnRef idx="1">
+            <a:schemeClr val="accent1"/>
+          </a:lnRef>
+          <a:fillRef idx="0">
+            <a:schemeClr val="accent1"/>
+          </a:fillRef>
+          <a:effectRef idx="0">
+            <a:schemeClr val="accent1"/>
+          </a:effectRef>
+          <a:fontRef idx="minor">
+            <a:schemeClr val="tx1"/>
+          </a:fontRef>
+        </p:style>
+      </p:cxnSp>
+      <p:cxnSp>
+        <p:nvCxnSpPr>
+          <p:cNvPr id="11" name="直線矢印コネクタ 10">
+            <a:extLst>
+              <a:ext uri="{FF2B5EF4-FFF2-40B4-BE49-F238E27FC236}">
+                <a16:creationId xmlns:a16="http://schemas.microsoft.com/office/drawing/2014/main" id="{BD38F7C6-9C55-DF6E-ABB3-B5569AAE4B75}"/>
+              </a:ext>
+            </a:extLst>
+          </p:cNvPr>
+          <p:cNvCxnSpPr>
+            <a:cxnSpLocks/>
+            <a:stCxn id="4" idx="3"/>
+            <a:endCxn id="5" idx="1"/>
+          </p:cNvCxnSpPr>
+          <p:nvPr/>
+        </p:nvCxnSpPr>
+        <p:spPr>
+          <a:xfrm>
+            <a:off x="7446000" y="2304000"/>
+            <a:ext cx="1665000" cy="0"/>
+          </a:xfrm>
+          <a:prstGeom prst="straightConnector1">
+            <a:avLst/>
+          </a:prstGeom>
+          <a:ln w="57150">
+            <a:tailEnd type="triangle"/>
+          </a:ln>
+        </p:spPr>
+        <p:style>
+          <a:lnRef idx="1">
+            <a:schemeClr val="accent1"/>
+          </a:lnRef>
+          <a:fillRef idx="0">
+            <a:schemeClr val="accent1"/>
+          </a:fillRef>
+          <a:effectRef idx="0">
+            <a:schemeClr val="accent1"/>
+          </a:effectRef>
+          <a:fontRef idx="minor">
+            <a:schemeClr val="tx1"/>
+          </a:fontRef>
+        </p:style>
+      </p:cxnSp>
+      <p:cxnSp>
+        <p:nvCxnSpPr>
+          <p:cNvPr id="15" name="直線矢印コネクタ 14">
+            <a:extLst>
+              <a:ext uri="{FF2B5EF4-FFF2-40B4-BE49-F238E27FC236}">
+                <a16:creationId xmlns:a16="http://schemas.microsoft.com/office/drawing/2014/main" id="{14B7EEDD-7A06-0E1C-2C86-563A5A0EE01D}"/>
+              </a:ext>
+            </a:extLst>
+          </p:cNvPr>
+          <p:cNvCxnSpPr>
+            <a:stCxn id="6" idx="0"/>
+            <a:endCxn id="4" idx="2"/>
+          </p:cNvCxnSpPr>
+          <p:nvPr/>
+        </p:nvCxnSpPr>
+        <p:spPr>
+          <a:xfrm flipV="1">
+            <a:off x="6343500" y="2934000"/>
+            <a:ext cx="0" cy="990000"/>
+          </a:xfrm>
+          <a:prstGeom prst="straightConnector1">
+            <a:avLst/>
+          </a:prstGeom>
+          <a:ln w="57150">
+            <a:tailEnd type="triangle"/>
+          </a:ln>
+        </p:spPr>
+        <p:style>
+          <a:lnRef idx="1">
+            <a:schemeClr val="accent1"/>
+          </a:lnRef>
+          <a:fillRef idx="0">
+            <a:schemeClr val="accent1"/>
+          </a:fillRef>
+          <a:effectRef idx="0">
+            <a:schemeClr val="accent1"/>
+          </a:effectRef>
+          <a:fontRef idx="minor">
+            <a:schemeClr val="tx1"/>
+          </a:fontRef>
+        </p:style>
+      </p:cxnSp>
+      <p:sp>
+        <p:nvSpPr>
+          <p:cNvPr id="18" name="正方形/長方形 17">
+            <a:extLst>
+              <a:ext uri="{FF2B5EF4-FFF2-40B4-BE49-F238E27FC236}">
+                <a16:creationId xmlns:a16="http://schemas.microsoft.com/office/drawing/2014/main" id="{AD65B972-B0D2-998C-F96C-AB41C6021171}"/>
+              </a:ext>
+            </a:extLst>
+          </p:cNvPr>
+          <p:cNvSpPr/>
+          <p:nvPr/>
+        </p:nvSpPr>
+        <p:spPr>
+          <a:xfrm>
+            <a:off x="1786202" y="4768264"/>
+            <a:ext cx="2204999" cy="415736"/>
+          </a:xfrm>
+          <a:prstGeom prst="rect">
+            <a:avLst/>
+          </a:prstGeom>
+        </p:spPr>
+        <p:style>
+          <a:lnRef idx="2">
+            <a:schemeClr val="accent1">
+              <a:shade val="15000"/>
+            </a:schemeClr>
+          </a:lnRef>
+          <a:fillRef idx="1">
+            <a:schemeClr val="accent1"/>
+          </a:fillRef>
+          <a:effectRef idx="0">
+            <a:schemeClr val="accent1"/>
+          </a:effectRef>
+          <a:fontRef idx="minor">
+            <a:schemeClr val="lt1"/>
+          </a:fontRef>
+        </p:style>
+        <p:txBody>
+          <a:bodyPr rtlCol="0" anchor="ctr"/>
+          <a:lstStyle/>
+          <a:p>
+            <a:pPr algn="ctr"/>
+            <a:endParaRPr kumimoji="1" lang="ja-JP" altLang="en-US"/>
+          </a:p>
+        </p:txBody>
+      </p:sp>
+      <p:sp>
+        <p:nvSpPr>
+          <p:cNvPr id="19" name="正方形/長方形 18">
+            <a:extLst>
+              <a:ext uri="{FF2B5EF4-FFF2-40B4-BE49-F238E27FC236}">
+                <a16:creationId xmlns:a16="http://schemas.microsoft.com/office/drawing/2014/main" id="{11B4D1AB-6055-E216-27E2-3790DEE5432D}"/>
+              </a:ext>
+            </a:extLst>
+          </p:cNvPr>
+          <p:cNvSpPr/>
+          <p:nvPr/>
+        </p:nvSpPr>
+        <p:spPr>
+          <a:xfrm>
+            <a:off x="2281202" y="4498264"/>
+            <a:ext cx="169797" cy="270000"/>
+          </a:xfrm>
+          <a:prstGeom prst="rect">
+            <a:avLst/>
+          </a:prstGeom>
+        </p:spPr>
+        <p:style>
+          <a:lnRef idx="2">
+            <a:schemeClr val="accent1">
+              <a:shade val="15000"/>
+            </a:schemeClr>
+          </a:lnRef>
+          <a:fillRef idx="1">
+            <a:schemeClr val="accent1"/>
+          </a:fillRef>
+          <a:effectRef idx="0">
+            <a:schemeClr val="accent1"/>
+          </a:effectRef>
+          <a:fontRef idx="minor">
+            <a:schemeClr val="lt1"/>
+          </a:fontRef>
+        </p:style>
+        <p:txBody>
+          <a:bodyPr rtlCol="0" anchor="ctr"/>
+          <a:lstStyle/>
+          <a:p>
+            <a:pPr algn="ctr"/>
+            <a:endParaRPr kumimoji="1" lang="ja-JP" altLang="en-US"/>
+          </a:p>
+        </p:txBody>
+      </p:sp>
+      <p:sp>
+        <p:nvSpPr>
+          <p:cNvPr id="20" name="正方形/長方形 19">
+            <a:extLst>
+              <a:ext uri="{FF2B5EF4-FFF2-40B4-BE49-F238E27FC236}">
+                <a16:creationId xmlns:a16="http://schemas.microsoft.com/office/drawing/2014/main" id="{E4125EB2-D3C6-8FEA-027B-9FD39866534A}"/>
+              </a:ext>
+            </a:extLst>
+          </p:cNvPr>
+          <p:cNvSpPr/>
+          <p:nvPr/>
+        </p:nvSpPr>
+        <p:spPr>
+          <a:xfrm>
+            <a:off x="1786203" y="4363264"/>
+            <a:ext cx="2025000" cy="135000"/>
+          </a:xfrm>
+          <a:prstGeom prst="rect">
+            <a:avLst/>
+          </a:prstGeom>
+        </p:spPr>
+        <p:style>
+          <a:lnRef idx="2">
+            <a:schemeClr val="accent1">
+              <a:shade val="15000"/>
+            </a:schemeClr>
+          </a:lnRef>
+          <a:fillRef idx="1">
+            <a:schemeClr val="accent1"/>
+          </a:fillRef>
+          <a:effectRef idx="0">
+            <a:schemeClr val="accent1"/>
+          </a:effectRef>
+          <a:fontRef idx="minor">
+            <a:schemeClr val="lt1"/>
+          </a:fontRef>
+        </p:style>
+        <p:txBody>
+          <a:bodyPr rtlCol="0" anchor="ctr"/>
+          <a:lstStyle/>
+          <a:p>
+            <a:pPr algn="ctr"/>
+            <a:endParaRPr kumimoji="1" lang="ja-JP" altLang="en-US"/>
+          </a:p>
+        </p:txBody>
+      </p:sp>
+      <p:sp>
+        <p:nvSpPr>
+          <p:cNvPr id="21" name="楕円 20">
+            <a:extLst>
+              <a:ext uri="{FF2B5EF4-FFF2-40B4-BE49-F238E27FC236}">
+                <a16:creationId xmlns:a16="http://schemas.microsoft.com/office/drawing/2014/main" id="{3E8C6FAD-B7A5-E414-8A8C-C0319010EA64}"/>
+              </a:ext>
+            </a:extLst>
+          </p:cNvPr>
+          <p:cNvSpPr/>
+          <p:nvPr/>
+        </p:nvSpPr>
+        <p:spPr>
+          <a:xfrm>
+            <a:off x="3496203" y="4093264"/>
+            <a:ext cx="495000" cy="135000"/>
+          </a:xfrm>
+          <a:prstGeom prst="ellipse">
+            <a:avLst/>
+          </a:prstGeom>
+        </p:spPr>
+        <p:style>
+          <a:lnRef idx="2">
+            <a:schemeClr val="accent1">
+              <a:shade val="15000"/>
+            </a:schemeClr>
+          </a:lnRef>
+          <a:fillRef idx="1">
+            <a:schemeClr val="accent1"/>
+          </a:fillRef>
+          <a:effectRef idx="0">
+            <a:schemeClr val="accent1"/>
+          </a:effectRef>
+          <a:fontRef idx="minor">
+            <a:schemeClr val="lt1"/>
+          </a:fontRef>
+        </p:style>
+        <p:txBody>
+          <a:bodyPr rtlCol="0" anchor="ctr"/>
+          <a:lstStyle/>
+          <a:p>
+            <a:pPr algn="ctr"/>
+            <a:endParaRPr kumimoji="1" lang="ja-JP" altLang="en-US"/>
+          </a:p>
+        </p:txBody>
+      </p:sp>
+      <p:sp>
+        <p:nvSpPr>
+          <p:cNvPr id="23" name="フリーフォーム: 図形 22">
+            <a:extLst>
+              <a:ext uri="{FF2B5EF4-FFF2-40B4-BE49-F238E27FC236}">
+                <a16:creationId xmlns:a16="http://schemas.microsoft.com/office/drawing/2014/main" id="{68409CC5-C3E9-7748-F691-0AA615A02720}"/>
+              </a:ext>
+            </a:extLst>
+          </p:cNvPr>
+          <p:cNvSpPr/>
+          <p:nvPr/>
+        </p:nvSpPr>
+        <p:spPr>
+          <a:xfrm>
+            <a:off x="1377114" y="2927927"/>
+            <a:ext cx="1184292" cy="1487055"/>
+          </a:xfrm>
+          <a:custGeom>
+            <a:avLst/>
+            <a:gdLst>
+              <a:gd name="connsiteX0" fmla="*/ 451686 w 1184292"/>
+              <a:gd name="connsiteY0" fmla="*/ 1487055 h 1487055"/>
+              <a:gd name="connsiteX1" fmla="*/ 26813 w 1184292"/>
+              <a:gd name="connsiteY1" fmla="*/ 1163782 h 1487055"/>
+              <a:gd name="connsiteX2" fmla="*/ 1135177 w 1184292"/>
+              <a:gd name="connsiteY2" fmla="*/ 674255 h 1487055"/>
+              <a:gd name="connsiteX3" fmla="*/ 885795 w 1184292"/>
+              <a:gd name="connsiteY3" fmla="*/ 0 h 1487055"/>
+            </a:gdLst>
+            <a:ahLst/>
+            <a:cxnLst>
+              <a:cxn ang="0">
+                <a:pos x="connsiteX0" y="connsiteY0"/>
+              </a:cxn>
+              <a:cxn ang="0">
+                <a:pos x="connsiteX1" y="connsiteY1"/>
+              </a:cxn>
+              <a:cxn ang="0">
+                <a:pos x="connsiteX2" y="connsiteY2"/>
+              </a:cxn>
+              <a:cxn ang="0">
+                <a:pos x="connsiteX3" y="connsiteY3"/>
+              </a:cxn>
+            </a:cxnLst>
+            <a:rect l="l" t="t" r="r" b="b"/>
+            <a:pathLst>
+              <a:path w="1184292" h="1487055">
+                <a:moveTo>
+                  <a:pt x="451686" y="1487055"/>
+                </a:moveTo>
+                <a:cubicBezTo>
+                  <a:pt x="182292" y="1393152"/>
+                  <a:pt x="-87102" y="1299249"/>
+                  <a:pt x="26813" y="1163782"/>
+                </a:cubicBezTo>
+                <a:cubicBezTo>
+                  <a:pt x="140728" y="1028315"/>
+                  <a:pt x="992013" y="868219"/>
+                  <a:pt x="1135177" y="674255"/>
+                </a:cubicBezTo>
+                <a:cubicBezTo>
+                  <a:pt x="1278341" y="480291"/>
+                  <a:pt x="1082068" y="240145"/>
+                  <a:pt x="885795" y="0"/>
+                </a:cubicBezTo>
+              </a:path>
+            </a:pathLst>
+          </a:custGeom>
+          <a:ln w="57150">
+            <a:tailEnd type="triangle"/>
+          </a:ln>
+        </p:spPr>
+        <p:style>
+          <a:lnRef idx="1">
+            <a:schemeClr val="accent1"/>
+          </a:lnRef>
+          <a:fillRef idx="0">
+            <a:schemeClr val="accent1"/>
+          </a:fillRef>
+          <a:effectRef idx="0">
+            <a:schemeClr val="accent1"/>
+          </a:effectRef>
+          <a:fontRef idx="minor">
+            <a:schemeClr val="tx1"/>
+          </a:fontRef>
+        </p:style>
+        <p:txBody>
+          <a:bodyPr rtlCol="0" anchor="ctr"/>
+          <a:lstStyle/>
+          <a:p>
+            <a:pPr algn="ctr"/>
+            <a:endParaRPr kumimoji="1" lang="ja-JP" altLang="en-US"/>
+          </a:p>
+        </p:txBody>
+      </p:sp>
+    </p:spTree>
+    <p:extLst>
+      <p:ext uri="{BB962C8B-B14F-4D97-AF65-F5344CB8AC3E}">
+        <p14:creationId xmlns:p14="http://schemas.microsoft.com/office/powerpoint/2010/main" val="2787951140"/>
+      </p:ext>
+    </p:extLst>
+  </p:cSld>
+  <p:clrMapOvr>
+    <a:masterClrMapping/>
+  </p:clrMapOvr>
+</p:sld>
+</file>
+
+<file path=ppt/slides/slide5.xml><?xml version="1.0" encoding="utf-8"?>
+<p:sld xmlns:a="http://schemas.openxmlformats.org/drawingml/2006/main" xmlns:r="http://schemas.openxmlformats.org/officeDocument/2006/relationships" xmlns:p="http://schemas.openxmlformats.org/presentationml/2006/main">
+  <p:cSld>
+    <p:spTree>
+      <p:nvGrpSpPr>
+        <p:cNvPr id="1" name=""/>
+        <p:cNvGrpSpPr/>
+        <p:nvPr/>
+      </p:nvGrpSpPr>
+      <p:grpSpPr>
+        <a:xfrm>
+          <a:off x="0" y="0"/>
+          <a:ext cx="0" cy="0"/>
+          <a:chOff x="0" y="0"/>
+          <a:chExt cx="0" cy="0"/>
+        </a:xfrm>
+      </p:grpSpPr>
+      <p:pic>
+        <p:nvPicPr>
+          <p:cNvPr id="5" name="図 4">
+            <a:extLst>
+              <a:ext uri="{FF2B5EF4-FFF2-40B4-BE49-F238E27FC236}">
+                <a16:creationId xmlns:a16="http://schemas.microsoft.com/office/drawing/2014/main" id="{2DAF9CE2-0763-080F-9E41-71EDCD4BFF0C}"/>
+              </a:ext>
+            </a:extLst>
+          </p:cNvPr>
+          <p:cNvPicPr>
+            <a:picLocks noChangeAspect="1"/>
+          </p:cNvPicPr>
+          <p:nvPr/>
+        </p:nvPicPr>
+        <p:blipFill>
+          <a:blip r:embed="rId2">
+            <a:extLst>
+              <a:ext uri="{28A0092B-C50C-407E-A947-70E740481C1C}">
+                <a14:useLocalDpi xmlns:a14="http://schemas.microsoft.com/office/drawing/2010/main" val="0"/>
+              </a:ext>
+            </a:extLst>
+          </a:blip>
+          <a:stretch>
+            <a:fillRect/>
+          </a:stretch>
+        </p:blipFill>
+        <p:spPr>
+          <a:xfrm>
+            <a:off x="1898541" y="1132547"/>
+            <a:ext cx="8394918" cy="4592906"/>
+          </a:xfrm>
+          <a:prstGeom prst="rect">
+            <a:avLst/>
+          </a:prstGeom>
+        </p:spPr>
+      </p:pic>
+      <p:sp>
+        <p:nvSpPr>
+          <p:cNvPr id="7" name="テキスト ボックス 6">
+            <a:extLst>
+              <a:ext uri="{FF2B5EF4-FFF2-40B4-BE49-F238E27FC236}">
+                <a16:creationId xmlns:a16="http://schemas.microsoft.com/office/drawing/2014/main" id="{AA03B95E-BB54-E744-C82D-80A0EB346919}"/>
+              </a:ext>
+            </a:extLst>
+          </p:cNvPr>
+          <p:cNvSpPr txBox="1"/>
+          <p:nvPr/>
+        </p:nvSpPr>
+        <p:spPr>
+          <a:xfrm>
+            <a:off x="561000" y="1224000"/>
+            <a:ext cx="855000" cy="523220"/>
+          </a:xfrm>
+          <a:prstGeom prst="rect">
+            <a:avLst/>
+          </a:prstGeom>
+          <a:noFill/>
+        </p:spPr>
+        <p:txBody>
+          <a:bodyPr wrap="square" rtlCol="0">
+            <a:spAutoFit/>
+          </a:bodyPr>
+          <a:lstStyle/>
+          <a:p>
+            <a:r>
+              <a:rPr kumimoji="1" lang="en-US" altLang="ja-JP" sz="2800" dirty="0">
+                <a:latin typeface="ＭＳ ゴシック" panose="020B0609070205080204" pitchFamily="49" charset="-128"/>
+                <a:ea typeface="ＭＳ ゴシック" panose="020B0609070205080204" pitchFamily="49" charset="-128"/>
+              </a:rPr>
+              <a:t>1</a:t>
+            </a:r>
+            <a:endParaRPr kumimoji="1" lang="ja-JP" altLang="en-US" sz="2800" dirty="0">
+              <a:latin typeface="ＭＳ ゴシック" panose="020B0609070205080204" pitchFamily="49" charset="-128"/>
+              <a:ea typeface="ＭＳ ゴシック" panose="020B0609070205080204" pitchFamily="49" charset="-128"/>
+            </a:endParaRPr>
+          </a:p>
+        </p:txBody>
+      </p:sp>
+      <p:sp>
+        <p:nvSpPr>
+          <p:cNvPr id="8" name="テキスト ボックス 7">
+            <a:extLst>
+              <a:ext uri="{FF2B5EF4-FFF2-40B4-BE49-F238E27FC236}">
+                <a16:creationId xmlns:a16="http://schemas.microsoft.com/office/drawing/2014/main" id="{66A70A4A-DA53-9422-B7AC-86D990A52535}"/>
+              </a:ext>
+            </a:extLst>
+          </p:cNvPr>
+          <p:cNvSpPr txBox="1"/>
+          <p:nvPr/>
+        </p:nvSpPr>
+        <p:spPr>
+          <a:xfrm>
+            <a:off x="10056000" y="1224000"/>
+            <a:ext cx="855000" cy="523220"/>
+          </a:xfrm>
+          <a:prstGeom prst="rect">
+            <a:avLst/>
+          </a:prstGeom>
+          <a:noFill/>
+        </p:spPr>
+        <p:txBody>
+          <a:bodyPr wrap="square" rtlCol="0">
+            <a:spAutoFit/>
+          </a:bodyPr>
+          <a:lstStyle/>
+          <a:p>
+            <a:r>
+              <a:rPr kumimoji="1" lang="en-US" altLang="ja-JP" sz="2800" dirty="0">
+                <a:latin typeface="ＭＳ ゴシック" panose="020B0609070205080204" pitchFamily="49" charset="-128"/>
+                <a:ea typeface="ＭＳ ゴシック" panose="020B0609070205080204" pitchFamily="49" charset="-128"/>
+              </a:rPr>
+              <a:t>2</a:t>
+            </a:r>
+            <a:endParaRPr kumimoji="1" lang="ja-JP" altLang="en-US" sz="2800" dirty="0">
+              <a:latin typeface="ＭＳ ゴシック" panose="020B0609070205080204" pitchFamily="49" charset="-128"/>
+              <a:ea typeface="ＭＳ ゴシック" panose="020B0609070205080204" pitchFamily="49" charset="-128"/>
+            </a:endParaRPr>
+          </a:p>
+        </p:txBody>
+      </p:sp>
+      <p:sp>
+        <p:nvSpPr>
+          <p:cNvPr id="9" name="テキスト ボックス 8">
+            <a:extLst>
+              <a:ext uri="{FF2B5EF4-FFF2-40B4-BE49-F238E27FC236}">
+                <a16:creationId xmlns:a16="http://schemas.microsoft.com/office/drawing/2014/main" id="{EEE0580E-67D3-9773-6359-FAD0B0B79FE6}"/>
+              </a:ext>
+            </a:extLst>
+          </p:cNvPr>
+          <p:cNvSpPr txBox="1"/>
+          <p:nvPr/>
+        </p:nvSpPr>
+        <p:spPr>
+          <a:xfrm>
+            <a:off x="10056000" y="1851310"/>
+            <a:ext cx="855000" cy="523220"/>
+          </a:xfrm>
+          <a:prstGeom prst="rect">
+            <a:avLst/>
+          </a:prstGeom>
+          <a:noFill/>
+        </p:spPr>
+        <p:txBody>
+          <a:bodyPr wrap="square" rtlCol="0">
+            <a:spAutoFit/>
+          </a:bodyPr>
+          <a:lstStyle/>
+          <a:p>
+            <a:r>
+              <a:rPr kumimoji="1" lang="en-US" altLang="ja-JP" sz="2800" dirty="0">
+                <a:latin typeface="ＭＳ ゴシック" panose="020B0609070205080204" pitchFamily="49" charset="-128"/>
+                <a:ea typeface="ＭＳ ゴシック" panose="020B0609070205080204" pitchFamily="49" charset="-128"/>
+              </a:rPr>
+              <a:t>3</a:t>
+            </a:r>
+            <a:endParaRPr kumimoji="1" lang="ja-JP" altLang="en-US" sz="2800" dirty="0">
+              <a:latin typeface="ＭＳ ゴシック" panose="020B0609070205080204" pitchFamily="49" charset="-128"/>
+              <a:ea typeface="ＭＳ ゴシック" panose="020B0609070205080204" pitchFamily="49" charset="-128"/>
+            </a:endParaRPr>
+          </a:p>
+        </p:txBody>
+      </p:sp>
+      <p:sp>
+        <p:nvSpPr>
+          <p:cNvPr id="10" name="テキスト ボックス 9">
+            <a:extLst>
+              <a:ext uri="{FF2B5EF4-FFF2-40B4-BE49-F238E27FC236}">
+                <a16:creationId xmlns:a16="http://schemas.microsoft.com/office/drawing/2014/main" id="{78CF11C5-DE72-0642-46B6-77DFEA786548}"/>
+              </a:ext>
+            </a:extLst>
+          </p:cNvPr>
+          <p:cNvSpPr txBox="1"/>
+          <p:nvPr/>
+        </p:nvSpPr>
+        <p:spPr>
+          <a:xfrm>
+            <a:off x="10056000" y="2361893"/>
+            <a:ext cx="855000" cy="523220"/>
+          </a:xfrm>
+          <a:prstGeom prst="rect">
+            <a:avLst/>
+          </a:prstGeom>
+          <a:noFill/>
+        </p:spPr>
+        <p:txBody>
+          <a:bodyPr wrap="square" rtlCol="0">
+            <a:spAutoFit/>
+          </a:bodyPr>
+          <a:lstStyle/>
+          <a:p>
+            <a:r>
+              <a:rPr kumimoji="1" lang="en-US" altLang="ja-JP" sz="2800" dirty="0">
+                <a:latin typeface="ＭＳ ゴシック" panose="020B0609070205080204" pitchFamily="49" charset="-128"/>
+                <a:ea typeface="ＭＳ ゴシック" panose="020B0609070205080204" pitchFamily="49" charset="-128"/>
+              </a:rPr>
+              <a:t>4</a:t>
+            </a:r>
+            <a:endParaRPr kumimoji="1" lang="ja-JP" altLang="en-US" sz="2800" dirty="0">
+              <a:latin typeface="ＭＳ ゴシック" panose="020B0609070205080204" pitchFamily="49" charset="-128"/>
+              <a:ea typeface="ＭＳ ゴシック" panose="020B0609070205080204" pitchFamily="49" charset="-128"/>
+            </a:endParaRPr>
+          </a:p>
+        </p:txBody>
+      </p:sp>
+      <p:sp>
+        <p:nvSpPr>
+          <p:cNvPr id="11" name="テキスト ボックス 10">
+            <a:extLst>
+              <a:ext uri="{FF2B5EF4-FFF2-40B4-BE49-F238E27FC236}">
+                <a16:creationId xmlns:a16="http://schemas.microsoft.com/office/drawing/2014/main" id="{39EA91BD-EECA-F516-AD60-DF3474B0F107}"/>
+              </a:ext>
+            </a:extLst>
+          </p:cNvPr>
+          <p:cNvSpPr txBox="1"/>
+          <p:nvPr/>
+        </p:nvSpPr>
+        <p:spPr>
+          <a:xfrm>
+            <a:off x="10056000" y="2891882"/>
+            <a:ext cx="855000" cy="523220"/>
+          </a:xfrm>
+          <a:prstGeom prst="rect">
+            <a:avLst/>
+          </a:prstGeom>
+          <a:noFill/>
+        </p:spPr>
+        <p:txBody>
+          <a:bodyPr wrap="square" rtlCol="0">
+            <a:spAutoFit/>
+          </a:bodyPr>
+          <a:lstStyle/>
+          <a:p>
+            <a:r>
+              <a:rPr kumimoji="1" lang="en-US" altLang="ja-JP" sz="2800" dirty="0">
+                <a:latin typeface="ＭＳ ゴシック" panose="020B0609070205080204" pitchFamily="49" charset="-128"/>
+                <a:ea typeface="ＭＳ ゴシック" panose="020B0609070205080204" pitchFamily="49" charset="-128"/>
+              </a:rPr>
+              <a:t>5</a:t>
+            </a:r>
+            <a:endParaRPr kumimoji="1" lang="ja-JP" altLang="en-US" sz="2800" dirty="0">
+              <a:latin typeface="ＭＳ ゴシック" panose="020B0609070205080204" pitchFamily="49" charset="-128"/>
+              <a:ea typeface="ＭＳ ゴシック" panose="020B0609070205080204" pitchFamily="49" charset="-128"/>
+            </a:endParaRPr>
+          </a:p>
+        </p:txBody>
+      </p:sp>
+      <p:sp>
+        <p:nvSpPr>
+          <p:cNvPr id="12" name="テキスト ボックス 11">
+            <a:extLst>
+              <a:ext uri="{FF2B5EF4-FFF2-40B4-BE49-F238E27FC236}">
+                <a16:creationId xmlns:a16="http://schemas.microsoft.com/office/drawing/2014/main" id="{42ACA91A-DD37-47B0-10D7-5E178B8F63D0}"/>
+              </a:ext>
+            </a:extLst>
+          </p:cNvPr>
+          <p:cNvSpPr txBox="1"/>
+          <p:nvPr/>
+        </p:nvSpPr>
+        <p:spPr>
+          <a:xfrm>
+            <a:off x="10056000" y="3672412"/>
+            <a:ext cx="855000" cy="523220"/>
+          </a:xfrm>
+          <a:prstGeom prst="rect">
+            <a:avLst/>
+          </a:prstGeom>
+          <a:noFill/>
+        </p:spPr>
+        <p:txBody>
+          <a:bodyPr wrap="square" rtlCol="0">
+            <a:spAutoFit/>
+          </a:bodyPr>
+          <a:lstStyle/>
+          <a:p>
+            <a:r>
+              <a:rPr kumimoji="1" lang="en-US" altLang="ja-JP" sz="2800" dirty="0">
+                <a:latin typeface="ＭＳ ゴシック" panose="020B0609070205080204" pitchFamily="49" charset="-128"/>
+                <a:ea typeface="ＭＳ ゴシック" panose="020B0609070205080204" pitchFamily="49" charset="-128"/>
+              </a:rPr>
+              <a:t>6</a:t>
+            </a:r>
+            <a:endParaRPr kumimoji="1" lang="ja-JP" altLang="en-US" sz="2800" dirty="0">
+              <a:latin typeface="ＭＳ ゴシック" panose="020B0609070205080204" pitchFamily="49" charset="-128"/>
+              <a:ea typeface="ＭＳ ゴシック" panose="020B0609070205080204" pitchFamily="49" charset="-128"/>
+            </a:endParaRPr>
+          </a:p>
+        </p:txBody>
+      </p:sp>
+      <p:sp>
+        <p:nvSpPr>
+          <p:cNvPr id="13" name="テキスト ボックス 12">
+            <a:extLst>
+              <a:ext uri="{FF2B5EF4-FFF2-40B4-BE49-F238E27FC236}">
+                <a16:creationId xmlns:a16="http://schemas.microsoft.com/office/drawing/2014/main" id="{C0F5F8A1-1483-B249-FA84-DC7BB295463D}"/>
+              </a:ext>
+            </a:extLst>
+          </p:cNvPr>
+          <p:cNvSpPr txBox="1"/>
+          <p:nvPr/>
+        </p:nvSpPr>
+        <p:spPr>
+          <a:xfrm>
+            <a:off x="10048626" y="4120913"/>
+            <a:ext cx="855000" cy="523220"/>
+          </a:xfrm>
+          <a:prstGeom prst="rect">
+            <a:avLst/>
+          </a:prstGeom>
+          <a:noFill/>
+        </p:spPr>
+        <p:txBody>
+          <a:bodyPr wrap="square" rtlCol="0">
+            <a:spAutoFit/>
+          </a:bodyPr>
+          <a:lstStyle/>
+          <a:p>
+            <a:r>
+              <a:rPr kumimoji="1" lang="en-US" altLang="ja-JP" sz="2800" dirty="0">
+                <a:latin typeface="ＭＳ ゴシック" panose="020B0609070205080204" pitchFamily="49" charset="-128"/>
+                <a:ea typeface="ＭＳ ゴシック" panose="020B0609070205080204" pitchFamily="49" charset="-128"/>
+              </a:rPr>
+              <a:t>7</a:t>
+            </a:r>
+            <a:endParaRPr kumimoji="1" lang="ja-JP" altLang="en-US" sz="2800" dirty="0">
+              <a:latin typeface="ＭＳ ゴシック" panose="020B0609070205080204" pitchFamily="49" charset="-128"/>
+              <a:ea typeface="ＭＳ ゴシック" panose="020B0609070205080204" pitchFamily="49" charset="-128"/>
+            </a:endParaRPr>
+          </a:p>
+        </p:txBody>
+      </p:sp>
+      <p:sp>
+        <p:nvSpPr>
+          <p:cNvPr id="14" name="テキスト ボックス 13">
+            <a:extLst>
+              <a:ext uri="{FF2B5EF4-FFF2-40B4-BE49-F238E27FC236}">
+                <a16:creationId xmlns:a16="http://schemas.microsoft.com/office/drawing/2014/main" id="{BD569FD8-8126-0AF9-6B59-3202D170CD6B}"/>
+              </a:ext>
+            </a:extLst>
+          </p:cNvPr>
+          <p:cNvSpPr txBox="1"/>
+          <p:nvPr/>
+        </p:nvSpPr>
+        <p:spPr>
+          <a:xfrm>
+            <a:off x="10056000" y="4572932"/>
+            <a:ext cx="855000" cy="523220"/>
+          </a:xfrm>
+          <a:prstGeom prst="rect">
+            <a:avLst/>
+          </a:prstGeom>
+          <a:noFill/>
+        </p:spPr>
+        <p:txBody>
+          <a:bodyPr wrap="square" rtlCol="0">
+            <a:spAutoFit/>
+          </a:bodyPr>
+          <a:lstStyle/>
+          <a:p>
+            <a:r>
+              <a:rPr kumimoji="1" lang="en-US" altLang="ja-JP" sz="2800" dirty="0">
+                <a:latin typeface="ＭＳ ゴシック" panose="020B0609070205080204" pitchFamily="49" charset="-128"/>
+                <a:ea typeface="ＭＳ ゴシック" panose="020B0609070205080204" pitchFamily="49" charset="-128"/>
+              </a:rPr>
+              <a:t>8</a:t>
+            </a:r>
+            <a:endParaRPr kumimoji="1" lang="ja-JP" altLang="en-US" sz="2800" dirty="0">
+              <a:latin typeface="ＭＳ ゴシック" panose="020B0609070205080204" pitchFamily="49" charset="-128"/>
+              <a:ea typeface="ＭＳ ゴシック" panose="020B0609070205080204" pitchFamily="49" charset="-128"/>
+            </a:endParaRPr>
+          </a:p>
+        </p:txBody>
+      </p:sp>
+      <p:sp>
+        <p:nvSpPr>
+          <p:cNvPr id="15" name="テキスト ボックス 14">
+            <a:extLst>
+              <a:ext uri="{FF2B5EF4-FFF2-40B4-BE49-F238E27FC236}">
+                <a16:creationId xmlns:a16="http://schemas.microsoft.com/office/drawing/2014/main" id="{72F74D35-7214-7729-1D84-BF2A451D9216}"/>
+              </a:ext>
+            </a:extLst>
+          </p:cNvPr>
+          <p:cNvSpPr txBox="1"/>
+          <p:nvPr/>
+        </p:nvSpPr>
+        <p:spPr>
+          <a:xfrm>
+            <a:off x="10056000" y="5091852"/>
+            <a:ext cx="855000" cy="523220"/>
+          </a:xfrm>
+          <a:prstGeom prst="rect">
+            <a:avLst/>
+          </a:prstGeom>
+          <a:noFill/>
+        </p:spPr>
+        <p:txBody>
+          <a:bodyPr wrap="square" rtlCol="0">
+            <a:spAutoFit/>
+          </a:bodyPr>
+          <a:lstStyle/>
+          <a:p>
+            <a:r>
+              <a:rPr kumimoji="1" lang="en-US" altLang="ja-JP" sz="2800" dirty="0">
+                <a:latin typeface="ＭＳ ゴシック" panose="020B0609070205080204" pitchFamily="49" charset="-128"/>
+                <a:ea typeface="ＭＳ ゴシック" panose="020B0609070205080204" pitchFamily="49" charset="-128"/>
+              </a:rPr>
+              <a:t>9</a:t>
+            </a:r>
+            <a:endParaRPr kumimoji="1" lang="ja-JP" altLang="en-US" sz="2800" dirty="0">
+              <a:latin typeface="ＭＳ ゴシック" panose="020B0609070205080204" pitchFamily="49" charset="-128"/>
+              <a:ea typeface="ＭＳ ゴシック" panose="020B0609070205080204" pitchFamily="49" charset="-128"/>
+            </a:endParaRPr>
+          </a:p>
+        </p:txBody>
+      </p:sp>
+      <p:sp>
+        <p:nvSpPr>
+          <p:cNvPr id="16" name="テキスト ボックス 15">
+            <a:extLst>
+              <a:ext uri="{FF2B5EF4-FFF2-40B4-BE49-F238E27FC236}">
+                <a16:creationId xmlns:a16="http://schemas.microsoft.com/office/drawing/2014/main" id="{54ADA7CC-A7A8-AA55-82EC-757114373E4D}"/>
+              </a:ext>
+            </a:extLst>
+          </p:cNvPr>
+          <p:cNvSpPr txBox="1"/>
+          <p:nvPr/>
+        </p:nvSpPr>
+        <p:spPr>
+          <a:xfrm>
+            <a:off x="10056000" y="5634000"/>
+            <a:ext cx="855000" cy="523220"/>
+          </a:xfrm>
+          <a:prstGeom prst="rect">
+            <a:avLst/>
+          </a:prstGeom>
+          <a:noFill/>
+        </p:spPr>
+        <p:txBody>
+          <a:bodyPr wrap="square" rtlCol="0">
+            <a:spAutoFit/>
+          </a:bodyPr>
+          <a:lstStyle/>
+          <a:p>
+            <a:r>
+              <a:rPr kumimoji="1" lang="en-US" altLang="ja-JP" sz="2800" dirty="0">
+                <a:latin typeface="ＭＳ ゴシック" panose="020B0609070205080204" pitchFamily="49" charset="-128"/>
+                <a:ea typeface="ＭＳ ゴシック" panose="020B0609070205080204" pitchFamily="49" charset="-128"/>
+              </a:rPr>
+              <a:t>10</a:t>
+            </a:r>
+            <a:endParaRPr kumimoji="1" lang="ja-JP" altLang="en-US" sz="2800" dirty="0">
+              <a:latin typeface="ＭＳ ゴシック" panose="020B0609070205080204" pitchFamily="49" charset="-128"/>
+              <a:ea typeface="ＭＳ ゴシック" panose="020B0609070205080204" pitchFamily="49" charset="-128"/>
+            </a:endParaRPr>
+          </a:p>
+        </p:txBody>
+      </p:sp>
+      <p:sp>
+        <p:nvSpPr>
+          <p:cNvPr id="17" name="フリーフォーム: 図形 16">
+            <a:extLst>
+              <a:ext uri="{FF2B5EF4-FFF2-40B4-BE49-F238E27FC236}">
+                <a16:creationId xmlns:a16="http://schemas.microsoft.com/office/drawing/2014/main" id="{A58DA96D-82AC-25A3-9405-F6B3B764DE16}"/>
+              </a:ext>
+            </a:extLst>
+          </p:cNvPr>
+          <p:cNvSpPr/>
+          <p:nvPr/>
+        </p:nvSpPr>
+        <p:spPr>
+          <a:xfrm>
+            <a:off x="1237673" y="1681018"/>
+            <a:ext cx="1902691" cy="323273"/>
+          </a:xfrm>
+          <a:custGeom>
+            <a:avLst/>
+            <a:gdLst>
+              <a:gd name="connsiteX0" fmla="*/ 1902691 w 1902691"/>
+              <a:gd name="connsiteY0" fmla="*/ 323273 h 323273"/>
+              <a:gd name="connsiteX1" fmla="*/ 1274618 w 1902691"/>
+              <a:gd name="connsiteY1" fmla="*/ 36946 h 323273"/>
+              <a:gd name="connsiteX2" fmla="*/ 840509 w 1902691"/>
+              <a:gd name="connsiteY2" fmla="*/ 240146 h 323273"/>
+              <a:gd name="connsiteX3" fmla="*/ 0 w 1902691"/>
+              <a:gd name="connsiteY3" fmla="*/ 0 h 323273"/>
+            </a:gdLst>
+            <a:ahLst/>
+            <a:cxnLst>
+              <a:cxn ang="0">
+                <a:pos x="connsiteX0" y="connsiteY0"/>
+              </a:cxn>
+              <a:cxn ang="0">
+                <a:pos x="connsiteX1" y="connsiteY1"/>
+              </a:cxn>
+              <a:cxn ang="0">
+                <a:pos x="connsiteX2" y="connsiteY2"/>
+              </a:cxn>
+              <a:cxn ang="0">
+                <a:pos x="connsiteX3" y="connsiteY3"/>
+              </a:cxn>
+            </a:cxnLst>
+            <a:rect l="l" t="t" r="r" b="b"/>
+            <a:pathLst>
+              <a:path w="1902691" h="323273">
+                <a:moveTo>
+                  <a:pt x="1902691" y="323273"/>
+                </a:moveTo>
+                <a:cubicBezTo>
+                  <a:pt x="1677169" y="187036"/>
+                  <a:pt x="1451648" y="50800"/>
+                  <a:pt x="1274618" y="36946"/>
+                </a:cubicBezTo>
+                <a:cubicBezTo>
+                  <a:pt x="1097588" y="23091"/>
+                  <a:pt x="1052945" y="246304"/>
+                  <a:pt x="840509" y="240146"/>
+                </a:cubicBezTo>
+                <a:cubicBezTo>
+                  <a:pt x="628073" y="233988"/>
+                  <a:pt x="314036" y="116994"/>
+                  <a:pt x="0" y="0"/>
+                </a:cubicBezTo>
+              </a:path>
+            </a:pathLst>
+          </a:custGeom>
+          <a:noFill/>
+          <a:ln w="38100"/>
+        </p:spPr>
+        <p:style>
+          <a:lnRef idx="2">
+            <a:schemeClr val="accent1">
+              <a:shade val="15000"/>
+            </a:schemeClr>
+          </a:lnRef>
+          <a:fillRef idx="1">
+            <a:schemeClr val="accent1"/>
+          </a:fillRef>
+          <a:effectRef idx="0">
+            <a:schemeClr val="accent1"/>
+          </a:effectRef>
+          <a:fontRef idx="minor">
+            <a:schemeClr val="lt1"/>
+          </a:fontRef>
+        </p:style>
+        <p:txBody>
+          <a:bodyPr rtlCol="0" anchor="ctr"/>
+          <a:lstStyle/>
+          <a:p>
+            <a:pPr algn="ctr"/>
+            <a:endParaRPr kumimoji="1" lang="ja-JP" altLang="en-US"/>
+          </a:p>
+        </p:txBody>
+      </p:sp>
+      <p:sp>
+        <p:nvSpPr>
+          <p:cNvPr id="18" name="フリーフォーム: 図形 17">
+            <a:extLst>
+              <a:ext uri="{FF2B5EF4-FFF2-40B4-BE49-F238E27FC236}">
+                <a16:creationId xmlns:a16="http://schemas.microsoft.com/office/drawing/2014/main" id="{999F34FE-15EA-892E-24F0-C411DDFF4ECF}"/>
+              </a:ext>
+            </a:extLst>
+          </p:cNvPr>
+          <p:cNvSpPr/>
+          <p:nvPr/>
+        </p:nvSpPr>
+        <p:spPr>
+          <a:xfrm>
+            <a:off x="7743825" y="1571625"/>
+            <a:ext cx="2247900" cy="828675"/>
+          </a:xfrm>
+          <a:custGeom>
+            <a:avLst/>
+            <a:gdLst>
+              <a:gd name="connsiteX0" fmla="*/ 0 w 2247900"/>
+              <a:gd name="connsiteY0" fmla="*/ 828675 h 828675"/>
+              <a:gd name="connsiteX1" fmla="*/ 1104900 w 2247900"/>
+              <a:gd name="connsiteY1" fmla="*/ 200025 h 828675"/>
+              <a:gd name="connsiteX2" fmla="*/ 1400175 w 2247900"/>
+              <a:gd name="connsiteY2" fmla="*/ 371475 h 828675"/>
+              <a:gd name="connsiteX3" fmla="*/ 2247900 w 2247900"/>
+              <a:gd name="connsiteY3" fmla="*/ 0 h 828675"/>
+            </a:gdLst>
+            <a:ahLst/>
+            <a:cxnLst>
+              <a:cxn ang="0">
+                <a:pos x="connsiteX0" y="connsiteY0"/>
+              </a:cxn>
+              <a:cxn ang="0">
+                <a:pos x="connsiteX1" y="connsiteY1"/>
+              </a:cxn>
+              <a:cxn ang="0">
+                <a:pos x="connsiteX2" y="connsiteY2"/>
+              </a:cxn>
+              <a:cxn ang="0">
+                <a:pos x="connsiteX3" y="connsiteY3"/>
+              </a:cxn>
+            </a:cxnLst>
+            <a:rect l="l" t="t" r="r" b="b"/>
+            <a:pathLst>
+              <a:path w="2247900" h="828675">
+                <a:moveTo>
+                  <a:pt x="0" y="828675"/>
+                </a:moveTo>
+                <a:cubicBezTo>
+                  <a:pt x="435769" y="552450"/>
+                  <a:pt x="871538" y="276225"/>
+                  <a:pt x="1104900" y="200025"/>
+                </a:cubicBezTo>
+                <a:cubicBezTo>
+                  <a:pt x="1338262" y="123825"/>
+                  <a:pt x="1209675" y="404812"/>
+                  <a:pt x="1400175" y="371475"/>
+                </a:cubicBezTo>
+                <a:cubicBezTo>
+                  <a:pt x="1590675" y="338137"/>
+                  <a:pt x="1919287" y="169068"/>
+                  <a:pt x="2247900" y="0"/>
+                </a:cubicBezTo>
+              </a:path>
+            </a:pathLst>
+          </a:custGeom>
+          <a:noFill/>
+          <a:ln w="38100"/>
+        </p:spPr>
+        <p:style>
+          <a:lnRef idx="2">
+            <a:schemeClr val="accent1">
+              <a:shade val="15000"/>
+            </a:schemeClr>
+          </a:lnRef>
+          <a:fillRef idx="1">
+            <a:schemeClr val="accent1"/>
+          </a:fillRef>
+          <a:effectRef idx="0">
+            <a:schemeClr val="accent1"/>
+          </a:effectRef>
+          <a:fontRef idx="minor">
+            <a:schemeClr val="lt1"/>
+          </a:fontRef>
+        </p:style>
+        <p:txBody>
+          <a:bodyPr rtlCol="0" anchor="ctr"/>
+          <a:lstStyle/>
+          <a:p>
+            <a:pPr algn="ctr"/>
+            <a:endParaRPr kumimoji="1" lang="ja-JP" altLang="en-US"/>
+          </a:p>
+        </p:txBody>
+      </p:sp>
+      <p:sp>
+        <p:nvSpPr>
+          <p:cNvPr id="19" name="フリーフォーム: 図形 18">
+            <a:extLst>
+              <a:ext uri="{FF2B5EF4-FFF2-40B4-BE49-F238E27FC236}">
+                <a16:creationId xmlns:a16="http://schemas.microsoft.com/office/drawing/2014/main" id="{1976AF1F-6EB4-2A3B-05FB-F6C06A271E10}"/>
+              </a:ext>
+            </a:extLst>
+          </p:cNvPr>
+          <p:cNvSpPr/>
+          <p:nvPr/>
+        </p:nvSpPr>
+        <p:spPr>
+          <a:xfrm>
+            <a:off x="7800975" y="2200275"/>
+            <a:ext cx="2152650" cy="504825"/>
+          </a:xfrm>
+          <a:custGeom>
+            <a:avLst/>
+            <a:gdLst>
+              <a:gd name="connsiteX0" fmla="*/ 0 w 2152650"/>
+              <a:gd name="connsiteY0" fmla="*/ 504825 h 504825"/>
+              <a:gd name="connsiteX1" fmla="*/ 895350 w 2152650"/>
+              <a:gd name="connsiteY1" fmla="*/ 171450 h 504825"/>
+              <a:gd name="connsiteX2" fmla="*/ 1209675 w 2152650"/>
+              <a:gd name="connsiteY2" fmla="*/ 352425 h 504825"/>
+              <a:gd name="connsiteX3" fmla="*/ 2152650 w 2152650"/>
+              <a:gd name="connsiteY3" fmla="*/ 0 h 504825"/>
+            </a:gdLst>
+            <a:ahLst/>
+            <a:cxnLst>
+              <a:cxn ang="0">
+                <a:pos x="connsiteX0" y="connsiteY0"/>
+              </a:cxn>
+              <a:cxn ang="0">
+                <a:pos x="connsiteX1" y="connsiteY1"/>
+              </a:cxn>
+              <a:cxn ang="0">
+                <a:pos x="connsiteX2" y="connsiteY2"/>
+              </a:cxn>
+              <a:cxn ang="0">
+                <a:pos x="connsiteX3" y="connsiteY3"/>
+              </a:cxn>
+            </a:cxnLst>
+            <a:rect l="l" t="t" r="r" b="b"/>
+            <a:pathLst>
+              <a:path w="2152650" h="504825">
+                <a:moveTo>
+                  <a:pt x="0" y="504825"/>
+                </a:moveTo>
+                <a:cubicBezTo>
+                  <a:pt x="346869" y="350837"/>
+                  <a:pt x="693738" y="196850"/>
+                  <a:pt x="895350" y="171450"/>
+                </a:cubicBezTo>
+                <a:cubicBezTo>
+                  <a:pt x="1096963" y="146050"/>
+                  <a:pt x="1000125" y="381000"/>
+                  <a:pt x="1209675" y="352425"/>
+                </a:cubicBezTo>
+                <a:cubicBezTo>
+                  <a:pt x="1419225" y="323850"/>
+                  <a:pt x="1785937" y="161925"/>
+                  <a:pt x="2152650" y="0"/>
+                </a:cubicBezTo>
+              </a:path>
+            </a:pathLst>
+          </a:custGeom>
+          <a:noFill/>
+          <a:ln w="38100"/>
+        </p:spPr>
+        <p:style>
+          <a:lnRef idx="2">
+            <a:schemeClr val="accent1">
+              <a:shade val="15000"/>
+            </a:schemeClr>
+          </a:lnRef>
+          <a:fillRef idx="1">
+            <a:schemeClr val="accent1"/>
+          </a:fillRef>
+          <a:effectRef idx="0">
+            <a:schemeClr val="accent1"/>
+          </a:effectRef>
+          <a:fontRef idx="minor">
+            <a:schemeClr val="lt1"/>
+          </a:fontRef>
+        </p:style>
+        <p:txBody>
+          <a:bodyPr rtlCol="0" anchor="ctr"/>
+          <a:lstStyle/>
+          <a:p>
+            <a:pPr algn="ctr"/>
+            <a:endParaRPr kumimoji="1" lang="ja-JP" altLang="en-US"/>
+          </a:p>
+        </p:txBody>
+      </p:sp>
+      <p:sp>
+        <p:nvSpPr>
+          <p:cNvPr id="20" name="フリーフォーム: 図形 19">
+            <a:extLst>
+              <a:ext uri="{FF2B5EF4-FFF2-40B4-BE49-F238E27FC236}">
+                <a16:creationId xmlns:a16="http://schemas.microsoft.com/office/drawing/2014/main" id="{DB14FB2B-4628-896D-D194-B23EF6EB36A2}"/>
+              </a:ext>
+            </a:extLst>
+          </p:cNvPr>
+          <p:cNvSpPr/>
+          <p:nvPr/>
+        </p:nvSpPr>
+        <p:spPr>
+          <a:xfrm>
+            <a:off x="7743825" y="2638425"/>
+            <a:ext cx="2247900" cy="428625"/>
+          </a:xfrm>
+          <a:custGeom>
+            <a:avLst/>
+            <a:gdLst>
+              <a:gd name="connsiteX0" fmla="*/ 0 w 2247900"/>
+              <a:gd name="connsiteY0" fmla="*/ 428625 h 428625"/>
+              <a:gd name="connsiteX1" fmla="*/ 933450 w 2247900"/>
+              <a:gd name="connsiteY1" fmla="*/ 142875 h 428625"/>
+              <a:gd name="connsiteX2" fmla="*/ 1266825 w 2247900"/>
+              <a:gd name="connsiteY2" fmla="*/ 371475 h 428625"/>
+              <a:gd name="connsiteX3" fmla="*/ 2247900 w 2247900"/>
+              <a:gd name="connsiteY3" fmla="*/ 0 h 428625"/>
+            </a:gdLst>
+            <a:ahLst/>
+            <a:cxnLst>
+              <a:cxn ang="0">
+                <a:pos x="connsiteX0" y="connsiteY0"/>
+              </a:cxn>
+              <a:cxn ang="0">
+                <a:pos x="connsiteX1" y="connsiteY1"/>
+              </a:cxn>
+              <a:cxn ang="0">
+                <a:pos x="connsiteX2" y="connsiteY2"/>
+              </a:cxn>
+              <a:cxn ang="0">
+                <a:pos x="connsiteX3" y="connsiteY3"/>
+              </a:cxn>
+            </a:cxnLst>
+            <a:rect l="l" t="t" r="r" b="b"/>
+            <a:pathLst>
+              <a:path w="2247900" h="428625">
+                <a:moveTo>
+                  <a:pt x="0" y="428625"/>
+                </a:moveTo>
+                <a:cubicBezTo>
+                  <a:pt x="361156" y="290512"/>
+                  <a:pt x="722313" y="152400"/>
+                  <a:pt x="933450" y="142875"/>
+                </a:cubicBezTo>
+                <a:cubicBezTo>
+                  <a:pt x="1144588" y="133350"/>
+                  <a:pt x="1047750" y="395287"/>
+                  <a:pt x="1266825" y="371475"/>
+                </a:cubicBezTo>
+                <a:cubicBezTo>
+                  <a:pt x="1485900" y="347663"/>
+                  <a:pt x="1866900" y="173831"/>
+                  <a:pt x="2247900" y="0"/>
+                </a:cubicBezTo>
+              </a:path>
+            </a:pathLst>
+          </a:custGeom>
+          <a:noFill/>
+          <a:ln w="38100"/>
+        </p:spPr>
+        <p:style>
+          <a:lnRef idx="2">
+            <a:schemeClr val="accent1">
+              <a:shade val="15000"/>
+            </a:schemeClr>
+          </a:lnRef>
+          <a:fillRef idx="1">
+            <a:schemeClr val="accent1"/>
+          </a:fillRef>
+          <a:effectRef idx="0">
+            <a:schemeClr val="accent1"/>
+          </a:effectRef>
+          <a:fontRef idx="minor">
+            <a:schemeClr val="lt1"/>
+          </a:fontRef>
+        </p:style>
+        <p:txBody>
+          <a:bodyPr rtlCol="0" anchor="ctr"/>
+          <a:lstStyle/>
+          <a:p>
+            <a:pPr algn="ctr"/>
+            <a:endParaRPr kumimoji="1" lang="ja-JP" altLang="en-US"/>
+          </a:p>
+        </p:txBody>
+      </p:sp>
+      <p:sp>
+        <p:nvSpPr>
+          <p:cNvPr id="21" name="フリーフォーム: 図形 20">
+            <a:extLst>
+              <a:ext uri="{FF2B5EF4-FFF2-40B4-BE49-F238E27FC236}">
+                <a16:creationId xmlns:a16="http://schemas.microsoft.com/office/drawing/2014/main" id="{4E34E768-8EF7-C012-FFF2-E2AF911946A4}"/>
+              </a:ext>
+            </a:extLst>
+          </p:cNvPr>
+          <p:cNvSpPr/>
+          <p:nvPr/>
+        </p:nvSpPr>
+        <p:spPr>
+          <a:xfrm>
+            <a:off x="7800975" y="3027957"/>
+            <a:ext cx="2247900" cy="428625"/>
+          </a:xfrm>
+          <a:custGeom>
+            <a:avLst/>
+            <a:gdLst>
+              <a:gd name="connsiteX0" fmla="*/ 0 w 2247900"/>
+              <a:gd name="connsiteY0" fmla="*/ 428625 h 428625"/>
+              <a:gd name="connsiteX1" fmla="*/ 933450 w 2247900"/>
+              <a:gd name="connsiteY1" fmla="*/ 142875 h 428625"/>
+              <a:gd name="connsiteX2" fmla="*/ 1266825 w 2247900"/>
+              <a:gd name="connsiteY2" fmla="*/ 371475 h 428625"/>
+              <a:gd name="connsiteX3" fmla="*/ 2247900 w 2247900"/>
+              <a:gd name="connsiteY3" fmla="*/ 0 h 428625"/>
+            </a:gdLst>
+            <a:ahLst/>
+            <a:cxnLst>
+              <a:cxn ang="0">
+                <a:pos x="connsiteX0" y="connsiteY0"/>
+              </a:cxn>
+              <a:cxn ang="0">
+                <a:pos x="connsiteX1" y="connsiteY1"/>
+              </a:cxn>
+              <a:cxn ang="0">
+                <a:pos x="connsiteX2" y="connsiteY2"/>
+              </a:cxn>
+              <a:cxn ang="0">
+                <a:pos x="connsiteX3" y="connsiteY3"/>
+              </a:cxn>
+            </a:cxnLst>
+            <a:rect l="l" t="t" r="r" b="b"/>
+            <a:pathLst>
+              <a:path w="2247900" h="428625">
+                <a:moveTo>
+                  <a:pt x="0" y="428625"/>
+                </a:moveTo>
+                <a:cubicBezTo>
+                  <a:pt x="361156" y="290512"/>
+                  <a:pt x="722313" y="152400"/>
+                  <a:pt x="933450" y="142875"/>
+                </a:cubicBezTo>
+                <a:cubicBezTo>
+                  <a:pt x="1144588" y="133350"/>
+                  <a:pt x="1047750" y="395287"/>
+                  <a:pt x="1266825" y="371475"/>
+                </a:cubicBezTo>
+                <a:cubicBezTo>
+                  <a:pt x="1485900" y="347663"/>
+                  <a:pt x="1866900" y="173831"/>
+                  <a:pt x="2247900" y="0"/>
+                </a:cubicBezTo>
+              </a:path>
+            </a:pathLst>
+          </a:custGeom>
+          <a:noFill/>
+          <a:ln w="38100"/>
+        </p:spPr>
+        <p:style>
+          <a:lnRef idx="2">
+            <a:schemeClr val="accent1">
+              <a:shade val="15000"/>
+            </a:schemeClr>
+          </a:lnRef>
+          <a:fillRef idx="1">
+            <a:schemeClr val="accent1"/>
+          </a:fillRef>
+          <a:effectRef idx="0">
+            <a:schemeClr val="accent1"/>
+          </a:effectRef>
+          <a:fontRef idx="minor">
+            <a:schemeClr val="lt1"/>
+          </a:fontRef>
+        </p:style>
+        <p:txBody>
+          <a:bodyPr rtlCol="0" anchor="ctr"/>
+          <a:lstStyle/>
+          <a:p>
+            <a:pPr algn="ctr"/>
+            <a:endParaRPr kumimoji="1" lang="ja-JP" altLang="en-US"/>
+          </a:p>
+        </p:txBody>
+      </p:sp>
+      <p:sp>
+        <p:nvSpPr>
+          <p:cNvPr id="23" name="フリーフォーム: 図形 22">
+            <a:extLst>
+              <a:ext uri="{FF2B5EF4-FFF2-40B4-BE49-F238E27FC236}">
+                <a16:creationId xmlns:a16="http://schemas.microsoft.com/office/drawing/2014/main" id="{2437C931-545A-74F0-6C79-69913DB72851}"/>
+              </a:ext>
+            </a:extLst>
+          </p:cNvPr>
+          <p:cNvSpPr/>
+          <p:nvPr/>
+        </p:nvSpPr>
+        <p:spPr>
+          <a:xfrm flipV="1">
+            <a:off x="7818450" y="3711714"/>
+            <a:ext cx="2247900" cy="326514"/>
+          </a:xfrm>
+          <a:custGeom>
+            <a:avLst/>
+            <a:gdLst>
+              <a:gd name="connsiteX0" fmla="*/ 0 w 2247900"/>
+              <a:gd name="connsiteY0" fmla="*/ 428625 h 428625"/>
+              <a:gd name="connsiteX1" fmla="*/ 933450 w 2247900"/>
+              <a:gd name="connsiteY1" fmla="*/ 142875 h 428625"/>
+              <a:gd name="connsiteX2" fmla="*/ 1266825 w 2247900"/>
+              <a:gd name="connsiteY2" fmla="*/ 371475 h 428625"/>
+              <a:gd name="connsiteX3" fmla="*/ 2247900 w 2247900"/>
+              <a:gd name="connsiteY3" fmla="*/ 0 h 428625"/>
+            </a:gdLst>
+            <a:ahLst/>
+            <a:cxnLst>
+              <a:cxn ang="0">
+                <a:pos x="connsiteX0" y="connsiteY0"/>
+              </a:cxn>
+              <a:cxn ang="0">
+                <a:pos x="connsiteX1" y="connsiteY1"/>
+              </a:cxn>
+              <a:cxn ang="0">
+                <a:pos x="connsiteX2" y="connsiteY2"/>
+              </a:cxn>
+              <a:cxn ang="0">
+                <a:pos x="connsiteX3" y="connsiteY3"/>
+              </a:cxn>
+            </a:cxnLst>
+            <a:rect l="l" t="t" r="r" b="b"/>
+            <a:pathLst>
+              <a:path w="2247900" h="428625">
+                <a:moveTo>
+                  <a:pt x="0" y="428625"/>
+                </a:moveTo>
+                <a:cubicBezTo>
+                  <a:pt x="361156" y="290512"/>
+                  <a:pt x="722313" y="152400"/>
+                  <a:pt x="933450" y="142875"/>
+                </a:cubicBezTo>
+                <a:cubicBezTo>
+                  <a:pt x="1144588" y="133350"/>
+                  <a:pt x="1047750" y="395287"/>
+                  <a:pt x="1266825" y="371475"/>
+                </a:cubicBezTo>
+                <a:cubicBezTo>
+                  <a:pt x="1485900" y="347663"/>
+                  <a:pt x="1866900" y="173831"/>
+                  <a:pt x="2247900" y="0"/>
+                </a:cubicBezTo>
+              </a:path>
+            </a:pathLst>
+          </a:custGeom>
+          <a:noFill/>
+          <a:ln w="38100"/>
+        </p:spPr>
+        <p:style>
+          <a:lnRef idx="2">
+            <a:schemeClr val="accent1">
+              <a:shade val="15000"/>
+            </a:schemeClr>
+          </a:lnRef>
+          <a:fillRef idx="1">
+            <a:schemeClr val="accent1"/>
+          </a:fillRef>
+          <a:effectRef idx="0">
+            <a:schemeClr val="accent1"/>
+          </a:effectRef>
+          <a:fontRef idx="minor">
+            <a:schemeClr val="lt1"/>
+          </a:fontRef>
+        </p:style>
+        <p:txBody>
+          <a:bodyPr rtlCol="0" anchor="ctr"/>
+          <a:lstStyle/>
+          <a:p>
+            <a:pPr algn="ctr"/>
+            <a:endParaRPr kumimoji="1" lang="ja-JP" altLang="en-US"/>
+          </a:p>
+        </p:txBody>
+      </p:sp>
+      <p:sp>
+        <p:nvSpPr>
+          <p:cNvPr id="24" name="フリーフォーム: 図形 23">
+            <a:extLst>
+              <a:ext uri="{FF2B5EF4-FFF2-40B4-BE49-F238E27FC236}">
+                <a16:creationId xmlns:a16="http://schemas.microsoft.com/office/drawing/2014/main" id="{44E84195-AADA-745E-F8F3-3D01B285325C}"/>
+              </a:ext>
+            </a:extLst>
+          </p:cNvPr>
+          <p:cNvSpPr/>
+          <p:nvPr/>
+        </p:nvSpPr>
+        <p:spPr>
+          <a:xfrm flipV="1">
+            <a:off x="7818450" y="4140337"/>
+            <a:ext cx="2247900" cy="326514"/>
+          </a:xfrm>
+          <a:custGeom>
+            <a:avLst/>
+            <a:gdLst>
+              <a:gd name="connsiteX0" fmla="*/ 0 w 2247900"/>
+              <a:gd name="connsiteY0" fmla="*/ 428625 h 428625"/>
+              <a:gd name="connsiteX1" fmla="*/ 933450 w 2247900"/>
+              <a:gd name="connsiteY1" fmla="*/ 142875 h 428625"/>
+              <a:gd name="connsiteX2" fmla="*/ 1266825 w 2247900"/>
+              <a:gd name="connsiteY2" fmla="*/ 371475 h 428625"/>
+              <a:gd name="connsiteX3" fmla="*/ 2247900 w 2247900"/>
+              <a:gd name="connsiteY3" fmla="*/ 0 h 428625"/>
+            </a:gdLst>
+            <a:ahLst/>
+            <a:cxnLst>
+              <a:cxn ang="0">
+                <a:pos x="connsiteX0" y="connsiteY0"/>
+              </a:cxn>
+              <a:cxn ang="0">
+                <a:pos x="connsiteX1" y="connsiteY1"/>
+              </a:cxn>
+              <a:cxn ang="0">
+                <a:pos x="connsiteX2" y="connsiteY2"/>
+              </a:cxn>
+              <a:cxn ang="0">
+                <a:pos x="connsiteX3" y="connsiteY3"/>
+              </a:cxn>
+            </a:cxnLst>
+            <a:rect l="l" t="t" r="r" b="b"/>
+            <a:pathLst>
+              <a:path w="2247900" h="428625">
+                <a:moveTo>
+                  <a:pt x="0" y="428625"/>
+                </a:moveTo>
+                <a:cubicBezTo>
+                  <a:pt x="361156" y="290512"/>
+                  <a:pt x="722313" y="152400"/>
+                  <a:pt x="933450" y="142875"/>
+                </a:cubicBezTo>
+                <a:cubicBezTo>
+                  <a:pt x="1144588" y="133350"/>
+                  <a:pt x="1047750" y="395287"/>
+                  <a:pt x="1266825" y="371475"/>
+                </a:cubicBezTo>
+                <a:cubicBezTo>
+                  <a:pt x="1485900" y="347663"/>
+                  <a:pt x="1866900" y="173831"/>
+                  <a:pt x="2247900" y="0"/>
+                </a:cubicBezTo>
+              </a:path>
+            </a:pathLst>
+          </a:custGeom>
+          <a:noFill/>
+          <a:ln w="38100"/>
+        </p:spPr>
+        <p:style>
+          <a:lnRef idx="2">
+            <a:schemeClr val="accent1">
+              <a:shade val="15000"/>
+            </a:schemeClr>
+          </a:lnRef>
+          <a:fillRef idx="1">
+            <a:schemeClr val="accent1"/>
+          </a:fillRef>
+          <a:effectRef idx="0">
+            <a:schemeClr val="accent1"/>
+          </a:effectRef>
+          <a:fontRef idx="minor">
+            <a:schemeClr val="lt1"/>
+          </a:fontRef>
+        </p:style>
+        <p:txBody>
+          <a:bodyPr rtlCol="0" anchor="ctr"/>
+          <a:lstStyle/>
+          <a:p>
+            <a:pPr algn="ctr"/>
+            <a:endParaRPr kumimoji="1" lang="ja-JP" altLang="en-US"/>
+          </a:p>
+        </p:txBody>
+      </p:sp>
+      <p:sp>
+        <p:nvSpPr>
+          <p:cNvPr id="25" name="フリーフォーム: 図形 24">
+            <a:extLst>
+              <a:ext uri="{FF2B5EF4-FFF2-40B4-BE49-F238E27FC236}">
+                <a16:creationId xmlns:a16="http://schemas.microsoft.com/office/drawing/2014/main" id="{D8820186-BA12-2109-BDBE-0379F7F7F97C}"/>
+              </a:ext>
+            </a:extLst>
+          </p:cNvPr>
+          <p:cNvSpPr/>
+          <p:nvPr/>
+        </p:nvSpPr>
+        <p:spPr>
+          <a:xfrm flipV="1">
+            <a:off x="7800975" y="4469227"/>
+            <a:ext cx="2247900" cy="326514"/>
+          </a:xfrm>
+          <a:custGeom>
+            <a:avLst/>
+            <a:gdLst>
+              <a:gd name="connsiteX0" fmla="*/ 0 w 2247900"/>
+              <a:gd name="connsiteY0" fmla="*/ 428625 h 428625"/>
+              <a:gd name="connsiteX1" fmla="*/ 933450 w 2247900"/>
+              <a:gd name="connsiteY1" fmla="*/ 142875 h 428625"/>
+              <a:gd name="connsiteX2" fmla="*/ 1266825 w 2247900"/>
+              <a:gd name="connsiteY2" fmla="*/ 371475 h 428625"/>
+              <a:gd name="connsiteX3" fmla="*/ 2247900 w 2247900"/>
+              <a:gd name="connsiteY3" fmla="*/ 0 h 428625"/>
+            </a:gdLst>
+            <a:ahLst/>
+            <a:cxnLst>
+              <a:cxn ang="0">
+                <a:pos x="connsiteX0" y="connsiteY0"/>
+              </a:cxn>
+              <a:cxn ang="0">
+                <a:pos x="connsiteX1" y="connsiteY1"/>
+              </a:cxn>
+              <a:cxn ang="0">
+                <a:pos x="connsiteX2" y="connsiteY2"/>
+              </a:cxn>
+              <a:cxn ang="0">
+                <a:pos x="connsiteX3" y="connsiteY3"/>
+              </a:cxn>
+            </a:cxnLst>
+            <a:rect l="l" t="t" r="r" b="b"/>
+            <a:pathLst>
+              <a:path w="2247900" h="428625">
+                <a:moveTo>
+                  <a:pt x="0" y="428625"/>
+                </a:moveTo>
+                <a:cubicBezTo>
+                  <a:pt x="361156" y="290512"/>
+                  <a:pt x="722313" y="152400"/>
+                  <a:pt x="933450" y="142875"/>
+                </a:cubicBezTo>
+                <a:cubicBezTo>
+                  <a:pt x="1144588" y="133350"/>
+                  <a:pt x="1047750" y="395287"/>
+                  <a:pt x="1266825" y="371475"/>
+                </a:cubicBezTo>
+                <a:cubicBezTo>
+                  <a:pt x="1485900" y="347663"/>
+                  <a:pt x="1866900" y="173831"/>
+                  <a:pt x="2247900" y="0"/>
+                </a:cubicBezTo>
+              </a:path>
+            </a:pathLst>
+          </a:custGeom>
+          <a:noFill/>
+          <a:ln w="38100"/>
+        </p:spPr>
+        <p:style>
+          <a:lnRef idx="2">
+            <a:schemeClr val="accent1">
+              <a:shade val="15000"/>
+            </a:schemeClr>
+          </a:lnRef>
+          <a:fillRef idx="1">
+            <a:schemeClr val="accent1"/>
+          </a:fillRef>
+          <a:effectRef idx="0">
+            <a:schemeClr val="accent1"/>
+          </a:effectRef>
+          <a:fontRef idx="minor">
+            <a:schemeClr val="lt1"/>
+          </a:fontRef>
+        </p:style>
+        <p:txBody>
+          <a:bodyPr rtlCol="0" anchor="ctr"/>
+          <a:lstStyle/>
+          <a:p>
+            <a:pPr algn="ctr"/>
+            <a:endParaRPr kumimoji="1" lang="ja-JP" altLang="en-US"/>
+          </a:p>
+        </p:txBody>
+      </p:sp>
+      <p:sp>
+        <p:nvSpPr>
+          <p:cNvPr id="26" name="フリーフォーム: 図形 25">
+            <a:extLst>
+              <a:ext uri="{FF2B5EF4-FFF2-40B4-BE49-F238E27FC236}">
+                <a16:creationId xmlns:a16="http://schemas.microsoft.com/office/drawing/2014/main" id="{EC8E72FB-CD15-BF85-FF1C-F5D7D6381484}"/>
+              </a:ext>
+            </a:extLst>
+          </p:cNvPr>
+          <p:cNvSpPr/>
+          <p:nvPr/>
+        </p:nvSpPr>
+        <p:spPr>
+          <a:xfrm flipV="1">
+            <a:off x="7800975" y="4897850"/>
+            <a:ext cx="2247900" cy="326514"/>
+          </a:xfrm>
+          <a:custGeom>
+            <a:avLst/>
+            <a:gdLst>
+              <a:gd name="connsiteX0" fmla="*/ 0 w 2247900"/>
+              <a:gd name="connsiteY0" fmla="*/ 428625 h 428625"/>
+              <a:gd name="connsiteX1" fmla="*/ 933450 w 2247900"/>
+              <a:gd name="connsiteY1" fmla="*/ 142875 h 428625"/>
+              <a:gd name="connsiteX2" fmla="*/ 1266825 w 2247900"/>
+              <a:gd name="connsiteY2" fmla="*/ 371475 h 428625"/>
+              <a:gd name="connsiteX3" fmla="*/ 2247900 w 2247900"/>
+              <a:gd name="connsiteY3" fmla="*/ 0 h 428625"/>
+            </a:gdLst>
+            <a:ahLst/>
+            <a:cxnLst>
+              <a:cxn ang="0">
+                <a:pos x="connsiteX0" y="connsiteY0"/>
+              </a:cxn>
+              <a:cxn ang="0">
+                <a:pos x="connsiteX1" y="connsiteY1"/>
+              </a:cxn>
+              <a:cxn ang="0">
+                <a:pos x="connsiteX2" y="connsiteY2"/>
+              </a:cxn>
+              <a:cxn ang="0">
+                <a:pos x="connsiteX3" y="connsiteY3"/>
+              </a:cxn>
+            </a:cxnLst>
+            <a:rect l="l" t="t" r="r" b="b"/>
+            <a:pathLst>
+              <a:path w="2247900" h="428625">
+                <a:moveTo>
+                  <a:pt x="0" y="428625"/>
+                </a:moveTo>
+                <a:cubicBezTo>
+                  <a:pt x="361156" y="290512"/>
+                  <a:pt x="722313" y="152400"/>
+                  <a:pt x="933450" y="142875"/>
+                </a:cubicBezTo>
+                <a:cubicBezTo>
+                  <a:pt x="1144588" y="133350"/>
+                  <a:pt x="1047750" y="395287"/>
+                  <a:pt x="1266825" y="371475"/>
+                </a:cubicBezTo>
+                <a:cubicBezTo>
+                  <a:pt x="1485900" y="347663"/>
+                  <a:pt x="1866900" y="173831"/>
+                  <a:pt x="2247900" y="0"/>
+                </a:cubicBezTo>
+              </a:path>
+            </a:pathLst>
+          </a:custGeom>
+          <a:noFill/>
+          <a:ln w="38100"/>
+        </p:spPr>
+        <p:style>
+          <a:lnRef idx="2">
+            <a:schemeClr val="accent1">
+              <a:shade val="15000"/>
+            </a:schemeClr>
+          </a:lnRef>
+          <a:fillRef idx="1">
+            <a:schemeClr val="accent1"/>
+          </a:fillRef>
+          <a:effectRef idx="0">
+            <a:schemeClr val="accent1"/>
+          </a:effectRef>
+          <a:fontRef idx="minor">
+            <a:schemeClr val="lt1"/>
+          </a:fontRef>
+        </p:style>
+        <p:txBody>
+          <a:bodyPr rtlCol="0" anchor="ctr"/>
+          <a:lstStyle/>
+          <a:p>
+            <a:pPr algn="ctr"/>
+            <a:endParaRPr kumimoji="1" lang="ja-JP" altLang="en-US"/>
+          </a:p>
+        </p:txBody>
+      </p:sp>
+      <p:sp>
+        <p:nvSpPr>
+          <p:cNvPr id="27" name="フリーフォーム: 図形 26">
+            <a:extLst>
+              <a:ext uri="{FF2B5EF4-FFF2-40B4-BE49-F238E27FC236}">
+                <a16:creationId xmlns:a16="http://schemas.microsoft.com/office/drawing/2014/main" id="{6419D7CC-5C93-AC6D-51C6-DD926053763C}"/>
+              </a:ext>
+            </a:extLst>
+          </p:cNvPr>
+          <p:cNvSpPr/>
+          <p:nvPr/>
+        </p:nvSpPr>
+        <p:spPr>
+          <a:xfrm flipV="1">
+            <a:off x="7743824" y="5286736"/>
+            <a:ext cx="2304801" cy="540825"/>
+          </a:xfrm>
+          <a:custGeom>
+            <a:avLst/>
+            <a:gdLst>
+              <a:gd name="connsiteX0" fmla="*/ 0 w 2247900"/>
+              <a:gd name="connsiteY0" fmla="*/ 428625 h 428625"/>
+              <a:gd name="connsiteX1" fmla="*/ 933450 w 2247900"/>
+              <a:gd name="connsiteY1" fmla="*/ 142875 h 428625"/>
+              <a:gd name="connsiteX2" fmla="*/ 1266825 w 2247900"/>
+              <a:gd name="connsiteY2" fmla="*/ 371475 h 428625"/>
+              <a:gd name="connsiteX3" fmla="*/ 2247900 w 2247900"/>
+              <a:gd name="connsiteY3" fmla="*/ 0 h 428625"/>
+            </a:gdLst>
+            <a:ahLst/>
+            <a:cxnLst>
+              <a:cxn ang="0">
+                <a:pos x="connsiteX0" y="connsiteY0"/>
+              </a:cxn>
+              <a:cxn ang="0">
+                <a:pos x="connsiteX1" y="connsiteY1"/>
+              </a:cxn>
+              <a:cxn ang="0">
+                <a:pos x="connsiteX2" y="connsiteY2"/>
+              </a:cxn>
+              <a:cxn ang="0">
+                <a:pos x="connsiteX3" y="connsiteY3"/>
+              </a:cxn>
+            </a:cxnLst>
+            <a:rect l="l" t="t" r="r" b="b"/>
+            <a:pathLst>
+              <a:path w="2247900" h="428625">
+                <a:moveTo>
+                  <a:pt x="0" y="428625"/>
+                </a:moveTo>
+                <a:cubicBezTo>
+                  <a:pt x="361156" y="290512"/>
+                  <a:pt x="722313" y="152400"/>
+                  <a:pt x="933450" y="142875"/>
+                </a:cubicBezTo>
+                <a:cubicBezTo>
+                  <a:pt x="1144588" y="133350"/>
+                  <a:pt x="1047750" y="395287"/>
+                  <a:pt x="1266825" y="371475"/>
+                </a:cubicBezTo>
+                <a:cubicBezTo>
+                  <a:pt x="1485900" y="347663"/>
+                  <a:pt x="1866900" y="173831"/>
+                  <a:pt x="2247900" y="0"/>
+                </a:cubicBezTo>
+              </a:path>
+            </a:pathLst>
+          </a:custGeom>
+          <a:noFill/>
+          <a:ln w="38100"/>
+        </p:spPr>
+        <p:style>
+          <a:lnRef idx="2">
+            <a:schemeClr val="accent1">
+              <a:shade val="15000"/>
+            </a:schemeClr>
+          </a:lnRef>
+          <a:fillRef idx="1">
+            <a:schemeClr val="accent1"/>
+          </a:fillRef>
+          <a:effectRef idx="0">
+            <a:schemeClr val="accent1"/>
+          </a:effectRef>
+          <a:fontRef idx="minor">
+            <a:schemeClr val="lt1"/>
+          </a:fontRef>
+        </p:style>
+        <p:txBody>
+          <a:bodyPr rtlCol="0" anchor="ctr"/>
+          <a:lstStyle/>
+          <a:p>
+            <a:pPr algn="ctr"/>
+            <a:endParaRPr kumimoji="1" lang="ja-JP" altLang="en-US"/>
+          </a:p>
+        </p:txBody>
+      </p:sp>
+    </p:spTree>
+    <p:extLst>
+      <p:ext uri="{BB962C8B-B14F-4D97-AF65-F5344CB8AC3E}">
+        <p14:creationId xmlns:p14="http://schemas.microsoft.com/office/powerpoint/2010/main" val="2615629711"/>
+      </p:ext>
+    </p:extLst>
+  </p:cSld>
+  <p:clrMapOvr>
+    <a:masterClrMapping/>
+  </p:clrMapOvr>
+</p:sld>
+</file>
+
+<file path=ppt/slides/slide6.xml><?xml version="1.0" encoding="utf-8"?>
+<p:sld xmlns:a="http://schemas.openxmlformats.org/drawingml/2006/main" xmlns:r="http://schemas.openxmlformats.org/officeDocument/2006/relationships" xmlns:p="http://schemas.openxmlformats.org/presentationml/2006/main">
+  <p:cSld>
+    <p:spTree>
+      <p:nvGrpSpPr>
+        <p:cNvPr id="1" name=""/>
+        <p:cNvGrpSpPr/>
+        <p:nvPr/>
+      </p:nvGrpSpPr>
+      <p:grpSpPr>
+        <a:xfrm>
+          <a:off x="0" y="0"/>
+          <a:ext cx="0" cy="0"/>
+          <a:chOff x="0" y="0"/>
+          <a:chExt cx="0" cy="0"/>
+        </a:xfrm>
+      </p:grpSpPr>
+      <p:pic>
+        <p:nvPicPr>
+          <p:cNvPr id="5" name="図 4">
+            <a:extLst>
+              <a:ext uri="{FF2B5EF4-FFF2-40B4-BE49-F238E27FC236}">
+                <a16:creationId xmlns:a16="http://schemas.microsoft.com/office/drawing/2014/main" id="{F7C0DDFA-7FDF-D017-4EBA-D82D27C3AD91}"/>
+              </a:ext>
+            </a:extLst>
+          </p:cNvPr>
+          <p:cNvPicPr>
+            <a:picLocks noChangeAspect="1"/>
+          </p:cNvPicPr>
+          <p:nvPr/>
+        </p:nvPicPr>
+        <p:blipFill>
+          <a:blip r:embed="rId2">
+            <a:extLst>
+              <a:ext uri="{28A0092B-C50C-407E-A947-70E740481C1C}">
+                <a14:useLocalDpi xmlns:a14="http://schemas.microsoft.com/office/drawing/2010/main" val="0"/>
+              </a:ext>
+            </a:extLst>
+          </a:blip>
+          <a:stretch>
+            <a:fillRect/>
+          </a:stretch>
+        </p:blipFill>
+        <p:spPr>
+          <a:xfrm>
+            <a:off x="1899652" y="1133154"/>
+            <a:ext cx="8392696" cy="4591691"/>
+          </a:xfrm>
+          <a:prstGeom prst="rect">
+            <a:avLst/>
+          </a:prstGeom>
+        </p:spPr>
+      </p:pic>
+      <p:sp>
+        <p:nvSpPr>
+          <p:cNvPr id="6" name="テキスト ボックス 5">
+            <a:extLst>
+              <a:ext uri="{FF2B5EF4-FFF2-40B4-BE49-F238E27FC236}">
+                <a16:creationId xmlns:a16="http://schemas.microsoft.com/office/drawing/2014/main" id="{E65E6393-8F51-8936-03AD-7D38E2A0B1B1}"/>
+              </a:ext>
+            </a:extLst>
+          </p:cNvPr>
+          <p:cNvSpPr txBox="1"/>
+          <p:nvPr/>
+        </p:nvSpPr>
+        <p:spPr>
+          <a:xfrm>
+            <a:off x="10028175" y="802050"/>
+            <a:ext cx="855000" cy="523220"/>
+          </a:xfrm>
+          <a:prstGeom prst="rect">
+            <a:avLst/>
+          </a:prstGeom>
+          <a:noFill/>
+        </p:spPr>
+        <p:txBody>
+          <a:bodyPr wrap="square" rtlCol="0">
+            <a:spAutoFit/>
+          </a:bodyPr>
+          <a:lstStyle/>
+          <a:p>
+            <a:r>
+              <a:rPr kumimoji="1" lang="en-US" altLang="ja-JP" sz="2800" dirty="0">
+                <a:latin typeface="ＭＳ ゴシック" panose="020B0609070205080204" pitchFamily="49" charset="-128"/>
+                <a:ea typeface="ＭＳ ゴシック" panose="020B0609070205080204" pitchFamily="49" charset="-128"/>
+              </a:rPr>
+              <a:t>12</a:t>
+            </a:r>
+            <a:endParaRPr kumimoji="1" lang="ja-JP" altLang="en-US" sz="2800" dirty="0">
+              <a:latin typeface="ＭＳ ゴシック" panose="020B0609070205080204" pitchFamily="49" charset="-128"/>
+              <a:ea typeface="ＭＳ ゴシック" panose="020B0609070205080204" pitchFamily="49" charset="-128"/>
+            </a:endParaRPr>
+          </a:p>
+        </p:txBody>
+      </p:sp>
+      <p:sp>
+        <p:nvSpPr>
+          <p:cNvPr id="7" name="テキスト ボックス 6">
+            <a:extLst>
+              <a:ext uri="{FF2B5EF4-FFF2-40B4-BE49-F238E27FC236}">
+                <a16:creationId xmlns:a16="http://schemas.microsoft.com/office/drawing/2014/main" id="{25DB11D3-2542-FD5D-C5B0-DA30AC5CB870}"/>
+              </a:ext>
+            </a:extLst>
+          </p:cNvPr>
+          <p:cNvSpPr txBox="1"/>
+          <p:nvPr/>
+        </p:nvSpPr>
+        <p:spPr>
+          <a:xfrm>
+            <a:off x="10028175" y="1429360"/>
+            <a:ext cx="855000" cy="523220"/>
+          </a:xfrm>
+          <a:prstGeom prst="rect">
+            <a:avLst/>
+          </a:prstGeom>
+          <a:noFill/>
+        </p:spPr>
+        <p:txBody>
+          <a:bodyPr wrap="square" rtlCol="0">
+            <a:spAutoFit/>
+          </a:bodyPr>
+          <a:lstStyle/>
+          <a:p>
+            <a:r>
+              <a:rPr kumimoji="1" lang="en-US" altLang="ja-JP" sz="2800" dirty="0">
+                <a:latin typeface="ＭＳ ゴシック" panose="020B0609070205080204" pitchFamily="49" charset="-128"/>
+                <a:ea typeface="ＭＳ ゴシック" panose="020B0609070205080204" pitchFamily="49" charset="-128"/>
+              </a:rPr>
+              <a:t>13</a:t>
+            </a:r>
+            <a:endParaRPr kumimoji="1" lang="ja-JP" altLang="en-US" sz="2800" dirty="0">
+              <a:latin typeface="ＭＳ ゴシック" panose="020B0609070205080204" pitchFamily="49" charset="-128"/>
+              <a:ea typeface="ＭＳ ゴシック" panose="020B0609070205080204" pitchFamily="49" charset="-128"/>
+            </a:endParaRPr>
+          </a:p>
+        </p:txBody>
+      </p:sp>
+      <p:sp>
+        <p:nvSpPr>
+          <p:cNvPr id="8" name="テキスト ボックス 7">
+            <a:extLst>
+              <a:ext uri="{FF2B5EF4-FFF2-40B4-BE49-F238E27FC236}">
+                <a16:creationId xmlns:a16="http://schemas.microsoft.com/office/drawing/2014/main" id="{71FCBBEB-D526-432E-F435-1C3201F04CE0}"/>
+              </a:ext>
+            </a:extLst>
+          </p:cNvPr>
+          <p:cNvSpPr txBox="1"/>
+          <p:nvPr/>
+        </p:nvSpPr>
+        <p:spPr>
+          <a:xfrm>
+            <a:off x="10028175" y="1939943"/>
+            <a:ext cx="855000" cy="523220"/>
+          </a:xfrm>
+          <a:prstGeom prst="rect">
+            <a:avLst/>
+          </a:prstGeom>
+          <a:noFill/>
+        </p:spPr>
+        <p:txBody>
+          <a:bodyPr wrap="square" rtlCol="0">
+            <a:spAutoFit/>
+          </a:bodyPr>
+          <a:lstStyle/>
+          <a:p>
+            <a:r>
+              <a:rPr kumimoji="1" lang="en-US" altLang="ja-JP" sz="2800" dirty="0">
+                <a:latin typeface="ＭＳ ゴシック" panose="020B0609070205080204" pitchFamily="49" charset="-128"/>
+                <a:ea typeface="ＭＳ ゴシック" panose="020B0609070205080204" pitchFamily="49" charset="-128"/>
+              </a:rPr>
+              <a:t>14</a:t>
+            </a:r>
+            <a:endParaRPr kumimoji="1" lang="ja-JP" altLang="en-US" sz="2800" dirty="0">
+              <a:latin typeface="ＭＳ ゴシック" panose="020B0609070205080204" pitchFamily="49" charset="-128"/>
+              <a:ea typeface="ＭＳ ゴシック" panose="020B0609070205080204" pitchFamily="49" charset="-128"/>
+            </a:endParaRPr>
+          </a:p>
+        </p:txBody>
+      </p:sp>
+      <p:sp>
+        <p:nvSpPr>
+          <p:cNvPr id="9" name="テキスト ボックス 8">
+            <a:extLst>
+              <a:ext uri="{FF2B5EF4-FFF2-40B4-BE49-F238E27FC236}">
+                <a16:creationId xmlns:a16="http://schemas.microsoft.com/office/drawing/2014/main" id="{A8AF0C4F-F868-3414-93B2-4EB36D3FD1CA}"/>
+              </a:ext>
+            </a:extLst>
+          </p:cNvPr>
+          <p:cNvSpPr txBox="1"/>
+          <p:nvPr/>
+        </p:nvSpPr>
+        <p:spPr>
+          <a:xfrm>
+            <a:off x="10028175" y="2469932"/>
+            <a:ext cx="855000" cy="523220"/>
+          </a:xfrm>
+          <a:prstGeom prst="rect">
+            <a:avLst/>
+          </a:prstGeom>
+          <a:noFill/>
+        </p:spPr>
+        <p:txBody>
+          <a:bodyPr wrap="square" rtlCol="0">
+            <a:spAutoFit/>
+          </a:bodyPr>
+          <a:lstStyle/>
+          <a:p>
+            <a:r>
+              <a:rPr kumimoji="1" lang="en-US" altLang="ja-JP" sz="2800" dirty="0">
+                <a:latin typeface="ＭＳ ゴシック" panose="020B0609070205080204" pitchFamily="49" charset="-128"/>
+                <a:ea typeface="ＭＳ ゴシック" panose="020B0609070205080204" pitchFamily="49" charset="-128"/>
+              </a:rPr>
+              <a:t>15</a:t>
+            </a:r>
+            <a:endParaRPr kumimoji="1" lang="ja-JP" altLang="en-US" sz="2800" dirty="0">
+              <a:latin typeface="ＭＳ ゴシック" panose="020B0609070205080204" pitchFamily="49" charset="-128"/>
+              <a:ea typeface="ＭＳ ゴシック" panose="020B0609070205080204" pitchFamily="49" charset="-128"/>
+            </a:endParaRPr>
+          </a:p>
+        </p:txBody>
+      </p:sp>
+      <p:sp>
+        <p:nvSpPr>
+          <p:cNvPr id="10" name="テキスト ボックス 9">
+            <a:extLst>
+              <a:ext uri="{FF2B5EF4-FFF2-40B4-BE49-F238E27FC236}">
+                <a16:creationId xmlns:a16="http://schemas.microsoft.com/office/drawing/2014/main" id="{AC1F6BEB-1C8C-F881-D33A-1945B6593ACA}"/>
+              </a:ext>
+            </a:extLst>
+          </p:cNvPr>
+          <p:cNvSpPr txBox="1"/>
+          <p:nvPr/>
+        </p:nvSpPr>
+        <p:spPr>
+          <a:xfrm>
+            <a:off x="10028175" y="3547972"/>
+            <a:ext cx="855000" cy="523220"/>
+          </a:xfrm>
+          <a:prstGeom prst="rect">
+            <a:avLst/>
+          </a:prstGeom>
+          <a:noFill/>
+        </p:spPr>
+        <p:txBody>
+          <a:bodyPr wrap="square" rtlCol="0">
+            <a:spAutoFit/>
+          </a:bodyPr>
+          <a:lstStyle/>
+          <a:p>
+            <a:r>
+              <a:rPr kumimoji="1" lang="en-US" altLang="ja-JP" sz="2800" dirty="0">
+                <a:latin typeface="ＭＳ ゴシック" panose="020B0609070205080204" pitchFamily="49" charset="-128"/>
+                <a:ea typeface="ＭＳ ゴシック" panose="020B0609070205080204" pitchFamily="49" charset="-128"/>
+              </a:rPr>
+              <a:t>16</a:t>
+            </a:r>
+            <a:endParaRPr kumimoji="1" lang="ja-JP" altLang="en-US" sz="2800" dirty="0">
+              <a:latin typeface="ＭＳ ゴシック" panose="020B0609070205080204" pitchFamily="49" charset="-128"/>
+              <a:ea typeface="ＭＳ ゴシック" panose="020B0609070205080204" pitchFamily="49" charset="-128"/>
+            </a:endParaRPr>
+          </a:p>
+        </p:txBody>
+      </p:sp>
+      <p:sp>
+        <p:nvSpPr>
+          <p:cNvPr id="15" name="フリーフォーム: 図形 14">
+            <a:extLst>
+              <a:ext uri="{FF2B5EF4-FFF2-40B4-BE49-F238E27FC236}">
+                <a16:creationId xmlns:a16="http://schemas.microsoft.com/office/drawing/2014/main" id="{559DEAAB-5723-DFBF-267E-8EC6D6CA8BC7}"/>
+              </a:ext>
+            </a:extLst>
+          </p:cNvPr>
+          <p:cNvSpPr/>
+          <p:nvPr/>
+        </p:nvSpPr>
+        <p:spPr>
+          <a:xfrm>
+            <a:off x="7716000" y="1149675"/>
+            <a:ext cx="2247900" cy="828675"/>
+          </a:xfrm>
+          <a:custGeom>
+            <a:avLst/>
+            <a:gdLst>
+              <a:gd name="connsiteX0" fmla="*/ 0 w 2247900"/>
+              <a:gd name="connsiteY0" fmla="*/ 828675 h 828675"/>
+              <a:gd name="connsiteX1" fmla="*/ 1104900 w 2247900"/>
+              <a:gd name="connsiteY1" fmla="*/ 200025 h 828675"/>
+              <a:gd name="connsiteX2" fmla="*/ 1400175 w 2247900"/>
+              <a:gd name="connsiteY2" fmla="*/ 371475 h 828675"/>
+              <a:gd name="connsiteX3" fmla="*/ 2247900 w 2247900"/>
+              <a:gd name="connsiteY3" fmla="*/ 0 h 828675"/>
+            </a:gdLst>
+            <a:ahLst/>
+            <a:cxnLst>
+              <a:cxn ang="0">
+                <a:pos x="connsiteX0" y="connsiteY0"/>
+              </a:cxn>
+              <a:cxn ang="0">
+                <a:pos x="connsiteX1" y="connsiteY1"/>
+              </a:cxn>
+              <a:cxn ang="0">
+                <a:pos x="connsiteX2" y="connsiteY2"/>
+              </a:cxn>
+              <a:cxn ang="0">
+                <a:pos x="connsiteX3" y="connsiteY3"/>
+              </a:cxn>
+            </a:cxnLst>
+            <a:rect l="l" t="t" r="r" b="b"/>
+            <a:pathLst>
+              <a:path w="2247900" h="828675">
+                <a:moveTo>
+                  <a:pt x="0" y="828675"/>
+                </a:moveTo>
+                <a:cubicBezTo>
+                  <a:pt x="435769" y="552450"/>
+                  <a:pt x="871538" y="276225"/>
+                  <a:pt x="1104900" y="200025"/>
+                </a:cubicBezTo>
+                <a:cubicBezTo>
+                  <a:pt x="1338262" y="123825"/>
+                  <a:pt x="1209675" y="404812"/>
+                  <a:pt x="1400175" y="371475"/>
+                </a:cubicBezTo>
+                <a:cubicBezTo>
+                  <a:pt x="1590675" y="338137"/>
+                  <a:pt x="1919287" y="169068"/>
+                  <a:pt x="2247900" y="0"/>
+                </a:cubicBezTo>
+              </a:path>
+            </a:pathLst>
+          </a:custGeom>
+          <a:noFill/>
+          <a:ln w="38100"/>
+        </p:spPr>
+        <p:style>
+          <a:lnRef idx="2">
+            <a:schemeClr val="accent1">
+              <a:shade val="15000"/>
+            </a:schemeClr>
+          </a:lnRef>
+          <a:fillRef idx="1">
+            <a:schemeClr val="accent1"/>
+          </a:fillRef>
+          <a:effectRef idx="0">
+            <a:schemeClr val="accent1"/>
+          </a:effectRef>
+          <a:fontRef idx="minor">
+            <a:schemeClr val="lt1"/>
+          </a:fontRef>
+        </p:style>
+        <p:txBody>
+          <a:bodyPr rtlCol="0" anchor="ctr"/>
+          <a:lstStyle/>
+          <a:p>
+            <a:pPr algn="ctr"/>
+            <a:endParaRPr kumimoji="1" lang="ja-JP" altLang="en-US"/>
+          </a:p>
+        </p:txBody>
+      </p:sp>
+      <p:sp>
+        <p:nvSpPr>
+          <p:cNvPr id="16" name="フリーフォーム: 図形 15">
+            <a:extLst>
+              <a:ext uri="{FF2B5EF4-FFF2-40B4-BE49-F238E27FC236}">
+                <a16:creationId xmlns:a16="http://schemas.microsoft.com/office/drawing/2014/main" id="{E232B02C-3EC8-07CB-3388-028D653A061F}"/>
+              </a:ext>
+            </a:extLst>
+          </p:cNvPr>
+          <p:cNvSpPr/>
+          <p:nvPr/>
+        </p:nvSpPr>
+        <p:spPr>
+          <a:xfrm>
+            <a:off x="7773150" y="1778325"/>
+            <a:ext cx="2152650" cy="504825"/>
+          </a:xfrm>
+          <a:custGeom>
+            <a:avLst/>
+            <a:gdLst>
+              <a:gd name="connsiteX0" fmla="*/ 0 w 2152650"/>
+              <a:gd name="connsiteY0" fmla="*/ 504825 h 504825"/>
+              <a:gd name="connsiteX1" fmla="*/ 895350 w 2152650"/>
+              <a:gd name="connsiteY1" fmla="*/ 171450 h 504825"/>
+              <a:gd name="connsiteX2" fmla="*/ 1209675 w 2152650"/>
+              <a:gd name="connsiteY2" fmla="*/ 352425 h 504825"/>
+              <a:gd name="connsiteX3" fmla="*/ 2152650 w 2152650"/>
+              <a:gd name="connsiteY3" fmla="*/ 0 h 504825"/>
+            </a:gdLst>
+            <a:ahLst/>
+            <a:cxnLst>
+              <a:cxn ang="0">
+                <a:pos x="connsiteX0" y="connsiteY0"/>
+              </a:cxn>
+              <a:cxn ang="0">
+                <a:pos x="connsiteX1" y="connsiteY1"/>
+              </a:cxn>
+              <a:cxn ang="0">
+                <a:pos x="connsiteX2" y="connsiteY2"/>
+              </a:cxn>
+              <a:cxn ang="0">
+                <a:pos x="connsiteX3" y="connsiteY3"/>
+              </a:cxn>
+            </a:cxnLst>
+            <a:rect l="l" t="t" r="r" b="b"/>
+            <a:pathLst>
+              <a:path w="2152650" h="504825">
+                <a:moveTo>
+                  <a:pt x="0" y="504825"/>
+                </a:moveTo>
+                <a:cubicBezTo>
+                  <a:pt x="346869" y="350837"/>
+                  <a:pt x="693738" y="196850"/>
+                  <a:pt x="895350" y="171450"/>
+                </a:cubicBezTo>
+                <a:cubicBezTo>
+                  <a:pt x="1096963" y="146050"/>
+                  <a:pt x="1000125" y="381000"/>
+                  <a:pt x="1209675" y="352425"/>
+                </a:cubicBezTo>
+                <a:cubicBezTo>
+                  <a:pt x="1419225" y="323850"/>
+                  <a:pt x="1785937" y="161925"/>
+                  <a:pt x="2152650" y="0"/>
+                </a:cubicBezTo>
+              </a:path>
+            </a:pathLst>
+          </a:custGeom>
+          <a:noFill/>
+          <a:ln w="38100"/>
+        </p:spPr>
+        <p:style>
+          <a:lnRef idx="2">
+            <a:schemeClr val="accent1">
+              <a:shade val="15000"/>
+            </a:schemeClr>
+          </a:lnRef>
+          <a:fillRef idx="1">
+            <a:schemeClr val="accent1"/>
+          </a:fillRef>
+          <a:effectRef idx="0">
+            <a:schemeClr val="accent1"/>
+          </a:effectRef>
+          <a:fontRef idx="minor">
+            <a:schemeClr val="lt1"/>
+          </a:fontRef>
+        </p:style>
+        <p:txBody>
+          <a:bodyPr rtlCol="0" anchor="ctr"/>
+          <a:lstStyle/>
+          <a:p>
+            <a:pPr algn="ctr"/>
+            <a:endParaRPr kumimoji="1" lang="ja-JP" altLang="en-US"/>
+          </a:p>
+        </p:txBody>
+      </p:sp>
+      <p:sp>
+        <p:nvSpPr>
+          <p:cNvPr id="17" name="フリーフォーム: 図形 16">
+            <a:extLst>
+              <a:ext uri="{FF2B5EF4-FFF2-40B4-BE49-F238E27FC236}">
+                <a16:creationId xmlns:a16="http://schemas.microsoft.com/office/drawing/2014/main" id="{EF39CC57-623F-0685-F03D-E51D3659478E}"/>
+              </a:ext>
+            </a:extLst>
+          </p:cNvPr>
+          <p:cNvSpPr/>
+          <p:nvPr/>
+        </p:nvSpPr>
+        <p:spPr>
+          <a:xfrm>
+            <a:off x="7716000" y="2216475"/>
+            <a:ext cx="2247900" cy="428625"/>
+          </a:xfrm>
+          <a:custGeom>
+            <a:avLst/>
+            <a:gdLst>
+              <a:gd name="connsiteX0" fmla="*/ 0 w 2247900"/>
+              <a:gd name="connsiteY0" fmla="*/ 428625 h 428625"/>
+              <a:gd name="connsiteX1" fmla="*/ 933450 w 2247900"/>
+              <a:gd name="connsiteY1" fmla="*/ 142875 h 428625"/>
+              <a:gd name="connsiteX2" fmla="*/ 1266825 w 2247900"/>
+              <a:gd name="connsiteY2" fmla="*/ 371475 h 428625"/>
+              <a:gd name="connsiteX3" fmla="*/ 2247900 w 2247900"/>
+              <a:gd name="connsiteY3" fmla="*/ 0 h 428625"/>
+            </a:gdLst>
+            <a:ahLst/>
+            <a:cxnLst>
+              <a:cxn ang="0">
+                <a:pos x="connsiteX0" y="connsiteY0"/>
+              </a:cxn>
+              <a:cxn ang="0">
+                <a:pos x="connsiteX1" y="connsiteY1"/>
+              </a:cxn>
+              <a:cxn ang="0">
+                <a:pos x="connsiteX2" y="connsiteY2"/>
+              </a:cxn>
+              <a:cxn ang="0">
+                <a:pos x="connsiteX3" y="connsiteY3"/>
+              </a:cxn>
+            </a:cxnLst>
+            <a:rect l="l" t="t" r="r" b="b"/>
+            <a:pathLst>
+              <a:path w="2247900" h="428625">
+                <a:moveTo>
+                  <a:pt x="0" y="428625"/>
+                </a:moveTo>
+                <a:cubicBezTo>
+                  <a:pt x="361156" y="290512"/>
+                  <a:pt x="722313" y="152400"/>
+                  <a:pt x="933450" y="142875"/>
+                </a:cubicBezTo>
+                <a:cubicBezTo>
+                  <a:pt x="1144588" y="133350"/>
+                  <a:pt x="1047750" y="395287"/>
+                  <a:pt x="1266825" y="371475"/>
+                </a:cubicBezTo>
+                <a:cubicBezTo>
+                  <a:pt x="1485900" y="347663"/>
+                  <a:pt x="1866900" y="173831"/>
+                  <a:pt x="2247900" y="0"/>
+                </a:cubicBezTo>
+              </a:path>
+            </a:pathLst>
+          </a:custGeom>
+          <a:noFill/>
+          <a:ln w="38100"/>
+        </p:spPr>
+        <p:style>
+          <a:lnRef idx="2">
+            <a:schemeClr val="accent1">
+              <a:shade val="15000"/>
+            </a:schemeClr>
+          </a:lnRef>
+          <a:fillRef idx="1">
+            <a:schemeClr val="accent1"/>
+          </a:fillRef>
+          <a:effectRef idx="0">
+            <a:schemeClr val="accent1"/>
+          </a:effectRef>
+          <a:fontRef idx="minor">
+            <a:schemeClr val="lt1"/>
+          </a:fontRef>
+        </p:style>
+        <p:txBody>
+          <a:bodyPr rtlCol="0" anchor="ctr"/>
+          <a:lstStyle/>
+          <a:p>
+            <a:pPr algn="ctr"/>
+            <a:endParaRPr kumimoji="1" lang="ja-JP" altLang="en-US"/>
+          </a:p>
+        </p:txBody>
+      </p:sp>
+      <p:sp>
+        <p:nvSpPr>
+          <p:cNvPr id="18" name="フリーフォーム: 図形 17">
+            <a:extLst>
+              <a:ext uri="{FF2B5EF4-FFF2-40B4-BE49-F238E27FC236}">
+                <a16:creationId xmlns:a16="http://schemas.microsoft.com/office/drawing/2014/main" id="{7B80837C-B756-1258-3809-BDB68D45F228}"/>
+              </a:ext>
+            </a:extLst>
+          </p:cNvPr>
+          <p:cNvSpPr/>
+          <p:nvPr/>
+        </p:nvSpPr>
+        <p:spPr>
+          <a:xfrm>
+            <a:off x="7773150" y="2606007"/>
+            <a:ext cx="2247900" cy="428625"/>
+          </a:xfrm>
+          <a:custGeom>
+            <a:avLst/>
+            <a:gdLst>
+              <a:gd name="connsiteX0" fmla="*/ 0 w 2247900"/>
+              <a:gd name="connsiteY0" fmla="*/ 428625 h 428625"/>
+              <a:gd name="connsiteX1" fmla="*/ 933450 w 2247900"/>
+              <a:gd name="connsiteY1" fmla="*/ 142875 h 428625"/>
+              <a:gd name="connsiteX2" fmla="*/ 1266825 w 2247900"/>
+              <a:gd name="connsiteY2" fmla="*/ 371475 h 428625"/>
+              <a:gd name="connsiteX3" fmla="*/ 2247900 w 2247900"/>
+              <a:gd name="connsiteY3" fmla="*/ 0 h 428625"/>
+            </a:gdLst>
+            <a:ahLst/>
+            <a:cxnLst>
+              <a:cxn ang="0">
+                <a:pos x="connsiteX0" y="connsiteY0"/>
+              </a:cxn>
+              <a:cxn ang="0">
+                <a:pos x="connsiteX1" y="connsiteY1"/>
+              </a:cxn>
+              <a:cxn ang="0">
+                <a:pos x="connsiteX2" y="connsiteY2"/>
+              </a:cxn>
+              <a:cxn ang="0">
+                <a:pos x="connsiteX3" y="connsiteY3"/>
+              </a:cxn>
+            </a:cxnLst>
+            <a:rect l="l" t="t" r="r" b="b"/>
+            <a:pathLst>
+              <a:path w="2247900" h="428625">
+                <a:moveTo>
+                  <a:pt x="0" y="428625"/>
+                </a:moveTo>
+                <a:cubicBezTo>
+                  <a:pt x="361156" y="290512"/>
+                  <a:pt x="722313" y="152400"/>
+                  <a:pt x="933450" y="142875"/>
+                </a:cubicBezTo>
+                <a:cubicBezTo>
+                  <a:pt x="1144588" y="133350"/>
+                  <a:pt x="1047750" y="395287"/>
+                  <a:pt x="1266825" y="371475"/>
+                </a:cubicBezTo>
+                <a:cubicBezTo>
+                  <a:pt x="1485900" y="347663"/>
+                  <a:pt x="1866900" y="173831"/>
+                  <a:pt x="2247900" y="0"/>
+                </a:cubicBezTo>
+              </a:path>
+            </a:pathLst>
+          </a:custGeom>
+          <a:noFill/>
+          <a:ln w="38100"/>
+        </p:spPr>
+        <p:style>
+          <a:lnRef idx="2">
+            <a:schemeClr val="accent1">
+              <a:shade val="15000"/>
+            </a:schemeClr>
+          </a:lnRef>
+          <a:fillRef idx="1">
+            <a:schemeClr val="accent1"/>
+          </a:fillRef>
+          <a:effectRef idx="0">
+            <a:schemeClr val="accent1"/>
+          </a:effectRef>
+          <a:fontRef idx="minor">
+            <a:schemeClr val="lt1"/>
+          </a:fontRef>
+        </p:style>
+        <p:txBody>
+          <a:bodyPr rtlCol="0" anchor="ctr"/>
+          <a:lstStyle/>
+          <a:p>
+            <a:pPr algn="ctr"/>
+            <a:endParaRPr kumimoji="1" lang="ja-JP" altLang="en-US"/>
+          </a:p>
+        </p:txBody>
+      </p:sp>
+      <p:sp>
+        <p:nvSpPr>
+          <p:cNvPr id="19" name="フリーフォーム: 図形 18">
+            <a:extLst>
+              <a:ext uri="{FF2B5EF4-FFF2-40B4-BE49-F238E27FC236}">
+                <a16:creationId xmlns:a16="http://schemas.microsoft.com/office/drawing/2014/main" id="{CE4F9F9C-2382-D3B6-CFDD-A9526277D53C}"/>
+              </a:ext>
+            </a:extLst>
+          </p:cNvPr>
+          <p:cNvSpPr/>
+          <p:nvPr/>
+        </p:nvSpPr>
+        <p:spPr>
+          <a:xfrm flipV="1">
+            <a:off x="7794450" y="3443882"/>
+            <a:ext cx="2247900" cy="326514"/>
+          </a:xfrm>
+          <a:custGeom>
+            <a:avLst/>
+            <a:gdLst>
+              <a:gd name="connsiteX0" fmla="*/ 0 w 2247900"/>
+              <a:gd name="connsiteY0" fmla="*/ 428625 h 428625"/>
+              <a:gd name="connsiteX1" fmla="*/ 933450 w 2247900"/>
+              <a:gd name="connsiteY1" fmla="*/ 142875 h 428625"/>
+              <a:gd name="connsiteX2" fmla="*/ 1266825 w 2247900"/>
+              <a:gd name="connsiteY2" fmla="*/ 371475 h 428625"/>
+              <a:gd name="connsiteX3" fmla="*/ 2247900 w 2247900"/>
+              <a:gd name="connsiteY3" fmla="*/ 0 h 428625"/>
+            </a:gdLst>
+            <a:ahLst/>
+            <a:cxnLst>
+              <a:cxn ang="0">
+                <a:pos x="connsiteX0" y="connsiteY0"/>
+              </a:cxn>
+              <a:cxn ang="0">
+                <a:pos x="connsiteX1" y="connsiteY1"/>
+              </a:cxn>
+              <a:cxn ang="0">
+                <a:pos x="connsiteX2" y="connsiteY2"/>
+              </a:cxn>
+              <a:cxn ang="0">
+                <a:pos x="connsiteX3" y="connsiteY3"/>
+              </a:cxn>
+            </a:cxnLst>
+            <a:rect l="l" t="t" r="r" b="b"/>
+            <a:pathLst>
+              <a:path w="2247900" h="428625">
+                <a:moveTo>
+                  <a:pt x="0" y="428625"/>
+                </a:moveTo>
+                <a:cubicBezTo>
+                  <a:pt x="361156" y="290512"/>
+                  <a:pt x="722313" y="152400"/>
+                  <a:pt x="933450" y="142875"/>
+                </a:cubicBezTo>
+                <a:cubicBezTo>
+                  <a:pt x="1144588" y="133350"/>
+                  <a:pt x="1047750" y="395287"/>
+                  <a:pt x="1266825" y="371475"/>
+                </a:cubicBezTo>
+                <a:cubicBezTo>
+                  <a:pt x="1485900" y="347663"/>
+                  <a:pt x="1866900" y="173831"/>
+                  <a:pt x="2247900" y="0"/>
+                </a:cubicBezTo>
+              </a:path>
+            </a:pathLst>
+          </a:custGeom>
+          <a:noFill/>
+          <a:ln w="38100"/>
+        </p:spPr>
+        <p:style>
+          <a:lnRef idx="2">
+            <a:schemeClr val="accent1">
+              <a:shade val="15000"/>
+            </a:schemeClr>
+          </a:lnRef>
+          <a:fillRef idx="1">
+            <a:schemeClr val="accent1"/>
+          </a:fillRef>
+          <a:effectRef idx="0">
+            <a:schemeClr val="accent1"/>
+          </a:effectRef>
+          <a:fontRef idx="minor">
+            <a:schemeClr val="lt1"/>
+          </a:fontRef>
+        </p:style>
+        <p:txBody>
+          <a:bodyPr rtlCol="0" anchor="ctr"/>
+          <a:lstStyle/>
+          <a:p>
+            <a:pPr algn="ctr"/>
+            <a:endParaRPr kumimoji="1" lang="ja-JP" altLang="en-US"/>
+          </a:p>
+        </p:txBody>
+      </p:sp>
+    </p:spTree>
+    <p:extLst>
+      <p:ext uri="{BB962C8B-B14F-4D97-AF65-F5344CB8AC3E}">
+        <p14:creationId xmlns:p14="http://schemas.microsoft.com/office/powerpoint/2010/main" val="3471250493"/>
+      </p:ext>
+    </p:extLst>
+  </p:cSld>
+  <p:clrMapOvr>
+    <a:masterClrMapping/>
+  </p:clrMapOvr>
+</p:sld>
+</file>
+
+<file path=ppt/slides/slide7.xml><?xml version="1.0" encoding="utf-8"?>
+<p:sld xmlns:a="http://schemas.openxmlformats.org/drawingml/2006/main" xmlns:r="http://schemas.openxmlformats.org/officeDocument/2006/relationships" xmlns:p="http://schemas.openxmlformats.org/presentationml/2006/main">
+  <p:cSld>
+    <p:spTree>
+      <p:nvGrpSpPr>
+        <p:cNvPr id="1" name=""/>
+        <p:cNvGrpSpPr/>
+        <p:nvPr/>
+      </p:nvGrpSpPr>
+      <p:grpSpPr>
+        <a:xfrm>
+          <a:off x="0" y="0"/>
+          <a:ext cx="0" cy="0"/>
+          <a:chOff x="0" y="0"/>
+          <a:chExt cx="0" cy="0"/>
+        </a:xfrm>
+      </p:grpSpPr>
+      <p:cxnSp>
+        <p:nvCxnSpPr>
+          <p:cNvPr id="4" name="直線コネクタ 3">
+            <a:extLst>
+              <a:ext uri="{FF2B5EF4-FFF2-40B4-BE49-F238E27FC236}">
+                <a16:creationId xmlns:a16="http://schemas.microsoft.com/office/drawing/2014/main" id="{6412B9FD-B32E-20C9-DF53-7FD7B0BD724C}"/>
+              </a:ext>
+            </a:extLst>
+          </p:cNvPr>
+          <p:cNvCxnSpPr/>
+          <p:nvPr/>
+        </p:nvCxnSpPr>
+        <p:spPr>
+          <a:xfrm>
+            <a:off x="3092247" y="3006500"/>
+            <a:ext cx="585000" cy="0"/>
+          </a:xfrm>
+          <a:prstGeom prst="line">
+            <a:avLst/>
+          </a:prstGeom>
+          <a:ln w="57150" cap="rnd">
+            <a:solidFill>
+              <a:schemeClr val="tx1"/>
+            </a:solidFill>
+            <a:round/>
+            <a:tailEnd type="none"/>
+          </a:ln>
+        </p:spPr>
+        <p:style>
+          <a:lnRef idx="1">
+            <a:schemeClr val="accent1"/>
+          </a:lnRef>
+          <a:fillRef idx="0">
+            <a:schemeClr val="accent1"/>
+          </a:fillRef>
+          <a:effectRef idx="0">
+            <a:schemeClr val="accent1"/>
+          </a:effectRef>
+          <a:fontRef idx="minor">
+            <a:schemeClr val="tx1"/>
+          </a:fontRef>
+        </p:style>
+      </p:cxnSp>
+      <p:cxnSp>
+        <p:nvCxnSpPr>
+          <p:cNvPr id="5" name="直線コネクタ 4">
+            <a:extLst>
+              <a:ext uri="{FF2B5EF4-FFF2-40B4-BE49-F238E27FC236}">
+                <a16:creationId xmlns:a16="http://schemas.microsoft.com/office/drawing/2014/main" id="{3525AC86-3981-28CE-B72E-DC8CE688FCD9}"/>
+              </a:ext>
+            </a:extLst>
+          </p:cNvPr>
+          <p:cNvCxnSpPr/>
+          <p:nvPr/>
+        </p:nvCxnSpPr>
+        <p:spPr>
+          <a:xfrm flipV="1">
+            <a:off x="3722247" y="2511500"/>
+            <a:ext cx="0" cy="495000"/>
+          </a:xfrm>
+          <a:prstGeom prst="line">
+            <a:avLst/>
+          </a:prstGeom>
+          <a:ln w="57150" cap="rnd">
+            <a:solidFill>
+              <a:schemeClr val="tx1"/>
+            </a:solidFill>
+            <a:prstDash val="solid"/>
+            <a:round/>
+            <a:tailEnd type="none"/>
+          </a:ln>
+        </p:spPr>
+        <p:style>
+          <a:lnRef idx="1">
+            <a:schemeClr val="accent1"/>
+          </a:lnRef>
+          <a:fillRef idx="0">
+            <a:schemeClr val="accent1"/>
+          </a:fillRef>
+          <a:effectRef idx="0">
+            <a:schemeClr val="accent1"/>
+          </a:effectRef>
+          <a:fontRef idx="minor">
+            <a:schemeClr val="tx1"/>
+          </a:fontRef>
+        </p:style>
+      </p:cxnSp>
+      <p:cxnSp>
+        <p:nvCxnSpPr>
+          <p:cNvPr id="6" name="直線コネクタ 5">
+            <a:extLst>
+              <a:ext uri="{FF2B5EF4-FFF2-40B4-BE49-F238E27FC236}">
+                <a16:creationId xmlns:a16="http://schemas.microsoft.com/office/drawing/2014/main" id="{24516DFB-D46B-9BD0-0FF1-6C57569548A7}"/>
+              </a:ext>
+            </a:extLst>
+          </p:cNvPr>
+          <p:cNvCxnSpPr>
+            <a:cxnSpLocks/>
+          </p:cNvCxnSpPr>
+          <p:nvPr/>
+        </p:nvCxnSpPr>
+        <p:spPr>
+          <a:xfrm>
+            <a:off x="3767247" y="2511500"/>
+            <a:ext cx="585000" cy="0"/>
+          </a:xfrm>
+          <a:prstGeom prst="line">
+            <a:avLst/>
+          </a:prstGeom>
+          <a:ln w="57150" cap="rnd">
+            <a:solidFill>
+              <a:schemeClr val="tx1"/>
+            </a:solidFill>
+            <a:prstDash val="solid"/>
+            <a:round/>
+            <a:tailEnd type="none"/>
+          </a:ln>
+        </p:spPr>
+        <p:style>
+          <a:lnRef idx="1">
+            <a:schemeClr val="accent1"/>
+          </a:lnRef>
+          <a:fillRef idx="0">
+            <a:schemeClr val="accent1"/>
+          </a:fillRef>
+          <a:effectRef idx="0">
+            <a:schemeClr val="accent1"/>
+          </a:effectRef>
+          <a:fontRef idx="minor">
+            <a:schemeClr val="tx1"/>
+          </a:fontRef>
+        </p:style>
+      </p:cxnSp>
+      <p:cxnSp>
+        <p:nvCxnSpPr>
+          <p:cNvPr id="7" name="直線コネクタ 6">
+            <a:extLst>
+              <a:ext uri="{FF2B5EF4-FFF2-40B4-BE49-F238E27FC236}">
+                <a16:creationId xmlns:a16="http://schemas.microsoft.com/office/drawing/2014/main" id="{3FD86BF3-DD4E-37C1-D162-F259C7A93E26}"/>
+              </a:ext>
+            </a:extLst>
+          </p:cNvPr>
+          <p:cNvCxnSpPr>
+            <a:cxnSpLocks/>
+          </p:cNvCxnSpPr>
+          <p:nvPr/>
+        </p:nvCxnSpPr>
+        <p:spPr>
+          <a:xfrm>
+            <a:off x="4397247" y="2511500"/>
+            <a:ext cx="0" cy="495000"/>
+          </a:xfrm>
+          <a:prstGeom prst="line">
+            <a:avLst/>
+          </a:prstGeom>
+          <a:ln w="57150" cap="rnd">
+            <a:solidFill>
+              <a:schemeClr val="tx1"/>
+            </a:solidFill>
+            <a:prstDash val="solid"/>
+            <a:round/>
+            <a:tailEnd type="none"/>
+          </a:ln>
+        </p:spPr>
+        <p:style>
+          <a:lnRef idx="1">
+            <a:schemeClr val="accent1"/>
+          </a:lnRef>
+          <a:fillRef idx="0">
+            <a:schemeClr val="accent1"/>
+          </a:fillRef>
+          <a:effectRef idx="0">
+            <a:schemeClr val="accent1"/>
+          </a:effectRef>
+          <a:fontRef idx="minor">
+            <a:schemeClr val="tx1"/>
+          </a:fontRef>
+        </p:style>
+      </p:cxnSp>
+      <p:cxnSp>
+        <p:nvCxnSpPr>
+          <p:cNvPr id="8" name="直線コネクタ 7">
+            <a:extLst>
+              <a:ext uri="{FF2B5EF4-FFF2-40B4-BE49-F238E27FC236}">
+                <a16:creationId xmlns:a16="http://schemas.microsoft.com/office/drawing/2014/main" id="{A8AE2100-1ABD-1E16-0161-F3444580833E}"/>
+              </a:ext>
+            </a:extLst>
+          </p:cNvPr>
+          <p:cNvCxnSpPr>
+            <a:cxnSpLocks/>
+          </p:cNvCxnSpPr>
+          <p:nvPr/>
+        </p:nvCxnSpPr>
+        <p:spPr>
+          <a:xfrm>
+            <a:off x="4397247" y="3006500"/>
+            <a:ext cx="585000" cy="0"/>
+          </a:xfrm>
+          <a:prstGeom prst="line">
+            <a:avLst/>
+          </a:prstGeom>
+          <a:ln w="57150" cap="rnd">
+            <a:solidFill>
+              <a:schemeClr val="tx1"/>
+            </a:solidFill>
+            <a:prstDash val="solid"/>
+            <a:round/>
+            <a:tailEnd type="none"/>
+          </a:ln>
+        </p:spPr>
+        <p:style>
+          <a:lnRef idx="1">
+            <a:schemeClr val="accent1"/>
+          </a:lnRef>
+          <a:fillRef idx="0">
+            <a:schemeClr val="accent1"/>
+          </a:fillRef>
+          <a:effectRef idx="0">
+            <a:schemeClr val="accent1"/>
+          </a:effectRef>
+          <a:fontRef idx="minor">
+            <a:schemeClr val="tx1"/>
+          </a:fontRef>
+        </p:style>
+      </p:cxnSp>
+      <p:cxnSp>
+        <p:nvCxnSpPr>
+          <p:cNvPr id="9" name="直線コネクタ 8">
+            <a:extLst>
+              <a:ext uri="{FF2B5EF4-FFF2-40B4-BE49-F238E27FC236}">
+                <a16:creationId xmlns:a16="http://schemas.microsoft.com/office/drawing/2014/main" id="{8E334463-E97C-637D-B989-B9111C39A8DB}"/>
+              </a:ext>
+            </a:extLst>
+          </p:cNvPr>
+          <p:cNvCxnSpPr>
+            <a:cxnSpLocks/>
+          </p:cNvCxnSpPr>
+          <p:nvPr/>
+        </p:nvCxnSpPr>
+        <p:spPr>
+          <a:xfrm flipV="1">
+            <a:off x="5027247" y="2511500"/>
+            <a:ext cx="0" cy="495000"/>
+          </a:xfrm>
+          <a:prstGeom prst="line">
+            <a:avLst/>
+          </a:prstGeom>
+          <a:ln w="57150" cap="rnd">
+            <a:solidFill>
+              <a:schemeClr val="tx1"/>
+            </a:solidFill>
+            <a:prstDash val="solid"/>
+            <a:round/>
+            <a:tailEnd type="none"/>
+          </a:ln>
+        </p:spPr>
+        <p:style>
+          <a:lnRef idx="1">
+            <a:schemeClr val="accent1"/>
+          </a:lnRef>
+          <a:fillRef idx="0">
+            <a:schemeClr val="accent1"/>
+          </a:fillRef>
+          <a:effectRef idx="0">
+            <a:schemeClr val="accent1"/>
+          </a:effectRef>
+          <a:fontRef idx="minor">
+            <a:schemeClr val="tx1"/>
+          </a:fontRef>
+        </p:style>
+      </p:cxnSp>
+      <p:cxnSp>
+        <p:nvCxnSpPr>
+          <p:cNvPr id="10" name="直線コネクタ 9">
+            <a:extLst>
+              <a:ext uri="{FF2B5EF4-FFF2-40B4-BE49-F238E27FC236}">
+                <a16:creationId xmlns:a16="http://schemas.microsoft.com/office/drawing/2014/main" id="{614F7785-C803-93D9-CBA8-3639B501187D}"/>
+              </a:ext>
+            </a:extLst>
+          </p:cNvPr>
+          <p:cNvCxnSpPr>
+            <a:cxnSpLocks/>
+          </p:cNvCxnSpPr>
+          <p:nvPr/>
+        </p:nvCxnSpPr>
+        <p:spPr>
+          <a:xfrm>
+            <a:off x="5027247" y="2523809"/>
+            <a:ext cx="2115000" cy="0"/>
+          </a:xfrm>
+          <a:prstGeom prst="line">
+            <a:avLst/>
+          </a:prstGeom>
+          <a:ln w="57150" cap="rnd">
+            <a:solidFill>
+              <a:schemeClr val="tx1"/>
+            </a:solidFill>
+            <a:prstDash val="solid"/>
+            <a:round/>
+            <a:tailEnd type="none"/>
+          </a:ln>
+        </p:spPr>
+        <p:style>
+          <a:lnRef idx="1">
+            <a:schemeClr val="accent1"/>
+          </a:lnRef>
+          <a:fillRef idx="0">
+            <a:schemeClr val="accent1"/>
+          </a:fillRef>
+          <a:effectRef idx="0">
+            <a:schemeClr val="accent1"/>
+          </a:effectRef>
+          <a:fontRef idx="minor">
+            <a:schemeClr val="tx1"/>
+          </a:fontRef>
+        </p:style>
+      </p:cxnSp>
+      <p:cxnSp>
+        <p:nvCxnSpPr>
+          <p:cNvPr id="11" name="直線コネクタ 10">
+            <a:extLst>
+              <a:ext uri="{FF2B5EF4-FFF2-40B4-BE49-F238E27FC236}">
+                <a16:creationId xmlns:a16="http://schemas.microsoft.com/office/drawing/2014/main" id="{A3B6675B-182F-05D0-4483-0903E07ABB16}"/>
+              </a:ext>
+            </a:extLst>
+          </p:cNvPr>
+          <p:cNvCxnSpPr>
+            <a:cxnSpLocks/>
+          </p:cNvCxnSpPr>
+          <p:nvPr/>
+        </p:nvCxnSpPr>
+        <p:spPr>
+          <a:xfrm>
+            <a:off x="7142247" y="3006500"/>
+            <a:ext cx="4027500" cy="18834"/>
+          </a:xfrm>
+          <a:prstGeom prst="line">
+            <a:avLst/>
+          </a:prstGeom>
+          <a:ln w="57150" cap="rnd">
+            <a:solidFill>
+              <a:schemeClr val="tx1"/>
+            </a:solidFill>
+            <a:prstDash val="solid"/>
+            <a:round/>
+            <a:tailEnd type="none"/>
+          </a:ln>
+        </p:spPr>
+        <p:style>
+          <a:lnRef idx="1">
+            <a:schemeClr val="accent1"/>
+          </a:lnRef>
+          <a:fillRef idx="0">
+            <a:schemeClr val="accent1"/>
+          </a:fillRef>
+          <a:effectRef idx="0">
+            <a:schemeClr val="accent1"/>
+          </a:effectRef>
+          <a:fontRef idx="minor">
+            <a:schemeClr val="tx1"/>
+          </a:fontRef>
+        </p:style>
+      </p:cxnSp>
+      <p:cxnSp>
+        <p:nvCxnSpPr>
+          <p:cNvPr id="13" name="直線コネクタ 12">
+            <a:extLst>
+              <a:ext uri="{FF2B5EF4-FFF2-40B4-BE49-F238E27FC236}">
+                <a16:creationId xmlns:a16="http://schemas.microsoft.com/office/drawing/2014/main" id="{7EBE29F2-2A3C-31D0-A8BC-E1A1646FD0C9}"/>
+              </a:ext>
+            </a:extLst>
+          </p:cNvPr>
+          <p:cNvCxnSpPr>
+            <a:cxnSpLocks/>
+          </p:cNvCxnSpPr>
+          <p:nvPr/>
+        </p:nvCxnSpPr>
+        <p:spPr>
+          <a:xfrm flipV="1">
+            <a:off x="7142247" y="2530334"/>
+            <a:ext cx="0" cy="495000"/>
+          </a:xfrm>
+          <a:prstGeom prst="line">
+            <a:avLst/>
+          </a:prstGeom>
+          <a:ln w="57150" cap="rnd">
+            <a:solidFill>
+              <a:schemeClr val="tx1"/>
+            </a:solidFill>
+            <a:prstDash val="solid"/>
+            <a:round/>
+            <a:tailEnd type="none"/>
+          </a:ln>
+        </p:spPr>
+        <p:style>
+          <a:lnRef idx="1">
+            <a:schemeClr val="accent1"/>
+          </a:lnRef>
+          <a:fillRef idx="0">
+            <a:schemeClr val="accent1"/>
+          </a:fillRef>
+          <a:effectRef idx="0">
+            <a:schemeClr val="accent1"/>
+          </a:effectRef>
+          <a:fontRef idx="minor">
+            <a:schemeClr val="tx1"/>
+          </a:fontRef>
+        </p:style>
+      </p:cxnSp>
+      <p:sp>
+        <p:nvSpPr>
+          <p:cNvPr id="14" name="テキスト ボックス 13">
+            <a:extLst>
+              <a:ext uri="{FF2B5EF4-FFF2-40B4-BE49-F238E27FC236}">
+                <a16:creationId xmlns:a16="http://schemas.microsoft.com/office/drawing/2014/main" id="{B85C1489-8BCE-2757-2D42-C09FDDCD7753}"/>
+              </a:ext>
+            </a:extLst>
+          </p:cNvPr>
+          <p:cNvSpPr txBox="1"/>
+          <p:nvPr/>
+        </p:nvSpPr>
+        <p:spPr>
+          <a:xfrm>
+            <a:off x="392246" y="2286500"/>
+            <a:ext cx="1889999" cy="523220"/>
+          </a:xfrm>
+          <a:prstGeom prst="rect">
+            <a:avLst/>
+          </a:prstGeom>
+          <a:noFill/>
+        </p:spPr>
+        <p:txBody>
+          <a:bodyPr wrap="square" rtlCol="0">
+            <a:spAutoFit/>
+          </a:bodyPr>
+          <a:lstStyle/>
+          <a:p>
+            <a:pPr algn="l"/>
+            <a:r>
+              <a:rPr kumimoji="1" lang="ja-JP" altLang="en-US" sz="2800" dirty="0">
+                <a:latin typeface="ＭＳ ゴシック" panose="020B0609070205080204" pitchFamily="49" charset="-128"/>
+                <a:ea typeface="ＭＳ ゴシック" panose="020B0609070205080204" pitchFamily="49" charset="-128"/>
+              </a:rPr>
+              <a:t>キー押下</a:t>
+            </a:r>
+          </a:p>
+        </p:txBody>
+      </p:sp>
+      <p:cxnSp>
+        <p:nvCxnSpPr>
+          <p:cNvPr id="15" name="直線コネクタ 14">
+            <a:extLst>
+              <a:ext uri="{FF2B5EF4-FFF2-40B4-BE49-F238E27FC236}">
+                <a16:creationId xmlns:a16="http://schemas.microsoft.com/office/drawing/2014/main" id="{C308E8F7-5121-A5C3-2219-9B518AD41FC3}"/>
+              </a:ext>
+            </a:extLst>
+          </p:cNvPr>
+          <p:cNvCxnSpPr>
+            <a:cxnSpLocks/>
+          </p:cNvCxnSpPr>
+          <p:nvPr/>
+        </p:nvCxnSpPr>
+        <p:spPr>
+          <a:xfrm>
+            <a:off x="3112800" y="6264000"/>
+            <a:ext cx="855000" cy="0"/>
+          </a:xfrm>
+          <a:prstGeom prst="line">
+            <a:avLst/>
+          </a:prstGeom>
+          <a:ln w="57150" cap="rnd">
+            <a:solidFill>
+              <a:schemeClr val="tx1"/>
+            </a:solidFill>
+            <a:round/>
+            <a:tailEnd type="none"/>
+          </a:ln>
+        </p:spPr>
+        <p:style>
+          <a:lnRef idx="1">
+            <a:schemeClr val="accent1"/>
+          </a:lnRef>
+          <a:fillRef idx="0">
+            <a:schemeClr val="accent1"/>
+          </a:fillRef>
+          <a:effectRef idx="0">
+            <a:schemeClr val="accent1"/>
+          </a:effectRef>
+          <a:fontRef idx="minor">
+            <a:schemeClr val="tx1"/>
+          </a:fontRef>
+        </p:style>
+      </p:cxnSp>
+      <p:cxnSp>
+        <p:nvCxnSpPr>
+          <p:cNvPr id="16" name="直線コネクタ 15">
+            <a:extLst>
+              <a:ext uri="{FF2B5EF4-FFF2-40B4-BE49-F238E27FC236}">
+                <a16:creationId xmlns:a16="http://schemas.microsoft.com/office/drawing/2014/main" id="{EC8022E0-D33B-F950-5059-E841BADF0362}"/>
+              </a:ext>
+            </a:extLst>
+          </p:cNvPr>
+          <p:cNvCxnSpPr>
+            <a:cxnSpLocks/>
+          </p:cNvCxnSpPr>
+          <p:nvPr/>
+        </p:nvCxnSpPr>
+        <p:spPr>
+          <a:xfrm>
+            <a:off x="4004250" y="5781309"/>
+            <a:ext cx="5903550" cy="0"/>
+          </a:xfrm>
+          <a:prstGeom prst="line">
+            <a:avLst/>
+          </a:prstGeom>
+          <a:ln w="57150" cap="rnd">
+            <a:solidFill>
+              <a:schemeClr val="tx1"/>
+            </a:solidFill>
+            <a:prstDash val="solid"/>
+            <a:round/>
+            <a:tailEnd type="none"/>
+          </a:ln>
+        </p:spPr>
+        <p:style>
+          <a:lnRef idx="1">
+            <a:schemeClr val="accent1"/>
+          </a:lnRef>
+          <a:fillRef idx="0">
+            <a:schemeClr val="accent1"/>
+          </a:fillRef>
+          <a:effectRef idx="0">
+            <a:schemeClr val="accent1"/>
+          </a:effectRef>
+          <a:fontRef idx="minor">
+            <a:schemeClr val="tx1"/>
+          </a:fontRef>
+        </p:style>
+      </p:cxnSp>
+      <p:cxnSp>
+        <p:nvCxnSpPr>
+          <p:cNvPr id="17" name="直線コネクタ 16">
+            <a:extLst>
+              <a:ext uri="{FF2B5EF4-FFF2-40B4-BE49-F238E27FC236}">
+                <a16:creationId xmlns:a16="http://schemas.microsoft.com/office/drawing/2014/main" id="{836C1D90-9A27-2E68-3588-620E2508604A}"/>
+              </a:ext>
+            </a:extLst>
+          </p:cNvPr>
+          <p:cNvCxnSpPr>
+            <a:cxnSpLocks/>
+          </p:cNvCxnSpPr>
+          <p:nvPr/>
+        </p:nvCxnSpPr>
+        <p:spPr>
+          <a:xfrm>
+            <a:off x="9907800" y="6264000"/>
+            <a:ext cx="1237500" cy="12309"/>
+          </a:xfrm>
+          <a:prstGeom prst="line">
+            <a:avLst/>
+          </a:prstGeom>
+          <a:ln w="57150" cap="rnd">
+            <a:solidFill>
+              <a:schemeClr val="tx1"/>
+            </a:solidFill>
+            <a:prstDash val="solid"/>
+            <a:round/>
+            <a:tailEnd type="none"/>
+          </a:ln>
+        </p:spPr>
+        <p:style>
+          <a:lnRef idx="1">
+            <a:schemeClr val="accent1"/>
+          </a:lnRef>
+          <a:fillRef idx="0">
+            <a:schemeClr val="accent1"/>
+          </a:fillRef>
+          <a:effectRef idx="0">
+            <a:schemeClr val="accent1"/>
+          </a:effectRef>
+          <a:fontRef idx="minor">
+            <a:schemeClr val="tx1"/>
+          </a:fontRef>
+        </p:style>
+      </p:cxnSp>
+      <p:cxnSp>
+        <p:nvCxnSpPr>
+          <p:cNvPr id="30" name="直線コネクタ 29">
+            <a:extLst>
+              <a:ext uri="{FF2B5EF4-FFF2-40B4-BE49-F238E27FC236}">
+                <a16:creationId xmlns:a16="http://schemas.microsoft.com/office/drawing/2014/main" id="{C3A158FC-0C1D-2036-9F6C-6A2260A4B374}"/>
+              </a:ext>
+            </a:extLst>
+          </p:cNvPr>
+          <p:cNvCxnSpPr/>
+          <p:nvPr/>
+        </p:nvCxnSpPr>
+        <p:spPr>
+          <a:xfrm flipV="1">
+            <a:off x="4004250" y="5753089"/>
+            <a:ext cx="0" cy="495000"/>
+          </a:xfrm>
+          <a:prstGeom prst="line">
+            <a:avLst/>
+          </a:prstGeom>
+          <a:ln w="57150" cap="rnd">
+            <a:solidFill>
+              <a:schemeClr val="tx1"/>
+            </a:solidFill>
+            <a:prstDash val="solid"/>
+            <a:round/>
+            <a:tailEnd type="none"/>
+          </a:ln>
+        </p:spPr>
+        <p:style>
+          <a:lnRef idx="1">
+            <a:schemeClr val="accent1"/>
+          </a:lnRef>
+          <a:fillRef idx="0">
+            <a:schemeClr val="accent1"/>
+          </a:fillRef>
+          <a:effectRef idx="0">
+            <a:schemeClr val="accent1"/>
+          </a:effectRef>
+          <a:fontRef idx="minor">
+            <a:schemeClr val="tx1"/>
+          </a:fontRef>
+        </p:style>
+      </p:cxnSp>
+      <p:cxnSp>
+        <p:nvCxnSpPr>
+          <p:cNvPr id="31" name="直線コネクタ 30">
+            <a:extLst>
+              <a:ext uri="{FF2B5EF4-FFF2-40B4-BE49-F238E27FC236}">
+                <a16:creationId xmlns:a16="http://schemas.microsoft.com/office/drawing/2014/main" id="{4D737DD7-2698-F673-343C-A2BCBA40620F}"/>
+              </a:ext>
+            </a:extLst>
+          </p:cNvPr>
+          <p:cNvCxnSpPr/>
+          <p:nvPr/>
+        </p:nvCxnSpPr>
+        <p:spPr>
+          <a:xfrm flipV="1">
+            <a:off x="9907800" y="5753089"/>
+            <a:ext cx="0" cy="495000"/>
+          </a:xfrm>
+          <a:prstGeom prst="line">
+            <a:avLst/>
+          </a:prstGeom>
+          <a:ln w="57150" cap="rnd">
+            <a:solidFill>
+              <a:schemeClr val="tx1"/>
+            </a:solidFill>
+            <a:prstDash val="solid"/>
+            <a:round/>
+            <a:tailEnd type="none"/>
+          </a:ln>
+        </p:spPr>
+        <p:style>
+          <a:lnRef idx="1">
+            <a:schemeClr val="accent1"/>
+          </a:lnRef>
+          <a:fillRef idx="0">
+            <a:schemeClr val="accent1"/>
+          </a:fillRef>
+          <a:effectRef idx="0">
+            <a:schemeClr val="accent1"/>
+          </a:effectRef>
+          <a:fontRef idx="minor">
+            <a:schemeClr val="tx1"/>
+          </a:fontRef>
+        </p:style>
+      </p:cxnSp>
+      <p:sp>
+        <p:nvSpPr>
+          <p:cNvPr id="32" name="テキスト ボックス 31">
+            <a:extLst>
+              <a:ext uri="{FF2B5EF4-FFF2-40B4-BE49-F238E27FC236}">
+                <a16:creationId xmlns:a16="http://schemas.microsoft.com/office/drawing/2014/main" id="{7E513FD1-2252-B5F6-9655-FEF864847908}"/>
+              </a:ext>
+            </a:extLst>
+          </p:cNvPr>
+          <p:cNvSpPr txBox="1"/>
+          <p:nvPr/>
+        </p:nvSpPr>
+        <p:spPr>
+          <a:xfrm>
+            <a:off x="369824" y="5861880"/>
+            <a:ext cx="1889999" cy="523220"/>
+          </a:xfrm>
+          <a:prstGeom prst="rect">
+            <a:avLst/>
+          </a:prstGeom>
+          <a:noFill/>
+        </p:spPr>
+        <p:txBody>
+          <a:bodyPr wrap="square" rtlCol="0">
+            <a:spAutoFit/>
+          </a:bodyPr>
+          <a:lstStyle/>
+          <a:p>
+            <a:pPr algn="l"/>
+            <a:r>
+              <a:rPr kumimoji="1" lang="en-US" altLang="ja-JP" sz="2800" dirty="0">
+                <a:latin typeface="ＭＳ ゴシック" panose="020B0609070205080204" pitchFamily="49" charset="-128"/>
+                <a:ea typeface="ＭＳ ゴシック" panose="020B0609070205080204" pitchFamily="49" charset="-128"/>
+              </a:rPr>
+              <a:t>PTT</a:t>
+            </a:r>
+            <a:r>
+              <a:rPr kumimoji="1" lang="ja-JP" altLang="en-US" sz="2800" dirty="0">
+                <a:latin typeface="ＭＳ ゴシック" panose="020B0609070205080204" pitchFamily="49" charset="-128"/>
+                <a:ea typeface="ＭＳ ゴシック" panose="020B0609070205080204" pitchFamily="49" charset="-128"/>
+              </a:rPr>
+              <a:t>　出力</a:t>
+            </a:r>
+          </a:p>
+        </p:txBody>
+      </p:sp>
+      <p:cxnSp>
+        <p:nvCxnSpPr>
+          <p:cNvPr id="33" name="直線コネクタ 32">
+            <a:extLst>
+              <a:ext uri="{FF2B5EF4-FFF2-40B4-BE49-F238E27FC236}">
+                <a16:creationId xmlns:a16="http://schemas.microsoft.com/office/drawing/2014/main" id="{FFEB79FE-1372-02EC-642C-D378B620EED3}"/>
+              </a:ext>
+            </a:extLst>
+          </p:cNvPr>
+          <p:cNvCxnSpPr>
+            <a:cxnSpLocks/>
+          </p:cNvCxnSpPr>
+          <p:nvPr/>
+        </p:nvCxnSpPr>
+        <p:spPr>
+          <a:xfrm>
+            <a:off x="3069825" y="4565165"/>
+            <a:ext cx="1957500" cy="0"/>
+          </a:xfrm>
+          <a:prstGeom prst="line">
+            <a:avLst/>
+          </a:prstGeom>
+          <a:ln w="57150" cap="rnd">
+            <a:solidFill>
+              <a:schemeClr val="tx1"/>
+            </a:solidFill>
+            <a:round/>
+            <a:tailEnd type="none"/>
+          </a:ln>
+        </p:spPr>
+        <p:style>
+          <a:lnRef idx="1">
+            <a:schemeClr val="accent1"/>
+          </a:lnRef>
+          <a:fillRef idx="0">
+            <a:schemeClr val="accent1"/>
+          </a:fillRef>
+          <a:effectRef idx="0">
+            <a:schemeClr val="accent1"/>
+          </a:effectRef>
+          <a:fontRef idx="minor">
+            <a:schemeClr val="tx1"/>
+          </a:fontRef>
+        </p:style>
+      </p:cxnSp>
+      <p:cxnSp>
+        <p:nvCxnSpPr>
+          <p:cNvPr id="34" name="直線コネクタ 33">
+            <a:extLst>
+              <a:ext uri="{FF2B5EF4-FFF2-40B4-BE49-F238E27FC236}">
+                <a16:creationId xmlns:a16="http://schemas.microsoft.com/office/drawing/2014/main" id="{A2224ED4-0744-8DB8-FB7E-FA3E19ECD8BA}"/>
+              </a:ext>
+            </a:extLst>
+          </p:cNvPr>
+          <p:cNvCxnSpPr/>
+          <p:nvPr/>
+        </p:nvCxnSpPr>
+        <p:spPr>
+          <a:xfrm flipV="1">
+            <a:off x="5072325" y="4070165"/>
+            <a:ext cx="0" cy="495000"/>
+          </a:xfrm>
+          <a:prstGeom prst="line">
+            <a:avLst/>
+          </a:prstGeom>
+          <a:ln w="57150" cap="rnd">
+            <a:solidFill>
+              <a:schemeClr val="tx1"/>
+            </a:solidFill>
+            <a:prstDash val="solid"/>
+            <a:round/>
+            <a:tailEnd type="none"/>
+          </a:ln>
+        </p:spPr>
+        <p:style>
+          <a:lnRef idx="1">
+            <a:schemeClr val="accent1"/>
+          </a:lnRef>
+          <a:fillRef idx="0">
+            <a:schemeClr val="accent1"/>
+          </a:fillRef>
+          <a:effectRef idx="0">
+            <a:schemeClr val="accent1"/>
+          </a:effectRef>
+          <a:fontRef idx="minor">
+            <a:schemeClr val="tx1"/>
+          </a:fontRef>
+        </p:style>
+      </p:cxnSp>
+      <p:cxnSp>
+        <p:nvCxnSpPr>
+          <p:cNvPr id="35" name="直線コネクタ 34">
+            <a:extLst>
+              <a:ext uri="{FF2B5EF4-FFF2-40B4-BE49-F238E27FC236}">
+                <a16:creationId xmlns:a16="http://schemas.microsoft.com/office/drawing/2014/main" id="{029EBBBA-46BA-AF6E-19EF-592208E5B616}"/>
+              </a:ext>
+            </a:extLst>
+          </p:cNvPr>
+          <p:cNvCxnSpPr>
+            <a:cxnSpLocks/>
+          </p:cNvCxnSpPr>
+          <p:nvPr/>
+        </p:nvCxnSpPr>
+        <p:spPr>
+          <a:xfrm>
+            <a:off x="5117325" y="4070165"/>
+            <a:ext cx="585000" cy="0"/>
+          </a:xfrm>
+          <a:prstGeom prst="line">
+            <a:avLst/>
+          </a:prstGeom>
+          <a:ln w="57150" cap="rnd">
+            <a:solidFill>
+              <a:schemeClr val="tx1"/>
+            </a:solidFill>
+            <a:prstDash val="solid"/>
+            <a:round/>
+            <a:tailEnd type="none"/>
+          </a:ln>
+        </p:spPr>
+        <p:style>
+          <a:lnRef idx="1">
+            <a:schemeClr val="accent1"/>
+          </a:lnRef>
+          <a:fillRef idx="0">
+            <a:schemeClr val="accent1"/>
+          </a:fillRef>
+          <a:effectRef idx="0">
+            <a:schemeClr val="accent1"/>
+          </a:effectRef>
+          <a:fontRef idx="minor">
+            <a:schemeClr val="tx1"/>
+          </a:fontRef>
+        </p:style>
+      </p:cxnSp>
+      <p:cxnSp>
+        <p:nvCxnSpPr>
+          <p:cNvPr id="36" name="直線コネクタ 35">
+            <a:extLst>
+              <a:ext uri="{FF2B5EF4-FFF2-40B4-BE49-F238E27FC236}">
+                <a16:creationId xmlns:a16="http://schemas.microsoft.com/office/drawing/2014/main" id="{CD6D2189-E237-BBAA-4803-4A0783658E53}"/>
+              </a:ext>
+            </a:extLst>
+          </p:cNvPr>
+          <p:cNvCxnSpPr>
+            <a:cxnSpLocks/>
+          </p:cNvCxnSpPr>
+          <p:nvPr/>
+        </p:nvCxnSpPr>
+        <p:spPr>
+          <a:xfrm>
+            <a:off x="5747325" y="4070165"/>
+            <a:ext cx="0" cy="495000"/>
+          </a:xfrm>
+          <a:prstGeom prst="line">
+            <a:avLst/>
+          </a:prstGeom>
+          <a:ln w="57150" cap="rnd">
+            <a:solidFill>
+              <a:schemeClr val="tx1"/>
+            </a:solidFill>
+            <a:prstDash val="solid"/>
+            <a:round/>
+            <a:tailEnd type="none"/>
+          </a:ln>
+        </p:spPr>
+        <p:style>
+          <a:lnRef idx="1">
+            <a:schemeClr val="accent1"/>
+          </a:lnRef>
+          <a:fillRef idx="0">
+            <a:schemeClr val="accent1"/>
+          </a:fillRef>
+          <a:effectRef idx="0">
+            <a:schemeClr val="accent1"/>
+          </a:effectRef>
+          <a:fontRef idx="minor">
+            <a:schemeClr val="tx1"/>
+          </a:fontRef>
+        </p:style>
+      </p:cxnSp>
+      <p:cxnSp>
+        <p:nvCxnSpPr>
+          <p:cNvPr id="37" name="直線コネクタ 36">
+            <a:extLst>
+              <a:ext uri="{FF2B5EF4-FFF2-40B4-BE49-F238E27FC236}">
+                <a16:creationId xmlns:a16="http://schemas.microsoft.com/office/drawing/2014/main" id="{6AD4C2D4-56DA-F5B1-6591-FA552FD74EEE}"/>
+              </a:ext>
+            </a:extLst>
+          </p:cNvPr>
+          <p:cNvCxnSpPr>
+            <a:cxnSpLocks/>
+          </p:cNvCxnSpPr>
+          <p:nvPr/>
+        </p:nvCxnSpPr>
+        <p:spPr>
+          <a:xfrm>
+            <a:off x="5747325" y="4565165"/>
+            <a:ext cx="585000" cy="0"/>
+          </a:xfrm>
+          <a:prstGeom prst="line">
+            <a:avLst/>
+          </a:prstGeom>
+          <a:ln w="57150" cap="rnd">
+            <a:solidFill>
+              <a:schemeClr val="tx1"/>
+            </a:solidFill>
+            <a:prstDash val="solid"/>
+            <a:round/>
+            <a:tailEnd type="none"/>
+          </a:ln>
+        </p:spPr>
+        <p:style>
+          <a:lnRef idx="1">
+            <a:schemeClr val="accent1"/>
+          </a:lnRef>
+          <a:fillRef idx="0">
+            <a:schemeClr val="accent1"/>
+          </a:fillRef>
+          <a:effectRef idx="0">
+            <a:schemeClr val="accent1"/>
+          </a:effectRef>
+          <a:fontRef idx="minor">
+            <a:schemeClr val="tx1"/>
+          </a:fontRef>
+        </p:style>
+      </p:cxnSp>
+      <p:cxnSp>
+        <p:nvCxnSpPr>
+          <p:cNvPr id="38" name="直線コネクタ 37">
+            <a:extLst>
+              <a:ext uri="{FF2B5EF4-FFF2-40B4-BE49-F238E27FC236}">
+                <a16:creationId xmlns:a16="http://schemas.microsoft.com/office/drawing/2014/main" id="{18CEE6F9-0868-2015-D0BE-63AFA37DD0C0}"/>
+              </a:ext>
+            </a:extLst>
+          </p:cNvPr>
+          <p:cNvCxnSpPr>
+            <a:cxnSpLocks/>
+          </p:cNvCxnSpPr>
+          <p:nvPr/>
+        </p:nvCxnSpPr>
+        <p:spPr>
+          <a:xfrm flipV="1">
+            <a:off x="6377325" y="4070165"/>
+            <a:ext cx="0" cy="495000"/>
+          </a:xfrm>
+          <a:prstGeom prst="line">
+            <a:avLst/>
+          </a:prstGeom>
+          <a:ln w="57150" cap="rnd">
+            <a:solidFill>
+              <a:schemeClr val="tx1"/>
+            </a:solidFill>
+            <a:prstDash val="solid"/>
+            <a:round/>
+            <a:tailEnd type="none"/>
+          </a:ln>
+        </p:spPr>
+        <p:style>
+          <a:lnRef idx="1">
+            <a:schemeClr val="accent1"/>
+          </a:lnRef>
+          <a:fillRef idx="0">
+            <a:schemeClr val="accent1"/>
+          </a:fillRef>
+          <a:effectRef idx="0">
+            <a:schemeClr val="accent1"/>
+          </a:effectRef>
+          <a:fontRef idx="minor">
+            <a:schemeClr val="tx1"/>
+          </a:fontRef>
+        </p:style>
+      </p:cxnSp>
+      <p:cxnSp>
+        <p:nvCxnSpPr>
+          <p:cNvPr id="39" name="直線コネクタ 38">
+            <a:extLst>
+              <a:ext uri="{FF2B5EF4-FFF2-40B4-BE49-F238E27FC236}">
+                <a16:creationId xmlns:a16="http://schemas.microsoft.com/office/drawing/2014/main" id="{29D83AAF-A463-EDF1-D425-487AB92DD544}"/>
+              </a:ext>
+            </a:extLst>
+          </p:cNvPr>
+          <p:cNvCxnSpPr>
+            <a:cxnSpLocks/>
+          </p:cNvCxnSpPr>
+          <p:nvPr/>
+        </p:nvCxnSpPr>
+        <p:spPr>
+          <a:xfrm>
+            <a:off x="6377325" y="4082474"/>
+            <a:ext cx="2115000" cy="0"/>
+          </a:xfrm>
+          <a:prstGeom prst="line">
+            <a:avLst/>
+          </a:prstGeom>
+          <a:ln w="57150" cap="rnd">
+            <a:solidFill>
+              <a:schemeClr val="tx1"/>
+            </a:solidFill>
+            <a:prstDash val="solid"/>
+            <a:round/>
+            <a:tailEnd type="none"/>
+          </a:ln>
+        </p:spPr>
+        <p:style>
+          <a:lnRef idx="1">
+            <a:schemeClr val="accent1"/>
+          </a:lnRef>
+          <a:fillRef idx="0">
+            <a:schemeClr val="accent1"/>
+          </a:fillRef>
+          <a:effectRef idx="0">
+            <a:schemeClr val="accent1"/>
+          </a:effectRef>
+          <a:fontRef idx="minor">
+            <a:schemeClr val="tx1"/>
+          </a:fontRef>
+        </p:style>
+      </p:cxnSp>
+      <p:cxnSp>
+        <p:nvCxnSpPr>
+          <p:cNvPr id="40" name="直線コネクタ 39">
+            <a:extLst>
+              <a:ext uri="{FF2B5EF4-FFF2-40B4-BE49-F238E27FC236}">
+                <a16:creationId xmlns:a16="http://schemas.microsoft.com/office/drawing/2014/main" id="{85F928F5-AC53-70D3-3BB0-31F98A898793}"/>
+              </a:ext>
+            </a:extLst>
+          </p:cNvPr>
+          <p:cNvCxnSpPr>
+            <a:cxnSpLocks/>
+          </p:cNvCxnSpPr>
+          <p:nvPr/>
+        </p:nvCxnSpPr>
+        <p:spPr>
+          <a:xfrm>
+            <a:off x="8492325" y="4565165"/>
+            <a:ext cx="2655000" cy="0"/>
+          </a:xfrm>
+          <a:prstGeom prst="line">
+            <a:avLst/>
+          </a:prstGeom>
+          <a:ln w="57150" cap="rnd">
+            <a:solidFill>
+              <a:schemeClr val="tx1"/>
+            </a:solidFill>
+            <a:prstDash val="solid"/>
+            <a:round/>
+            <a:tailEnd type="none"/>
+          </a:ln>
+        </p:spPr>
+        <p:style>
+          <a:lnRef idx="1">
+            <a:schemeClr val="accent1"/>
+          </a:lnRef>
+          <a:fillRef idx="0">
+            <a:schemeClr val="accent1"/>
+          </a:fillRef>
+          <a:effectRef idx="0">
+            <a:schemeClr val="accent1"/>
+          </a:effectRef>
+          <a:fontRef idx="minor">
+            <a:schemeClr val="tx1"/>
+          </a:fontRef>
+        </p:style>
+      </p:cxnSp>
+      <p:cxnSp>
+        <p:nvCxnSpPr>
+          <p:cNvPr id="41" name="直線コネクタ 40">
+            <a:extLst>
+              <a:ext uri="{FF2B5EF4-FFF2-40B4-BE49-F238E27FC236}">
+                <a16:creationId xmlns:a16="http://schemas.microsoft.com/office/drawing/2014/main" id="{FE4A314C-EA3D-4967-4EB3-643BDE0554F4}"/>
+              </a:ext>
+            </a:extLst>
+          </p:cNvPr>
+          <p:cNvCxnSpPr>
+            <a:cxnSpLocks/>
+          </p:cNvCxnSpPr>
+          <p:nvPr/>
+        </p:nvCxnSpPr>
+        <p:spPr>
+          <a:xfrm flipV="1">
+            <a:off x="8492325" y="4088999"/>
+            <a:ext cx="0" cy="495000"/>
+          </a:xfrm>
+          <a:prstGeom prst="line">
+            <a:avLst/>
+          </a:prstGeom>
+          <a:ln w="57150" cap="rnd">
+            <a:solidFill>
+              <a:schemeClr val="tx1"/>
+            </a:solidFill>
+            <a:prstDash val="solid"/>
+            <a:round/>
+            <a:tailEnd type="none"/>
+          </a:ln>
+        </p:spPr>
+        <p:style>
+          <a:lnRef idx="1">
+            <a:schemeClr val="accent1"/>
+          </a:lnRef>
+          <a:fillRef idx="0">
+            <a:schemeClr val="accent1"/>
+          </a:fillRef>
+          <a:effectRef idx="0">
+            <a:schemeClr val="accent1"/>
+          </a:effectRef>
+          <a:fontRef idx="minor">
+            <a:schemeClr val="tx1"/>
+          </a:fontRef>
+        </p:style>
+      </p:cxnSp>
+      <p:cxnSp>
+        <p:nvCxnSpPr>
+          <p:cNvPr id="48" name="直線矢印コネクタ 47">
+            <a:extLst>
+              <a:ext uri="{FF2B5EF4-FFF2-40B4-BE49-F238E27FC236}">
+                <a16:creationId xmlns:a16="http://schemas.microsoft.com/office/drawing/2014/main" id="{40A1CE38-62D2-B5C3-EBA2-7F6424965FE6}"/>
+              </a:ext>
+            </a:extLst>
+          </p:cNvPr>
+          <p:cNvCxnSpPr>
+            <a:cxnSpLocks/>
+          </p:cNvCxnSpPr>
+          <p:nvPr/>
+        </p:nvCxnSpPr>
+        <p:spPr>
+          <a:xfrm>
+            <a:off x="3733493" y="3025334"/>
+            <a:ext cx="297715" cy="2836546"/>
+          </a:xfrm>
+          <a:prstGeom prst="straightConnector1">
+            <a:avLst/>
+          </a:prstGeom>
+          <a:ln w="57150">
+            <a:solidFill>
+              <a:srgbClr val="FF0000"/>
+            </a:solidFill>
+            <a:tailEnd type="triangle"/>
+          </a:ln>
+        </p:spPr>
+        <p:style>
+          <a:lnRef idx="1">
+            <a:schemeClr val="accent1"/>
+          </a:lnRef>
+          <a:fillRef idx="0">
+            <a:schemeClr val="accent1"/>
+          </a:fillRef>
+          <a:effectRef idx="0">
+            <a:schemeClr val="accent1"/>
+          </a:effectRef>
+          <a:fontRef idx="minor">
+            <a:schemeClr val="tx1"/>
+          </a:fontRef>
+        </p:style>
+      </p:cxnSp>
+      <p:cxnSp>
+        <p:nvCxnSpPr>
+          <p:cNvPr id="50" name="直線矢印コネクタ 49">
+            <a:extLst>
+              <a:ext uri="{FF2B5EF4-FFF2-40B4-BE49-F238E27FC236}">
+                <a16:creationId xmlns:a16="http://schemas.microsoft.com/office/drawing/2014/main" id="{6A0BB206-91E2-1B6E-A924-A01849A6B45D}"/>
+              </a:ext>
+            </a:extLst>
+          </p:cNvPr>
+          <p:cNvCxnSpPr>
+            <a:cxnSpLocks/>
+          </p:cNvCxnSpPr>
+          <p:nvPr/>
+        </p:nvCxnSpPr>
+        <p:spPr>
+          <a:xfrm flipV="1">
+            <a:off x="3733493" y="919259"/>
+            <a:ext cx="297715" cy="1804912"/>
+          </a:xfrm>
+          <a:prstGeom prst="straightConnector1">
+            <a:avLst/>
+          </a:prstGeom>
+          <a:ln w="57150">
+            <a:solidFill>
+              <a:srgbClr val="FF0000"/>
+            </a:solidFill>
+            <a:tailEnd type="triangle"/>
+          </a:ln>
+        </p:spPr>
+        <p:style>
+          <a:lnRef idx="1">
+            <a:schemeClr val="accent1"/>
+          </a:lnRef>
+          <a:fillRef idx="0">
+            <a:schemeClr val="accent1"/>
+          </a:fillRef>
+          <a:effectRef idx="0">
+            <a:schemeClr val="accent1"/>
+          </a:effectRef>
+          <a:fontRef idx="minor">
+            <a:schemeClr val="tx1"/>
+          </a:fontRef>
+        </p:style>
+      </p:cxnSp>
+      <p:cxnSp>
+        <p:nvCxnSpPr>
+          <p:cNvPr id="53" name="直線矢印コネクタ 52">
+            <a:extLst>
+              <a:ext uri="{FF2B5EF4-FFF2-40B4-BE49-F238E27FC236}">
+                <a16:creationId xmlns:a16="http://schemas.microsoft.com/office/drawing/2014/main" id="{08260C68-4260-B1DD-2C7D-6E1080FB25BA}"/>
+              </a:ext>
+            </a:extLst>
+          </p:cNvPr>
+          <p:cNvCxnSpPr>
+            <a:cxnSpLocks/>
+          </p:cNvCxnSpPr>
+          <p:nvPr/>
+        </p:nvCxnSpPr>
+        <p:spPr>
+          <a:xfrm flipV="1">
+            <a:off x="4396793" y="943502"/>
+            <a:ext cx="299087" cy="1754142"/>
+          </a:xfrm>
+          <a:prstGeom prst="straightConnector1">
+            <a:avLst/>
+          </a:prstGeom>
+          <a:ln w="57150">
+            <a:solidFill>
+              <a:srgbClr val="FF0000"/>
+            </a:solidFill>
+            <a:tailEnd type="triangle"/>
+          </a:ln>
+        </p:spPr>
+        <p:style>
+          <a:lnRef idx="1">
+            <a:schemeClr val="accent1"/>
+          </a:lnRef>
+          <a:fillRef idx="0">
+            <a:schemeClr val="accent1"/>
+          </a:fillRef>
+          <a:effectRef idx="0">
+            <a:schemeClr val="accent1"/>
+          </a:effectRef>
+          <a:fontRef idx="minor">
+            <a:schemeClr val="tx1"/>
+          </a:fontRef>
+        </p:style>
+      </p:cxnSp>
+      <p:cxnSp>
+        <p:nvCxnSpPr>
+          <p:cNvPr id="57" name="直線矢印コネクタ 56">
+            <a:extLst>
+              <a:ext uri="{FF2B5EF4-FFF2-40B4-BE49-F238E27FC236}">
+                <a16:creationId xmlns:a16="http://schemas.microsoft.com/office/drawing/2014/main" id="{6FED874D-7D05-E60C-AD36-3D272C22D2AB}"/>
+              </a:ext>
+            </a:extLst>
+          </p:cNvPr>
+          <p:cNvCxnSpPr>
+            <a:cxnSpLocks/>
+          </p:cNvCxnSpPr>
+          <p:nvPr/>
+        </p:nvCxnSpPr>
+        <p:spPr>
+          <a:xfrm flipV="1">
+            <a:off x="5061825" y="977454"/>
+            <a:ext cx="251789" cy="1735402"/>
+          </a:xfrm>
+          <a:prstGeom prst="straightConnector1">
+            <a:avLst/>
+          </a:prstGeom>
+          <a:ln w="57150">
+            <a:solidFill>
+              <a:srgbClr val="FF0000"/>
+            </a:solidFill>
+            <a:tailEnd type="triangle"/>
+          </a:ln>
+        </p:spPr>
+        <p:style>
+          <a:lnRef idx="1">
+            <a:schemeClr val="accent1"/>
+          </a:lnRef>
+          <a:fillRef idx="0">
+            <a:schemeClr val="accent1"/>
+          </a:fillRef>
+          <a:effectRef idx="0">
+            <a:schemeClr val="accent1"/>
+          </a:effectRef>
+          <a:fontRef idx="minor">
+            <a:schemeClr val="tx1"/>
+          </a:fontRef>
+        </p:style>
+      </p:cxnSp>
+      <p:cxnSp>
+        <p:nvCxnSpPr>
+          <p:cNvPr id="58" name="直線矢印コネクタ 57">
+            <a:extLst>
+              <a:ext uri="{FF2B5EF4-FFF2-40B4-BE49-F238E27FC236}">
+                <a16:creationId xmlns:a16="http://schemas.microsoft.com/office/drawing/2014/main" id="{1F74F38E-EF13-736E-3162-0D832D487B11}"/>
+              </a:ext>
+            </a:extLst>
+          </p:cNvPr>
+          <p:cNvCxnSpPr>
+            <a:cxnSpLocks/>
+          </p:cNvCxnSpPr>
+          <p:nvPr/>
+        </p:nvCxnSpPr>
+        <p:spPr>
+          <a:xfrm flipV="1">
+            <a:off x="7142246" y="977454"/>
+            <a:ext cx="267079" cy="1720190"/>
+          </a:xfrm>
+          <a:prstGeom prst="straightConnector1">
+            <a:avLst/>
+          </a:prstGeom>
+          <a:ln w="57150">
+            <a:solidFill>
+              <a:srgbClr val="FF0000"/>
+            </a:solidFill>
+            <a:tailEnd type="triangle"/>
+          </a:ln>
+        </p:spPr>
+        <p:style>
+          <a:lnRef idx="1">
+            <a:schemeClr val="accent1"/>
+          </a:lnRef>
+          <a:fillRef idx="0">
+            <a:schemeClr val="accent1"/>
+          </a:fillRef>
+          <a:effectRef idx="0">
+            <a:schemeClr val="accent1"/>
+          </a:effectRef>
+          <a:fontRef idx="minor">
+            <a:schemeClr val="tx1"/>
+          </a:fontRef>
+        </p:style>
+      </p:cxnSp>
+      <p:cxnSp>
+        <p:nvCxnSpPr>
+          <p:cNvPr id="60" name="直線矢印コネクタ 59">
+            <a:extLst>
+              <a:ext uri="{FF2B5EF4-FFF2-40B4-BE49-F238E27FC236}">
+                <a16:creationId xmlns:a16="http://schemas.microsoft.com/office/drawing/2014/main" id="{1209B604-A908-B5D4-FC45-A6B4A7604ABC}"/>
+              </a:ext>
+            </a:extLst>
+          </p:cNvPr>
+          <p:cNvCxnSpPr>
+            <a:cxnSpLocks/>
+          </p:cNvCxnSpPr>
+          <p:nvPr/>
+        </p:nvCxnSpPr>
+        <p:spPr>
+          <a:xfrm>
+            <a:off x="8537326" y="4565165"/>
+            <a:ext cx="1370474" cy="1187924"/>
+          </a:xfrm>
+          <a:prstGeom prst="straightConnector1">
+            <a:avLst/>
+          </a:prstGeom>
+          <a:ln w="57150">
+            <a:tailEnd type="triangle"/>
+          </a:ln>
+        </p:spPr>
+        <p:style>
+          <a:lnRef idx="1">
+            <a:schemeClr val="accent1"/>
+          </a:lnRef>
+          <a:fillRef idx="0">
+            <a:schemeClr val="accent1"/>
+          </a:fillRef>
+          <a:effectRef idx="0">
+            <a:schemeClr val="accent1"/>
+          </a:effectRef>
+          <a:fontRef idx="minor">
+            <a:schemeClr val="tx1"/>
+          </a:fontRef>
+        </p:style>
+      </p:cxnSp>
+      <p:sp>
+        <p:nvSpPr>
+          <p:cNvPr id="61" name="テキスト ボックス 60">
+            <a:extLst>
+              <a:ext uri="{FF2B5EF4-FFF2-40B4-BE49-F238E27FC236}">
+                <a16:creationId xmlns:a16="http://schemas.microsoft.com/office/drawing/2014/main" id="{A04D9DB6-DCEA-6792-E0A9-9DB430DD9BB9}"/>
+              </a:ext>
+            </a:extLst>
+          </p:cNvPr>
+          <p:cNvSpPr txBox="1"/>
+          <p:nvPr/>
+        </p:nvSpPr>
+        <p:spPr>
+          <a:xfrm>
+            <a:off x="369824" y="4027470"/>
+            <a:ext cx="1889999" cy="523220"/>
+          </a:xfrm>
+          <a:prstGeom prst="rect">
+            <a:avLst/>
+          </a:prstGeom>
+          <a:noFill/>
+        </p:spPr>
+        <p:txBody>
+          <a:bodyPr wrap="square" rtlCol="0">
+            <a:spAutoFit/>
+          </a:bodyPr>
+          <a:lstStyle/>
+          <a:p>
+            <a:pPr algn="l"/>
+            <a:r>
+              <a:rPr kumimoji="1" lang="en-US" altLang="ja-JP" sz="2800" dirty="0">
+                <a:latin typeface="ＭＳ ゴシック" panose="020B0609070205080204" pitchFamily="49" charset="-128"/>
+                <a:ea typeface="ＭＳ ゴシック" panose="020B0609070205080204" pitchFamily="49" charset="-128"/>
+              </a:rPr>
+              <a:t>MIC</a:t>
+            </a:r>
+            <a:r>
+              <a:rPr kumimoji="1" lang="ja-JP" altLang="en-US" sz="2800" dirty="0">
+                <a:latin typeface="ＭＳ ゴシック" panose="020B0609070205080204" pitchFamily="49" charset="-128"/>
+                <a:ea typeface="ＭＳ ゴシック" panose="020B0609070205080204" pitchFamily="49" charset="-128"/>
+              </a:rPr>
+              <a:t>　出力</a:t>
+            </a:r>
+          </a:p>
+        </p:txBody>
+      </p:sp>
+      <p:cxnSp>
+        <p:nvCxnSpPr>
+          <p:cNvPr id="62" name="直線コネクタ 61">
+            <a:extLst>
+              <a:ext uri="{FF2B5EF4-FFF2-40B4-BE49-F238E27FC236}">
+                <a16:creationId xmlns:a16="http://schemas.microsoft.com/office/drawing/2014/main" id="{74B6DF52-C4E6-2E4B-A68D-C763DEE3F603}"/>
+              </a:ext>
+            </a:extLst>
+          </p:cNvPr>
+          <p:cNvCxnSpPr>
+            <a:cxnSpLocks/>
+          </p:cNvCxnSpPr>
+          <p:nvPr/>
+        </p:nvCxnSpPr>
+        <p:spPr>
+          <a:xfrm>
+            <a:off x="3069825" y="847660"/>
+            <a:ext cx="919500" cy="0"/>
+          </a:xfrm>
+          <a:prstGeom prst="line">
+            <a:avLst/>
+          </a:prstGeom>
+          <a:ln w="57150" cap="rnd">
+            <a:solidFill>
+              <a:schemeClr val="tx1"/>
+            </a:solidFill>
+            <a:round/>
+            <a:tailEnd type="none"/>
+          </a:ln>
+        </p:spPr>
+        <p:style>
+          <a:lnRef idx="1">
+            <a:schemeClr val="accent1"/>
+          </a:lnRef>
+          <a:fillRef idx="0">
+            <a:schemeClr val="accent1"/>
+          </a:fillRef>
+          <a:effectRef idx="0">
+            <a:schemeClr val="accent1"/>
+          </a:effectRef>
+          <a:fontRef idx="minor">
+            <a:schemeClr val="tx1"/>
+          </a:fontRef>
+        </p:style>
+      </p:cxnSp>
+      <p:cxnSp>
+        <p:nvCxnSpPr>
+          <p:cNvPr id="63" name="直線コネクタ 62">
+            <a:extLst>
+              <a:ext uri="{FF2B5EF4-FFF2-40B4-BE49-F238E27FC236}">
+                <a16:creationId xmlns:a16="http://schemas.microsoft.com/office/drawing/2014/main" id="{EB7CFF8D-80A5-9C0E-943E-7E7565E24EF4}"/>
+              </a:ext>
+            </a:extLst>
+          </p:cNvPr>
+          <p:cNvCxnSpPr/>
+          <p:nvPr/>
+        </p:nvCxnSpPr>
+        <p:spPr>
+          <a:xfrm flipV="1">
+            <a:off x="3989325" y="349449"/>
+            <a:ext cx="0" cy="495000"/>
+          </a:xfrm>
+          <a:prstGeom prst="line">
+            <a:avLst/>
+          </a:prstGeom>
+          <a:ln w="57150" cap="rnd">
+            <a:solidFill>
+              <a:schemeClr val="tx1"/>
+            </a:solidFill>
+            <a:prstDash val="solid"/>
+            <a:round/>
+            <a:tailEnd type="none"/>
+          </a:ln>
+        </p:spPr>
+        <p:style>
+          <a:lnRef idx="1">
+            <a:schemeClr val="accent1"/>
+          </a:lnRef>
+          <a:fillRef idx="0">
+            <a:schemeClr val="accent1"/>
+          </a:fillRef>
+          <a:effectRef idx="0">
+            <a:schemeClr val="accent1"/>
+          </a:effectRef>
+          <a:fontRef idx="minor">
+            <a:schemeClr val="tx1"/>
+          </a:fontRef>
+        </p:style>
+      </p:cxnSp>
+      <p:cxnSp>
+        <p:nvCxnSpPr>
+          <p:cNvPr id="64" name="直線コネクタ 63">
+            <a:extLst>
+              <a:ext uri="{FF2B5EF4-FFF2-40B4-BE49-F238E27FC236}">
+                <a16:creationId xmlns:a16="http://schemas.microsoft.com/office/drawing/2014/main" id="{EEB9116D-CB89-B16E-C855-82ADE33EAEE8}"/>
+              </a:ext>
+            </a:extLst>
+          </p:cNvPr>
+          <p:cNvCxnSpPr>
+            <a:cxnSpLocks/>
+          </p:cNvCxnSpPr>
+          <p:nvPr/>
+        </p:nvCxnSpPr>
+        <p:spPr>
+          <a:xfrm>
+            <a:off x="4034325" y="349449"/>
+            <a:ext cx="585000" cy="0"/>
+          </a:xfrm>
+          <a:prstGeom prst="line">
+            <a:avLst/>
+          </a:prstGeom>
+          <a:ln w="57150" cap="rnd">
+            <a:solidFill>
+              <a:schemeClr val="tx1"/>
+            </a:solidFill>
+            <a:prstDash val="solid"/>
+            <a:round/>
+            <a:tailEnd type="none"/>
+          </a:ln>
+        </p:spPr>
+        <p:style>
+          <a:lnRef idx="1">
+            <a:schemeClr val="accent1"/>
+          </a:lnRef>
+          <a:fillRef idx="0">
+            <a:schemeClr val="accent1"/>
+          </a:fillRef>
+          <a:effectRef idx="0">
+            <a:schemeClr val="accent1"/>
+          </a:effectRef>
+          <a:fontRef idx="minor">
+            <a:schemeClr val="tx1"/>
+          </a:fontRef>
+        </p:style>
+      </p:cxnSp>
+      <p:cxnSp>
+        <p:nvCxnSpPr>
+          <p:cNvPr id="65" name="直線コネクタ 64">
+            <a:extLst>
+              <a:ext uri="{FF2B5EF4-FFF2-40B4-BE49-F238E27FC236}">
+                <a16:creationId xmlns:a16="http://schemas.microsoft.com/office/drawing/2014/main" id="{AF2F9200-17C6-47C3-6427-ABFD3BB46687}"/>
+              </a:ext>
+            </a:extLst>
+          </p:cNvPr>
+          <p:cNvCxnSpPr>
+            <a:cxnSpLocks/>
+          </p:cNvCxnSpPr>
+          <p:nvPr/>
+        </p:nvCxnSpPr>
+        <p:spPr>
+          <a:xfrm>
+            <a:off x="4664325" y="349449"/>
+            <a:ext cx="0" cy="495000"/>
+          </a:xfrm>
+          <a:prstGeom prst="line">
+            <a:avLst/>
+          </a:prstGeom>
+          <a:ln w="57150" cap="rnd">
+            <a:solidFill>
+              <a:schemeClr val="tx1"/>
+            </a:solidFill>
+            <a:prstDash val="solid"/>
+            <a:round/>
+            <a:tailEnd type="none"/>
+          </a:ln>
+        </p:spPr>
+        <p:style>
+          <a:lnRef idx="1">
+            <a:schemeClr val="accent1"/>
+          </a:lnRef>
+          <a:fillRef idx="0">
+            <a:schemeClr val="accent1"/>
+          </a:fillRef>
+          <a:effectRef idx="0">
+            <a:schemeClr val="accent1"/>
+          </a:effectRef>
+          <a:fontRef idx="minor">
+            <a:schemeClr val="tx1"/>
+          </a:fontRef>
+        </p:style>
+      </p:cxnSp>
+      <p:cxnSp>
+        <p:nvCxnSpPr>
+          <p:cNvPr id="66" name="直線コネクタ 65">
+            <a:extLst>
+              <a:ext uri="{FF2B5EF4-FFF2-40B4-BE49-F238E27FC236}">
+                <a16:creationId xmlns:a16="http://schemas.microsoft.com/office/drawing/2014/main" id="{478E3E01-965F-5160-CB3C-198F4EF69A21}"/>
+              </a:ext>
+            </a:extLst>
+          </p:cNvPr>
+          <p:cNvCxnSpPr>
+            <a:cxnSpLocks/>
+          </p:cNvCxnSpPr>
+          <p:nvPr/>
+        </p:nvCxnSpPr>
+        <p:spPr>
+          <a:xfrm>
+            <a:off x="4664325" y="844449"/>
+            <a:ext cx="585000" cy="0"/>
+          </a:xfrm>
+          <a:prstGeom prst="line">
+            <a:avLst/>
+          </a:prstGeom>
+          <a:ln w="57150" cap="rnd">
+            <a:solidFill>
+              <a:schemeClr val="tx1"/>
+            </a:solidFill>
+            <a:prstDash val="solid"/>
+            <a:round/>
+            <a:tailEnd type="none"/>
+          </a:ln>
+        </p:spPr>
+        <p:style>
+          <a:lnRef idx="1">
+            <a:schemeClr val="accent1"/>
+          </a:lnRef>
+          <a:fillRef idx="0">
+            <a:schemeClr val="accent1"/>
+          </a:fillRef>
+          <a:effectRef idx="0">
+            <a:schemeClr val="accent1"/>
+          </a:effectRef>
+          <a:fontRef idx="minor">
+            <a:schemeClr val="tx1"/>
+          </a:fontRef>
+        </p:style>
+      </p:cxnSp>
+      <p:cxnSp>
+        <p:nvCxnSpPr>
+          <p:cNvPr id="67" name="直線コネクタ 66">
+            <a:extLst>
+              <a:ext uri="{FF2B5EF4-FFF2-40B4-BE49-F238E27FC236}">
+                <a16:creationId xmlns:a16="http://schemas.microsoft.com/office/drawing/2014/main" id="{442673B5-4CA9-16FA-24CD-9AC5FE8B7A60}"/>
+              </a:ext>
+            </a:extLst>
+          </p:cNvPr>
+          <p:cNvCxnSpPr>
+            <a:cxnSpLocks/>
+          </p:cNvCxnSpPr>
+          <p:nvPr/>
+        </p:nvCxnSpPr>
+        <p:spPr>
+          <a:xfrm flipV="1">
+            <a:off x="5294325" y="349449"/>
+            <a:ext cx="0" cy="495000"/>
+          </a:xfrm>
+          <a:prstGeom prst="line">
+            <a:avLst/>
+          </a:prstGeom>
+          <a:ln w="57150" cap="rnd">
+            <a:solidFill>
+              <a:schemeClr val="tx1"/>
+            </a:solidFill>
+            <a:prstDash val="solid"/>
+            <a:round/>
+            <a:tailEnd type="none"/>
+          </a:ln>
+        </p:spPr>
+        <p:style>
+          <a:lnRef idx="1">
+            <a:schemeClr val="accent1"/>
+          </a:lnRef>
+          <a:fillRef idx="0">
+            <a:schemeClr val="accent1"/>
+          </a:fillRef>
+          <a:effectRef idx="0">
+            <a:schemeClr val="accent1"/>
+          </a:effectRef>
+          <a:fontRef idx="minor">
+            <a:schemeClr val="tx1"/>
+          </a:fontRef>
+        </p:style>
+      </p:cxnSp>
+      <p:cxnSp>
+        <p:nvCxnSpPr>
+          <p:cNvPr id="68" name="直線コネクタ 67">
+            <a:extLst>
+              <a:ext uri="{FF2B5EF4-FFF2-40B4-BE49-F238E27FC236}">
+                <a16:creationId xmlns:a16="http://schemas.microsoft.com/office/drawing/2014/main" id="{80F766FA-5F3C-56A3-C5DD-B8FB0347075A}"/>
+              </a:ext>
+            </a:extLst>
+          </p:cNvPr>
+          <p:cNvCxnSpPr>
+            <a:cxnSpLocks/>
+          </p:cNvCxnSpPr>
+          <p:nvPr/>
+        </p:nvCxnSpPr>
+        <p:spPr>
+          <a:xfrm>
+            <a:off x="5294325" y="361758"/>
+            <a:ext cx="2115000" cy="0"/>
+          </a:xfrm>
+          <a:prstGeom prst="line">
+            <a:avLst/>
+          </a:prstGeom>
+          <a:ln w="57150" cap="rnd">
+            <a:solidFill>
+              <a:schemeClr val="tx1"/>
+            </a:solidFill>
+            <a:prstDash val="solid"/>
+            <a:round/>
+            <a:tailEnd type="none"/>
+          </a:ln>
+        </p:spPr>
+        <p:style>
+          <a:lnRef idx="1">
+            <a:schemeClr val="accent1"/>
+          </a:lnRef>
+          <a:fillRef idx="0">
+            <a:schemeClr val="accent1"/>
+          </a:fillRef>
+          <a:effectRef idx="0">
+            <a:schemeClr val="accent1"/>
+          </a:effectRef>
+          <a:fontRef idx="minor">
+            <a:schemeClr val="tx1"/>
+          </a:fontRef>
+        </p:style>
+      </p:cxnSp>
+      <p:cxnSp>
+        <p:nvCxnSpPr>
+          <p:cNvPr id="69" name="直線コネクタ 68">
+            <a:extLst>
+              <a:ext uri="{FF2B5EF4-FFF2-40B4-BE49-F238E27FC236}">
+                <a16:creationId xmlns:a16="http://schemas.microsoft.com/office/drawing/2014/main" id="{FDC67057-EAE6-3C9A-0621-5584ADA061F7}"/>
+              </a:ext>
+            </a:extLst>
+          </p:cNvPr>
+          <p:cNvCxnSpPr>
+            <a:cxnSpLocks/>
+          </p:cNvCxnSpPr>
+          <p:nvPr/>
+        </p:nvCxnSpPr>
+        <p:spPr>
+          <a:xfrm flipV="1">
+            <a:off x="7409325" y="847660"/>
+            <a:ext cx="3738000" cy="15623"/>
+          </a:xfrm>
+          <a:prstGeom prst="line">
+            <a:avLst/>
+          </a:prstGeom>
+          <a:ln w="57150" cap="rnd">
+            <a:solidFill>
+              <a:schemeClr val="tx1"/>
+            </a:solidFill>
+            <a:prstDash val="solid"/>
+            <a:round/>
+            <a:tailEnd type="none"/>
+          </a:ln>
+        </p:spPr>
+        <p:style>
+          <a:lnRef idx="1">
+            <a:schemeClr val="accent1"/>
+          </a:lnRef>
+          <a:fillRef idx="0">
+            <a:schemeClr val="accent1"/>
+          </a:fillRef>
+          <a:effectRef idx="0">
+            <a:schemeClr val="accent1"/>
+          </a:effectRef>
+          <a:fontRef idx="minor">
+            <a:schemeClr val="tx1"/>
+          </a:fontRef>
+        </p:style>
+      </p:cxnSp>
+      <p:cxnSp>
+        <p:nvCxnSpPr>
+          <p:cNvPr id="70" name="直線コネクタ 69">
+            <a:extLst>
+              <a:ext uri="{FF2B5EF4-FFF2-40B4-BE49-F238E27FC236}">
+                <a16:creationId xmlns:a16="http://schemas.microsoft.com/office/drawing/2014/main" id="{F7655C91-A225-FC47-9508-0244E57C052B}"/>
+              </a:ext>
+            </a:extLst>
+          </p:cNvPr>
+          <p:cNvCxnSpPr>
+            <a:cxnSpLocks/>
+          </p:cNvCxnSpPr>
+          <p:nvPr/>
+        </p:nvCxnSpPr>
+        <p:spPr>
+          <a:xfrm flipV="1">
+            <a:off x="7409325" y="368283"/>
+            <a:ext cx="0" cy="495000"/>
+          </a:xfrm>
+          <a:prstGeom prst="line">
+            <a:avLst/>
+          </a:prstGeom>
+          <a:ln w="57150" cap="rnd">
+            <a:solidFill>
+              <a:schemeClr val="tx1"/>
+            </a:solidFill>
+            <a:prstDash val="solid"/>
+            <a:round/>
+            <a:tailEnd type="none"/>
+          </a:ln>
+        </p:spPr>
+        <p:style>
+          <a:lnRef idx="1">
+            <a:schemeClr val="accent1"/>
+          </a:lnRef>
+          <a:fillRef idx="0">
+            <a:schemeClr val="accent1"/>
+          </a:fillRef>
+          <a:effectRef idx="0">
+            <a:schemeClr val="accent1"/>
+          </a:effectRef>
+          <a:fontRef idx="minor">
+            <a:schemeClr val="tx1"/>
+          </a:fontRef>
+        </p:style>
+      </p:cxnSp>
+      <p:sp>
+        <p:nvSpPr>
+          <p:cNvPr id="71" name="テキスト ボックス 70">
+            <a:extLst>
+              <a:ext uri="{FF2B5EF4-FFF2-40B4-BE49-F238E27FC236}">
+                <a16:creationId xmlns:a16="http://schemas.microsoft.com/office/drawing/2014/main" id="{1248170E-F092-96F9-6695-4878DDBBE34B}"/>
+              </a:ext>
+            </a:extLst>
+          </p:cNvPr>
+          <p:cNvSpPr txBox="1"/>
+          <p:nvPr/>
+        </p:nvSpPr>
+        <p:spPr>
+          <a:xfrm>
+            <a:off x="369824" y="309965"/>
+            <a:ext cx="2168251" cy="523220"/>
+          </a:xfrm>
+          <a:prstGeom prst="rect">
+            <a:avLst/>
+          </a:prstGeom>
+          <a:noFill/>
+        </p:spPr>
+        <p:txBody>
+          <a:bodyPr wrap="square" rtlCol="0">
+            <a:spAutoFit/>
+          </a:bodyPr>
+          <a:lstStyle/>
+          <a:p>
+            <a:pPr algn="l"/>
+            <a:r>
+              <a:rPr kumimoji="1" lang="ja-JP" altLang="en-US" sz="2800" dirty="0">
+                <a:latin typeface="ＭＳ ゴシック" panose="020B0609070205080204" pitchFamily="49" charset="-128"/>
+                <a:ea typeface="ＭＳ ゴシック" panose="020B0609070205080204" pitchFamily="49" charset="-128"/>
+              </a:rPr>
+              <a:t>モニタ出力</a:t>
+            </a:r>
+          </a:p>
+        </p:txBody>
+      </p:sp>
+      <p:cxnSp>
+        <p:nvCxnSpPr>
+          <p:cNvPr id="86" name="直線矢印コネクタ 85">
+            <a:extLst>
+              <a:ext uri="{FF2B5EF4-FFF2-40B4-BE49-F238E27FC236}">
+                <a16:creationId xmlns:a16="http://schemas.microsoft.com/office/drawing/2014/main" id="{DB52FE9B-40BC-C365-F088-EC3C68C6FF02}"/>
+              </a:ext>
+            </a:extLst>
+          </p:cNvPr>
+          <p:cNvCxnSpPr>
+            <a:cxnSpLocks/>
+          </p:cNvCxnSpPr>
+          <p:nvPr/>
+        </p:nvCxnSpPr>
+        <p:spPr>
+          <a:xfrm>
+            <a:off x="3722247" y="3014019"/>
+            <a:ext cx="1364362" cy="1037236"/>
+          </a:xfrm>
+          <a:prstGeom prst="straightConnector1">
+            <a:avLst/>
+          </a:prstGeom>
+          <a:ln w="57150">
+            <a:tailEnd type="triangle"/>
+          </a:ln>
+        </p:spPr>
+        <p:style>
+          <a:lnRef idx="1">
+            <a:schemeClr val="accent1"/>
+          </a:lnRef>
+          <a:fillRef idx="0">
+            <a:schemeClr val="accent1"/>
+          </a:fillRef>
+          <a:effectRef idx="0">
+            <a:schemeClr val="accent1"/>
+          </a:effectRef>
+          <a:fontRef idx="minor">
+            <a:schemeClr val="tx1"/>
+          </a:fontRef>
+        </p:style>
+      </p:cxnSp>
+      <p:cxnSp>
+        <p:nvCxnSpPr>
+          <p:cNvPr id="87" name="直線矢印コネクタ 86">
+            <a:extLst>
+              <a:ext uri="{FF2B5EF4-FFF2-40B4-BE49-F238E27FC236}">
+                <a16:creationId xmlns:a16="http://schemas.microsoft.com/office/drawing/2014/main" id="{15D92A0E-41F7-162D-CAA6-6F2593225FA2}"/>
+              </a:ext>
+            </a:extLst>
+          </p:cNvPr>
+          <p:cNvCxnSpPr>
+            <a:cxnSpLocks/>
+          </p:cNvCxnSpPr>
+          <p:nvPr/>
+        </p:nvCxnSpPr>
+        <p:spPr>
+          <a:xfrm>
+            <a:off x="4422447" y="2992368"/>
+            <a:ext cx="1279797" cy="1035102"/>
+          </a:xfrm>
+          <a:prstGeom prst="straightConnector1">
+            <a:avLst/>
+          </a:prstGeom>
+          <a:ln w="57150">
+            <a:tailEnd type="triangle"/>
+          </a:ln>
+        </p:spPr>
+        <p:style>
+          <a:lnRef idx="1">
+            <a:schemeClr val="accent1"/>
+          </a:lnRef>
+          <a:fillRef idx="0">
+            <a:schemeClr val="accent1"/>
+          </a:fillRef>
+          <a:effectRef idx="0">
+            <a:schemeClr val="accent1"/>
+          </a:effectRef>
+          <a:fontRef idx="minor">
+            <a:schemeClr val="tx1"/>
+          </a:fontRef>
+        </p:style>
+      </p:cxnSp>
+      <p:cxnSp>
+        <p:nvCxnSpPr>
+          <p:cNvPr id="88" name="直線矢印コネクタ 87">
+            <a:extLst>
+              <a:ext uri="{FF2B5EF4-FFF2-40B4-BE49-F238E27FC236}">
+                <a16:creationId xmlns:a16="http://schemas.microsoft.com/office/drawing/2014/main" id="{8A79372D-464D-04E9-47D4-D5BED9B849F3}"/>
+              </a:ext>
+            </a:extLst>
+          </p:cNvPr>
+          <p:cNvCxnSpPr>
+            <a:cxnSpLocks/>
+          </p:cNvCxnSpPr>
+          <p:nvPr/>
+        </p:nvCxnSpPr>
+        <p:spPr>
+          <a:xfrm>
+            <a:off x="5042558" y="2960449"/>
+            <a:ext cx="1334767" cy="1090806"/>
+          </a:xfrm>
+          <a:prstGeom prst="straightConnector1">
+            <a:avLst/>
+          </a:prstGeom>
+          <a:ln w="57150">
+            <a:tailEnd type="triangle"/>
+          </a:ln>
+        </p:spPr>
+        <p:style>
+          <a:lnRef idx="1">
+            <a:schemeClr val="accent1"/>
+          </a:lnRef>
+          <a:fillRef idx="0">
+            <a:schemeClr val="accent1"/>
+          </a:fillRef>
+          <a:effectRef idx="0">
+            <a:schemeClr val="accent1"/>
+          </a:effectRef>
+          <a:fontRef idx="minor">
+            <a:schemeClr val="tx1"/>
+          </a:fontRef>
+        </p:style>
+      </p:cxnSp>
+      <p:cxnSp>
+        <p:nvCxnSpPr>
+          <p:cNvPr id="89" name="直線矢印コネクタ 88">
+            <a:extLst>
+              <a:ext uri="{FF2B5EF4-FFF2-40B4-BE49-F238E27FC236}">
+                <a16:creationId xmlns:a16="http://schemas.microsoft.com/office/drawing/2014/main" id="{22DB055C-FB98-3354-3A2B-C4DCD24159AA}"/>
+              </a:ext>
+            </a:extLst>
+          </p:cNvPr>
+          <p:cNvCxnSpPr>
+            <a:cxnSpLocks/>
+          </p:cNvCxnSpPr>
+          <p:nvPr/>
+        </p:nvCxnSpPr>
+        <p:spPr>
+          <a:xfrm>
+            <a:off x="7167900" y="2992368"/>
+            <a:ext cx="1279343" cy="1058887"/>
+          </a:xfrm>
+          <a:prstGeom prst="straightConnector1">
+            <a:avLst/>
+          </a:prstGeom>
+          <a:ln w="57150">
+            <a:tailEnd type="triangle"/>
+          </a:ln>
+        </p:spPr>
+        <p:style>
+          <a:lnRef idx="1">
+            <a:schemeClr val="accent1"/>
+          </a:lnRef>
+          <a:fillRef idx="0">
+            <a:schemeClr val="accent1"/>
+          </a:fillRef>
+          <a:effectRef idx="0">
+            <a:schemeClr val="accent1"/>
+          </a:effectRef>
+          <a:fontRef idx="minor">
+            <a:schemeClr val="tx1"/>
+          </a:fontRef>
+        </p:style>
+      </p:cxnSp>
+    </p:spTree>
+    <p:extLst>
+      <p:ext uri="{BB962C8B-B14F-4D97-AF65-F5344CB8AC3E}">
+        <p14:creationId xmlns:p14="http://schemas.microsoft.com/office/powerpoint/2010/main" val="775742110"/>
+      </p:ext>
+    </p:extLst>
+  </p:cSld>
+  <p:clrMapOvr>
+    <a:masterClrMapping/>
+  </p:clrMapOvr>
+</p:sld>
+</file>
+
 <file path=ppt/theme/theme1.xml><?xml version="1.0" encoding="utf-8"?>
 <a:theme xmlns:a="http://schemas.openxmlformats.org/drawingml/2006/main" name="Office テーマ">
   <a:themeElements>
@@ -8653,6 +15230,34 @@
     </a:fmtScheme>
   </a:themeElements>
   <a:objectDefaults>
+    <a:spDef>
+      <a:spPr>
+        <a:noFill/>
+        <a:ln w="38100"/>
+      </a:spPr>
+      <a:bodyPr rtlCol="0" anchor="ctr"/>
+      <a:lstStyle>
+        <a:defPPr algn="ctr">
+          <a:defRPr kumimoji="1"/>
+        </a:defPPr>
+      </a:lstStyle>
+      <a:style>
+        <a:lnRef idx="2">
+          <a:schemeClr val="accent1">
+            <a:shade val="15000"/>
+          </a:schemeClr>
+        </a:lnRef>
+        <a:fillRef idx="1">
+          <a:schemeClr val="accent1"/>
+        </a:fillRef>
+        <a:effectRef idx="0">
+          <a:schemeClr val="accent1"/>
+        </a:effectRef>
+        <a:fontRef idx="minor">
+          <a:schemeClr val="lt1"/>
+        </a:fontRef>
+      </a:style>
+    </a:spDef>
     <a:lnDef>
       <a:spPr>
         <a:ln w="57150">
@@ -8676,6 +15281,22 @@
         </a:fontRef>
       </a:style>
     </a:lnDef>
+    <a:txDef>
+      <a:spPr>
+        <a:noFill/>
+      </a:spPr>
+      <a:bodyPr wrap="square" rtlCol="0">
+        <a:spAutoFit/>
+      </a:bodyPr>
+      <a:lstStyle>
+        <a:defPPr algn="l">
+          <a:defRPr kumimoji="1" sz="2800" dirty="0">
+            <a:latin typeface="ＭＳ ゴシック" panose="020B0609070205080204" pitchFamily="49" charset="-128"/>
+            <a:ea typeface="ＭＳ ゴシック" panose="020B0609070205080204" pitchFamily="49" charset="-128"/>
+          </a:defRPr>
+        </a:defPPr>
+      </a:lstStyle>
+    </a:txDef>
   </a:objectDefaults>
   <a:extraClrSchemeLst/>
   <a:extLst>
